--- a/_Prototype/Document/System/System.pptx
+++ b/_Prototype/Document/System/System.pptx
@@ -5,7 +5,7 @@
     <p:sldMasterId id="2147483648" r:id="rId1"/>
   </p:sldMasterIdLst>
   <p:notesMasterIdLst>
-    <p:notesMasterId r:id="rId7"/>
+    <p:notesMasterId r:id="rId8"/>
   </p:notesMasterIdLst>
   <p:sldIdLst>
     <p:sldId id="257" r:id="rId2"/>
@@ -13,6 +13,7 @@
     <p:sldId id="297" r:id="rId4"/>
     <p:sldId id="295" r:id="rId5"/>
     <p:sldId id="296" r:id="rId6"/>
+    <p:sldId id="306" r:id="rId7"/>
   </p:sldIdLst>
   <p:sldSz cx="12192000" cy="6858000"/>
   <p:notesSz cx="6858000" cy="9144000"/>
@@ -111,6 +112,11 @@
       </a:defRPr>
     </a:lvl9pPr>
   </p:defaultTextStyle>
+  <p:extLst>
+    <p:ext uri="{EFAFB233-063F-42B5-8137-9DF3F51BA10A}">
+      <p15:sldGuideLst xmlns:p15="http://schemas.microsoft.com/office/powerpoint/2012/main"/>
+    </p:ext>
+  </p:extLst>
 </p:presentation>
 </file>
 
@@ -196,7 +202,7 @@
           <a:p>
             <a:fld id="{5064D356-14AE-452C-85BB-F06BE8F50F47}" type="datetimeFigureOut">
               <a:rPr lang="ko-KR" altLang="en-US" smtClean="0"/>
-              <a:t>2022-06-16(Thu)</a:t>
+              <a:t>2022-06-20(Mon)</a:t>
             </a:fld>
             <a:endParaRPr lang="ko-KR" altLang="en-US"/>
           </a:p>
@@ -799,6 +805,90 @@
 </p:notes>
 </file>
 
+<file path=ppt/notesSlides/notesSlide5.xml><?xml version="1.0" encoding="utf-8"?>
+<p:notes xmlns:a="http://schemas.openxmlformats.org/drawingml/2006/main" xmlns:r="http://schemas.openxmlformats.org/officeDocument/2006/relationships" xmlns:p="http://schemas.openxmlformats.org/presentationml/2006/main">
+  <p:cSld>
+    <p:spTree>
+      <p:nvGrpSpPr>
+        <p:cNvPr id="1" name=""/>
+        <p:cNvGrpSpPr/>
+        <p:nvPr/>
+      </p:nvGrpSpPr>
+      <p:grpSpPr>
+        <a:xfrm>
+          <a:off x="0" y="0"/>
+          <a:ext cx="0" cy="0"/>
+          <a:chOff x="0" y="0"/>
+          <a:chExt cx="0" cy="0"/>
+        </a:xfrm>
+      </p:grpSpPr>
+      <p:sp>
+        <p:nvSpPr>
+          <p:cNvPr id="2" name="슬라이드 이미지 개체 틀 1"/>
+          <p:cNvSpPr>
+            <a:spLocks noGrp="1" noRot="1" noChangeAspect="1"/>
+          </p:cNvSpPr>
+          <p:nvPr>
+            <p:ph type="sldImg"/>
+          </p:nvPr>
+        </p:nvSpPr>
+        <p:spPr/>
+      </p:sp>
+      <p:sp>
+        <p:nvSpPr>
+          <p:cNvPr id="3" name="슬라이드 노트 개체 틀 2"/>
+          <p:cNvSpPr>
+            <a:spLocks noGrp="1"/>
+          </p:cNvSpPr>
+          <p:nvPr>
+            <p:ph type="body" idx="1"/>
+          </p:nvPr>
+        </p:nvSpPr>
+        <p:spPr/>
+        <p:txBody>
+          <a:bodyPr/>
+          <a:lstStyle/>
+          <a:p>
+            <a:endParaRPr lang="ko-KR" altLang="en-US" dirty="0"/>
+          </a:p>
+        </p:txBody>
+      </p:sp>
+      <p:sp>
+        <p:nvSpPr>
+          <p:cNvPr id="4" name="슬라이드 번호 개체 틀 3"/>
+          <p:cNvSpPr>
+            <a:spLocks noGrp="1"/>
+          </p:cNvSpPr>
+          <p:nvPr>
+            <p:ph type="sldNum" sz="quarter" idx="5"/>
+          </p:nvPr>
+        </p:nvSpPr>
+        <p:spPr/>
+        <p:txBody>
+          <a:bodyPr/>
+          <a:lstStyle/>
+          <a:p>
+            <a:fld id="{73EB825B-89DC-4B21-8B3A-B3CA9CD761CE}" type="slidenum">
+              <a:rPr lang="ko-KR" altLang="en-US" smtClean="0"/>
+              <a:t>6</a:t>
+            </a:fld>
+            <a:endParaRPr lang="ko-KR" altLang="en-US"/>
+          </a:p>
+        </p:txBody>
+      </p:sp>
+    </p:spTree>
+    <p:extLst>
+      <p:ext uri="{BB962C8B-B14F-4D97-AF65-F5344CB8AC3E}">
+        <p14:creationId xmlns:p14="http://schemas.microsoft.com/office/powerpoint/2010/main" val="3747882015"/>
+      </p:ext>
+    </p:extLst>
+  </p:cSld>
+  <p:clrMapOvr>
+    <a:masterClrMapping/>
+  </p:clrMapOvr>
+</p:notes>
+</file>
+
 <file path=ppt/slideLayouts/slideLayout1.xml><?xml version="1.0" encoding="utf-8"?>
 <p:sldLayout xmlns:a="http://schemas.openxmlformats.org/drawingml/2006/main" xmlns:r="http://schemas.openxmlformats.org/officeDocument/2006/relationships" xmlns:p="http://schemas.openxmlformats.org/presentationml/2006/main" type="title" preserve="1">
   <p:cSld name="제목 슬라이드">
@@ -946,7 +1036,7 @@
           <a:p>
             <a:fld id="{620DA11D-05D1-46D7-9472-A0B2D9D00638}" type="datetimeFigureOut">
               <a:rPr lang="ko-KR" altLang="en-US" smtClean="0"/>
-              <a:t>2022-06-16(Thu)</a:t>
+              <a:t>2022-06-20(Mon)</a:t>
             </a:fld>
             <a:endParaRPr lang="ko-KR" altLang="en-US"/>
           </a:p>
@@ -1144,7 +1234,7 @@
           <a:p>
             <a:fld id="{620DA11D-05D1-46D7-9472-A0B2D9D00638}" type="datetimeFigureOut">
               <a:rPr lang="ko-KR" altLang="en-US" smtClean="0"/>
-              <a:t>2022-06-16(Thu)</a:t>
+              <a:t>2022-06-20(Mon)</a:t>
             </a:fld>
             <a:endParaRPr lang="ko-KR" altLang="en-US"/>
           </a:p>
@@ -1352,7 +1442,7 @@
           <a:p>
             <a:fld id="{620DA11D-05D1-46D7-9472-A0B2D9D00638}" type="datetimeFigureOut">
               <a:rPr lang="ko-KR" altLang="en-US" smtClean="0"/>
-              <a:t>2022-06-16(Thu)</a:t>
+              <a:t>2022-06-20(Mon)</a:t>
             </a:fld>
             <a:endParaRPr lang="ko-KR" altLang="en-US"/>
           </a:p>
@@ -1802,7 +1892,7 @@
           <a:p>
             <a:fld id="{620DA11D-05D1-46D7-9472-A0B2D9D00638}" type="datetimeFigureOut">
               <a:rPr lang="ko-KR" altLang="en-US" smtClean="0"/>
-              <a:t>2022-06-16(Thu)</a:t>
+              <a:t>2022-06-20(Mon)</a:t>
             </a:fld>
             <a:endParaRPr lang="ko-KR" altLang="en-US"/>
           </a:p>
@@ -2077,7 +2167,7 @@
           <a:p>
             <a:fld id="{620DA11D-05D1-46D7-9472-A0B2D9D00638}" type="datetimeFigureOut">
               <a:rPr lang="ko-KR" altLang="en-US" smtClean="0"/>
-              <a:t>2022-06-16(Thu)</a:t>
+              <a:t>2022-06-20(Mon)</a:t>
             </a:fld>
             <a:endParaRPr lang="ko-KR" altLang="en-US"/>
           </a:p>
@@ -2342,7 +2432,7 @@
           <a:p>
             <a:fld id="{620DA11D-05D1-46D7-9472-A0B2D9D00638}" type="datetimeFigureOut">
               <a:rPr lang="ko-KR" altLang="en-US" smtClean="0"/>
-              <a:t>2022-06-16(Thu)</a:t>
+              <a:t>2022-06-20(Mon)</a:t>
             </a:fld>
             <a:endParaRPr lang="ko-KR" altLang="en-US"/>
           </a:p>
@@ -2754,7 +2844,7 @@
           <a:p>
             <a:fld id="{620DA11D-05D1-46D7-9472-A0B2D9D00638}" type="datetimeFigureOut">
               <a:rPr lang="ko-KR" altLang="en-US" smtClean="0"/>
-              <a:t>2022-06-16(Thu)</a:t>
+              <a:t>2022-06-20(Mon)</a:t>
             </a:fld>
             <a:endParaRPr lang="ko-KR" altLang="en-US"/>
           </a:p>
@@ -2895,7 +2985,7 @@
           <a:p>
             <a:fld id="{620DA11D-05D1-46D7-9472-A0B2D9D00638}" type="datetimeFigureOut">
               <a:rPr lang="ko-KR" altLang="en-US" smtClean="0"/>
-              <a:t>2022-06-16(Thu)</a:t>
+              <a:t>2022-06-20(Mon)</a:t>
             </a:fld>
             <a:endParaRPr lang="ko-KR" altLang="en-US"/>
           </a:p>
@@ -3008,7 +3098,7 @@
           <a:p>
             <a:fld id="{620DA11D-05D1-46D7-9472-A0B2D9D00638}" type="datetimeFigureOut">
               <a:rPr lang="ko-KR" altLang="en-US" smtClean="0"/>
-              <a:t>2022-06-16(Thu)</a:t>
+              <a:t>2022-06-20(Mon)</a:t>
             </a:fld>
             <a:endParaRPr lang="ko-KR" altLang="en-US"/>
           </a:p>
@@ -3319,7 +3409,7 @@
           <a:p>
             <a:fld id="{620DA11D-05D1-46D7-9472-A0B2D9D00638}" type="datetimeFigureOut">
               <a:rPr lang="ko-KR" altLang="en-US" smtClean="0"/>
-              <a:t>2022-06-16(Thu)</a:t>
+              <a:t>2022-06-20(Mon)</a:t>
             </a:fld>
             <a:endParaRPr lang="ko-KR" altLang="en-US"/>
           </a:p>
@@ -3607,7 +3697,7 @@
           <a:p>
             <a:fld id="{620DA11D-05D1-46D7-9472-A0B2D9D00638}" type="datetimeFigureOut">
               <a:rPr lang="ko-KR" altLang="en-US" smtClean="0"/>
-              <a:t>2022-06-16(Thu)</a:t>
+              <a:t>2022-06-20(Mon)</a:t>
             </a:fld>
             <a:endParaRPr lang="ko-KR" altLang="en-US"/>
           </a:p>
@@ -3848,7 +3938,7 @@
           <a:p>
             <a:fld id="{620DA11D-05D1-46D7-9472-A0B2D9D00638}" type="datetimeFigureOut">
               <a:rPr lang="ko-KR" altLang="en-US" smtClean="0"/>
-              <a:t>2022-06-16(Thu)</a:t>
+              <a:t>2022-06-20(Mon)</a:t>
             </a:fld>
             <a:endParaRPr lang="ko-KR" altLang="en-US"/>
           </a:p>
@@ -11011,62 +11101,12 @@
           </a:fontRef>
         </p:style>
       </p:cxnSp>
-      <p:sp>
-        <p:nvSpPr>
-          <p:cNvPr id="143" name="직사각형 142"/>
-          <p:cNvSpPr/>
-          <p:nvPr/>
-        </p:nvSpPr>
-        <p:spPr>
-          <a:xfrm>
-            <a:off x="5935862" y="6276278"/>
-            <a:ext cx="1213338" cy="474785"/>
-          </a:xfrm>
-          <a:prstGeom prst="rect">
-            <a:avLst/>
-          </a:prstGeom>
-          <a:solidFill>
-            <a:srgbClr val="FFFF00"/>
-          </a:solidFill>
-        </p:spPr>
-        <p:style>
-          <a:lnRef idx="2">
-            <a:schemeClr val="accent1">
-              <a:shade val="50000"/>
-            </a:schemeClr>
-          </a:lnRef>
-          <a:fillRef idx="1">
-            <a:schemeClr val="accent1"/>
-          </a:fillRef>
-          <a:effectRef idx="0">
-            <a:schemeClr val="accent1"/>
-          </a:effectRef>
-          <a:fontRef idx="minor">
-            <a:schemeClr val="lt1"/>
-          </a:fontRef>
-        </p:style>
-        <p:txBody>
-          <a:bodyPr rtlCol="0" anchor="ctr"/>
-          <a:lstStyle/>
-          <a:p>
-            <a:pPr algn="ctr"/>
-            <a:r>
-              <a:rPr lang="ko-KR" altLang="en-US" sz="1100" dirty="0">
-                <a:solidFill>
-                  <a:schemeClr val="tx1"/>
-                </a:solidFill>
-              </a:rPr>
-              <a:t>게임 시작</a:t>
-            </a:r>
-          </a:p>
-        </p:txBody>
-      </p:sp>
       <p:cxnSp>
         <p:nvCxnSpPr>
           <p:cNvPr id="145" name="꺾인 연결선 144"/>
           <p:cNvCxnSpPr>
+            <a:cxnSpLocks/>
             <a:stCxn id="91" idx="2"/>
-            <a:endCxn id="143" idx="0"/>
           </p:cNvCxnSpPr>
           <p:nvPr/>
         </p:nvCxnSpPr>
@@ -11101,8 +11141,8 @@
         <p:nvCxnSpPr>
           <p:cNvPr id="147" name="꺾인 연결선 146"/>
           <p:cNvCxnSpPr>
+            <a:cxnSpLocks/>
             <a:stCxn id="101" idx="3"/>
-            <a:endCxn id="143" idx="0"/>
           </p:cNvCxnSpPr>
           <p:nvPr/>
         </p:nvCxnSpPr>
@@ -11570,10 +11610,2012 @@
           </a:p>
         </p:txBody>
       </p:sp>
+      <p:sp>
+        <p:nvSpPr>
+          <p:cNvPr id="53" name="모서리가 둥근 직사각형 39">
+            <a:extLst>
+              <a:ext uri="{FF2B5EF4-FFF2-40B4-BE49-F238E27FC236}">
+                <a16:creationId xmlns:a16="http://schemas.microsoft.com/office/drawing/2014/main" id="{4FA2E584-DEE4-01AD-39F9-AE0FEDB3EF76}"/>
+              </a:ext>
+            </a:extLst>
+          </p:cNvPr>
+          <p:cNvSpPr/>
+          <p:nvPr/>
+        </p:nvSpPr>
+        <p:spPr>
+          <a:xfrm>
+            <a:off x="5931465" y="6266225"/>
+            <a:ext cx="1222131" cy="424552"/>
+          </a:xfrm>
+          <a:prstGeom prst="roundRect">
+            <a:avLst/>
+          </a:prstGeom>
+          <a:ln>
+            <a:solidFill>
+              <a:schemeClr val="tx1"/>
+            </a:solidFill>
+          </a:ln>
+        </p:spPr>
+        <p:style>
+          <a:lnRef idx="2">
+            <a:schemeClr val="accent1">
+              <a:shade val="50000"/>
+            </a:schemeClr>
+          </a:lnRef>
+          <a:fillRef idx="1">
+            <a:schemeClr val="accent1"/>
+          </a:fillRef>
+          <a:effectRef idx="0">
+            <a:schemeClr val="accent1"/>
+          </a:effectRef>
+          <a:fontRef idx="minor">
+            <a:schemeClr val="lt1"/>
+          </a:fontRef>
+        </p:style>
+        <p:txBody>
+          <a:bodyPr rtlCol="0" anchor="ctr"/>
+          <a:lstStyle/>
+          <a:p>
+            <a:pPr algn="ctr"/>
+            <a:r>
+              <a:rPr lang="ko-KR" altLang="en-US" sz="1100" dirty="0"/>
+              <a:t>게임 시작</a:t>
+            </a:r>
+          </a:p>
+        </p:txBody>
+      </p:sp>
     </p:spTree>
     <p:extLst>
       <p:ext uri="{BB962C8B-B14F-4D97-AF65-F5344CB8AC3E}">
         <p14:creationId xmlns:p14="http://schemas.microsoft.com/office/powerpoint/2010/main" val="1067366761"/>
+      </p:ext>
+    </p:extLst>
+  </p:cSld>
+  <p:clrMapOvr>
+    <a:masterClrMapping/>
+  </p:clrMapOvr>
+</p:sld>
+</file>
+
+<file path=ppt/slides/slide6.xml><?xml version="1.0" encoding="utf-8"?>
+<p:sld xmlns:a="http://schemas.openxmlformats.org/drawingml/2006/main" xmlns:r="http://schemas.openxmlformats.org/officeDocument/2006/relationships" xmlns:p="http://schemas.openxmlformats.org/presentationml/2006/main">
+  <p:cSld>
+    <p:spTree>
+      <p:nvGrpSpPr>
+        <p:cNvPr id="1" name=""/>
+        <p:cNvGrpSpPr/>
+        <p:nvPr/>
+      </p:nvGrpSpPr>
+      <p:grpSpPr>
+        <a:xfrm>
+          <a:off x="0" y="0"/>
+          <a:ext cx="0" cy="0"/>
+          <a:chOff x="0" y="0"/>
+          <a:chExt cx="0" cy="0"/>
+        </a:xfrm>
+      </p:grpSpPr>
+      <p:sp>
+        <p:nvSpPr>
+          <p:cNvPr id="4" name="직사각형 3">
+            <a:extLst>
+              <a:ext uri="{FF2B5EF4-FFF2-40B4-BE49-F238E27FC236}">
+                <a16:creationId xmlns:a16="http://schemas.microsoft.com/office/drawing/2014/main" id="{AE93FE2A-85FE-4157-951C-FC2FADBB3B34}"/>
+              </a:ext>
+            </a:extLst>
+          </p:cNvPr>
+          <p:cNvSpPr/>
+          <p:nvPr/>
+        </p:nvSpPr>
+        <p:spPr>
+          <a:xfrm>
+            <a:off x="0" y="0"/>
+            <a:ext cx="12192000" cy="1034474"/>
+          </a:xfrm>
+          <a:prstGeom prst="rect">
+            <a:avLst/>
+          </a:prstGeom>
+          <a:solidFill>
+            <a:schemeClr val="accent5">
+              <a:lumMod val="60000"/>
+              <a:lumOff val="40000"/>
+            </a:schemeClr>
+          </a:solidFill>
+        </p:spPr>
+        <p:style>
+          <a:lnRef idx="2">
+            <a:schemeClr val="accent1">
+              <a:shade val="50000"/>
+            </a:schemeClr>
+          </a:lnRef>
+          <a:fillRef idx="1">
+            <a:schemeClr val="accent1"/>
+          </a:fillRef>
+          <a:effectRef idx="0">
+            <a:schemeClr val="accent1"/>
+          </a:effectRef>
+          <a:fontRef idx="minor">
+            <a:schemeClr val="lt1"/>
+          </a:fontRef>
+        </p:style>
+        <p:txBody>
+          <a:bodyPr rtlCol="0" anchor="ctr"/>
+          <a:lstStyle/>
+          <a:p>
+            <a:pPr algn="ctr"/>
+            <a:endParaRPr lang="ko-KR" altLang="en-US" dirty="0"/>
+          </a:p>
+        </p:txBody>
+      </p:sp>
+      <p:sp>
+        <p:nvSpPr>
+          <p:cNvPr id="7" name="TextBox 6">
+            <a:extLst>
+              <a:ext uri="{FF2B5EF4-FFF2-40B4-BE49-F238E27FC236}">
+                <a16:creationId xmlns:a16="http://schemas.microsoft.com/office/drawing/2014/main" id="{982817C4-ACF4-45FB-A018-6E6F872691BC}"/>
+              </a:ext>
+            </a:extLst>
+          </p:cNvPr>
+          <p:cNvSpPr txBox="1"/>
+          <p:nvPr/>
+        </p:nvSpPr>
+        <p:spPr>
+          <a:xfrm>
+            <a:off x="646546" y="255627"/>
+            <a:ext cx="4230254" cy="523220"/>
+          </a:xfrm>
+          <a:prstGeom prst="rect">
+            <a:avLst/>
+          </a:prstGeom>
+          <a:noFill/>
+        </p:spPr>
+        <p:txBody>
+          <a:bodyPr wrap="square" rtlCol="0">
+            <a:spAutoFit/>
+          </a:bodyPr>
+          <a:lstStyle/>
+          <a:p>
+            <a:r>
+              <a:rPr lang="ko-KR" altLang="en-US" sz="2800" b="1" dirty="0"/>
+              <a:t>게임 구조도 </a:t>
+            </a:r>
+            <a:r>
+              <a:rPr lang="en-US" altLang="ko-KR" sz="2800" b="1" dirty="0"/>
+              <a:t>( </a:t>
+            </a:r>
+            <a:r>
+              <a:rPr lang="ko-KR" altLang="en-US" sz="2800" b="1" dirty="0"/>
+              <a:t>게임 시작 </a:t>
+            </a:r>
+            <a:r>
+              <a:rPr lang="en-US" altLang="ko-KR" sz="2800" b="1" dirty="0"/>
+              <a:t>)</a:t>
+            </a:r>
+          </a:p>
+        </p:txBody>
+      </p:sp>
+      <p:sp>
+        <p:nvSpPr>
+          <p:cNvPr id="53" name="모서리가 둥근 직사각형 106">
+            <a:extLst>
+              <a:ext uri="{FF2B5EF4-FFF2-40B4-BE49-F238E27FC236}">
+                <a16:creationId xmlns:a16="http://schemas.microsoft.com/office/drawing/2014/main" id="{4504E0B0-5F19-8D0B-33CE-162409B5A0BC}"/>
+              </a:ext>
+            </a:extLst>
+          </p:cNvPr>
+          <p:cNvSpPr/>
+          <p:nvPr/>
+        </p:nvSpPr>
+        <p:spPr>
+          <a:xfrm>
+            <a:off x="5249891" y="1399473"/>
+            <a:ext cx="1222131" cy="424552"/>
+          </a:xfrm>
+          <a:prstGeom prst="roundRect">
+            <a:avLst/>
+          </a:prstGeom>
+          <a:ln>
+            <a:solidFill>
+              <a:schemeClr val="tx1"/>
+            </a:solidFill>
+          </a:ln>
+        </p:spPr>
+        <p:style>
+          <a:lnRef idx="2">
+            <a:schemeClr val="accent1">
+              <a:shade val="50000"/>
+            </a:schemeClr>
+          </a:lnRef>
+          <a:fillRef idx="1">
+            <a:schemeClr val="accent1"/>
+          </a:fillRef>
+          <a:effectRef idx="0">
+            <a:schemeClr val="accent1"/>
+          </a:effectRef>
+          <a:fontRef idx="minor">
+            <a:schemeClr val="lt1"/>
+          </a:fontRef>
+        </p:style>
+        <p:txBody>
+          <a:bodyPr rtlCol="0" anchor="ctr"/>
+          <a:lstStyle/>
+          <a:p>
+            <a:pPr algn="ctr"/>
+            <a:r>
+              <a:rPr lang="ko-KR" altLang="en-US" sz="1100" dirty="0"/>
+              <a:t>게임 시작</a:t>
+            </a:r>
+          </a:p>
+        </p:txBody>
+      </p:sp>
+      <p:sp>
+        <p:nvSpPr>
+          <p:cNvPr id="55" name="순서도: 처리 54">
+            <a:extLst>
+              <a:ext uri="{FF2B5EF4-FFF2-40B4-BE49-F238E27FC236}">
+                <a16:creationId xmlns:a16="http://schemas.microsoft.com/office/drawing/2014/main" id="{11E32D41-A7FC-E87F-99AD-2A08ACA6DCB7}"/>
+              </a:ext>
+            </a:extLst>
+          </p:cNvPr>
+          <p:cNvSpPr/>
+          <p:nvPr/>
+        </p:nvSpPr>
+        <p:spPr>
+          <a:xfrm>
+            <a:off x="5043271" y="2189024"/>
+            <a:ext cx="1635370" cy="288668"/>
+          </a:xfrm>
+          <a:prstGeom prst="flowChartProcess">
+            <a:avLst/>
+          </a:prstGeom>
+          <a:solidFill>
+            <a:srgbClr val="FFFF00"/>
+          </a:solidFill>
+          <a:ln>
+            <a:solidFill>
+              <a:schemeClr val="tx1"/>
+            </a:solidFill>
+          </a:ln>
+        </p:spPr>
+        <p:style>
+          <a:lnRef idx="2">
+            <a:schemeClr val="accent1">
+              <a:shade val="50000"/>
+            </a:schemeClr>
+          </a:lnRef>
+          <a:fillRef idx="1">
+            <a:schemeClr val="accent1"/>
+          </a:fillRef>
+          <a:effectRef idx="0">
+            <a:schemeClr val="accent1"/>
+          </a:effectRef>
+          <a:fontRef idx="minor">
+            <a:schemeClr val="lt1"/>
+          </a:fontRef>
+        </p:style>
+        <p:txBody>
+          <a:bodyPr rtlCol="0" anchor="ctr"/>
+          <a:lstStyle/>
+          <a:p>
+            <a:pPr algn="ctr"/>
+            <a:r>
+              <a:rPr lang="ko-KR" altLang="en-US" sz="1100" dirty="0">
+                <a:solidFill>
+                  <a:schemeClr val="tx1"/>
+                </a:solidFill>
+              </a:rPr>
+              <a:t>각 팀의 배에서 출발</a:t>
+            </a:r>
+          </a:p>
+        </p:txBody>
+      </p:sp>
+      <p:grpSp>
+        <p:nvGrpSpPr>
+          <p:cNvPr id="59" name="그룹 58">
+            <a:extLst>
+              <a:ext uri="{FF2B5EF4-FFF2-40B4-BE49-F238E27FC236}">
+                <a16:creationId xmlns:a16="http://schemas.microsoft.com/office/drawing/2014/main" id="{627AF9FF-E0DB-65CF-4619-18F0B923D8A3}"/>
+              </a:ext>
+            </a:extLst>
+          </p:cNvPr>
+          <p:cNvGrpSpPr/>
+          <p:nvPr/>
+        </p:nvGrpSpPr>
+        <p:grpSpPr>
+          <a:xfrm>
+            <a:off x="5181924" y="2805267"/>
+            <a:ext cx="1358064" cy="657256"/>
+            <a:chOff x="4539202" y="2796775"/>
+            <a:chExt cx="1358064" cy="657256"/>
+          </a:xfrm>
+        </p:grpSpPr>
+        <p:sp>
+          <p:nvSpPr>
+            <p:cNvPr id="60" name="순서도: 판단 59">
+              <a:extLst>
+                <a:ext uri="{FF2B5EF4-FFF2-40B4-BE49-F238E27FC236}">
+                  <a16:creationId xmlns:a16="http://schemas.microsoft.com/office/drawing/2014/main" id="{B4661138-9B96-7058-E465-38750035AF29}"/>
+                </a:ext>
+              </a:extLst>
+            </p:cNvPr>
+            <p:cNvSpPr/>
+            <p:nvPr/>
+          </p:nvSpPr>
+          <p:spPr>
+            <a:xfrm>
+              <a:off x="4558809" y="2796775"/>
+              <a:ext cx="1318847" cy="657256"/>
+            </a:xfrm>
+            <a:prstGeom prst="flowChartDecision">
+              <a:avLst/>
+            </a:prstGeom>
+            <a:solidFill>
+              <a:schemeClr val="bg1">
+                <a:lumMod val="65000"/>
+              </a:schemeClr>
+            </a:solidFill>
+            <a:ln>
+              <a:solidFill>
+                <a:schemeClr val="tx1"/>
+              </a:solidFill>
+            </a:ln>
+          </p:spPr>
+          <p:style>
+            <a:lnRef idx="2">
+              <a:schemeClr val="accent1">
+                <a:shade val="50000"/>
+              </a:schemeClr>
+            </a:lnRef>
+            <a:fillRef idx="1">
+              <a:schemeClr val="accent1"/>
+            </a:fillRef>
+            <a:effectRef idx="0">
+              <a:schemeClr val="accent1"/>
+            </a:effectRef>
+            <a:fontRef idx="minor">
+              <a:schemeClr val="lt1"/>
+            </a:fontRef>
+          </p:style>
+          <p:txBody>
+            <a:bodyPr rtlCol="0" anchor="ctr"/>
+            <a:lstStyle/>
+            <a:p>
+              <a:pPr algn="ctr"/>
+              <a:endParaRPr lang="ko-KR" altLang="en-US" sz="1200" dirty="0">
+                <a:solidFill>
+                  <a:schemeClr val="tx1"/>
+                </a:solidFill>
+              </a:endParaRPr>
+            </a:p>
+          </p:txBody>
+        </p:sp>
+        <p:sp>
+          <p:nvSpPr>
+            <p:cNvPr id="61" name="TextBox 60">
+              <a:extLst>
+                <a:ext uri="{FF2B5EF4-FFF2-40B4-BE49-F238E27FC236}">
+                  <a16:creationId xmlns:a16="http://schemas.microsoft.com/office/drawing/2014/main" id="{053210DB-67C6-99E8-EDDB-375C1D4C5114}"/>
+                </a:ext>
+              </a:extLst>
+            </p:cNvPr>
+            <p:cNvSpPr txBox="1"/>
+            <p:nvPr/>
+          </p:nvSpPr>
+          <p:spPr>
+            <a:xfrm>
+              <a:off x="4539202" y="2909959"/>
+              <a:ext cx="1358064" cy="415498"/>
+            </a:xfrm>
+            <a:prstGeom prst="rect">
+              <a:avLst/>
+            </a:prstGeom>
+            <a:noFill/>
+            <a:ln>
+              <a:noFill/>
+            </a:ln>
+          </p:spPr>
+          <p:txBody>
+            <a:bodyPr wrap="none" rtlCol="0">
+              <a:spAutoFit/>
+            </a:bodyPr>
+            <a:lstStyle/>
+            <a:p>
+              <a:pPr algn="ctr"/>
+              <a:r>
+                <a:rPr lang="ko-KR" altLang="en-US" sz="1050" b="1" dirty="0"/>
+                <a:t>아이템을 얻기</a:t>
+              </a:r>
+              <a:r>
+                <a:rPr lang="en-US" altLang="ko-KR" sz="1050" b="1" dirty="0"/>
+                <a:t> </a:t>
+              </a:r>
+              <a:r>
+                <a:rPr lang="ko-KR" altLang="en-US" sz="1050" b="1" dirty="0"/>
+                <a:t>위해</a:t>
+              </a:r>
+              <a:endParaRPr lang="en-US" altLang="ko-KR" sz="1050" b="1" dirty="0"/>
+            </a:p>
+            <a:p>
+              <a:pPr algn="ctr"/>
+              <a:r>
+                <a:rPr lang="ko-KR" altLang="en-US" sz="1050" b="1" dirty="0"/>
+                <a:t>미션을 할 것인가</a:t>
+              </a:r>
+              <a:r>
+                <a:rPr lang="en-US" altLang="ko-KR" sz="1050" b="1" dirty="0"/>
+                <a:t>?</a:t>
+              </a:r>
+              <a:endParaRPr lang="ko-KR" altLang="en-US" sz="1050" b="1" dirty="0"/>
+            </a:p>
+          </p:txBody>
+        </p:sp>
+      </p:grpSp>
+      <p:sp>
+        <p:nvSpPr>
+          <p:cNvPr id="66" name="순서도: 처리 65">
+            <a:extLst>
+              <a:ext uri="{FF2B5EF4-FFF2-40B4-BE49-F238E27FC236}">
+                <a16:creationId xmlns:a16="http://schemas.microsoft.com/office/drawing/2014/main" id="{9892FB18-3429-55C5-6B5D-C844EA61D45C}"/>
+              </a:ext>
+            </a:extLst>
+          </p:cNvPr>
+          <p:cNvSpPr/>
+          <p:nvPr/>
+        </p:nvSpPr>
+        <p:spPr>
+          <a:xfrm>
+            <a:off x="2761673" y="3355311"/>
+            <a:ext cx="1635370" cy="288668"/>
+          </a:xfrm>
+          <a:prstGeom prst="flowChartProcess">
+            <a:avLst/>
+          </a:prstGeom>
+          <a:solidFill>
+            <a:srgbClr val="FFFF00"/>
+          </a:solidFill>
+          <a:ln>
+            <a:solidFill>
+              <a:schemeClr val="tx1"/>
+            </a:solidFill>
+          </a:ln>
+        </p:spPr>
+        <p:style>
+          <a:lnRef idx="2">
+            <a:schemeClr val="accent1">
+              <a:shade val="50000"/>
+            </a:schemeClr>
+          </a:lnRef>
+          <a:fillRef idx="1">
+            <a:schemeClr val="accent1"/>
+          </a:fillRef>
+          <a:effectRef idx="0">
+            <a:schemeClr val="accent1"/>
+          </a:effectRef>
+          <a:fontRef idx="minor">
+            <a:schemeClr val="lt1"/>
+          </a:fontRef>
+        </p:style>
+        <p:txBody>
+          <a:bodyPr rtlCol="0" anchor="ctr"/>
+          <a:lstStyle/>
+          <a:p>
+            <a:pPr algn="ctr"/>
+            <a:r>
+              <a:rPr lang="ko-KR" altLang="en-US" sz="1100" dirty="0">
+                <a:solidFill>
+                  <a:schemeClr val="tx1"/>
+                </a:solidFill>
+              </a:rPr>
+              <a:t>아이템 획득 미션 진행</a:t>
+            </a:r>
+          </a:p>
+        </p:txBody>
+      </p:sp>
+      <p:sp>
+        <p:nvSpPr>
+          <p:cNvPr id="67" name="순서도: 처리 66">
+            <a:extLst>
+              <a:ext uri="{FF2B5EF4-FFF2-40B4-BE49-F238E27FC236}">
+                <a16:creationId xmlns:a16="http://schemas.microsoft.com/office/drawing/2014/main" id="{2F41F3D7-658A-5C2F-BDC3-0E43755038F6}"/>
+              </a:ext>
+            </a:extLst>
+          </p:cNvPr>
+          <p:cNvSpPr/>
+          <p:nvPr/>
+        </p:nvSpPr>
+        <p:spPr>
+          <a:xfrm>
+            <a:off x="7291040" y="3318189"/>
+            <a:ext cx="1635370" cy="288668"/>
+          </a:xfrm>
+          <a:prstGeom prst="flowChartProcess">
+            <a:avLst/>
+          </a:prstGeom>
+          <a:solidFill>
+            <a:srgbClr val="FFFF00"/>
+          </a:solidFill>
+          <a:ln>
+            <a:solidFill>
+              <a:schemeClr val="tx1"/>
+            </a:solidFill>
+          </a:ln>
+        </p:spPr>
+        <p:style>
+          <a:lnRef idx="2">
+            <a:schemeClr val="accent1">
+              <a:shade val="50000"/>
+            </a:schemeClr>
+          </a:lnRef>
+          <a:fillRef idx="1">
+            <a:schemeClr val="accent1"/>
+          </a:fillRef>
+          <a:effectRef idx="0">
+            <a:schemeClr val="accent1"/>
+          </a:effectRef>
+          <a:fontRef idx="minor">
+            <a:schemeClr val="lt1"/>
+          </a:fontRef>
+        </p:style>
+        <p:txBody>
+          <a:bodyPr rtlCol="0" anchor="ctr"/>
+          <a:lstStyle/>
+          <a:p>
+            <a:pPr algn="ctr"/>
+            <a:r>
+              <a:rPr lang="ko-KR" altLang="en-US" sz="1100" dirty="0">
+                <a:solidFill>
+                  <a:schemeClr val="tx1"/>
+                </a:solidFill>
+              </a:rPr>
+              <a:t>미션 방해</a:t>
+            </a:r>
+          </a:p>
+        </p:txBody>
+      </p:sp>
+      <p:cxnSp>
+        <p:nvCxnSpPr>
+          <p:cNvPr id="13" name="직선 화살표 연결선 12">
+            <a:extLst>
+              <a:ext uri="{FF2B5EF4-FFF2-40B4-BE49-F238E27FC236}">
+                <a16:creationId xmlns:a16="http://schemas.microsoft.com/office/drawing/2014/main" id="{CF83719E-1089-1C99-48C2-1A55007C49EB}"/>
+              </a:ext>
+            </a:extLst>
+          </p:cNvPr>
+          <p:cNvCxnSpPr>
+            <a:stCxn id="53" idx="2"/>
+            <a:endCxn id="55" idx="0"/>
+          </p:cNvCxnSpPr>
+          <p:nvPr/>
+        </p:nvCxnSpPr>
+        <p:spPr>
+          <a:xfrm flipH="1">
+            <a:off x="5860956" y="1824025"/>
+            <a:ext cx="1" cy="364999"/>
+          </a:xfrm>
+          <a:prstGeom prst="straightConnector1">
+            <a:avLst/>
+          </a:prstGeom>
+          <a:ln>
+            <a:tailEnd type="triangle"/>
+          </a:ln>
+        </p:spPr>
+        <p:style>
+          <a:lnRef idx="1">
+            <a:schemeClr val="dk1"/>
+          </a:lnRef>
+          <a:fillRef idx="0">
+            <a:schemeClr val="dk1"/>
+          </a:fillRef>
+          <a:effectRef idx="0">
+            <a:schemeClr val="dk1"/>
+          </a:effectRef>
+          <a:fontRef idx="minor">
+            <a:schemeClr val="tx1"/>
+          </a:fontRef>
+        </p:style>
+      </p:cxnSp>
+      <p:cxnSp>
+        <p:nvCxnSpPr>
+          <p:cNvPr id="15" name="직선 화살표 연결선 14">
+            <a:extLst>
+              <a:ext uri="{FF2B5EF4-FFF2-40B4-BE49-F238E27FC236}">
+                <a16:creationId xmlns:a16="http://schemas.microsoft.com/office/drawing/2014/main" id="{7386CD15-D5FA-F0C4-722F-8514B01E3EE6}"/>
+              </a:ext>
+            </a:extLst>
+          </p:cNvPr>
+          <p:cNvCxnSpPr>
+            <a:stCxn id="55" idx="2"/>
+            <a:endCxn id="60" idx="0"/>
+          </p:cNvCxnSpPr>
+          <p:nvPr/>
+        </p:nvCxnSpPr>
+        <p:spPr>
+          <a:xfrm flipH="1">
+            <a:off x="5860955" y="2477692"/>
+            <a:ext cx="1" cy="327575"/>
+          </a:xfrm>
+          <a:prstGeom prst="straightConnector1">
+            <a:avLst/>
+          </a:prstGeom>
+          <a:ln>
+            <a:tailEnd type="triangle"/>
+          </a:ln>
+        </p:spPr>
+        <p:style>
+          <a:lnRef idx="1">
+            <a:schemeClr val="dk1"/>
+          </a:lnRef>
+          <a:fillRef idx="0">
+            <a:schemeClr val="dk1"/>
+          </a:fillRef>
+          <a:effectRef idx="0">
+            <a:schemeClr val="dk1"/>
+          </a:effectRef>
+          <a:fontRef idx="minor">
+            <a:schemeClr val="tx1"/>
+          </a:fontRef>
+        </p:style>
+      </p:cxnSp>
+      <p:cxnSp>
+        <p:nvCxnSpPr>
+          <p:cNvPr id="17" name="연결선: 꺾임 16">
+            <a:extLst>
+              <a:ext uri="{FF2B5EF4-FFF2-40B4-BE49-F238E27FC236}">
+                <a16:creationId xmlns:a16="http://schemas.microsoft.com/office/drawing/2014/main" id="{11395CC8-5217-E6D6-BAEF-0854A6E92C4E}"/>
+              </a:ext>
+            </a:extLst>
+          </p:cNvPr>
+          <p:cNvCxnSpPr>
+            <a:stCxn id="61" idx="1"/>
+            <a:endCxn id="66" idx="0"/>
+          </p:cNvCxnSpPr>
+          <p:nvPr/>
+        </p:nvCxnSpPr>
+        <p:spPr>
+          <a:xfrm rot="10800000" flipV="1">
+            <a:off x="3579358" y="3126199"/>
+            <a:ext cx="1602566" cy="229111"/>
+          </a:xfrm>
+          <a:prstGeom prst="bentConnector2">
+            <a:avLst/>
+          </a:prstGeom>
+          <a:ln>
+            <a:tailEnd type="triangle"/>
+          </a:ln>
+        </p:spPr>
+        <p:style>
+          <a:lnRef idx="1">
+            <a:schemeClr val="dk1"/>
+          </a:lnRef>
+          <a:fillRef idx="0">
+            <a:schemeClr val="dk1"/>
+          </a:fillRef>
+          <a:effectRef idx="0">
+            <a:schemeClr val="dk1"/>
+          </a:effectRef>
+          <a:fontRef idx="minor">
+            <a:schemeClr val="tx1"/>
+          </a:fontRef>
+        </p:style>
+      </p:cxnSp>
+      <p:cxnSp>
+        <p:nvCxnSpPr>
+          <p:cNvPr id="19" name="연결선: 꺾임 18">
+            <a:extLst>
+              <a:ext uri="{FF2B5EF4-FFF2-40B4-BE49-F238E27FC236}">
+                <a16:creationId xmlns:a16="http://schemas.microsoft.com/office/drawing/2014/main" id="{52A9D4E3-8318-89CC-B71E-43AC94EE8530}"/>
+              </a:ext>
+            </a:extLst>
+          </p:cNvPr>
+          <p:cNvCxnSpPr>
+            <a:stCxn id="61" idx="3"/>
+            <a:endCxn id="67" idx="0"/>
+          </p:cNvCxnSpPr>
+          <p:nvPr/>
+        </p:nvCxnSpPr>
+        <p:spPr>
+          <a:xfrm>
+            <a:off x="6539988" y="3126200"/>
+            <a:ext cx="1568737" cy="191989"/>
+          </a:xfrm>
+          <a:prstGeom prst="bentConnector2">
+            <a:avLst/>
+          </a:prstGeom>
+          <a:ln>
+            <a:tailEnd type="triangle"/>
+          </a:ln>
+        </p:spPr>
+        <p:style>
+          <a:lnRef idx="1">
+            <a:schemeClr val="dk1"/>
+          </a:lnRef>
+          <a:fillRef idx="0">
+            <a:schemeClr val="dk1"/>
+          </a:fillRef>
+          <a:effectRef idx="0">
+            <a:schemeClr val="dk1"/>
+          </a:effectRef>
+          <a:fontRef idx="minor">
+            <a:schemeClr val="tx1"/>
+          </a:fontRef>
+        </p:style>
+      </p:cxnSp>
+      <p:sp>
+        <p:nvSpPr>
+          <p:cNvPr id="20" name="직사각형 19">
+            <a:extLst>
+              <a:ext uri="{FF2B5EF4-FFF2-40B4-BE49-F238E27FC236}">
+                <a16:creationId xmlns:a16="http://schemas.microsoft.com/office/drawing/2014/main" id="{870347AB-4FB7-9DE7-A141-E7A8CF6AE6EA}"/>
+              </a:ext>
+            </a:extLst>
+          </p:cNvPr>
+          <p:cNvSpPr/>
+          <p:nvPr/>
+        </p:nvSpPr>
+        <p:spPr>
+          <a:xfrm>
+            <a:off x="2847651" y="3961608"/>
+            <a:ext cx="1463414" cy="424552"/>
+          </a:xfrm>
+          <a:prstGeom prst="rect">
+            <a:avLst/>
+          </a:prstGeom>
+        </p:spPr>
+        <p:style>
+          <a:lnRef idx="2">
+            <a:schemeClr val="accent1">
+              <a:shade val="50000"/>
+            </a:schemeClr>
+          </a:lnRef>
+          <a:fillRef idx="1">
+            <a:schemeClr val="accent1"/>
+          </a:fillRef>
+          <a:effectRef idx="0">
+            <a:schemeClr val="accent1"/>
+          </a:effectRef>
+          <a:fontRef idx="minor">
+            <a:schemeClr val="lt1"/>
+          </a:fontRef>
+        </p:style>
+        <p:txBody>
+          <a:bodyPr rtlCol="0" anchor="ctr"/>
+          <a:lstStyle/>
+          <a:p>
+            <a:pPr algn="ctr"/>
+            <a:r>
+              <a:rPr lang="ko-KR" altLang="en-US" sz="1050" dirty="0"/>
+              <a:t>아이템 획득 미션</a:t>
+            </a:r>
+          </a:p>
+        </p:txBody>
+      </p:sp>
+      <p:cxnSp>
+        <p:nvCxnSpPr>
+          <p:cNvPr id="23" name="직선 화살표 연결선 22">
+            <a:extLst>
+              <a:ext uri="{FF2B5EF4-FFF2-40B4-BE49-F238E27FC236}">
+                <a16:creationId xmlns:a16="http://schemas.microsoft.com/office/drawing/2014/main" id="{C4F5E5A2-C128-CA43-AA92-499694335007}"/>
+              </a:ext>
+            </a:extLst>
+          </p:cNvPr>
+          <p:cNvCxnSpPr>
+            <a:stCxn id="66" idx="2"/>
+            <a:endCxn id="20" idx="0"/>
+          </p:cNvCxnSpPr>
+          <p:nvPr/>
+        </p:nvCxnSpPr>
+        <p:spPr>
+          <a:xfrm>
+            <a:off x="3579358" y="3643979"/>
+            <a:ext cx="0" cy="317629"/>
+          </a:xfrm>
+          <a:prstGeom prst="straightConnector1">
+            <a:avLst/>
+          </a:prstGeom>
+          <a:ln>
+            <a:tailEnd type="triangle"/>
+          </a:ln>
+        </p:spPr>
+        <p:style>
+          <a:lnRef idx="1">
+            <a:schemeClr val="dk1"/>
+          </a:lnRef>
+          <a:fillRef idx="0">
+            <a:schemeClr val="dk1"/>
+          </a:fillRef>
+          <a:effectRef idx="0">
+            <a:schemeClr val="dk1"/>
+          </a:effectRef>
+          <a:fontRef idx="minor">
+            <a:schemeClr val="tx1"/>
+          </a:fontRef>
+        </p:style>
+      </p:cxnSp>
+      <p:sp>
+        <p:nvSpPr>
+          <p:cNvPr id="78" name="직사각형 77">
+            <a:extLst>
+              <a:ext uri="{FF2B5EF4-FFF2-40B4-BE49-F238E27FC236}">
+                <a16:creationId xmlns:a16="http://schemas.microsoft.com/office/drawing/2014/main" id="{7F1587C1-F669-4FCD-05DC-0DEB45958CBC}"/>
+              </a:ext>
+            </a:extLst>
+          </p:cNvPr>
+          <p:cNvSpPr/>
+          <p:nvPr/>
+        </p:nvSpPr>
+        <p:spPr>
+          <a:xfrm>
+            <a:off x="9487786" y="5896033"/>
+            <a:ext cx="1463414" cy="424552"/>
+          </a:xfrm>
+          <a:prstGeom prst="rect">
+            <a:avLst/>
+          </a:prstGeom>
+        </p:spPr>
+        <p:style>
+          <a:lnRef idx="2">
+            <a:schemeClr val="accent1">
+              <a:shade val="50000"/>
+            </a:schemeClr>
+          </a:lnRef>
+          <a:fillRef idx="1">
+            <a:schemeClr val="accent1"/>
+          </a:fillRef>
+          <a:effectRef idx="0">
+            <a:schemeClr val="accent1"/>
+          </a:effectRef>
+          <a:fontRef idx="minor">
+            <a:schemeClr val="lt1"/>
+          </a:fontRef>
+        </p:style>
+        <p:txBody>
+          <a:bodyPr rtlCol="0" anchor="ctr"/>
+          <a:lstStyle/>
+          <a:p>
+            <a:pPr algn="ctr"/>
+            <a:r>
+              <a:rPr lang="ko-KR" altLang="en-US" sz="1050" dirty="0"/>
+              <a:t>스킬 사용</a:t>
+            </a:r>
+          </a:p>
+        </p:txBody>
+      </p:sp>
+      <p:cxnSp>
+        <p:nvCxnSpPr>
+          <p:cNvPr id="79" name="직선 화살표 연결선 78">
+            <a:extLst>
+              <a:ext uri="{FF2B5EF4-FFF2-40B4-BE49-F238E27FC236}">
+                <a16:creationId xmlns:a16="http://schemas.microsoft.com/office/drawing/2014/main" id="{FD65722B-CFBE-C234-398E-993FE3656D05}"/>
+              </a:ext>
+            </a:extLst>
+          </p:cNvPr>
+          <p:cNvCxnSpPr>
+            <a:cxnSpLocks/>
+            <a:stCxn id="67" idx="2"/>
+            <a:endCxn id="87" idx="0"/>
+          </p:cNvCxnSpPr>
+          <p:nvPr/>
+        </p:nvCxnSpPr>
+        <p:spPr>
+          <a:xfrm>
+            <a:off x="8108725" y="3606857"/>
+            <a:ext cx="0" cy="414333"/>
+          </a:xfrm>
+          <a:prstGeom prst="straightConnector1">
+            <a:avLst/>
+          </a:prstGeom>
+          <a:ln>
+            <a:tailEnd type="triangle"/>
+          </a:ln>
+        </p:spPr>
+        <p:style>
+          <a:lnRef idx="1">
+            <a:schemeClr val="dk1"/>
+          </a:lnRef>
+          <a:fillRef idx="0">
+            <a:schemeClr val="dk1"/>
+          </a:fillRef>
+          <a:effectRef idx="0">
+            <a:schemeClr val="dk1"/>
+          </a:effectRef>
+          <a:fontRef idx="minor">
+            <a:schemeClr val="tx1"/>
+          </a:fontRef>
+        </p:style>
+      </p:cxnSp>
+      <p:grpSp>
+        <p:nvGrpSpPr>
+          <p:cNvPr id="83" name="그룹 82">
+            <a:extLst>
+              <a:ext uri="{FF2B5EF4-FFF2-40B4-BE49-F238E27FC236}">
+                <a16:creationId xmlns:a16="http://schemas.microsoft.com/office/drawing/2014/main" id="{C24FA84B-C96B-CCA2-BFFF-203D3F8AF56E}"/>
+              </a:ext>
+            </a:extLst>
+          </p:cNvPr>
+          <p:cNvGrpSpPr/>
+          <p:nvPr/>
+        </p:nvGrpSpPr>
+        <p:grpSpPr>
+          <a:xfrm>
+            <a:off x="7449301" y="4944648"/>
+            <a:ext cx="1318847" cy="657256"/>
+            <a:chOff x="4558809" y="2796775"/>
+            <a:chExt cx="1318847" cy="657256"/>
+          </a:xfrm>
+        </p:grpSpPr>
+        <p:sp>
+          <p:nvSpPr>
+            <p:cNvPr id="84" name="순서도: 판단 83">
+              <a:extLst>
+                <a:ext uri="{FF2B5EF4-FFF2-40B4-BE49-F238E27FC236}">
+                  <a16:creationId xmlns:a16="http://schemas.microsoft.com/office/drawing/2014/main" id="{634B76CF-971F-3679-1A0C-6F6E0DDEAA4D}"/>
+                </a:ext>
+              </a:extLst>
+            </p:cNvPr>
+            <p:cNvSpPr/>
+            <p:nvPr/>
+          </p:nvSpPr>
+          <p:spPr>
+            <a:xfrm>
+              <a:off x="4558809" y="2796775"/>
+              <a:ext cx="1318847" cy="657256"/>
+            </a:xfrm>
+            <a:prstGeom prst="flowChartDecision">
+              <a:avLst/>
+            </a:prstGeom>
+            <a:solidFill>
+              <a:schemeClr val="bg1">
+                <a:lumMod val="65000"/>
+              </a:schemeClr>
+            </a:solidFill>
+            <a:ln>
+              <a:solidFill>
+                <a:schemeClr val="tx1"/>
+              </a:solidFill>
+            </a:ln>
+          </p:spPr>
+          <p:style>
+            <a:lnRef idx="2">
+              <a:schemeClr val="accent1">
+                <a:shade val="50000"/>
+              </a:schemeClr>
+            </a:lnRef>
+            <a:fillRef idx="1">
+              <a:schemeClr val="accent1"/>
+            </a:fillRef>
+            <a:effectRef idx="0">
+              <a:schemeClr val="accent1"/>
+            </a:effectRef>
+            <a:fontRef idx="minor">
+              <a:schemeClr val="lt1"/>
+            </a:fontRef>
+          </p:style>
+          <p:txBody>
+            <a:bodyPr rtlCol="0" anchor="ctr"/>
+            <a:lstStyle/>
+            <a:p>
+              <a:pPr algn="ctr"/>
+              <a:endParaRPr lang="ko-KR" altLang="en-US" sz="1200" dirty="0">
+                <a:solidFill>
+                  <a:schemeClr val="tx1"/>
+                </a:solidFill>
+              </a:endParaRPr>
+            </a:p>
+          </p:txBody>
+        </p:sp>
+        <p:sp>
+          <p:nvSpPr>
+            <p:cNvPr id="85" name="TextBox 84">
+              <a:extLst>
+                <a:ext uri="{FF2B5EF4-FFF2-40B4-BE49-F238E27FC236}">
+                  <a16:creationId xmlns:a16="http://schemas.microsoft.com/office/drawing/2014/main" id="{252F84CA-8BA9-7CFD-82DB-25DCE4991239}"/>
+                </a:ext>
+              </a:extLst>
+            </p:cNvPr>
+            <p:cNvSpPr txBox="1"/>
+            <p:nvPr/>
+          </p:nvSpPr>
+          <p:spPr>
+            <a:xfrm>
+              <a:off x="4673852" y="2917654"/>
+              <a:ext cx="1088760" cy="415498"/>
+            </a:xfrm>
+            <a:prstGeom prst="rect">
+              <a:avLst/>
+            </a:prstGeom>
+            <a:noFill/>
+            <a:ln>
+              <a:noFill/>
+            </a:ln>
+          </p:spPr>
+          <p:txBody>
+            <a:bodyPr wrap="none" rtlCol="0">
+              <a:spAutoFit/>
+            </a:bodyPr>
+            <a:lstStyle/>
+            <a:p>
+              <a:pPr algn="ctr"/>
+              <a:r>
+                <a:rPr lang="ko-KR" altLang="en-US" sz="1050" b="1" dirty="0"/>
+                <a:t>미션 쿨 타임이</a:t>
+              </a:r>
+              <a:endParaRPr lang="en-US" altLang="ko-KR" sz="1050" b="1" dirty="0"/>
+            </a:p>
+            <a:p>
+              <a:pPr algn="ctr"/>
+              <a:r>
+                <a:rPr lang="ko-KR" altLang="en-US" sz="1050" b="1" dirty="0"/>
+                <a:t> 있는가</a:t>
+              </a:r>
+              <a:r>
+                <a:rPr lang="en-US" altLang="ko-KR" sz="1050" b="1" dirty="0"/>
+                <a:t>?</a:t>
+              </a:r>
+              <a:endParaRPr lang="ko-KR" altLang="en-US" sz="1050" b="1" dirty="0"/>
+            </a:p>
+          </p:txBody>
+        </p:sp>
+      </p:grpSp>
+      <p:grpSp>
+        <p:nvGrpSpPr>
+          <p:cNvPr id="86" name="그룹 85">
+            <a:extLst>
+              <a:ext uri="{FF2B5EF4-FFF2-40B4-BE49-F238E27FC236}">
+                <a16:creationId xmlns:a16="http://schemas.microsoft.com/office/drawing/2014/main" id="{3F07034D-1C75-500F-B000-653CC22F6120}"/>
+              </a:ext>
+            </a:extLst>
+          </p:cNvPr>
+          <p:cNvGrpSpPr/>
+          <p:nvPr/>
+        </p:nvGrpSpPr>
+        <p:grpSpPr>
+          <a:xfrm>
+            <a:off x="7449301" y="4021190"/>
+            <a:ext cx="1318847" cy="657256"/>
+            <a:chOff x="4558809" y="2796775"/>
+            <a:chExt cx="1318847" cy="657256"/>
+          </a:xfrm>
+        </p:grpSpPr>
+        <p:sp>
+          <p:nvSpPr>
+            <p:cNvPr id="87" name="순서도: 판단 86">
+              <a:extLst>
+                <a:ext uri="{FF2B5EF4-FFF2-40B4-BE49-F238E27FC236}">
+                  <a16:creationId xmlns:a16="http://schemas.microsoft.com/office/drawing/2014/main" id="{C14AC316-4922-D2E1-6D63-CE2AFFAC2681}"/>
+                </a:ext>
+              </a:extLst>
+            </p:cNvPr>
+            <p:cNvSpPr/>
+            <p:nvPr/>
+          </p:nvSpPr>
+          <p:spPr>
+            <a:xfrm>
+              <a:off x="4558809" y="2796775"/>
+              <a:ext cx="1318847" cy="657256"/>
+            </a:xfrm>
+            <a:prstGeom prst="flowChartDecision">
+              <a:avLst/>
+            </a:prstGeom>
+            <a:solidFill>
+              <a:schemeClr val="bg1">
+                <a:lumMod val="65000"/>
+              </a:schemeClr>
+            </a:solidFill>
+            <a:ln>
+              <a:solidFill>
+                <a:schemeClr val="tx1"/>
+              </a:solidFill>
+            </a:ln>
+          </p:spPr>
+          <p:style>
+            <a:lnRef idx="2">
+              <a:schemeClr val="accent1">
+                <a:shade val="50000"/>
+              </a:schemeClr>
+            </a:lnRef>
+            <a:fillRef idx="1">
+              <a:schemeClr val="accent1"/>
+            </a:fillRef>
+            <a:effectRef idx="0">
+              <a:schemeClr val="accent1"/>
+            </a:effectRef>
+            <a:fontRef idx="minor">
+              <a:schemeClr val="lt1"/>
+            </a:fontRef>
+          </p:style>
+          <p:txBody>
+            <a:bodyPr rtlCol="0" anchor="ctr"/>
+            <a:lstStyle/>
+            <a:p>
+              <a:pPr algn="ctr"/>
+              <a:endParaRPr lang="ko-KR" altLang="en-US" sz="1200" dirty="0">
+                <a:solidFill>
+                  <a:schemeClr val="tx1"/>
+                </a:solidFill>
+              </a:endParaRPr>
+            </a:p>
+          </p:txBody>
+        </p:sp>
+        <p:sp>
+          <p:nvSpPr>
+            <p:cNvPr id="88" name="TextBox 87">
+              <a:extLst>
+                <a:ext uri="{FF2B5EF4-FFF2-40B4-BE49-F238E27FC236}">
+                  <a16:creationId xmlns:a16="http://schemas.microsoft.com/office/drawing/2014/main" id="{BF80CB75-BB77-1098-9818-7E412097AC6B}"/>
+                </a:ext>
+              </a:extLst>
+            </p:cNvPr>
+            <p:cNvSpPr txBox="1"/>
+            <p:nvPr/>
+          </p:nvSpPr>
+          <p:spPr>
+            <a:xfrm>
+              <a:off x="4600113" y="2998445"/>
+              <a:ext cx="1236237" cy="253916"/>
+            </a:xfrm>
+            <a:prstGeom prst="rect">
+              <a:avLst/>
+            </a:prstGeom>
+            <a:noFill/>
+            <a:ln>
+              <a:noFill/>
+            </a:ln>
+          </p:spPr>
+          <p:txBody>
+            <a:bodyPr wrap="none" rtlCol="0">
+              <a:spAutoFit/>
+            </a:bodyPr>
+            <a:lstStyle/>
+            <a:p>
+              <a:pPr algn="ctr"/>
+              <a:r>
+                <a:rPr lang="ko-KR" altLang="en-US" sz="1050" b="1" dirty="0"/>
+                <a:t>패시브 스킬인가</a:t>
+              </a:r>
+              <a:r>
+                <a:rPr lang="en-US" altLang="ko-KR" sz="1050" b="1" dirty="0"/>
+                <a:t>?</a:t>
+              </a:r>
+              <a:endParaRPr lang="ko-KR" altLang="en-US" sz="1050" b="1" dirty="0"/>
+            </a:p>
+          </p:txBody>
+        </p:sp>
+      </p:grpSp>
+      <p:cxnSp>
+        <p:nvCxnSpPr>
+          <p:cNvPr id="39" name="연결선: 꺾임 38">
+            <a:extLst>
+              <a:ext uri="{FF2B5EF4-FFF2-40B4-BE49-F238E27FC236}">
+                <a16:creationId xmlns:a16="http://schemas.microsoft.com/office/drawing/2014/main" id="{4FE702C6-107F-47A3-A41F-C5DF0D4959FA}"/>
+              </a:ext>
+            </a:extLst>
+          </p:cNvPr>
+          <p:cNvCxnSpPr>
+            <a:stCxn id="87" idx="3"/>
+            <a:endCxn id="78" idx="0"/>
+          </p:cNvCxnSpPr>
+          <p:nvPr/>
+        </p:nvCxnSpPr>
+        <p:spPr>
+          <a:xfrm>
+            <a:off x="8768148" y="4349818"/>
+            <a:ext cx="1451345" cy="1546215"/>
+          </a:xfrm>
+          <a:prstGeom prst="bentConnector2">
+            <a:avLst/>
+          </a:prstGeom>
+          <a:ln>
+            <a:tailEnd type="triangle"/>
+          </a:ln>
+        </p:spPr>
+        <p:style>
+          <a:lnRef idx="1">
+            <a:schemeClr val="dk1"/>
+          </a:lnRef>
+          <a:fillRef idx="0">
+            <a:schemeClr val="dk1"/>
+          </a:fillRef>
+          <a:effectRef idx="0">
+            <a:schemeClr val="dk1"/>
+          </a:effectRef>
+          <a:fontRef idx="minor">
+            <a:schemeClr val="tx1"/>
+          </a:fontRef>
+        </p:style>
+      </p:cxnSp>
+      <p:cxnSp>
+        <p:nvCxnSpPr>
+          <p:cNvPr id="42" name="연결선: 꺾임 41">
+            <a:extLst>
+              <a:ext uri="{FF2B5EF4-FFF2-40B4-BE49-F238E27FC236}">
+                <a16:creationId xmlns:a16="http://schemas.microsoft.com/office/drawing/2014/main" id="{FF705105-920C-446B-28CF-39EE277EDF12}"/>
+              </a:ext>
+            </a:extLst>
+          </p:cNvPr>
+          <p:cNvCxnSpPr>
+            <a:cxnSpLocks/>
+            <a:stCxn id="84" idx="3"/>
+            <a:endCxn id="78" idx="0"/>
+          </p:cNvCxnSpPr>
+          <p:nvPr/>
+        </p:nvCxnSpPr>
+        <p:spPr>
+          <a:xfrm>
+            <a:off x="8768148" y="5273276"/>
+            <a:ext cx="1451345" cy="622757"/>
+          </a:xfrm>
+          <a:prstGeom prst="bentConnector2">
+            <a:avLst/>
+          </a:prstGeom>
+          <a:ln>
+            <a:tailEnd type="triangle"/>
+          </a:ln>
+        </p:spPr>
+        <p:style>
+          <a:lnRef idx="1">
+            <a:schemeClr val="dk1"/>
+          </a:lnRef>
+          <a:fillRef idx="0">
+            <a:schemeClr val="dk1"/>
+          </a:fillRef>
+          <a:effectRef idx="0">
+            <a:schemeClr val="dk1"/>
+          </a:effectRef>
+          <a:fontRef idx="minor">
+            <a:schemeClr val="tx1"/>
+          </a:fontRef>
+        </p:style>
+      </p:cxnSp>
+      <p:cxnSp>
+        <p:nvCxnSpPr>
+          <p:cNvPr id="45" name="직선 화살표 연결선 44">
+            <a:extLst>
+              <a:ext uri="{FF2B5EF4-FFF2-40B4-BE49-F238E27FC236}">
+                <a16:creationId xmlns:a16="http://schemas.microsoft.com/office/drawing/2014/main" id="{78ABC9EA-4A61-B07C-9A2E-ECB28CE88799}"/>
+              </a:ext>
+            </a:extLst>
+          </p:cNvPr>
+          <p:cNvCxnSpPr>
+            <a:stCxn id="87" idx="2"/>
+            <a:endCxn id="84" idx="0"/>
+          </p:cNvCxnSpPr>
+          <p:nvPr/>
+        </p:nvCxnSpPr>
+        <p:spPr>
+          <a:xfrm>
+            <a:off x="8108725" y="4678446"/>
+            <a:ext cx="0" cy="266202"/>
+          </a:xfrm>
+          <a:prstGeom prst="straightConnector1">
+            <a:avLst/>
+          </a:prstGeom>
+          <a:ln>
+            <a:tailEnd type="triangle"/>
+          </a:ln>
+        </p:spPr>
+        <p:style>
+          <a:lnRef idx="1">
+            <a:schemeClr val="dk1"/>
+          </a:lnRef>
+          <a:fillRef idx="0">
+            <a:schemeClr val="dk1"/>
+          </a:fillRef>
+          <a:effectRef idx="0">
+            <a:schemeClr val="dk1"/>
+          </a:effectRef>
+          <a:fontRef idx="minor">
+            <a:schemeClr val="tx1"/>
+          </a:fontRef>
+        </p:style>
+      </p:cxnSp>
+      <p:sp>
+        <p:nvSpPr>
+          <p:cNvPr id="68" name="TextBox 67">
+            <a:extLst>
+              <a:ext uri="{FF2B5EF4-FFF2-40B4-BE49-F238E27FC236}">
+                <a16:creationId xmlns:a16="http://schemas.microsoft.com/office/drawing/2014/main" id="{25F003DC-A535-A7E3-5CEE-356BA1908074}"/>
+              </a:ext>
+            </a:extLst>
+          </p:cNvPr>
+          <p:cNvSpPr txBox="1"/>
+          <p:nvPr/>
+        </p:nvSpPr>
+        <p:spPr>
+          <a:xfrm>
+            <a:off x="4239362" y="2820087"/>
+            <a:ext cx="402674" cy="261610"/>
+          </a:xfrm>
+          <a:prstGeom prst="rect">
+            <a:avLst/>
+          </a:prstGeom>
+          <a:noFill/>
+        </p:spPr>
+        <p:txBody>
+          <a:bodyPr wrap="none" rtlCol="0">
+            <a:spAutoFit/>
+          </a:bodyPr>
+          <a:lstStyle/>
+          <a:p>
+            <a:r>
+              <a:rPr lang="en-US" altLang="ko-KR" sz="1100" b="1" dirty="0"/>
+              <a:t>yes</a:t>
+            </a:r>
+            <a:endParaRPr lang="ko-KR" altLang="en-US" sz="1100" b="1" dirty="0"/>
+          </a:p>
+        </p:txBody>
+      </p:sp>
+      <p:sp>
+        <p:nvSpPr>
+          <p:cNvPr id="110" name="TextBox 109">
+            <a:extLst>
+              <a:ext uri="{FF2B5EF4-FFF2-40B4-BE49-F238E27FC236}">
+                <a16:creationId xmlns:a16="http://schemas.microsoft.com/office/drawing/2014/main" id="{191A6605-CC86-CEAC-C7B1-B6933982E322}"/>
+              </a:ext>
+            </a:extLst>
+          </p:cNvPr>
+          <p:cNvSpPr txBox="1"/>
+          <p:nvPr/>
+        </p:nvSpPr>
+        <p:spPr>
+          <a:xfrm>
+            <a:off x="9292483" y="4054699"/>
+            <a:ext cx="402674" cy="261610"/>
+          </a:xfrm>
+          <a:prstGeom prst="rect">
+            <a:avLst/>
+          </a:prstGeom>
+          <a:noFill/>
+        </p:spPr>
+        <p:txBody>
+          <a:bodyPr wrap="none" rtlCol="0">
+            <a:spAutoFit/>
+          </a:bodyPr>
+          <a:lstStyle/>
+          <a:p>
+            <a:r>
+              <a:rPr lang="en-US" altLang="ko-KR" sz="1100" b="1" dirty="0"/>
+              <a:t>yes</a:t>
+            </a:r>
+            <a:endParaRPr lang="ko-KR" altLang="en-US" sz="1100" b="1" dirty="0"/>
+          </a:p>
+        </p:txBody>
+      </p:sp>
+      <p:sp>
+        <p:nvSpPr>
+          <p:cNvPr id="111" name="TextBox 110">
+            <a:extLst>
+              <a:ext uri="{FF2B5EF4-FFF2-40B4-BE49-F238E27FC236}">
+                <a16:creationId xmlns:a16="http://schemas.microsoft.com/office/drawing/2014/main" id="{4FD6317B-DFF7-C68F-8B32-1D3A946BE736}"/>
+              </a:ext>
+            </a:extLst>
+          </p:cNvPr>
+          <p:cNvSpPr txBox="1"/>
+          <p:nvPr/>
+        </p:nvSpPr>
+        <p:spPr>
+          <a:xfrm>
+            <a:off x="8160109" y="5503529"/>
+            <a:ext cx="402674" cy="261610"/>
+          </a:xfrm>
+          <a:prstGeom prst="rect">
+            <a:avLst/>
+          </a:prstGeom>
+          <a:noFill/>
+        </p:spPr>
+        <p:txBody>
+          <a:bodyPr wrap="none" rtlCol="0">
+            <a:spAutoFit/>
+          </a:bodyPr>
+          <a:lstStyle/>
+          <a:p>
+            <a:r>
+              <a:rPr lang="en-US" altLang="ko-KR" sz="1100" b="1" dirty="0"/>
+              <a:t>yes</a:t>
+            </a:r>
+            <a:endParaRPr lang="ko-KR" altLang="en-US" sz="1100" b="1" dirty="0"/>
+          </a:p>
+        </p:txBody>
+      </p:sp>
+      <p:grpSp>
+        <p:nvGrpSpPr>
+          <p:cNvPr id="112" name="그룹 111">
+            <a:extLst>
+              <a:ext uri="{FF2B5EF4-FFF2-40B4-BE49-F238E27FC236}">
+                <a16:creationId xmlns:a16="http://schemas.microsoft.com/office/drawing/2014/main" id="{0732B68C-3886-292D-6490-AEBAFA3F11E9}"/>
+              </a:ext>
+            </a:extLst>
+          </p:cNvPr>
+          <p:cNvGrpSpPr/>
+          <p:nvPr/>
+        </p:nvGrpSpPr>
+        <p:grpSpPr>
+          <a:xfrm>
+            <a:off x="7441245" y="5779681"/>
+            <a:ext cx="1318847" cy="657256"/>
+            <a:chOff x="4558809" y="2796775"/>
+            <a:chExt cx="1318847" cy="657256"/>
+          </a:xfrm>
+        </p:grpSpPr>
+        <p:sp>
+          <p:nvSpPr>
+            <p:cNvPr id="113" name="순서도: 판단 112">
+              <a:extLst>
+                <a:ext uri="{FF2B5EF4-FFF2-40B4-BE49-F238E27FC236}">
+                  <a16:creationId xmlns:a16="http://schemas.microsoft.com/office/drawing/2014/main" id="{F448878C-6E86-3179-B37C-DEBF5044A4E3}"/>
+                </a:ext>
+              </a:extLst>
+            </p:cNvPr>
+            <p:cNvSpPr/>
+            <p:nvPr/>
+          </p:nvSpPr>
+          <p:spPr>
+            <a:xfrm>
+              <a:off x="4558809" y="2796775"/>
+              <a:ext cx="1318847" cy="657256"/>
+            </a:xfrm>
+            <a:prstGeom prst="flowChartDecision">
+              <a:avLst/>
+            </a:prstGeom>
+            <a:solidFill>
+              <a:schemeClr val="bg1">
+                <a:lumMod val="65000"/>
+              </a:schemeClr>
+            </a:solidFill>
+            <a:ln>
+              <a:solidFill>
+                <a:schemeClr val="tx1"/>
+              </a:solidFill>
+            </a:ln>
+          </p:spPr>
+          <p:style>
+            <a:lnRef idx="2">
+              <a:schemeClr val="accent1">
+                <a:shade val="50000"/>
+              </a:schemeClr>
+            </a:lnRef>
+            <a:fillRef idx="1">
+              <a:schemeClr val="accent1"/>
+            </a:fillRef>
+            <a:effectRef idx="0">
+              <a:schemeClr val="accent1"/>
+            </a:effectRef>
+            <a:fontRef idx="minor">
+              <a:schemeClr val="lt1"/>
+            </a:fontRef>
+          </p:style>
+          <p:txBody>
+            <a:bodyPr rtlCol="0" anchor="ctr"/>
+            <a:lstStyle/>
+            <a:p>
+              <a:pPr algn="ctr"/>
+              <a:endParaRPr lang="ko-KR" altLang="en-US" sz="1200" dirty="0">
+                <a:solidFill>
+                  <a:schemeClr val="tx1"/>
+                </a:solidFill>
+              </a:endParaRPr>
+            </a:p>
+          </p:txBody>
+        </p:sp>
+        <p:sp>
+          <p:nvSpPr>
+            <p:cNvPr id="114" name="TextBox 113">
+              <a:extLst>
+                <a:ext uri="{FF2B5EF4-FFF2-40B4-BE49-F238E27FC236}">
+                  <a16:creationId xmlns:a16="http://schemas.microsoft.com/office/drawing/2014/main" id="{605435AC-7787-AD89-EE20-547709CEA183}"/>
+                </a:ext>
+              </a:extLst>
+            </p:cNvPr>
+            <p:cNvSpPr txBox="1"/>
+            <p:nvPr/>
+          </p:nvSpPr>
+          <p:spPr>
+            <a:xfrm>
+              <a:off x="4673852" y="2917654"/>
+              <a:ext cx="1088760" cy="415498"/>
+            </a:xfrm>
+            <a:prstGeom prst="rect">
+              <a:avLst/>
+            </a:prstGeom>
+            <a:noFill/>
+            <a:ln>
+              <a:noFill/>
+            </a:ln>
+          </p:spPr>
+          <p:txBody>
+            <a:bodyPr wrap="none" rtlCol="0">
+              <a:spAutoFit/>
+            </a:bodyPr>
+            <a:lstStyle/>
+            <a:p>
+              <a:pPr algn="ctr"/>
+              <a:r>
+                <a:rPr lang="ko-KR" altLang="en-US" sz="1050" b="1" dirty="0"/>
+                <a:t>미션 쿨 타임이</a:t>
+              </a:r>
+              <a:endParaRPr lang="en-US" altLang="ko-KR" sz="1050" b="1" dirty="0"/>
+            </a:p>
+            <a:p>
+              <a:pPr algn="ctr"/>
+              <a:r>
+                <a:rPr lang="ko-KR" altLang="en-US" sz="1050" b="1" dirty="0"/>
+                <a:t> 다 돌았는가</a:t>
+              </a:r>
+              <a:r>
+                <a:rPr lang="en-US" altLang="ko-KR" sz="1050" b="1" dirty="0"/>
+                <a:t>?</a:t>
+              </a:r>
+              <a:endParaRPr lang="ko-KR" altLang="en-US" sz="1050" b="1" dirty="0"/>
+            </a:p>
+          </p:txBody>
+        </p:sp>
+      </p:grpSp>
+      <p:cxnSp>
+        <p:nvCxnSpPr>
+          <p:cNvPr id="70" name="직선 화살표 연결선 69">
+            <a:extLst>
+              <a:ext uri="{FF2B5EF4-FFF2-40B4-BE49-F238E27FC236}">
+                <a16:creationId xmlns:a16="http://schemas.microsoft.com/office/drawing/2014/main" id="{CA8B0BC0-3728-F25D-5198-F4E666D71A26}"/>
+              </a:ext>
+            </a:extLst>
+          </p:cNvPr>
+          <p:cNvCxnSpPr>
+            <a:stCxn id="84" idx="2"/>
+            <a:endCxn id="113" idx="0"/>
+          </p:cNvCxnSpPr>
+          <p:nvPr/>
+        </p:nvCxnSpPr>
+        <p:spPr>
+          <a:xfrm flipH="1">
+            <a:off x="8100669" y="5601904"/>
+            <a:ext cx="8056" cy="177777"/>
+          </a:xfrm>
+          <a:prstGeom prst="straightConnector1">
+            <a:avLst/>
+          </a:prstGeom>
+          <a:ln>
+            <a:tailEnd type="triangle"/>
+          </a:ln>
+        </p:spPr>
+        <p:style>
+          <a:lnRef idx="1">
+            <a:schemeClr val="dk1"/>
+          </a:lnRef>
+          <a:fillRef idx="0">
+            <a:schemeClr val="dk1"/>
+          </a:fillRef>
+          <a:effectRef idx="0">
+            <a:schemeClr val="dk1"/>
+          </a:effectRef>
+          <a:fontRef idx="minor">
+            <a:schemeClr val="tx1"/>
+          </a:fontRef>
+        </p:style>
+      </p:cxnSp>
+      <p:cxnSp>
+        <p:nvCxnSpPr>
+          <p:cNvPr id="76" name="직선 화살표 연결선 75">
+            <a:extLst>
+              <a:ext uri="{FF2B5EF4-FFF2-40B4-BE49-F238E27FC236}">
+                <a16:creationId xmlns:a16="http://schemas.microsoft.com/office/drawing/2014/main" id="{7D504B93-163F-CC9E-175A-77E1DFBD52D5}"/>
+              </a:ext>
+            </a:extLst>
+          </p:cNvPr>
+          <p:cNvCxnSpPr>
+            <a:cxnSpLocks/>
+            <a:stCxn id="113" idx="3"/>
+            <a:endCxn id="78" idx="1"/>
+          </p:cNvCxnSpPr>
+          <p:nvPr/>
+        </p:nvCxnSpPr>
+        <p:spPr>
+          <a:xfrm>
+            <a:off x="8760092" y="6108309"/>
+            <a:ext cx="727694" cy="0"/>
+          </a:xfrm>
+          <a:prstGeom prst="straightConnector1">
+            <a:avLst/>
+          </a:prstGeom>
+          <a:ln>
+            <a:tailEnd type="triangle"/>
+          </a:ln>
+        </p:spPr>
+        <p:style>
+          <a:lnRef idx="1">
+            <a:schemeClr val="dk1"/>
+          </a:lnRef>
+          <a:fillRef idx="0">
+            <a:schemeClr val="dk1"/>
+          </a:fillRef>
+          <a:effectRef idx="0">
+            <a:schemeClr val="dk1"/>
+          </a:effectRef>
+          <a:fontRef idx="minor">
+            <a:schemeClr val="tx1"/>
+          </a:fontRef>
+        </p:style>
+      </p:cxnSp>
+      <p:sp>
+        <p:nvSpPr>
+          <p:cNvPr id="122" name="TextBox 121">
+            <a:extLst>
+              <a:ext uri="{FF2B5EF4-FFF2-40B4-BE49-F238E27FC236}">
+                <a16:creationId xmlns:a16="http://schemas.microsoft.com/office/drawing/2014/main" id="{E2C71E75-EB9D-69A5-1C44-9C91C202422E}"/>
+              </a:ext>
+            </a:extLst>
+          </p:cNvPr>
+          <p:cNvSpPr txBox="1"/>
+          <p:nvPr/>
+        </p:nvSpPr>
+        <p:spPr>
+          <a:xfrm>
+            <a:off x="7038571" y="2857319"/>
+            <a:ext cx="359394" cy="261610"/>
+          </a:xfrm>
+          <a:prstGeom prst="rect">
+            <a:avLst/>
+          </a:prstGeom>
+          <a:noFill/>
+        </p:spPr>
+        <p:txBody>
+          <a:bodyPr wrap="none" rtlCol="0">
+            <a:spAutoFit/>
+          </a:bodyPr>
+          <a:lstStyle/>
+          <a:p>
+            <a:r>
+              <a:rPr lang="en-US" altLang="ko-KR" sz="1100" b="1" dirty="0"/>
+              <a:t>no</a:t>
+            </a:r>
+            <a:endParaRPr lang="ko-KR" altLang="en-US" sz="1100" b="1" dirty="0"/>
+          </a:p>
+        </p:txBody>
+      </p:sp>
+      <p:sp>
+        <p:nvSpPr>
+          <p:cNvPr id="123" name="TextBox 122">
+            <a:extLst>
+              <a:ext uri="{FF2B5EF4-FFF2-40B4-BE49-F238E27FC236}">
+                <a16:creationId xmlns:a16="http://schemas.microsoft.com/office/drawing/2014/main" id="{C2750C21-BDD2-61BE-6FA8-51A0D9053ABE}"/>
+              </a:ext>
+            </a:extLst>
+          </p:cNvPr>
+          <p:cNvSpPr txBox="1"/>
+          <p:nvPr/>
+        </p:nvSpPr>
+        <p:spPr>
+          <a:xfrm>
+            <a:off x="8150032" y="4643667"/>
+            <a:ext cx="359394" cy="261610"/>
+          </a:xfrm>
+          <a:prstGeom prst="rect">
+            <a:avLst/>
+          </a:prstGeom>
+          <a:noFill/>
+        </p:spPr>
+        <p:txBody>
+          <a:bodyPr wrap="none" rtlCol="0">
+            <a:spAutoFit/>
+          </a:bodyPr>
+          <a:lstStyle/>
+          <a:p>
+            <a:r>
+              <a:rPr lang="en-US" altLang="ko-KR" sz="1100" b="1" dirty="0"/>
+              <a:t>no</a:t>
+            </a:r>
+            <a:endParaRPr lang="ko-KR" altLang="en-US" sz="1100" b="1" dirty="0"/>
+          </a:p>
+        </p:txBody>
+      </p:sp>
+      <p:sp>
+        <p:nvSpPr>
+          <p:cNvPr id="124" name="TextBox 123">
+            <a:extLst>
+              <a:ext uri="{FF2B5EF4-FFF2-40B4-BE49-F238E27FC236}">
+                <a16:creationId xmlns:a16="http://schemas.microsoft.com/office/drawing/2014/main" id="{CE4681DF-7B9C-EC71-273F-DF0C04213F13}"/>
+              </a:ext>
+            </a:extLst>
+          </p:cNvPr>
+          <p:cNvSpPr txBox="1"/>
+          <p:nvPr/>
+        </p:nvSpPr>
+        <p:spPr>
+          <a:xfrm>
+            <a:off x="9312526" y="4992120"/>
+            <a:ext cx="359394" cy="261610"/>
+          </a:xfrm>
+          <a:prstGeom prst="rect">
+            <a:avLst/>
+          </a:prstGeom>
+          <a:noFill/>
+        </p:spPr>
+        <p:txBody>
+          <a:bodyPr wrap="none" rtlCol="0">
+            <a:spAutoFit/>
+          </a:bodyPr>
+          <a:lstStyle/>
+          <a:p>
+            <a:r>
+              <a:rPr lang="en-US" altLang="ko-KR" sz="1100" b="1" dirty="0"/>
+              <a:t>no</a:t>
+            </a:r>
+            <a:endParaRPr lang="ko-KR" altLang="en-US" sz="1100" b="1" dirty="0"/>
+          </a:p>
+        </p:txBody>
+      </p:sp>
+      <p:grpSp>
+        <p:nvGrpSpPr>
+          <p:cNvPr id="125" name="그룹 124">
+            <a:extLst>
+              <a:ext uri="{FF2B5EF4-FFF2-40B4-BE49-F238E27FC236}">
+                <a16:creationId xmlns:a16="http://schemas.microsoft.com/office/drawing/2014/main" id="{6A4D8A80-43A8-1AF4-93D2-A9816F8A65E8}"/>
+              </a:ext>
+            </a:extLst>
+          </p:cNvPr>
+          <p:cNvGrpSpPr/>
+          <p:nvPr/>
+        </p:nvGrpSpPr>
+        <p:grpSpPr>
+          <a:xfrm>
+            <a:off x="2919934" y="4576649"/>
+            <a:ext cx="1318847" cy="657256"/>
+            <a:chOff x="4558809" y="2796775"/>
+            <a:chExt cx="1318847" cy="657256"/>
+          </a:xfrm>
+        </p:grpSpPr>
+        <p:sp>
+          <p:nvSpPr>
+            <p:cNvPr id="126" name="순서도: 판단 125">
+              <a:extLst>
+                <a:ext uri="{FF2B5EF4-FFF2-40B4-BE49-F238E27FC236}">
+                  <a16:creationId xmlns:a16="http://schemas.microsoft.com/office/drawing/2014/main" id="{ADCBF88F-F032-9EA5-286B-00BBD961BAA6}"/>
+                </a:ext>
+              </a:extLst>
+            </p:cNvPr>
+            <p:cNvSpPr/>
+            <p:nvPr/>
+          </p:nvSpPr>
+          <p:spPr>
+            <a:xfrm>
+              <a:off x="4558809" y="2796775"/>
+              <a:ext cx="1318847" cy="657256"/>
+            </a:xfrm>
+            <a:prstGeom prst="flowChartDecision">
+              <a:avLst/>
+            </a:prstGeom>
+            <a:solidFill>
+              <a:schemeClr val="bg1">
+                <a:lumMod val="65000"/>
+              </a:schemeClr>
+            </a:solidFill>
+            <a:ln>
+              <a:solidFill>
+                <a:schemeClr val="tx1"/>
+              </a:solidFill>
+            </a:ln>
+          </p:spPr>
+          <p:style>
+            <a:lnRef idx="2">
+              <a:schemeClr val="accent1">
+                <a:shade val="50000"/>
+              </a:schemeClr>
+            </a:lnRef>
+            <a:fillRef idx="1">
+              <a:schemeClr val="accent1"/>
+            </a:fillRef>
+            <a:effectRef idx="0">
+              <a:schemeClr val="accent1"/>
+            </a:effectRef>
+            <a:fontRef idx="minor">
+              <a:schemeClr val="lt1"/>
+            </a:fontRef>
+          </p:style>
+          <p:txBody>
+            <a:bodyPr rtlCol="0" anchor="ctr"/>
+            <a:lstStyle/>
+            <a:p>
+              <a:pPr algn="ctr"/>
+              <a:endParaRPr lang="ko-KR" altLang="en-US" sz="1200" dirty="0">
+                <a:solidFill>
+                  <a:schemeClr val="tx1"/>
+                </a:solidFill>
+              </a:endParaRPr>
+            </a:p>
+          </p:txBody>
+        </p:sp>
+        <p:sp>
+          <p:nvSpPr>
+            <p:cNvPr id="127" name="TextBox 126">
+              <a:extLst>
+                <a:ext uri="{FF2B5EF4-FFF2-40B4-BE49-F238E27FC236}">
+                  <a16:creationId xmlns:a16="http://schemas.microsoft.com/office/drawing/2014/main" id="{E10EFD63-2DE1-2953-1ABE-C6E1B430AEE6}"/>
+                </a:ext>
+              </a:extLst>
+            </p:cNvPr>
+            <p:cNvSpPr txBox="1"/>
+            <p:nvPr/>
+          </p:nvSpPr>
+          <p:spPr>
+            <a:xfrm>
+              <a:off x="4697897" y="2917654"/>
+              <a:ext cx="1040670" cy="415498"/>
+            </a:xfrm>
+            <a:prstGeom prst="rect">
+              <a:avLst/>
+            </a:prstGeom>
+            <a:noFill/>
+            <a:ln>
+              <a:noFill/>
+            </a:ln>
+          </p:spPr>
+          <p:txBody>
+            <a:bodyPr wrap="none" rtlCol="0">
+              <a:spAutoFit/>
+            </a:bodyPr>
+            <a:lstStyle/>
+            <a:p>
+              <a:pPr algn="ctr"/>
+              <a:r>
+                <a:rPr lang="ko-KR" altLang="en-US" sz="1050" b="1" dirty="0"/>
+                <a:t>아이템을 모두</a:t>
+              </a:r>
+              <a:endParaRPr lang="en-US" altLang="ko-KR" sz="1050" b="1" dirty="0"/>
+            </a:p>
+            <a:p>
+              <a:pPr algn="ctr"/>
+              <a:r>
+                <a:rPr lang="ko-KR" altLang="en-US" sz="1050" b="1" dirty="0"/>
+                <a:t> 모았는가</a:t>
+              </a:r>
+              <a:r>
+                <a:rPr lang="en-US" altLang="ko-KR" sz="1050" b="1" dirty="0"/>
+                <a:t>?</a:t>
+              </a:r>
+              <a:endParaRPr lang="ko-KR" altLang="en-US" sz="1050" b="1" dirty="0"/>
+            </a:p>
+          </p:txBody>
+        </p:sp>
+      </p:grpSp>
+      <p:sp>
+        <p:nvSpPr>
+          <p:cNvPr id="129" name="모서리가 둥근 직사각형 106">
+            <a:extLst>
+              <a:ext uri="{FF2B5EF4-FFF2-40B4-BE49-F238E27FC236}">
+                <a16:creationId xmlns:a16="http://schemas.microsoft.com/office/drawing/2014/main" id="{4CC6301F-F856-DE45-47D5-0FECF97182F5}"/>
+              </a:ext>
+            </a:extLst>
+          </p:cNvPr>
+          <p:cNvSpPr/>
+          <p:nvPr/>
+        </p:nvSpPr>
+        <p:spPr>
+          <a:xfrm>
+            <a:off x="2968291" y="5752540"/>
+            <a:ext cx="1222131" cy="424552"/>
+          </a:xfrm>
+          <a:prstGeom prst="roundRect">
+            <a:avLst/>
+          </a:prstGeom>
+          <a:ln>
+            <a:solidFill>
+              <a:schemeClr val="tx1"/>
+            </a:solidFill>
+          </a:ln>
+        </p:spPr>
+        <p:style>
+          <a:lnRef idx="2">
+            <a:schemeClr val="accent1">
+              <a:shade val="50000"/>
+            </a:schemeClr>
+          </a:lnRef>
+          <a:fillRef idx="1">
+            <a:schemeClr val="accent1"/>
+          </a:fillRef>
+          <a:effectRef idx="0">
+            <a:schemeClr val="accent1"/>
+          </a:effectRef>
+          <a:fontRef idx="minor">
+            <a:schemeClr val="lt1"/>
+          </a:fontRef>
+        </p:style>
+        <p:txBody>
+          <a:bodyPr rtlCol="0" anchor="ctr"/>
+          <a:lstStyle/>
+          <a:p>
+            <a:pPr algn="ctr"/>
+            <a:r>
+              <a:rPr lang="ko-KR" altLang="en-US" sz="1100" dirty="0"/>
+              <a:t>게임 승리</a:t>
+            </a:r>
+          </a:p>
+        </p:txBody>
+      </p:sp>
+      <p:cxnSp>
+        <p:nvCxnSpPr>
+          <p:cNvPr id="81" name="직선 화살표 연결선 80">
+            <a:extLst>
+              <a:ext uri="{FF2B5EF4-FFF2-40B4-BE49-F238E27FC236}">
+                <a16:creationId xmlns:a16="http://schemas.microsoft.com/office/drawing/2014/main" id="{6E41B9BD-3BEF-92A1-47B8-7A960E734152}"/>
+              </a:ext>
+            </a:extLst>
+          </p:cNvPr>
+          <p:cNvCxnSpPr>
+            <a:stCxn id="126" idx="2"/>
+            <a:endCxn id="129" idx="0"/>
+          </p:cNvCxnSpPr>
+          <p:nvPr/>
+        </p:nvCxnSpPr>
+        <p:spPr>
+          <a:xfrm flipH="1">
+            <a:off x="3579357" y="5233905"/>
+            <a:ext cx="1" cy="518635"/>
+          </a:xfrm>
+          <a:prstGeom prst="straightConnector1">
+            <a:avLst/>
+          </a:prstGeom>
+          <a:ln>
+            <a:tailEnd type="triangle"/>
+          </a:ln>
+        </p:spPr>
+        <p:style>
+          <a:lnRef idx="1">
+            <a:schemeClr val="dk1"/>
+          </a:lnRef>
+          <a:fillRef idx="0">
+            <a:schemeClr val="dk1"/>
+          </a:fillRef>
+          <a:effectRef idx="0">
+            <a:schemeClr val="dk1"/>
+          </a:effectRef>
+          <a:fontRef idx="minor">
+            <a:schemeClr val="tx1"/>
+          </a:fontRef>
+        </p:style>
+      </p:cxnSp>
+      <p:cxnSp>
+        <p:nvCxnSpPr>
+          <p:cNvPr id="89" name="직선 화살표 연결선 88">
+            <a:extLst>
+              <a:ext uri="{FF2B5EF4-FFF2-40B4-BE49-F238E27FC236}">
+                <a16:creationId xmlns:a16="http://schemas.microsoft.com/office/drawing/2014/main" id="{5EB24881-3AD6-C6EB-6F5D-B41FDA792FB1}"/>
+              </a:ext>
+            </a:extLst>
+          </p:cNvPr>
+          <p:cNvCxnSpPr>
+            <a:stCxn id="20" idx="2"/>
+            <a:endCxn id="126" idx="0"/>
+          </p:cNvCxnSpPr>
+          <p:nvPr/>
+        </p:nvCxnSpPr>
+        <p:spPr>
+          <a:xfrm>
+            <a:off x="3579358" y="4386160"/>
+            <a:ext cx="0" cy="190489"/>
+          </a:xfrm>
+          <a:prstGeom prst="straightConnector1">
+            <a:avLst/>
+          </a:prstGeom>
+          <a:ln>
+            <a:tailEnd type="triangle"/>
+          </a:ln>
+        </p:spPr>
+        <p:style>
+          <a:lnRef idx="1">
+            <a:schemeClr val="dk1"/>
+          </a:lnRef>
+          <a:fillRef idx="0">
+            <a:schemeClr val="dk1"/>
+          </a:fillRef>
+          <a:effectRef idx="0">
+            <a:schemeClr val="dk1"/>
+          </a:effectRef>
+          <a:fontRef idx="minor">
+            <a:schemeClr val="tx1"/>
+          </a:fontRef>
+        </p:style>
+      </p:cxnSp>
+    </p:spTree>
+    <p:extLst>
+      <p:ext uri="{BB962C8B-B14F-4D97-AF65-F5344CB8AC3E}">
+        <p14:creationId xmlns:p14="http://schemas.microsoft.com/office/powerpoint/2010/main" val="96233059"/>
       </p:ext>
     </p:extLst>
   </p:cSld>

--- a/_Prototype/Document/System/System.pptx
+++ b/_Prototype/Document/System/System.pptx
@@ -5,15 +5,16 @@
     <p:sldMasterId id="2147483648" r:id="rId1"/>
   </p:sldMasterIdLst>
   <p:notesMasterIdLst>
-    <p:notesMasterId r:id="rId8"/>
+    <p:notesMasterId r:id="rId9"/>
   </p:notesMasterIdLst>
   <p:sldIdLst>
     <p:sldId id="257" r:id="rId2"/>
     <p:sldId id="305" r:id="rId3"/>
     <p:sldId id="297" r:id="rId4"/>
-    <p:sldId id="295" r:id="rId5"/>
-    <p:sldId id="296" r:id="rId6"/>
-    <p:sldId id="306" r:id="rId7"/>
+    <p:sldId id="307" r:id="rId5"/>
+    <p:sldId id="295" r:id="rId6"/>
+    <p:sldId id="296" r:id="rId7"/>
+    <p:sldId id="306" r:id="rId8"/>
   </p:sldIdLst>
   <p:sldSz cx="12192000" cy="6858000"/>
   <p:notesSz cx="6858000" cy="9144000"/>
@@ -202,7 +203,7 @@
           <a:p>
             <a:fld id="{5064D356-14AE-452C-85BB-F06BE8F50F47}" type="datetimeFigureOut">
               <a:rPr lang="ko-KR" altLang="en-US" smtClean="0"/>
-              <a:t>2022-06-20(Mon)</a:t>
+              <a:t>2022-07-06(Wed)</a:t>
             </a:fld>
             <a:endParaRPr lang="ko-KR" altLang="en-US"/>
           </a:p>
@@ -711,7 +712,7 @@
     </p:spTree>
     <p:extLst>
       <p:ext uri="{BB962C8B-B14F-4D97-AF65-F5344CB8AC3E}">
-        <p14:creationId xmlns:p14="http://schemas.microsoft.com/office/powerpoint/2010/main" val="2185834159"/>
+        <p14:creationId xmlns:p14="http://schemas.microsoft.com/office/powerpoint/2010/main" val="3619903297"/>
       </p:ext>
     </p:extLst>
   </p:cSld>
@@ -795,7 +796,7 @@
     </p:spTree>
     <p:extLst>
       <p:ext uri="{BB962C8B-B14F-4D97-AF65-F5344CB8AC3E}">
-        <p14:creationId xmlns:p14="http://schemas.microsoft.com/office/powerpoint/2010/main" val="2875622720"/>
+        <p14:creationId xmlns:p14="http://schemas.microsoft.com/office/powerpoint/2010/main" val="2185834159"/>
       </p:ext>
     </p:extLst>
   </p:cSld>
@@ -871,6 +872,90 @@
             <a:fld id="{73EB825B-89DC-4B21-8B3A-B3CA9CD761CE}" type="slidenum">
               <a:rPr lang="ko-KR" altLang="en-US" smtClean="0"/>
               <a:t>6</a:t>
+            </a:fld>
+            <a:endParaRPr lang="ko-KR" altLang="en-US"/>
+          </a:p>
+        </p:txBody>
+      </p:sp>
+    </p:spTree>
+    <p:extLst>
+      <p:ext uri="{BB962C8B-B14F-4D97-AF65-F5344CB8AC3E}">
+        <p14:creationId xmlns:p14="http://schemas.microsoft.com/office/powerpoint/2010/main" val="2875622720"/>
+      </p:ext>
+    </p:extLst>
+  </p:cSld>
+  <p:clrMapOvr>
+    <a:masterClrMapping/>
+  </p:clrMapOvr>
+</p:notes>
+</file>
+
+<file path=ppt/notesSlides/notesSlide6.xml><?xml version="1.0" encoding="utf-8"?>
+<p:notes xmlns:a="http://schemas.openxmlformats.org/drawingml/2006/main" xmlns:r="http://schemas.openxmlformats.org/officeDocument/2006/relationships" xmlns:p="http://schemas.openxmlformats.org/presentationml/2006/main">
+  <p:cSld>
+    <p:spTree>
+      <p:nvGrpSpPr>
+        <p:cNvPr id="1" name=""/>
+        <p:cNvGrpSpPr/>
+        <p:nvPr/>
+      </p:nvGrpSpPr>
+      <p:grpSpPr>
+        <a:xfrm>
+          <a:off x="0" y="0"/>
+          <a:ext cx="0" cy="0"/>
+          <a:chOff x="0" y="0"/>
+          <a:chExt cx="0" cy="0"/>
+        </a:xfrm>
+      </p:grpSpPr>
+      <p:sp>
+        <p:nvSpPr>
+          <p:cNvPr id="2" name="슬라이드 이미지 개체 틀 1"/>
+          <p:cNvSpPr>
+            <a:spLocks noGrp="1" noRot="1" noChangeAspect="1"/>
+          </p:cNvSpPr>
+          <p:nvPr>
+            <p:ph type="sldImg"/>
+          </p:nvPr>
+        </p:nvSpPr>
+        <p:spPr/>
+      </p:sp>
+      <p:sp>
+        <p:nvSpPr>
+          <p:cNvPr id="3" name="슬라이드 노트 개체 틀 2"/>
+          <p:cNvSpPr>
+            <a:spLocks noGrp="1"/>
+          </p:cNvSpPr>
+          <p:nvPr>
+            <p:ph type="body" idx="1"/>
+          </p:nvPr>
+        </p:nvSpPr>
+        <p:spPr/>
+        <p:txBody>
+          <a:bodyPr/>
+          <a:lstStyle/>
+          <a:p>
+            <a:endParaRPr lang="ko-KR" altLang="en-US" dirty="0"/>
+          </a:p>
+        </p:txBody>
+      </p:sp>
+      <p:sp>
+        <p:nvSpPr>
+          <p:cNvPr id="4" name="슬라이드 번호 개체 틀 3"/>
+          <p:cNvSpPr>
+            <a:spLocks noGrp="1"/>
+          </p:cNvSpPr>
+          <p:nvPr>
+            <p:ph type="sldNum" sz="quarter" idx="5"/>
+          </p:nvPr>
+        </p:nvSpPr>
+        <p:spPr/>
+        <p:txBody>
+          <a:bodyPr/>
+          <a:lstStyle/>
+          <a:p>
+            <a:fld id="{73EB825B-89DC-4B21-8B3A-B3CA9CD761CE}" type="slidenum">
+              <a:rPr lang="ko-KR" altLang="en-US" smtClean="0"/>
+              <a:t>7</a:t>
             </a:fld>
             <a:endParaRPr lang="ko-KR" altLang="en-US"/>
           </a:p>
@@ -1036,7 +1121,7 @@
           <a:p>
             <a:fld id="{620DA11D-05D1-46D7-9472-A0B2D9D00638}" type="datetimeFigureOut">
               <a:rPr lang="ko-KR" altLang="en-US" smtClean="0"/>
-              <a:t>2022-06-20(Mon)</a:t>
+              <a:t>2022-07-06(Wed)</a:t>
             </a:fld>
             <a:endParaRPr lang="ko-KR" altLang="en-US"/>
           </a:p>
@@ -1234,7 +1319,7 @@
           <a:p>
             <a:fld id="{620DA11D-05D1-46D7-9472-A0B2D9D00638}" type="datetimeFigureOut">
               <a:rPr lang="ko-KR" altLang="en-US" smtClean="0"/>
-              <a:t>2022-06-20(Mon)</a:t>
+              <a:t>2022-07-06(Wed)</a:t>
             </a:fld>
             <a:endParaRPr lang="ko-KR" altLang="en-US"/>
           </a:p>
@@ -1442,7 +1527,7 @@
           <a:p>
             <a:fld id="{620DA11D-05D1-46D7-9472-A0B2D9D00638}" type="datetimeFigureOut">
               <a:rPr lang="ko-KR" altLang="en-US" smtClean="0"/>
-              <a:t>2022-06-20(Mon)</a:t>
+              <a:t>2022-07-06(Wed)</a:t>
             </a:fld>
             <a:endParaRPr lang="ko-KR" altLang="en-US"/>
           </a:p>
@@ -1892,7 +1977,7 @@
           <a:p>
             <a:fld id="{620DA11D-05D1-46D7-9472-A0B2D9D00638}" type="datetimeFigureOut">
               <a:rPr lang="ko-KR" altLang="en-US" smtClean="0"/>
-              <a:t>2022-06-20(Mon)</a:t>
+              <a:t>2022-07-06(Wed)</a:t>
             </a:fld>
             <a:endParaRPr lang="ko-KR" altLang="en-US"/>
           </a:p>
@@ -2167,7 +2252,7 @@
           <a:p>
             <a:fld id="{620DA11D-05D1-46D7-9472-A0B2D9D00638}" type="datetimeFigureOut">
               <a:rPr lang="ko-KR" altLang="en-US" smtClean="0"/>
-              <a:t>2022-06-20(Mon)</a:t>
+              <a:t>2022-07-06(Wed)</a:t>
             </a:fld>
             <a:endParaRPr lang="ko-KR" altLang="en-US"/>
           </a:p>
@@ -2432,7 +2517,7 @@
           <a:p>
             <a:fld id="{620DA11D-05D1-46D7-9472-A0B2D9D00638}" type="datetimeFigureOut">
               <a:rPr lang="ko-KR" altLang="en-US" smtClean="0"/>
-              <a:t>2022-06-20(Mon)</a:t>
+              <a:t>2022-07-06(Wed)</a:t>
             </a:fld>
             <a:endParaRPr lang="ko-KR" altLang="en-US"/>
           </a:p>
@@ -2844,7 +2929,7 @@
           <a:p>
             <a:fld id="{620DA11D-05D1-46D7-9472-A0B2D9D00638}" type="datetimeFigureOut">
               <a:rPr lang="ko-KR" altLang="en-US" smtClean="0"/>
-              <a:t>2022-06-20(Mon)</a:t>
+              <a:t>2022-07-06(Wed)</a:t>
             </a:fld>
             <a:endParaRPr lang="ko-KR" altLang="en-US"/>
           </a:p>
@@ -2985,7 +3070,7 @@
           <a:p>
             <a:fld id="{620DA11D-05D1-46D7-9472-A0B2D9D00638}" type="datetimeFigureOut">
               <a:rPr lang="ko-KR" altLang="en-US" smtClean="0"/>
-              <a:t>2022-06-20(Mon)</a:t>
+              <a:t>2022-07-06(Wed)</a:t>
             </a:fld>
             <a:endParaRPr lang="ko-KR" altLang="en-US"/>
           </a:p>
@@ -3098,7 +3183,7 @@
           <a:p>
             <a:fld id="{620DA11D-05D1-46D7-9472-A0B2D9D00638}" type="datetimeFigureOut">
               <a:rPr lang="ko-KR" altLang="en-US" smtClean="0"/>
-              <a:t>2022-06-20(Mon)</a:t>
+              <a:t>2022-07-06(Wed)</a:t>
             </a:fld>
             <a:endParaRPr lang="ko-KR" altLang="en-US"/>
           </a:p>
@@ -3409,7 +3494,7 @@
           <a:p>
             <a:fld id="{620DA11D-05D1-46D7-9472-A0B2D9D00638}" type="datetimeFigureOut">
               <a:rPr lang="ko-KR" altLang="en-US" smtClean="0"/>
-              <a:t>2022-06-20(Mon)</a:t>
+              <a:t>2022-07-06(Wed)</a:t>
             </a:fld>
             <a:endParaRPr lang="ko-KR" altLang="en-US"/>
           </a:p>
@@ -3697,7 +3782,7 @@
           <a:p>
             <a:fld id="{620DA11D-05D1-46D7-9472-A0B2D9D00638}" type="datetimeFigureOut">
               <a:rPr lang="ko-KR" altLang="en-US" smtClean="0"/>
-              <a:t>2022-06-20(Mon)</a:t>
+              <a:t>2022-07-06(Wed)</a:t>
             </a:fld>
             <a:endParaRPr lang="ko-KR" altLang="en-US"/>
           </a:p>
@@ -3938,7 +4023,7 @@
           <a:p>
             <a:fld id="{620DA11D-05D1-46D7-9472-A0B2D9D00638}" type="datetimeFigureOut">
               <a:rPr lang="ko-KR" altLang="en-US" smtClean="0"/>
-              <a:t>2022-06-20(Mon)</a:t>
+              <a:t>2022-07-06(Wed)</a:t>
             </a:fld>
             <a:endParaRPr lang="ko-KR" altLang="en-US"/>
           </a:p>
@@ -8170,6 +8255,124 @@
         <p:spPr>
           <a:xfrm>
             <a:off x="646546" y="255627"/>
+            <a:ext cx="5700610" cy="523220"/>
+          </a:xfrm>
+          <a:prstGeom prst="rect">
+            <a:avLst/>
+          </a:prstGeom>
+          <a:noFill/>
+        </p:spPr>
+        <p:txBody>
+          <a:bodyPr wrap="square" rtlCol="0">
+            <a:spAutoFit/>
+          </a:bodyPr>
+          <a:lstStyle/>
+          <a:p>
+            <a:r>
+              <a:rPr lang="ko-KR" altLang="en-US" sz="2800" b="1" dirty="0"/>
+              <a:t>게임 진행</a:t>
+            </a:r>
+            <a:endParaRPr lang="en-US" altLang="ko-KR" sz="2800" b="1" dirty="0"/>
+          </a:p>
+        </p:txBody>
+      </p:sp>
+    </p:spTree>
+    <p:extLst>
+      <p:ext uri="{BB962C8B-B14F-4D97-AF65-F5344CB8AC3E}">
+        <p14:creationId xmlns:p14="http://schemas.microsoft.com/office/powerpoint/2010/main" val="4107099145"/>
+      </p:ext>
+    </p:extLst>
+  </p:cSld>
+  <p:clrMapOvr>
+    <a:masterClrMapping/>
+  </p:clrMapOvr>
+</p:sld>
+</file>
+
+<file path=ppt/slides/slide5.xml><?xml version="1.0" encoding="utf-8"?>
+<p:sld xmlns:a="http://schemas.openxmlformats.org/drawingml/2006/main" xmlns:r="http://schemas.openxmlformats.org/officeDocument/2006/relationships" xmlns:p="http://schemas.openxmlformats.org/presentationml/2006/main">
+  <p:cSld>
+    <p:spTree>
+      <p:nvGrpSpPr>
+        <p:cNvPr id="1" name=""/>
+        <p:cNvGrpSpPr/>
+        <p:nvPr/>
+      </p:nvGrpSpPr>
+      <p:grpSpPr>
+        <a:xfrm>
+          <a:off x="0" y="0"/>
+          <a:ext cx="0" cy="0"/>
+          <a:chOff x="0" y="0"/>
+          <a:chExt cx="0" cy="0"/>
+        </a:xfrm>
+      </p:grpSpPr>
+      <p:sp>
+        <p:nvSpPr>
+          <p:cNvPr id="4" name="직사각형 3">
+            <a:extLst>
+              <a:ext uri="{FF2B5EF4-FFF2-40B4-BE49-F238E27FC236}">
+                <a16:creationId xmlns:a16="http://schemas.microsoft.com/office/drawing/2014/main" id="{AE93FE2A-85FE-4157-951C-FC2FADBB3B34}"/>
+              </a:ext>
+            </a:extLst>
+          </p:cNvPr>
+          <p:cNvSpPr/>
+          <p:nvPr/>
+        </p:nvSpPr>
+        <p:spPr>
+          <a:xfrm>
+            <a:off x="0" y="0"/>
+            <a:ext cx="12192000" cy="1034474"/>
+          </a:xfrm>
+          <a:prstGeom prst="rect">
+            <a:avLst/>
+          </a:prstGeom>
+          <a:solidFill>
+            <a:schemeClr val="accent5">
+              <a:lumMod val="60000"/>
+              <a:lumOff val="40000"/>
+            </a:schemeClr>
+          </a:solidFill>
+        </p:spPr>
+        <p:style>
+          <a:lnRef idx="2">
+            <a:schemeClr val="accent1">
+              <a:shade val="50000"/>
+            </a:schemeClr>
+          </a:lnRef>
+          <a:fillRef idx="1">
+            <a:schemeClr val="accent1"/>
+          </a:fillRef>
+          <a:effectRef idx="0">
+            <a:schemeClr val="accent1"/>
+          </a:effectRef>
+          <a:fontRef idx="minor">
+            <a:schemeClr val="lt1"/>
+          </a:fontRef>
+        </p:style>
+        <p:txBody>
+          <a:bodyPr rtlCol="0" anchor="ctr"/>
+          <a:lstStyle/>
+          <a:p>
+            <a:pPr algn="ctr"/>
+            <a:endParaRPr lang="ko-KR" altLang="en-US" dirty="0"/>
+          </a:p>
+        </p:txBody>
+      </p:sp>
+      <p:sp>
+        <p:nvSpPr>
+          <p:cNvPr id="7" name="TextBox 6">
+            <a:extLst>
+              <a:ext uri="{FF2B5EF4-FFF2-40B4-BE49-F238E27FC236}">
+                <a16:creationId xmlns:a16="http://schemas.microsoft.com/office/drawing/2014/main" id="{982817C4-ACF4-45FB-A018-6E6F872691BC}"/>
+              </a:ext>
+            </a:extLst>
+          </p:cNvPr>
+          <p:cNvSpPr txBox="1"/>
+          <p:nvPr/>
+        </p:nvSpPr>
+        <p:spPr>
+          <a:xfrm>
+            <a:off x="646546" y="255627"/>
             <a:ext cx="4230254" cy="523220"/>
           </a:xfrm>
           <a:prstGeom prst="rect">
@@ -9654,7 +9857,7 @@
 </p:sld>
 </file>
 
-<file path=ppt/slides/slide5.xml><?xml version="1.0" encoding="utf-8"?>
+<file path=ppt/slides/slide6.xml><?xml version="1.0" encoding="utf-8"?>
 <p:sld xmlns:a="http://schemas.openxmlformats.org/drawingml/2006/main" xmlns:r="http://schemas.openxmlformats.org/officeDocument/2006/relationships" xmlns:p="http://schemas.openxmlformats.org/presentationml/2006/main">
   <p:cSld>
     <p:spTree>
@@ -11677,7 +11880,7 @@
 </p:sld>
 </file>
 
-<file path=ppt/slides/slide6.xml><?xml version="1.0" encoding="utf-8"?>
+<file path=ppt/slides/slide7.xml><?xml version="1.0" encoding="utf-8"?>
 <p:sld xmlns:a="http://schemas.openxmlformats.org/drawingml/2006/main" xmlns:r="http://schemas.openxmlformats.org/officeDocument/2006/relationships" xmlns:p="http://schemas.openxmlformats.org/presentationml/2006/main">
   <p:cSld>
     <p:spTree>

--- a/_Prototype/Document/System/System.pptx
+++ b/_Prototype/Document/System/System.pptx
@@ -208,7 +208,7 @@
           <a:p>
             <a:fld id="{5064D356-14AE-452C-85BB-F06BE8F50F47}" type="datetimeFigureOut">
               <a:rPr lang="ko-KR" altLang="en-US" smtClean="0"/>
-              <a:t>2022-08-10</a:t>
+              <a:t>2022-08-19</a:t>
             </a:fld>
             <a:endParaRPr lang="ko-KR" altLang="en-US"/>
           </a:p>
@@ -1421,7 +1421,7 @@
           <p:cNvPr id="2" name="제목 1">
             <a:extLst>
               <a:ext uri="{FF2B5EF4-FFF2-40B4-BE49-F238E27FC236}">
-                <a16:creationId xmlns:a16="http://schemas.microsoft.com/office/drawing/2014/main" xmlns="" id="{A726E34E-5EB1-9D16-7DC1-31B5E2AA8124}"/>
+                <a16:creationId xmlns:a16="http://schemas.microsoft.com/office/drawing/2014/main" id="{A726E34E-5EB1-9D16-7DC1-31B5E2AA8124}"/>
               </a:ext>
             </a:extLst>
           </p:cNvPr>
@@ -1458,7 +1458,7 @@
           <p:cNvPr id="3" name="부제목 2">
             <a:extLst>
               <a:ext uri="{FF2B5EF4-FFF2-40B4-BE49-F238E27FC236}">
-                <a16:creationId xmlns:a16="http://schemas.microsoft.com/office/drawing/2014/main" xmlns="" id="{8939C8C4-81AB-190A-EC34-81B86354D3A9}"/>
+                <a16:creationId xmlns:a16="http://schemas.microsoft.com/office/drawing/2014/main" id="{8939C8C4-81AB-190A-EC34-81B86354D3A9}"/>
               </a:ext>
             </a:extLst>
           </p:cNvPr>
@@ -1528,7 +1528,7 @@
           <p:cNvPr id="4" name="날짜 개체 틀 3">
             <a:extLst>
               <a:ext uri="{FF2B5EF4-FFF2-40B4-BE49-F238E27FC236}">
-                <a16:creationId xmlns:a16="http://schemas.microsoft.com/office/drawing/2014/main" xmlns="" id="{B52AD09A-04BF-94E3-B915-BA9A1E8AE945}"/>
+                <a16:creationId xmlns:a16="http://schemas.microsoft.com/office/drawing/2014/main" id="{B52AD09A-04BF-94E3-B915-BA9A1E8AE945}"/>
               </a:ext>
             </a:extLst>
           </p:cNvPr>
@@ -1546,7 +1546,7 @@
           <a:p>
             <a:fld id="{620DA11D-05D1-46D7-9472-A0B2D9D00638}" type="datetimeFigureOut">
               <a:rPr lang="ko-KR" altLang="en-US" smtClean="0"/>
-              <a:t>2022-08-10</a:t>
+              <a:t>2022-08-19</a:t>
             </a:fld>
             <a:endParaRPr lang="ko-KR" altLang="en-US"/>
           </a:p>
@@ -1557,7 +1557,7 @@
           <p:cNvPr id="5" name="바닥글 개체 틀 4">
             <a:extLst>
               <a:ext uri="{FF2B5EF4-FFF2-40B4-BE49-F238E27FC236}">
-                <a16:creationId xmlns:a16="http://schemas.microsoft.com/office/drawing/2014/main" xmlns="" id="{88385378-BCC1-ECE6-67B3-1240BB04DB21}"/>
+                <a16:creationId xmlns:a16="http://schemas.microsoft.com/office/drawing/2014/main" id="{88385378-BCC1-ECE6-67B3-1240BB04DB21}"/>
               </a:ext>
             </a:extLst>
           </p:cNvPr>
@@ -1582,7 +1582,7 @@
           <p:cNvPr id="6" name="슬라이드 번호 개체 틀 5">
             <a:extLst>
               <a:ext uri="{FF2B5EF4-FFF2-40B4-BE49-F238E27FC236}">
-                <a16:creationId xmlns:a16="http://schemas.microsoft.com/office/drawing/2014/main" xmlns="" id="{73EB126F-33C5-5FFE-14BF-212809B8039F}"/>
+                <a16:creationId xmlns:a16="http://schemas.microsoft.com/office/drawing/2014/main" id="{73EB126F-33C5-5FFE-14BF-212809B8039F}"/>
               </a:ext>
             </a:extLst>
           </p:cNvPr>
@@ -1641,7 +1641,7 @@
           <p:cNvPr id="2" name="제목 1">
             <a:extLst>
               <a:ext uri="{FF2B5EF4-FFF2-40B4-BE49-F238E27FC236}">
-                <a16:creationId xmlns:a16="http://schemas.microsoft.com/office/drawing/2014/main" xmlns="" id="{BF55D36C-5837-DD9B-EA19-2D9495C02C31}"/>
+                <a16:creationId xmlns:a16="http://schemas.microsoft.com/office/drawing/2014/main" id="{BF55D36C-5837-DD9B-EA19-2D9495C02C31}"/>
               </a:ext>
             </a:extLst>
           </p:cNvPr>
@@ -1669,7 +1669,7 @@
           <p:cNvPr id="3" name="세로 텍스트 개체 틀 2">
             <a:extLst>
               <a:ext uri="{FF2B5EF4-FFF2-40B4-BE49-F238E27FC236}">
-                <a16:creationId xmlns:a16="http://schemas.microsoft.com/office/drawing/2014/main" xmlns="" id="{C70F7F1D-9719-74E9-CEA6-B66A798014BA}"/>
+                <a16:creationId xmlns:a16="http://schemas.microsoft.com/office/drawing/2014/main" id="{C70F7F1D-9719-74E9-CEA6-B66A798014BA}"/>
               </a:ext>
             </a:extLst>
           </p:cNvPr>
@@ -1726,7 +1726,7 @@
           <p:cNvPr id="4" name="날짜 개체 틀 3">
             <a:extLst>
               <a:ext uri="{FF2B5EF4-FFF2-40B4-BE49-F238E27FC236}">
-                <a16:creationId xmlns:a16="http://schemas.microsoft.com/office/drawing/2014/main" xmlns="" id="{3B629BD0-4270-DF92-EDD4-D1647AB7C57D}"/>
+                <a16:creationId xmlns:a16="http://schemas.microsoft.com/office/drawing/2014/main" id="{3B629BD0-4270-DF92-EDD4-D1647AB7C57D}"/>
               </a:ext>
             </a:extLst>
           </p:cNvPr>
@@ -1744,7 +1744,7 @@
           <a:p>
             <a:fld id="{620DA11D-05D1-46D7-9472-A0B2D9D00638}" type="datetimeFigureOut">
               <a:rPr lang="ko-KR" altLang="en-US" smtClean="0"/>
-              <a:t>2022-08-10</a:t>
+              <a:t>2022-08-19</a:t>
             </a:fld>
             <a:endParaRPr lang="ko-KR" altLang="en-US"/>
           </a:p>
@@ -1755,7 +1755,7 @@
           <p:cNvPr id="5" name="바닥글 개체 틀 4">
             <a:extLst>
               <a:ext uri="{FF2B5EF4-FFF2-40B4-BE49-F238E27FC236}">
-                <a16:creationId xmlns:a16="http://schemas.microsoft.com/office/drawing/2014/main" xmlns="" id="{EA9ADFD8-08CD-35D2-918E-7134B14AFE27}"/>
+                <a16:creationId xmlns:a16="http://schemas.microsoft.com/office/drawing/2014/main" id="{EA9ADFD8-08CD-35D2-918E-7134B14AFE27}"/>
               </a:ext>
             </a:extLst>
           </p:cNvPr>
@@ -1780,7 +1780,7 @@
           <p:cNvPr id="6" name="슬라이드 번호 개체 틀 5">
             <a:extLst>
               <a:ext uri="{FF2B5EF4-FFF2-40B4-BE49-F238E27FC236}">
-                <a16:creationId xmlns:a16="http://schemas.microsoft.com/office/drawing/2014/main" xmlns="" id="{34193083-6FFE-AF92-679D-6E653C6879DA}"/>
+                <a16:creationId xmlns:a16="http://schemas.microsoft.com/office/drawing/2014/main" id="{34193083-6FFE-AF92-679D-6E653C6879DA}"/>
               </a:ext>
             </a:extLst>
           </p:cNvPr>
@@ -1839,7 +1839,7 @@
           <p:cNvPr id="2" name="세로 제목 1">
             <a:extLst>
               <a:ext uri="{FF2B5EF4-FFF2-40B4-BE49-F238E27FC236}">
-                <a16:creationId xmlns:a16="http://schemas.microsoft.com/office/drawing/2014/main" xmlns="" id="{CD54296F-C329-2289-53C3-AA7D71F70595}"/>
+                <a16:creationId xmlns:a16="http://schemas.microsoft.com/office/drawing/2014/main" id="{CD54296F-C329-2289-53C3-AA7D71F70595}"/>
               </a:ext>
             </a:extLst>
           </p:cNvPr>
@@ -1872,7 +1872,7 @@
           <p:cNvPr id="3" name="세로 텍스트 개체 틀 2">
             <a:extLst>
               <a:ext uri="{FF2B5EF4-FFF2-40B4-BE49-F238E27FC236}">
-                <a16:creationId xmlns:a16="http://schemas.microsoft.com/office/drawing/2014/main" xmlns="" id="{253FBC1B-88F6-9B13-841F-E5A00BF4B47A}"/>
+                <a16:creationId xmlns:a16="http://schemas.microsoft.com/office/drawing/2014/main" id="{253FBC1B-88F6-9B13-841F-E5A00BF4B47A}"/>
               </a:ext>
             </a:extLst>
           </p:cNvPr>
@@ -1934,7 +1934,7 @@
           <p:cNvPr id="4" name="날짜 개체 틀 3">
             <a:extLst>
               <a:ext uri="{FF2B5EF4-FFF2-40B4-BE49-F238E27FC236}">
-                <a16:creationId xmlns:a16="http://schemas.microsoft.com/office/drawing/2014/main" xmlns="" id="{AE83ED13-C838-AFF9-6633-C8193BABFDFF}"/>
+                <a16:creationId xmlns:a16="http://schemas.microsoft.com/office/drawing/2014/main" id="{AE83ED13-C838-AFF9-6633-C8193BABFDFF}"/>
               </a:ext>
             </a:extLst>
           </p:cNvPr>
@@ -1952,7 +1952,7 @@
           <a:p>
             <a:fld id="{620DA11D-05D1-46D7-9472-A0B2D9D00638}" type="datetimeFigureOut">
               <a:rPr lang="ko-KR" altLang="en-US" smtClean="0"/>
-              <a:t>2022-08-10</a:t>
+              <a:t>2022-08-19</a:t>
             </a:fld>
             <a:endParaRPr lang="ko-KR" altLang="en-US"/>
           </a:p>
@@ -1963,7 +1963,7 @@
           <p:cNvPr id="5" name="바닥글 개체 틀 4">
             <a:extLst>
               <a:ext uri="{FF2B5EF4-FFF2-40B4-BE49-F238E27FC236}">
-                <a16:creationId xmlns:a16="http://schemas.microsoft.com/office/drawing/2014/main" xmlns="" id="{C9F9E4B9-B29F-0FCF-0616-2CC7BAEB4018}"/>
+                <a16:creationId xmlns:a16="http://schemas.microsoft.com/office/drawing/2014/main" id="{C9F9E4B9-B29F-0FCF-0616-2CC7BAEB4018}"/>
               </a:ext>
             </a:extLst>
           </p:cNvPr>
@@ -1988,7 +1988,7 @@
           <p:cNvPr id="6" name="슬라이드 번호 개체 틀 5">
             <a:extLst>
               <a:ext uri="{FF2B5EF4-FFF2-40B4-BE49-F238E27FC236}">
-                <a16:creationId xmlns:a16="http://schemas.microsoft.com/office/drawing/2014/main" xmlns="" id="{8A45CE36-D36F-C41D-F48C-473044B40CF4}"/>
+                <a16:creationId xmlns:a16="http://schemas.microsoft.com/office/drawing/2014/main" id="{8A45CE36-D36F-C41D-F48C-473044B40CF4}"/>
               </a:ext>
             </a:extLst>
           </p:cNvPr>
@@ -2047,7 +2047,7 @@
           <p:cNvPr id="7" name="직사각형 6">
             <a:extLst>
               <a:ext uri="{FF2B5EF4-FFF2-40B4-BE49-F238E27FC236}">
-                <a16:creationId xmlns:a16="http://schemas.microsoft.com/office/drawing/2014/main" xmlns="" id="{19E40AB3-0700-4AD2-87FA-3F2118D7930E}"/>
+                <a16:creationId xmlns:a16="http://schemas.microsoft.com/office/drawing/2014/main" id="{19E40AB3-0700-4AD2-87FA-3F2118D7930E}"/>
               </a:ext>
             </a:extLst>
           </p:cNvPr>
@@ -2099,7 +2099,7 @@
           <p:cNvPr id="2" name="제목 1">
             <a:extLst>
               <a:ext uri="{FF2B5EF4-FFF2-40B4-BE49-F238E27FC236}">
-                <a16:creationId xmlns:a16="http://schemas.microsoft.com/office/drawing/2014/main" xmlns="" id="{07ED5CED-7F3F-42FC-A3C6-E911D69BD1BC}"/>
+                <a16:creationId xmlns:a16="http://schemas.microsoft.com/office/drawing/2014/main" id="{07ED5CED-7F3F-42FC-A3C6-E911D69BD1BC}"/>
               </a:ext>
             </a:extLst>
           </p:cNvPr>
@@ -2142,7 +2142,7 @@
           <p:cNvPr id="3" name="내용 개체 틀 2">
             <a:extLst>
               <a:ext uri="{FF2B5EF4-FFF2-40B4-BE49-F238E27FC236}">
-                <a16:creationId xmlns:a16="http://schemas.microsoft.com/office/drawing/2014/main" xmlns="" id="{9187594A-7F55-410F-A8EC-891C0A9FA616}"/>
+                <a16:creationId xmlns:a16="http://schemas.microsoft.com/office/drawing/2014/main" id="{9187594A-7F55-410F-A8EC-891C0A9FA616}"/>
               </a:ext>
             </a:extLst>
           </p:cNvPr>
@@ -2199,7 +2199,7 @@
           <p:cNvPr id="6" name="슬라이드 번호 개체 틀 5">
             <a:extLst>
               <a:ext uri="{FF2B5EF4-FFF2-40B4-BE49-F238E27FC236}">
-                <a16:creationId xmlns:a16="http://schemas.microsoft.com/office/drawing/2014/main" xmlns="" id="{27B097B4-2981-4E30-AFDB-11C6289BF8A4}"/>
+                <a16:creationId xmlns:a16="http://schemas.microsoft.com/office/drawing/2014/main" id="{27B097B4-2981-4E30-AFDB-11C6289BF8A4}"/>
               </a:ext>
             </a:extLst>
           </p:cNvPr>
@@ -2228,7 +2228,7 @@
           <p:cNvPr id="9" name="텍스트 개체 틀 8">
             <a:extLst>
               <a:ext uri="{FF2B5EF4-FFF2-40B4-BE49-F238E27FC236}">
-                <a16:creationId xmlns:a16="http://schemas.microsoft.com/office/drawing/2014/main" xmlns="" id="{7C75EAA1-BE98-4290-AD72-327BAE272448}"/>
+                <a16:creationId xmlns:a16="http://schemas.microsoft.com/office/drawing/2014/main" id="{7C75EAA1-BE98-4290-AD72-327BAE272448}"/>
               </a:ext>
             </a:extLst>
           </p:cNvPr>
@@ -2299,7 +2299,7 @@
           <p:cNvPr id="2" name="제목 1">
             <a:extLst>
               <a:ext uri="{FF2B5EF4-FFF2-40B4-BE49-F238E27FC236}">
-                <a16:creationId xmlns:a16="http://schemas.microsoft.com/office/drawing/2014/main" xmlns="" id="{1A3B9629-0AC1-C693-888A-F86796130B65}"/>
+                <a16:creationId xmlns:a16="http://schemas.microsoft.com/office/drawing/2014/main" id="{1A3B9629-0AC1-C693-888A-F86796130B65}"/>
               </a:ext>
             </a:extLst>
           </p:cNvPr>
@@ -2327,7 +2327,7 @@
           <p:cNvPr id="3" name="내용 개체 틀 2">
             <a:extLst>
               <a:ext uri="{FF2B5EF4-FFF2-40B4-BE49-F238E27FC236}">
-                <a16:creationId xmlns:a16="http://schemas.microsoft.com/office/drawing/2014/main" xmlns="" id="{1BFDBD4D-319F-33B4-E466-CCA313DBF2D7}"/>
+                <a16:creationId xmlns:a16="http://schemas.microsoft.com/office/drawing/2014/main" id="{1BFDBD4D-319F-33B4-E466-CCA313DBF2D7}"/>
               </a:ext>
             </a:extLst>
           </p:cNvPr>
@@ -2384,7 +2384,7 @@
           <p:cNvPr id="4" name="날짜 개체 틀 3">
             <a:extLst>
               <a:ext uri="{FF2B5EF4-FFF2-40B4-BE49-F238E27FC236}">
-                <a16:creationId xmlns:a16="http://schemas.microsoft.com/office/drawing/2014/main" xmlns="" id="{A29BF2D8-2153-0602-1E86-EDAE9FECF422}"/>
+                <a16:creationId xmlns:a16="http://schemas.microsoft.com/office/drawing/2014/main" id="{A29BF2D8-2153-0602-1E86-EDAE9FECF422}"/>
               </a:ext>
             </a:extLst>
           </p:cNvPr>
@@ -2402,7 +2402,7 @@
           <a:p>
             <a:fld id="{620DA11D-05D1-46D7-9472-A0B2D9D00638}" type="datetimeFigureOut">
               <a:rPr lang="ko-KR" altLang="en-US" smtClean="0"/>
-              <a:t>2022-08-10</a:t>
+              <a:t>2022-08-19</a:t>
             </a:fld>
             <a:endParaRPr lang="ko-KR" altLang="en-US"/>
           </a:p>
@@ -2413,7 +2413,7 @@
           <p:cNvPr id="5" name="바닥글 개체 틀 4">
             <a:extLst>
               <a:ext uri="{FF2B5EF4-FFF2-40B4-BE49-F238E27FC236}">
-                <a16:creationId xmlns:a16="http://schemas.microsoft.com/office/drawing/2014/main" xmlns="" id="{22F24130-C6F5-5C7D-3497-BE9CD2970C80}"/>
+                <a16:creationId xmlns:a16="http://schemas.microsoft.com/office/drawing/2014/main" id="{22F24130-C6F5-5C7D-3497-BE9CD2970C80}"/>
               </a:ext>
             </a:extLst>
           </p:cNvPr>
@@ -2438,7 +2438,7 @@
           <p:cNvPr id="6" name="슬라이드 번호 개체 틀 5">
             <a:extLst>
               <a:ext uri="{FF2B5EF4-FFF2-40B4-BE49-F238E27FC236}">
-                <a16:creationId xmlns:a16="http://schemas.microsoft.com/office/drawing/2014/main" xmlns="" id="{71E7C67E-50AD-05F3-1A4B-1D42E3A1F4B3}"/>
+                <a16:creationId xmlns:a16="http://schemas.microsoft.com/office/drawing/2014/main" id="{71E7C67E-50AD-05F3-1A4B-1D42E3A1F4B3}"/>
               </a:ext>
             </a:extLst>
           </p:cNvPr>
@@ -2497,7 +2497,7 @@
           <p:cNvPr id="2" name="제목 1">
             <a:extLst>
               <a:ext uri="{FF2B5EF4-FFF2-40B4-BE49-F238E27FC236}">
-                <a16:creationId xmlns:a16="http://schemas.microsoft.com/office/drawing/2014/main" xmlns="" id="{11604C9E-BFB5-A1CC-4AF7-668B7B99C7E3}"/>
+                <a16:creationId xmlns:a16="http://schemas.microsoft.com/office/drawing/2014/main" id="{11604C9E-BFB5-A1CC-4AF7-668B7B99C7E3}"/>
               </a:ext>
             </a:extLst>
           </p:cNvPr>
@@ -2534,7 +2534,7 @@
           <p:cNvPr id="3" name="텍스트 개체 틀 2">
             <a:extLst>
               <a:ext uri="{FF2B5EF4-FFF2-40B4-BE49-F238E27FC236}">
-                <a16:creationId xmlns:a16="http://schemas.microsoft.com/office/drawing/2014/main" xmlns="" id="{36E3D49C-EA5D-F7A1-C301-DC5E549A976F}"/>
+                <a16:creationId xmlns:a16="http://schemas.microsoft.com/office/drawing/2014/main" id="{36E3D49C-EA5D-F7A1-C301-DC5E549A976F}"/>
               </a:ext>
             </a:extLst>
           </p:cNvPr>
@@ -2659,7 +2659,7 @@
           <p:cNvPr id="4" name="날짜 개체 틀 3">
             <a:extLst>
               <a:ext uri="{FF2B5EF4-FFF2-40B4-BE49-F238E27FC236}">
-                <a16:creationId xmlns:a16="http://schemas.microsoft.com/office/drawing/2014/main" xmlns="" id="{947698EA-8DAD-D2C5-A287-38642E24B16A}"/>
+                <a16:creationId xmlns:a16="http://schemas.microsoft.com/office/drawing/2014/main" id="{947698EA-8DAD-D2C5-A287-38642E24B16A}"/>
               </a:ext>
             </a:extLst>
           </p:cNvPr>
@@ -2677,7 +2677,7 @@
           <a:p>
             <a:fld id="{620DA11D-05D1-46D7-9472-A0B2D9D00638}" type="datetimeFigureOut">
               <a:rPr lang="ko-KR" altLang="en-US" smtClean="0"/>
-              <a:t>2022-08-10</a:t>
+              <a:t>2022-08-19</a:t>
             </a:fld>
             <a:endParaRPr lang="ko-KR" altLang="en-US"/>
           </a:p>
@@ -2688,7 +2688,7 @@
           <p:cNvPr id="5" name="바닥글 개체 틀 4">
             <a:extLst>
               <a:ext uri="{FF2B5EF4-FFF2-40B4-BE49-F238E27FC236}">
-                <a16:creationId xmlns:a16="http://schemas.microsoft.com/office/drawing/2014/main" xmlns="" id="{24D08141-06E9-6777-B4F2-ACFFCD59314B}"/>
+                <a16:creationId xmlns:a16="http://schemas.microsoft.com/office/drawing/2014/main" id="{24D08141-06E9-6777-B4F2-ACFFCD59314B}"/>
               </a:ext>
             </a:extLst>
           </p:cNvPr>
@@ -2713,7 +2713,7 @@
           <p:cNvPr id="6" name="슬라이드 번호 개체 틀 5">
             <a:extLst>
               <a:ext uri="{FF2B5EF4-FFF2-40B4-BE49-F238E27FC236}">
-                <a16:creationId xmlns:a16="http://schemas.microsoft.com/office/drawing/2014/main" xmlns="" id="{698706C4-B790-E35A-6B9E-04E7C3AD69B8}"/>
+                <a16:creationId xmlns:a16="http://schemas.microsoft.com/office/drawing/2014/main" id="{698706C4-B790-E35A-6B9E-04E7C3AD69B8}"/>
               </a:ext>
             </a:extLst>
           </p:cNvPr>
@@ -2772,7 +2772,7 @@
           <p:cNvPr id="2" name="제목 1">
             <a:extLst>
               <a:ext uri="{FF2B5EF4-FFF2-40B4-BE49-F238E27FC236}">
-                <a16:creationId xmlns:a16="http://schemas.microsoft.com/office/drawing/2014/main" xmlns="" id="{BB697E97-9E36-ED64-0E4F-7A7499A1D105}"/>
+                <a16:creationId xmlns:a16="http://schemas.microsoft.com/office/drawing/2014/main" id="{BB697E97-9E36-ED64-0E4F-7A7499A1D105}"/>
               </a:ext>
             </a:extLst>
           </p:cNvPr>
@@ -2800,7 +2800,7 @@
           <p:cNvPr id="3" name="내용 개체 틀 2">
             <a:extLst>
               <a:ext uri="{FF2B5EF4-FFF2-40B4-BE49-F238E27FC236}">
-                <a16:creationId xmlns:a16="http://schemas.microsoft.com/office/drawing/2014/main" xmlns="" id="{3BD66A55-B63A-666B-BE60-75F829CC56D0}"/>
+                <a16:creationId xmlns:a16="http://schemas.microsoft.com/office/drawing/2014/main" id="{3BD66A55-B63A-666B-BE60-75F829CC56D0}"/>
               </a:ext>
             </a:extLst>
           </p:cNvPr>
@@ -2862,7 +2862,7 @@
           <p:cNvPr id="4" name="내용 개체 틀 3">
             <a:extLst>
               <a:ext uri="{FF2B5EF4-FFF2-40B4-BE49-F238E27FC236}">
-                <a16:creationId xmlns:a16="http://schemas.microsoft.com/office/drawing/2014/main" xmlns="" id="{2C5D0588-59B5-07A9-5DE3-19F3F130C883}"/>
+                <a16:creationId xmlns:a16="http://schemas.microsoft.com/office/drawing/2014/main" id="{2C5D0588-59B5-07A9-5DE3-19F3F130C883}"/>
               </a:ext>
             </a:extLst>
           </p:cNvPr>
@@ -2924,7 +2924,7 @@
           <p:cNvPr id="5" name="날짜 개체 틀 4">
             <a:extLst>
               <a:ext uri="{FF2B5EF4-FFF2-40B4-BE49-F238E27FC236}">
-                <a16:creationId xmlns:a16="http://schemas.microsoft.com/office/drawing/2014/main" xmlns="" id="{DA56A005-9F6F-B9CA-7646-AA90D8F0096D}"/>
+                <a16:creationId xmlns:a16="http://schemas.microsoft.com/office/drawing/2014/main" id="{DA56A005-9F6F-B9CA-7646-AA90D8F0096D}"/>
               </a:ext>
             </a:extLst>
           </p:cNvPr>
@@ -2942,7 +2942,7 @@
           <a:p>
             <a:fld id="{620DA11D-05D1-46D7-9472-A0B2D9D00638}" type="datetimeFigureOut">
               <a:rPr lang="ko-KR" altLang="en-US" smtClean="0"/>
-              <a:t>2022-08-10</a:t>
+              <a:t>2022-08-19</a:t>
             </a:fld>
             <a:endParaRPr lang="ko-KR" altLang="en-US"/>
           </a:p>
@@ -2953,7 +2953,7 @@
           <p:cNvPr id="6" name="바닥글 개체 틀 5">
             <a:extLst>
               <a:ext uri="{FF2B5EF4-FFF2-40B4-BE49-F238E27FC236}">
-                <a16:creationId xmlns:a16="http://schemas.microsoft.com/office/drawing/2014/main" xmlns="" id="{4D98B825-9021-0E38-07B2-557EF5A750EC}"/>
+                <a16:creationId xmlns:a16="http://schemas.microsoft.com/office/drawing/2014/main" id="{4D98B825-9021-0E38-07B2-557EF5A750EC}"/>
               </a:ext>
             </a:extLst>
           </p:cNvPr>
@@ -2978,7 +2978,7 @@
           <p:cNvPr id="7" name="슬라이드 번호 개체 틀 6">
             <a:extLst>
               <a:ext uri="{FF2B5EF4-FFF2-40B4-BE49-F238E27FC236}">
-                <a16:creationId xmlns:a16="http://schemas.microsoft.com/office/drawing/2014/main" xmlns="" id="{A6CC2C86-8D83-4AC9-FC11-99432C55414F}"/>
+                <a16:creationId xmlns:a16="http://schemas.microsoft.com/office/drawing/2014/main" id="{A6CC2C86-8D83-4AC9-FC11-99432C55414F}"/>
               </a:ext>
             </a:extLst>
           </p:cNvPr>
@@ -3037,7 +3037,7 @@
           <p:cNvPr id="2" name="제목 1">
             <a:extLst>
               <a:ext uri="{FF2B5EF4-FFF2-40B4-BE49-F238E27FC236}">
-                <a16:creationId xmlns:a16="http://schemas.microsoft.com/office/drawing/2014/main" xmlns="" id="{99810F44-6ED0-61E6-57DC-023258DC910A}"/>
+                <a16:creationId xmlns:a16="http://schemas.microsoft.com/office/drawing/2014/main" id="{99810F44-6ED0-61E6-57DC-023258DC910A}"/>
               </a:ext>
             </a:extLst>
           </p:cNvPr>
@@ -3070,7 +3070,7 @@
           <p:cNvPr id="3" name="텍스트 개체 틀 2">
             <a:extLst>
               <a:ext uri="{FF2B5EF4-FFF2-40B4-BE49-F238E27FC236}">
-                <a16:creationId xmlns:a16="http://schemas.microsoft.com/office/drawing/2014/main" xmlns="" id="{EA10B6F6-A2D6-93F4-7AD1-11E3B59BA51A}"/>
+                <a16:creationId xmlns:a16="http://schemas.microsoft.com/office/drawing/2014/main" id="{EA10B6F6-A2D6-93F4-7AD1-11E3B59BA51A}"/>
               </a:ext>
             </a:extLst>
           </p:cNvPr>
@@ -3141,7 +3141,7 @@
           <p:cNvPr id="4" name="내용 개체 틀 3">
             <a:extLst>
               <a:ext uri="{FF2B5EF4-FFF2-40B4-BE49-F238E27FC236}">
-                <a16:creationId xmlns:a16="http://schemas.microsoft.com/office/drawing/2014/main" xmlns="" id="{7033313B-CF8C-0678-5FDB-9E4CFAF1896E}"/>
+                <a16:creationId xmlns:a16="http://schemas.microsoft.com/office/drawing/2014/main" id="{7033313B-CF8C-0678-5FDB-9E4CFAF1896E}"/>
               </a:ext>
             </a:extLst>
           </p:cNvPr>
@@ -3203,7 +3203,7 @@
           <p:cNvPr id="5" name="텍스트 개체 틀 4">
             <a:extLst>
               <a:ext uri="{FF2B5EF4-FFF2-40B4-BE49-F238E27FC236}">
-                <a16:creationId xmlns:a16="http://schemas.microsoft.com/office/drawing/2014/main" xmlns="" id="{54FE15B8-053C-6E98-9214-1C258C9F161A}"/>
+                <a16:creationId xmlns:a16="http://schemas.microsoft.com/office/drawing/2014/main" id="{54FE15B8-053C-6E98-9214-1C258C9F161A}"/>
               </a:ext>
             </a:extLst>
           </p:cNvPr>
@@ -3274,7 +3274,7 @@
           <p:cNvPr id="6" name="내용 개체 틀 5">
             <a:extLst>
               <a:ext uri="{FF2B5EF4-FFF2-40B4-BE49-F238E27FC236}">
-                <a16:creationId xmlns:a16="http://schemas.microsoft.com/office/drawing/2014/main" xmlns="" id="{12DA0DB4-2C12-236C-70EC-A50E0E0D6B20}"/>
+                <a16:creationId xmlns:a16="http://schemas.microsoft.com/office/drawing/2014/main" id="{12DA0DB4-2C12-236C-70EC-A50E0E0D6B20}"/>
               </a:ext>
             </a:extLst>
           </p:cNvPr>
@@ -3336,7 +3336,7 @@
           <p:cNvPr id="7" name="날짜 개체 틀 6">
             <a:extLst>
               <a:ext uri="{FF2B5EF4-FFF2-40B4-BE49-F238E27FC236}">
-                <a16:creationId xmlns:a16="http://schemas.microsoft.com/office/drawing/2014/main" xmlns="" id="{AAAC0618-ECC3-8CA6-F91F-8FC55626D786}"/>
+                <a16:creationId xmlns:a16="http://schemas.microsoft.com/office/drawing/2014/main" id="{AAAC0618-ECC3-8CA6-F91F-8FC55626D786}"/>
               </a:ext>
             </a:extLst>
           </p:cNvPr>
@@ -3354,7 +3354,7 @@
           <a:p>
             <a:fld id="{620DA11D-05D1-46D7-9472-A0B2D9D00638}" type="datetimeFigureOut">
               <a:rPr lang="ko-KR" altLang="en-US" smtClean="0"/>
-              <a:t>2022-08-10</a:t>
+              <a:t>2022-08-19</a:t>
             </a:fld>
             <a:endParaRPr lang="ko-KR" altLang="en-US"/>
           </a:p>
@@ -3365,7 +3365,7 @@
           <p:cNvPr id="8" name="바닥글 개체 틀 7">
             <a:extLst>
               <a:ext uri="{FF2B5EF4-FFF2-40B4-BE49-F238E27FC236}">
-                <a16:creationId xmlns:a16="http://schemas.microsoft.com/office/drawing/2014/main" xmlns="" id="{07E7D64B-4640-1670-E996-CA710A7479F3}"/>
+                <a16:creationId xmlns:a16="http://schemas.microsoft.com/office/drawing/2014/main" id="{07E7D64B-4640-1670-E996-CA710A7479F3}"/>
               </a:ext>
             </a:extLst>
           </p:cNvPr>
@@ -3390,7 +3390,7 @@
           <p:cNvPr id="9" name="슬라이드 번호 개체 틀 8">
             <a:extLst>
               <a:ext uri="{FF2B5EF4-FFF2-40B4-BE49-F238E27FC236}">
-                <a16:creationId xmlns:a16="http://schemas.microsoft.com/office/drawing/2014/main" xmlns="" id="{1F44C7A3-AF56-EFBF-FB48-4412BB820B6F}"/>
+                <a16:creationId xmlns:a16="http://schemas.microsoft.com/office/drawing/2014/main" id="{1F44C7A3-AF56-EFBF-FB48-4412BB820B6F}"/>
               </a:ext>
             </a:extLst>
           </p:cNvPr>
@@ -3449,7 +3449,7 @@
           <p:cNvPr id="2" name="제목 1">
             <a:extLst>
               <a:ext uri="{FF2B5EF4-FFF2-40B4-BE49-F238E27FC236}">
-                <a16:creationId xmlns:a16="http://schemas.microsoft.com/office/drawing/2014/main" xmlns="" id="{8FACAC69-D9D6-89AD-6102-E4703D961C08}"/>
+                <a16:creationId xmlns:a16="http://schemas.microsoft.com/office/drawing/2014/main" id="{8FACAC69-D9D6-89AD-6102-E4703D961C08}"/>
               </a:ext>
             </a:extLst>
           </p:cNvPr>
@@ -3477,7 +3477,7 @@
           <p:cNvPr id="3" name="날짜 개체 틀 2">
             <a:extLst>
               <a:ext uri="{FF2B5EF4-FFF2-40B4-BE49-F238E27FC236}">
-                <a16:creationId xmlns:a16="http://schemas.microsoft.com/office/drawing/2014/main" xmlns="" id="{57084B5F-C6DB-2023-CE67-C212AA301AC6}"/>
+                <a16:creationId xmlns:a16="http://schemas.microsoft.com/office/drawing/2014/main" id="{57084B5F-C6DB-2023-CE67-C212AA301AC6}"/>
               </a:ext>
             </a:extLst>
           </p:cNvPr>
@@ -3495,7 +3495,7 @@
           <a:p>
             <a:fld id="{620DA11D-05D1-46D7-9472-A0B2D9D00638}" type="datetimeFigureOut">
               <a:rPr lang="ko-KR" altLang="en-US" smtClean="0"/>
-              <a:t>2022-08-10</a:t>
+              <a:t>2022-08-19</a:t>
             </a:fld>
             <a:endParaRPr lang="ko-KR" altLang="en-US"/>
           </a:p>
@@ -3506,7 +3506,7 @@
           <p:cNvPr id="4" name="바닥글 개체 틀 3">
             <a:extLst>
               <a:ext uri="{FF2B5EF4-FFF2-40B4-BE49-F238E27FC236}">
-                <a16:creationId xmlns:a16="http://schemas.microsoft.com/office/drawing/2014/main" xmlns="" id="{5D17FC68-6A34-04EF-4D0E-4C2347F967BA}"/>
+                <a16:creationId xmlns:a16="http://schemas.microsoft.com/office/drawing/2014/main" id="{5D17FC68-6A34-04EF-4D0E-4C2347F967BA}"/>
               </a:ext>
             </a:extLst>
           </p:cNvPr>
@@ -3531,7 +3531,7 @@
           <p:cNvPr id="5" name="슬라이드 번호 개체 틀 4">
             <a:extLst>
               <a:ext uri="{FF2B5EF4-FFF2-40B4-BE49-F238E27FC236}">
-                <a16:creationId xmlns:a16="http://schemas.microsoft.com/office/drawing/2014/main" xmlns="" id="{135CCED1-B48C-67EF-86B8-3DBC2B491B3D}"/>
+                <a16:creationId xmlns:a16="http://schemas.microsoft.com/office/drawing/2014/main" id="{135CCED1-B48C-67EF-86B8-3DBC2B491B3D}"/>
               </a:ext>
             </a:extLst>
           </p:cNvPr>
@@ -3590,7 +3590,7 @@
           <p:cNvPr id="2" name="날짜 개체 틀 1">
             <a:extLst>
               <a:ext uri="{FF2B5EF4-FFF2-40B4-BE49-F238E27FC236}">
-                <a16:creationId xmlns:a16="http://schemas.microsoft.com/office/drawing/2014/main" xmlns="" id="{0451B59F-5582-6AF5-4526-263D59784FD1}"/>
+                <a16:creationId xmlns:a16="http://schemas.microsoft.com/office/drawing/2014/main" id="{0451B59F-5582-6AF5-4526-263D59784FD1}"/>
               </a:ext>
             </a:extLst>
           </p:cNvPr>
@@ -3608,7 +3608,7 @@
           <a:p>
             <a:fld id="{620DA11D-05D1-46D7-9472-A0B2D9D00638}" type="datetimeFigureOut">
               <a:rPr lang="ko-KR" altLang="en-US" smtClean="0"/>
-              <a:t>2022-08-10</a:t>
+              <a:t>2022-08-19</a:t>
             </a:fld>
             <a:endParaRPr lang="ko-KR" altLang="en-US"/>
           </a:p>
@@ -3619,7 +3619,7 @@
           <p:cNvPr id="3" name="바닥글 개체 틀 2">
             <a:extLst>
               <a:ext uri="{FF2B5EF4-FFF2-40B4-BE49-F238E27FC236}">
-                <a16:creationId xmlns:a16="http://schemas.microsoft.com/office/drawing/2014/main" xmlns="" id="{174DEA4E-9920-A80E-4A0F-386EA83EBDA1}"/>
+                <a16:creationId xmlns:a16="http://schemas.microsoft.com/office/drawing/2014/main" id="{174DEA4E-9920-A80E-4A0F-386EA83EBDA1}"/>
               </a:ext>
             </a:extLst>
           </p:cNvPr>
@@ -3644,7 +3644,7 @@
           <p:cNvPr id="4" name="슬라이드 번호 개체 틀 3">
             <a:extLst>
               <a:ext uri="{FF2B5EF4-FFF2-40B4-BE49-F238E27FC236}">
-                <a16:creationId xmlns:a16="http://schemas.microsoft.com/office/drawing/2014/main" xmlns="" id="{C9B5F4B0-85E8-2468-B313-DE2C0107908A}"/>
+                <a16:creationId xmlns:a16="http://schemas.microsoft.com/office/drawing/2014/main" id="{C9B5F4B0-85E8-2468-B313-DE2C0107908A}"/>
               </a:ext>
             </a:extLst>
           </p:cNvPr>
@@ -3703,7 +3703,7 @@
           <p:cNvPr id="2" name="제목 1">
             <a:extLst>
               <a:ext uri="{FF2B5EF4-FFF2-40B4-BE49-F238E27FC236}">
-                <a16:creationId xmlns:a16="http://schemas.microsoft.com/office/drawing/2014/main" xmlns="" id="{6D391A18-A6D8-3E5F-1915-4243113981BC}"/>
+                <a16:creationId xmlns:a16="http://schemas.microsoft.com/office/drawing/2014/main" id="{6D391A18-A6D8-3E5F-1915-4243113981BC}"/>
               </a:ext>
             </a:extLst>
           </p:cNvPr>
@@ -3740,7 +3740,7 @@
           <p:cNvPr id="3" name="내용 개체 틀 2">
             <a:extLst>
               <a:ext uri="{FF2B5EF4-FFF2-40B4-BE49-F238E27FC236}">
-                <a16:creationId xmlns:a16="http://schemas.microsoft.com/office/drawing/2014/main" xmlns="" id="{0A1EF74D-2EEC-09F2-F55D-393ECE1D406D}"/>
+                <a16:creationId xmlns:a16="http://schemas.microsoft.com/office/drawing/2014/main" id="{0A1EF74D-2EEC-09F2-F55D-393ECE1D406D}"/>
               </a:ext>
             </a:extLst>
           </p:cNvPr>
@@ -3830,7 +3830,7 @@
           <p:cNvPr id="4" name="텍스트 개체 틀 3">
             <a:extLst>
               <a:ext uri="{FF2B5EF4-FFF2-40B4-BE49-F238E27FC236}">
-                <a16:creationId xmlns:a16="http://schemas.microsoft.com/office/drawing/2014/main" xmlns="" id="{66EADAC6-621C-35BA-633C-E75C5B87D0F9}"/>
+                <a16:creationId xmlns:a16="http://schemas.microsoft.com/office/drawing/2014/main" id="{66EADAC6-621C-35BA-633C-E75C5B87D0F9}"/>
               </a:ext>
             </a:extLst>
           </p:cNvPr>
@@ -3901,7 +3901,7 @@
           <p:cNvPr id="5" name="날짜 개체 틀 4">
             <a:extLst>
               <a:ext uri="{FF2B5EF4-FFF2-40B4-BE49-F238E27FC236}">
-                <a16:creationId xmlns:a16="http://schemas.microsoft.com/office/drawing/2014/main" xmlns="" id="{4467F922-60E7-51E5-A634-AC7B755AC883}"/>
+                <a16:creationId xmlns:a16="http://schemas.microsoft.com/office/drawing/2014/main" id="{4467F922-60E7-51E5-A634-AC7B755AC883}"/>
               </a:ext>
             </a:extLst>
           </p:cNvPr>
@@ -3919,7 +3919,7 @@
           <a:p>
             <a:fld id="{620DA11D-05D1-46D7-9472-A0B2D9D00638}" type="datetimeFigureOut">
               <a:rPr lang="ko-KR" altLang="en-US" smtClean="0"/>
-              <a:t>2022-08-10</a:t>
+              <a:t>2022-08-19</a:t>
             </a:fld>
             <a:endParaRPr lang="ko-KR" altLang="en-US"/>
           </a:p>
@@ -3930,7 +3930,7 @@
           <p:cNvPr id="6" name="바닥글 개체 틀 5">
             <a:extLst>
               <a:ext uri="{FF2B5EF4-FFF2-40B4-BE49-F238E27FC236}">
-                <a16:creationId xmlns:a16="http://schemas.microsoft.com/office/drawing/2014/main" xmlns="" id="{2FD1DB38-FD3F-ADE9-DF02-D96CF5BA2E87}"/>
+                <a16:creationId xmlns:a16="http://schemas.microsoft.com/office/drawing/2014/main" id="{2FD1DB38-FD3F-ADE9-DF02-D96CF5BA2E87}"/>
               </a:ext>
             </a:extLst>
           </p:cNvPr>
@@ -3955,7 +3955,7 @@
           <p:cNvPr id="7" name="슬라이드 번호 개체 틀 6">
             <a:extLst>
               <a:ext uri="{FF2B5EF4-FFF2-40B4-BE49-F238E27FC236}">
-                <a16:creationId xmlns:a16="http://schemas.microsoft.com/office/drawing/2014/main" xmlns="" id="{B24F0B30-2C53-7963-BF47-F1CDD3E28EDE}"/>
+                <a16:creationId xmlns:a16="http://schemas.microsoft.com/office/drawing/2014/main" id="{B24F0B30-2C53-7963-BF47-F1CDD3E28EDE}"/>
               </a:ext>
             </a:extLst>
           </p:cNvPr>
@@ -4014,7 +4014,7 @@
           <p:cNvPr id="2" name="제목 1">
             <a:extLst>
               <a:ext uri="{FF2B5EF4-FFF2-40B4-BE49-F238E27FC236}">
-                <a16:creationId xmlns:a16="http://schemas.microsoft.com/office/drawing/2014/main" xmlns="" id="{0F8217A8-59DA-EA03-B83F-4BB38893656D}"/>
+                <a16:creationId xmlns:a16="http://schemas.microsoft.com/office/drawing/2014/main" id="{0F8217A8-59DA-EA03-B83F-4BB38893656D}"/>
               </a:ext>
             </a:extLst>
           </p:cNvPr>
@@ -4051,7 +4051,7 @@
           <p:cNvPr id="3" name="그림 개체 틀 2">
             <a:extLst>
               <a:ext uri="{FF2B5EF4-FFF2-40B4-BE49-F238E27FC236}">
-                <a16:creationId xmlns:a16="http://schemas.microsoft.com/office/drawing/2014/main" xmlns="" id="{3F7D5D03-61FF-2A40-CCC4-7A2781A5257E}"/>
+                <a16:creationId xmlns:a16="http://schemas.microsoft.com/office/drawing/2014/main" id="{3F7D5D03-61FF-2A40-CCC4-7A2781A5257E}"/>
               </a:ext>
             </a:extLst>
           </p:cNvPr>
@@ -4118,7 +4118,7 @@
           <p:cNvPr id="4" name="텍스트 개체 틀 3">
             <a:extLst>
               <a:ext uri="{FF2B5EF4-FFF2-40B4-BE49-F238E27FC236}">
-                <a16:creationId xmlns:a16="http://schemas.microsoft.com/office/drawing/2014/main" xmlns="" id="{3C4515EC-109A-81FD-D8C0-190F2E6B084E}"/>
+                <a16:creationId xmlns:a16="http://schemas.microsoft.com/office/drawing/2014/main" id="{3C4515EC-109A-81FD-D8C0-190F2E6B084E}"/>
               </a:ext>
             </a:extLst>
           </p:cNvPr>
@@ -4189,7 +4189,7 @@
           <p:cNvPr id="5" name="날짜 개체 틀 4">
             <a:extLst>
               <a:ext uri="{FF2B5EF4-FFF2-40B4-BE49-F238E27FC236}">
-                <a16:creationId xmlns:a16="http://schemas.microsoft.com/office/drawing/2014/main" xmlns="" id="{9BD785C8-309B-C671-8F09-B05D2310F660}"/>
+                <a16:creationId xmlns:a16="http://schemas.microsoft.com/office/drawing/2014/main" id="{9BD785C8-309B-C671-8F09-B05D2310F660}"/>
               </a:ext>
             </a:extLst>
           </p:cNvPr>
@@ -4207,7 +4207,7 @@
           <a:p>
             <a:fld id="{620DA11D-05D1-46D7-9472-A0B2D9D00638}" type="datetimeFigureOut">
               <a:rPr lang="ko-KR" altLang="en-US" smtClean="0"/>
-              <a:t>2022-08-10</a:t>
+              <a:t>2022-08-19</a:t>
             </a:fld>
             <a:endParaRPr lang="ko-KR" altLang="en-US"/>
           </a:p>
@@ -4218,7 +4218,7 @@
           <p:cNvPr id="6" name="바닥글 개체 틀 5">
             <a:extLst>
               <a:ext uri="{FF2B5EF4-FFF2-40B4-BE49-F238E27FC236}">
-                <a16:creationId xmlns:a16="http://schemas.microsoft.com/office/drawing/2014/main" xmlns="" id="{6318960D-EB5E-62E8-F193-747D22311D76}"/>
+                <a16:creationId xmlns:a16="http://schemas.microsoft.com/office/drawing/2014/main" id="{6318960D-EB5E-62E8-F193-747D22311D76}"/>
               </a:ext>
             </a:extLst>
           </p:cNvPr>
@@ -4243,7 +4243,7 @@
           <p:cNvPr id="7" name="슬라이드 번호 개체 틀 6">
             <a:extLst>
               <a:ext uri="{FF2B5EF4-FFF2-40B4-BE49-F238E27FC236}">
-                <a16:creationId xmlns:a16="http://schemas.microsoft.com/office/drawing/2014/main" xmlns="" id="{70E1012D-9D05-8650-52B9-9682F5E60667}"/>
+                <a16:creationId xmlns:a16="http://schemas.microsoft.com/office/drawing/2014/main" id="{70E1012D-9D05-8650-52B9-9682F5E60667}"/>
               </a:ext>
             </a:extLst>
           </p:cNvPr>
@@ -4307,7 +4307,7 @@
           <p:cNvPr id="2" name="제목 개체 틀 1">
             <a:extLst>
               <a:ext uri="{FF2B5EF4-FFF2-40B4-BE49-F238E27FC236}">
-                <a16:creationId xmlns:a16="http://schemas.microsoft.com/office/drawing/2014/main" xmlns="" id="{AF3633D9-F618-569B-7086-7C4604A26ADF}"/>
+                <a16:creationId xmlns:a16="http://schemas.microsoft.com/office/drawing/2014/main" id="{AF3633D9-F618-569B-7086-7C4604A26ADF}"/>
               </a:ext>
             </a:extLst>
           </p:cNvPr>
@@ -4345,7 +4345,7 @@
           <p:cNvPr id="3" name="텍스트 개체 틀 2">
             <a:extLst>
               <a:ext uri="{FF2B5EF4-FFF2-40B4-BE49-F238E27FC236}">
-                <a16:creationId xmlns:a16="http://schemas.microsoft.com/office/drawing/2014/main" xmlns="" id="{E1BE2CBF-918F-9207-0530-D61BF0ADA0EF}"/>
+                <a16:creationId xmlns:a16="http://schemas.microsoft.com/office/drawing/2014/main" id="{E1BE2CBF-918F-9207-0530-D61BF0ADA0EF}"/>
               </a:ext>
             </a:extLst>
           </p:cNvPr>
@@ -4412,7 +4412,7 @@
           <p:cNvPr id="4" name="날짜 개체 틀 3">
             <a:extLst>
               <a:ext uri="{FF2B5EF4-FFF2-40B4-BE49-F238E27FC236}">
-                <a16:creationId xmlns:a16="http://schemas.microsoft.com/office/drawing/2014/main" xmlns="" id="{DE62F1B2-0534-F9E6-B7E5-72190205EBB9}"/>
+                <a16:creationId xmlns:a16="http://schemas.microsoft.com/office/drawing/2014/main" id="{DE62F1B2-0534-F9E6-B7E5-72190205EBB9}"/>
               </a:ext>
             </a:extLst>
           </p:cNvPr>
@@ -4448,7 +4448,7 @@
           <a:p>
             <a:fld id="{620DA11D-05D1-46D7-9472-A0B2D9D00638}" type="datetimeFigureOut">
               <a:rPr lang="ko-KR" altLang="en-US" smtClean="0"/>
-              <a:t>2022-08-10</a:t>
+              <a:t>2022-08-19</a:t>
             </a:fld>
             <a:endParaRPr lang="ko-KR" altLang="en-US"/>
           </a:p>
@@ -4459,7 +4459,7 @@
           <p:cNvPr id="5" name="바닥글 개체 틀 4">
             <a:extLst>
               <a:ext uri="{FF2B5EF4-FFF2-40B4-BE49-F238E27FC236}">
-                <a16:creationId xmlns:a16="http://schemas.microsoft.com/office/drawing/2014/main" xmlns="" id="{2F1FF5C6-CCF9-4E7B-D149-7FA57764A839}"/>
+                <a16:creationId xmlns:a16="http://schemas.microsoft.com/office/drawing/2014/main" id="{2F1FF5C6-CCF9-4E7B-D149-7FA57764A839}"/>
               </a:ext>
             </a:extLst>
           </p:cNvPr>
@@ -4502,7 +4502,7 @@
           <p:cNvPr id="6" name="슬라이드 번호 개체 틀 5">
             <a:extLst>
               <a:ext uri="{FF2B5EF4-FFF2-40B4-BE49-F238E27FC236}">
-                <a16:creationId xmlns:a16="http://schemas.microsoft.com/office/drawing/2014/main" xmlns="" id="{5EA82CCB-4A6D-94C7-0ABF-EC050E29842B}"/>
+                <a16:creationId xmlns:a16="http://schemas.microsoft.com/office/drawing/2014/main" id="{5EA82CCB-4A6D-94C7-0ABF-EC050E29842B}"/>
               </a:ext>
             </a:extLst>
           </p:cNvPr>
@@ -4871,7 +4871,7 @@
           <p:cNvPr id="2" name="제목 1">
             <a:extLst>
               <a:ext uri="{FF2B5EF4-FFF2-40B4-BE49-F238E27FC236}">
-                <a16:creationId xmlns:a16="http://schemas.microsoft.com/office/drawing/2014/main" xmlns="" id="{BB177A21-1F99-4D21-9F9F-55BCE76CE328}"/>
+                <a16:creationId xmlns:a16="http://schemas.microsoft.com/office/drawing/2014/main" id="{BB177A21-1F99-4D21-9F9F-55BCE76CE328}"/>
               </a:ext>
             </a:extLst>
           </p:cNvPr>
@@ -4900,7 +4900,7 @@
           <p:cNvPr id="3" name="부제목 2">
             <a:extLst>
               <a:ext uri="{FF2B5EF4-FFF2-40B4-BE49-F238E27FC236}">
-                <a16:creationId xmlns:a16="http://schemas.microsoft.com/office/drawing/2014/main" xmlns="" id="{81152BDB-6F60-4325-8468-F9381C5F40EB}"/>
+                <a16:creationId xmlns:a16="http://schemas.microsoft.com/office/drawing/2014/main" id="{81152BDB-6F60-4325-8468-F9381C5F40EB}"/>
               </a:ext>
             </a:extLst>
           </p:cNvPr>
@@ -5008,7 +5008,7 @@
           <p:cNvPr id="4" name="직사각형 3">
             <a:extLst>
               <a:ext uri="{FF2B5EF4-FFF2-40B4-BE49-F238E27FC236}">
-                <a16:creationId xmlns:a16="http://schemas.microsoft.com/office/drawing/2014/main" xmlns="" id="{AE93FE2A-85FE-4157-951C-FC2FADBB3B34}"/>
+                <a16:creationId xmlns:a16="http://schemas.microsoft.com/office/drawing/2014/main" id="{AE93FE2A-85FE-4157-951C-FC2FADBB3B34}"/>
               </a:ext>
             </a:extLst>
           </p:cNvPr>
@@ -5060,7 +5060,7 @@
           <p:cNvPr id="7" name="TextBox 6">
             <a:extLst>
               <a:ext uri="{FF2B5EF4-FFF2-40B4-BE49-F238E27FC236}">
-                <a16:creationId xmlns:a16="http://schemas.microsoft.com/office/drawing/2014/main" xmlns="" id="{982817C4-ACF4-45FB-A018-6E6F872691BC}"/>
+                <a16:creationId xmlns:a16="http://schemas.microsoft.com/office/drawing/2014/main" id="{982817C4-ACF4-45FB-A018-6E6F872691BC}"/>
               </a:ext>
             </a:extLst>
           </p:cNvPr>
@@ -6898,7 +6898,7 @@
           <p:cNvPr id="53" name="모서리가 둥근 직사각형 39">
             <a:extLst>
               <a:ext uri="{FF2B5EF4-FFF2-40B4-BE49-F238E27FC236}">
-                <a16:creationId xmlns:a16="http://schemas.microsoft.com/office/drawing/2014/main" xmlns="" id="{4FA2E584-DEE4-01AD-39F9-AE0FEDB3EF76}"/>
+                <a16:creationId xmlns:a16="http://schemas.microsoft.com/office/drawing/2014/main" id="{4FA2E584-DEE4-01AD-39F9-AE0FEDB3EF76}"/>
               </a:ext>
             </a:extLst>
           </p:cNvPr>
@@ -6982,7 +6982,7 @@
           <p:cNvPr id="4" name="직사각형 3">
             <a:extLst>
               <a:ext uri="{FF2B5EF4-FFF2-40B4-BE49-F238E27FC236}">
-                <a16:creationId xmlns:a16="http://schemas.microsoft.com/office/drawing/2014/main" xmlns="" id="{AE93FE2A-85FE-4157-951C-FC2FADBB3B34}"/>
+                <a16:creationId xmlns:a16="http://schemas.microsoft.com/office/drawing/2014/main" id="{AE93FE2A-85FE-4157-951C-FC2FADBB3B34}"/>
               </a:ext>
             </a:extLst>
           </p:cNvPr>
@@ -7034,7 +7034,7 @@
           <p:cNvPr id="7" name="TextBox 6">
             <a:extLst>
               <a:ext uri="{FF2B5EF4-FFF2-40B4-BE49-F238E27FC236}">
-                <a16:creationId xmlns:a16="http://schemas.microsoft.com/office/drawing/2014/main" xmlns="" id="{982817C4-ACF4-45FB-A018-6E6F872691BC}"/>
+                <a16:creationId xmlns:a16="http://schemas.microsoft.com/office/drawing/2014/main" id="{982817C4-ACF4-45FB-A018-6E6F872691BC}"/>
               </a:ext>
             </a:extLst>
           </p:cNvPr>
@@ -7081,7 +7081,7 @@
           <p:cNvPr id="53" name="모서리가 둥근 직사각형 106">
             <a:extLst>
               <a:ext uri="{FF2B5EF4-FFF2-40B4-BE49-F238E27FC236}">
-                <a16:creationId xmlns:a16="http://schemas.microsoft.com/office/drawing/2014/main" xmlns="" id="{4504E0B0-5F19-8D0B-33CE-162409B5A0BC}"/>
+                <a16:creationId xmlns:a16="http://schemas.microsoft.com/office/drawing/2014/main" id="{4504E0B0-5F19-8D0B-33CE-162409B5A0BC}"/>
               </a:ext>
             </a:extLst>
           </p:cNvPr>
@@ -7135,7 +7135,7 @@
           <p:cNvPr id="55" name="순서도: 처리 54">
             <a:extLst>
               <a:ext uri="{FF2B5EF4-FFF2-40B4-BE49-F238E27FC236}">
-                <a16:creationId xmlns:a16="http://schemas.microsoft.com/office/drawing/2014/main" xmlns="" id="{11E32D41-A7FC-E87F-99AD-2A08ACA6DCB7}"/>
+                <a16:creationId xmlns:a16="http://schemas.microsoft.com/office/drawing/2014/main" id="{11E32D41-A7FC-E87F-99AD-2A08ACA6DCB7}"/>
               </a:ext>
             </a:extLst>
           </p:cNvPr>
@@ -7196,7 +7196,7 @@
           <p:cNvPr id="59" name="그룹 58">
             <a:extLst>
               <a:ext uri="{FF2B5EF4-FFF2-40B4-BE49-F238E27FC236}">
-                <a16:creationId xmlns:a16="http://schemas.microsoft.com/office/drawing/2014/main" xmlns="" id="{627AF9FF-E0DB-65CF-4619-18F0B923D8A3}"/>
+                <a16:creationId xmlns:a16="http://schemas.microsoft.com/office/drawing/2014/main" id="{627AF9FF-E0DB-65CF-4619-18F0B923D8A3}"/>
               </a:ext>
             </a:extLst>
           </p:cNvPr>
@@ -7216,7 +7216,7 @@
             <p:cNvPr id="60" name="순서도: 판단 59">
               <a:extLst>
                 <a:ext uri="{FF2B5EF4-FFF2-40B4-BE49-F238E27FC236}">
-                  <a16:creationId xmlns:a16="http://schemas.microsoft.com/office/drawing/2014/main" xmlns="" id="{B4661138-9B96-7058-E465-38750035AF29}"/>
+                  <a16:creationId xmlns:a16="http://schemas.microsoft.com/office/drawing/2014/main" id="{B4661138-9B96-7058-E465-38750035AF29}"/>
                 </a:ext>
               </a:extLst>
             </p:cNvPr>
@@ -7276,7 +7276,7 @@
             <p:cNvPr id="61" name="TextBox 60">
               <a:extLst>
                 <a:ext uri="{FF2B5EF4-FFF2-40B4-BE49-F238E27FC236}">
-                  <a16:creationId xmlns:a16="http://schemas.microsoft.com/office/drawing/2014/main" xmlns="" id="{053210DB-67C6-99E8-EDDB-375C1D4C5114}"/>
+                  <a16:creationId xmlns:a16="http://schemas.microsoft.com/office/drawing/2014/main" id="{053210DB-67C6-99E8-EDDB-375C1D4C5114}"/>
                 </a:ext>
               </a:extLst>
             </p:cNvPr>
@@ -7337,7 +7337,7 @@
           <p:cNvPr id="66" name="순서도: 처리 65">
             <a:extLst>
               <a:ext uri="{FF2B5EF4-FFF2-40B4-BE49-F238E27FC236}">
-                <a16:creationId xmlns:a16="http://schemas.microsoft.com/office/drawing/2014/main" xmlns="" id="{9892FB18-3429-55C5-6B5D-C844EA61D45C}"/>
+                <a16:creationId xmlns:a16="http://schemas.microsoft.com/office/drawing/2014/main" id="{9892FB18-3429-55C5-6B5D-C844EA61D45C}"/>
               </a:ext>
             </a:extLst>
           </p:cNvPr>
@@ -7398,7 +7398,7 @@
           <p:cNvPr id="67" name="순서도: 처리 66">
             <a:extLst>
               <a:ext uri="{FF2B5EF4-FFF2-40B4-BE49-F238E27FC236}">
-                <a16:creationId xmlns:a16="http://schemas.microsoft.com/office/drawing/2014/main" xmlns="" id="{2F41F3D7-658A-5C2F-BDC3-0E43755038F6}"/>
+                <a16:creationId xmlns:a16="http://schemas.microsoft.com/office/drawing/2014/main" id="{2F41F3D7-658A-5C2F-BDC3-0E43755038F6}"/>
               </a:ext>
             </a:extLst>
           </p:cNvPr>
@@ -7459,7 +7459,7 @@
           <p:cNvPr id="13" name="직선 화살표 연결선 12">
             <a:extLst>
               <a:ext uri="{FF2B5EF4-FFF2-40B4-BE49-F238E27FC236}">
-                <a16:creationId xmlns:a16="http://schemas.microsoft.com/office/drawing/2014/main" xmlns="" id="{CF83719E-1089-1C99-48C2-1A55007C49EB}"/>
+                <a16:creationId xmlns:a16="http://schemas.microsoft.com/office/drawing/2014/main" id="{CF83719E-1089-1C99-48C2-1A55007C49EB}"/>
               </a:ext>
             </a:extLst>
           </p:cNvPr>
@@ -7501,7 +7501,7 @@
           <p:cNvPr id="15" name="직선 화살표 연결선 14">
             <a:extLst>
               <a:ext uri="{FF2B5EF4-FFF2-40B4-BE49-F238E27FC236}">
-                <a16:creationId xmlns:a16="http://schemas.microsoft.com/office/drawing/2014/main" xmlns="" id="{7386CD15-D5FA-F0C4-722F-8514B01E3EE6}"/>
+                <a16:creationId xmlns:a16="http://schemas.microsoft.com/office/drawing/2014/main" id="{7386CD15-D5FA-F0C4-722F-8514B01E3EE6}"/>
               </a:ext>
             </a:extLst>
           </p:cNvPr>
@@ -7543,7 +7543,7 @@
           <p:cNvPr id="17" name="연결선: 꺾임 16">
             <a:extLst>
               <a:ext uri="{FF2B5EF4-FFF2-40B4-BE49-F238E27FC236}">
-                <a16:creationId xmlns:a16="http://schemas.microsoft.com/office/drawing/2014/main" xmlns="" id="{11395CC8-5217-E6D6-BAEF-0854A6E92C4E}"/>
+                <a16:creationId xmlns:a16="http://schemas.microsoft.com/office/drawing/2014/main" id="{11395CC8-5217-E6D6-BAEF-0854A6E92C4E}"/>
               </a:ext>
             </a:extLst>
           </p:cNvPr>
@@ -7585,7 +7585,7 @@
           <p:cNvPr id="19" name="연결선: 꺾임 18">
             <a:extLst>
               <a:ext uri="{FF2B5EF4-FFF2-40B4-BE49-F238E27FC236}">
-                <a16:creationId xmlns:a16="http://schemas.microsoft.com/office/drawing/2014/main" xmlns="" id="{52A9D4E3-8318-89CC-B71E-43AC94EE8530}"/>
+                <a16:creationId xmlns:a16="http://schemas.microsoft.com/office/drawing/2014/main" id="{52A9D4E3-8318-89CC-B71E-43AC94EE8530}"/>
               </a:ext>
             </a:extLst>
           </p:cNvPr>
@@ -7627,7 +7627,7 @@
           <p:cNvPr id="20" name="직사각형 19">
             <a:extLst>
               <a:ext uri="{FF2B5EF4-FFF2-40B4-BE49-F238E27FC236}">
-                <a16:creationId xmlns:a16="http://schemas.microsoft.com/office/drawing/2014/main" xmlns="" id="{870347AB-4FB7-9DE7-A141-E7A8CF6AE6EA}"/>
+                <a16:creationId xmlns:a16="http://schemas.microsoft.com/office/drawing/2014/main" id="{870347AB-4FB7-9DE7-A141-E7A8CF6AE6EA}"/>
               </a:ext>
             </a:extLst>
           </p:cNvPr>
@@ -7676,7 +7676,7 @@
           <p:cNvPr id="23" name="직선 화살표 연결선 22">
             <a:extLst>
               <a:ext uri="{FF2B5EF4-FFF2-40B4-BE49-F238E27FC236}">
-                <a16:creationId xmlns:a16="http://schemas.microsoft.com/office/drawing/2014/main" xmlns="" id="{C4F5E5A2-C128-CA43-AA92-499694335007}"/>
+                <a16:creationId xmlns:a16="http://schemas.microsoft.com/office/drawing/2014/main" id="{C4F5E5A2-C128-CA43-AA92-499694335007}"/>
               </a:ext>
             </a:extLst>
           </p:cNvPr>
@@ -7718,7 +7718,7 @@
           <p:cNvPr id="78" name="직사각형 77">
             <a:extLst>
               <a:ext uri="{FF2B5EF4-FFF2-40B4-BE49-F238E27FC236}">
-                <a16:creationId xmlns:a16="http://schemas.microsoft.com/office/drawing/2014/main" xmlns="" id="{7F1587C1-F669-4FCD-05DC-0DEB45958CBC}"/>
+                <a16:creationId xmlns:a16="http://schemas.microsoft.com/office/drawing/2014/main" id="{7F1587C1-F669-4FCD-05DC-0DEB45958CBC}"/>
               </a:ext>
             </a:extLst>
           </p:cNvPr>
@@ -7767,7 +7767,7 @@
           <p:cNvPr id="79" name="직선 화살표 연결선 78">
             <a:extLst>
               <a:ext uri="{FF2B5EF4-FFF2-40B4-BE49-F238E27FC236}">
-                <a16:creationId xmlns:a16="http://schemas.microsoft.com/office/drawing/2014/main" xmlns="" id="{FD65722B-CFBE-C234-398E-993FE3656D05}"/>
+                <a16:creationId xmlns:a16="http://schemas.microsoft.com/office/drawing/2014/main" id="{FD65722B-CFBE-C234-398E-993FE3656D05}"/>
               </a:ext>
             </a:extLst>
           </p:cNvPr>
@@ -7810,7 +7810,7 @@
           <p:cNvPr id="83" name="그룹 82">
             <a:extLst>
               <a:ext uri="{FF2B5EF4-FFF2-40B4-BE49-F238E27FC236}">
-                <a16:creationId xmlns:a16="http://schemas.microsoft.com/office/drawing/2014/main" xmlns="" id="{C24FA84B-C96B-CCA2-BFFF-203D3F8AF56E}"/>
+                <a16:creationId xmlns:a16="http://schemas.microsoft.com/office/drawing/2014/main" id="{C24FA84B-C96B-CCA2-BFFF-203D3F8AF56E}"/>
               </a:ext>
             </a:extLst>
           </p:cNvPr>
@@ -7830,7 +7830,7 @@
             <p:cNvPr id="84" name="순서도: 판단 83">
               <a:extLst>
                 <a:ext uri="{FF2B5EF4-FFF2-40B4-BE49-F238E27FC236}">
-                  <a16:creationId xmlns:a16="http://schemas.microsoft.com/office/drawing/2014/main" xmlns="" id="{634B76CF-971F-3679-1A0C-6F6E0DDEAA4D}"/>
+                  <a16:creationId xmlns:a16="http://schemas.microsoft.com/office/drawing/2014/main" id="{634B76CF-971F-3679-1A0C-6F6E0DDEAA4D}"/>
                 </a:ext>
               </a:extLst>
             </p:cNvPr>
@@ -7890,7 +7890,7 @@
             <p:cNvPr id="85" name="TextBox 84">
               <a:extLst>
                 <a:ext uri="{FF2B5EF4-FFF2-40B4-BE49-F238E27FC236}">
-                  <a16:creationId xmlns:a16="http://schemas.microsoft.com/office/drawing/2014/main" xmlns="" id="{252F84CA-8BA9-7CFD-82DB-25DCE4991239}"/>
+                  <a16:creationId xmlns:a16="http://schemas.microsoft.com/office/drawing/2014/main" id="{252F84CA-8BA9-7CFD-82DB-25DCE4991239}"/>
                 </a:ext>
               </a:extLst>
             </p:cNvPr>
@@ -7943,7 +7943,7 @@
           <p:cNvPr id="86" name="그룹 85">
             <a:extLst>
               <a:ext uri="{FF2B5EF4-FFF2-40B4-BE49-F238E27FC236}">
-                <a16:creationId xmlns:a16="http://schemas.microsoft.com/office/drawing/2014/main" xmlns="" id="{3F07034D-1C75-500F-B000-653CC22F6120}"/>
+                <a16:creationId xmlns:a16="http://schemas.microsoft.com/office/drawing/2014/main" id="{3F07034D-1C75-500F-B000-653CC22F6120}"/>
               </a:ext>
             </a:extLst>
           </p:cNvPr>
@@ -7963,7 +7963,7 @@
             <p:cNvPr id="87" name="순서도: 판단 86">
               <a:extLst>
                 <a:ext uri="{FF2B5EF4-FFF2-40B4-BE49-F238E27FC236}">
-                  <a16:creationId xmlns:a16="http://schemas.microsoft.com/office/drawing/2014/main" xmlns="" id="{C14AC316-4922-D2E1-6D63-CE2AFFAC2681}"/>
+                  <a16:creationId xmlns:a16="http://schemas.microsoft.com/office/drawing/2014/main" id="{C14AC316-4922-D2E1-6D63-CE2AFFAC2681}"/>
                 </a:ext>
               </a:extLst>
             </p:cNvPr>
@@ -8023,7 +8023,7 @@
             <p:cNvPr id="88" name="TextBox 87">
               <a:extLst>
                 <a:ext uri="{FF2B5EF4-FFF2-40B4-BE49-F238E27FC236}">
-                  <a16:creationId xmlns:a16="http://schemas.microsoft.com/office/drawing/2014/main" xmlns="" id="{BF80CB75-BB77-1098-9818-7E412097AC6B}"/>
+                  <a16:creationId xmlns:a16="http://schemas.microsoft.com/office/drawing/2014/main" id="{BF80CB75-BB77-1098-9818-7E412097AC6B}"/>
                 </a:ext>
               </a:extLst>
             </p:cNvPr>
@@ -8068,7 +8068,7 @@
           <p:cNvPr id="39" name="연결선: 꺾임 38">
             <a:extLst>
               <a:ext uri="{FF2B5EF4-FFF2-40B4-BE49-F238E27FC236}">
-                <a16:creationId xmlns:a16="http://schemas.microsoft.com/office/drawing/2014/main" xmlns="" id="{4FE702C6-107F-47A3-A41F-C5DF0D4959FA}"/>
+                <a16:creationId xmlns:a16="http://schemas.microsoft.com/office/drawing/2014/main" id="{4FE702C6-107F-47A3-A41F-C5DF0D4959FA}"/>
               </a:ext>
             </a:extLst>
           </p:cNvPr>
@@ -8110,7 +8110,7 @@
           <p:cNvPr id="42" name="연결선: 꺾임 41">
             <a:extLst>
               <a:ext uri="{FF2B5EF4-FFF2-40B4-BE49-F238E27FC236}">
-                <a16:creationId xmlns:a16="http://schemas.microsoft.com/office/drawing/2014/main" xmlns="" id="{FF705105-920C-446B-28CF-39EE277EDF12}"/>
+                <a16:creationId xmlns:a16="http://schemas.microsoft.com/office/drawing/2014/main" id="{FF705105-920C-446B-28CF-39EE277EDF12}"/>
               </a:ext>
             </a:extLst>
           </p:cNvPr>
@@ -8153,7 +8153,7 @@
           <p:cNvPr id="45" name="직선 화살표 연결선 44">
             <a:extLst>
               <a:ext uri="{FF2B5EF4-FFF2-40B4-BE49-F238E27FC236}">
-                <a16:creationId xmlns:a16="http://schemas.microsoft.com/office/drawing/2014/main" xmlns="" id="{78ABC9EA-4A61-B07C-9A2E-ECB28CE88799}"/>
+                <a16:creationId xmlns:a16="http://schemas.microsoft.com/office/drawing/2014/main" id="{78ABC9EA-4A61-B07C-9A2E-ECB28CE88799}"/>
               </a:ext>
             </a:extLst>
           </p:cNvPr>
@@ -8195,7 +8195,7 @@
           <p:cNvPr id="68" name="TextBox 67">
             <a:extLst>
               <a:ext uri="{FF2B5EF4-FFF2-40B4-BE49-F238E27FC236}">
-                <a16:creationId xmlns:a16="http://schemas.microsoft.com/office/drawing/2014/main" xmlns="" id="{25F003DC-A535-A7E3-5CEE-356BA1908074}"/>
+                <a16:creationId xmlns:a16="http://schemas.microsoft.com/office/drawing/2014/main" id="{25F003DC-A535-A7E3-5CEE-356BA1908074}"/>
               </a:ext>
             </a:extLst>
           </p:cNvPr>
@@ -8231,7 +8231,7 @@
           <p:cNvPr id="110" name="TextBox 109">
             <a:extLst>
               <a:ext uri="{FF2B5EF4-FFF2-40B4-BE49-F238E27FC236}">
-                <a16:creationId xmlns:a16="http://schemas.microsoft.com/office/drawing/2014/main" xmlns="" id="{191A6605-CC86-CEAC-C7B1-B6933982E322}"/>
+                <a16:creationId xmlns:a16="http://schemas.microsoft.com/office/drawing/2014/main" id="{191A6605-CC86-CEAC-C7B1-B6933982E322}"/>
               </a:ext>
             </a:extLst>
           </p:cNvPr>
@@ -8267,7 +8267,7 @@
           <p:cNvPr id="111" name="TextBox 110">
             <a:extLst>
               <a:ext uri="{FF2B5EF4-FFF2-40B4-BE49-F238E27FC236}">
-                <a16:creationId xmlns:a16="http://schemas.microsoft.com/office/drawing/2014/main" xmlns="" id="{4FD6317B-DFF7-C68F-8B32-1D3A946BE736}"/>
+                <a16:creationId xmlns:a16="http://schemas.microsoft.com/office/drawing/2014/main" id="{4FD6317B-DFF7-C68F-8B32-1D3A946BE736}"/>
               </a:ext>
             </a:extLst>
           </p:cNvPr>
@@ -8303,7 +8303,7 @@
           <p:cNvPr id="112" name="그룹 111">
             <a:extLst>
               <a:ext uri="{FF2B5EF4-FFF2-40B4-BE49-F238E27FC236}">
-                <a16:creationId xmlns:a16="http://schemas.microsoft.com/office/drawing/2014/main" xmlns="" id="{0732B68C-3886-292D-6490-AEBAFA3F11E9}"/>
+                <a16:creationId xmlns:a16="http://schemas.microsoft.com/office/drawing/2014/main" id="{0732B68C-3886-292D-6490-AEBAFA3F11E9}"/>
               </a:ext>
             </a:extLst>
           </p:cNvPr>
@@ -8323,7 +8323,7 @@
             <p:cNvPr id="113" name="순서도: 판단 112">
               <a:extLst>
                 <a:ext uri="{FF2B5EF4-FFF2-40B4-BE49-F238E27FC236}">
-                  <a16:creationId xmlns:a16="http://schemas.microsoft.com/office/drawing/2014/main" xmlns="" id="{F448878C-6E86-3179-B37C-DEBF5044A4E3}"/>
+                  <a16:creationId xmlns:a16="http://schemas.microsoft.com/office/drawing/2014/main" id="{F448878C-6E86-3179-B37C-DEBF5044A4E3}"/>
                 </a:ext>
               </a:extLst>
             </p:cNvPr>
@@ -8383,7 +8383,7 @@
             <p:cNvPr id="114" name="TextBox 113">
               <a:extLst>
                 <a:ext uri="{FF2B5EF4-FFF2-40B4-BE49-F238E27FC236}">
-                  <a16:creationId xmlns:a16="http://schemas.microsoft.com/office/drawing/2014/main" xmlns="" id="{605435AC-7787-AD89-EE20-547709CEA183}"/>
+                  <a16:creationId xmlns:a16="http://schemas.microsoft.com/office/drawing/2014/main" id="{605435AC-7787-AD89-EE20-547709CEA183}"/>
                 </a:ext>
               </a:extLst>
             </p:cNvPr>
@@ -8436,7 +8436,7 @@
           <p:cNvPr id="70" name="직선 화살표 연결선 69">
             <a:extLst>
               <a:ext uri="{FF2B5EF4-FFF2-40B4-BE49-F238E27FC236}">
-                <a16:creationId xmlns:a16="http://schemas.microsoft.com/office/drawing/2014/main" xmlns="" id="{CA8B0BC0-3728-F25D-5198-F4E666D71A26}"/>
+                <a16:creationId xmlns:a16="http://schemas.microsoft.com/office/drawing/2014/main" id="{CA8B0BC0-3728-F25D-5198-F4E666D71A26}"/>
               </a:ext>
             </a:extLst>
           </p:cNvPr>
@@ -8478,7 +8478,7 @@
           <p:cNvPr id="76" name="직선 화살표 연결선 75">
             <a:extLst>
               <a:ext uri="{FF2B5EF4-FFF2-40B4-BE49-F238E27FC236}">
-                <a16:creationId xmlns:a16="http://schemas.microsoft.com/office/drawing/2014/main" xmlns="" id="{7D504B93-163F-CC9E-175A-77E1DFBD52D5}"/>
+                <a16:creationId xmlns:a16="http://schemas.microsoft.com/office/drawing/2014/main" id="{7D504B93-163F-CC9E-175A-77E1DFBD52D5}"/>
               </a:ext>
             </a:extLst>
           </p:cNvPr>
@@ -8521,7 +8521,7 @@
           <p:cNvPr id="122" name="TextBox 121">
             <a:extLst>
               <a:ext uri="{FF2B5EF4-FFF2-40B4-BE49-F238E27FC236}">
-                <a16:creationId xmlns:a16="http://schemas.microsoft.com/office/drawing/2014/main" xmlns="" id="{E2C71E75-EB9D-69A5-1C44-9C91C202422E}"/>
+                <a16:creationId xmlns:a16="http://schemas.microsoft.com/office/drawing/2014/main" id="{E2C71E75-EB9D-69A5-1C44-9C91C202422E}"/>
               </a:ext>
             </a:extLst>
           </p:cNvPr>
@@ -8557,7 +8557,7 @@
           <p:cNvPr id="123" name="TextBox 122">
             <a:extLst>
               <a:ext uri="{FF2B5EF4-FFF2-40B4-BE49-F238E27FC236}">
-                <a16:creationId xmlns:a16="http://schemas.microsoft.com/office/drawing/2014/main" xmlns="" id="{C2750C21-BDD2-61BE-6FA8-51A0D9053ABE}"/>
+                <a16:creationId xmlns:a16="http://schemas.microsoft.com/office/drawing/2014/main" id="{C2750C21-BDD2-61BE-6FA8-51A0D9053ABE}"/>
               </a:ext>
             </a:extLst>
           </p:cNvPr>
@@ -8593,7 +8593,7 @@
           <p:cNvPr id="124" name="TextBox 123">
             <a:extLst>
               <a:ext uri="{FF2B5EF4-FFF2-40B4-BE49-F238E27FC236}">
-                <a16:creationId xmlns:a16="http://schemas.microsoft.com/office/drawing/2014/main" xmlns="" id="{CE4681DF-7B9C-EC71-273F-DF0C04213F13}"/>
+                <a16:creationId xmlns:a16="http://schemas.microsoft.com/office/drawing/2014/main" id="{CE4681DF-7B9C-EC71-273F-DF0C04213F13}"/>
               </a:ext>
             </a:extLst>
           </p:cNvPr>
@@ -8629,7 +8629,7 @@
           <p:cNvPr id="125" name="그룹 124">
             <a:extLst>
               <a:ext uri="{FF2B5EF4-FFF2-40B4-BE49-F238E27FC236}">
-                <a16:creationId xmlns:a16="http://schemas.microsoft.com/office/drawing/2014/main" xmlns="" id="{6A4D8A80-43A8-1AF4-93D2-A9816F8A65E8}"/>
+                <a16:creationId xmlns:a16="http://schemas.microsoft.com/office/drawing/2014/main" id="{6A4D8A80-43A8-1AF4-93D2-A9816F8A65E8}"/>
               </a:ext>
             </a:extLst>
           </p:cNvPr>
@@ -8649,7 +8649,7 @@
             <p:cNvPr id="126" name="순서도: 판단 125">
               <a:extLst>
                 <a:ext uri="{FF2B5EF4-FFF2-40B4-BE49-F238E27FC236}">
-                  <a16:creationId xmlns:a16="http://schemas.microsoft.com/office/drawing/2014/main" xmlns="" id="{ADCBF88F-F032-9EA5-286B-00BBD961BAA6}"/>
+                  <a16:creationId xmlns:a16="http://schemas.microsoft.com/office/drawing/2014/main" id="{ADCBF88F-F032-9EA5-286B-00BBD961BAA6}"/>
                 </a:ext>
               </a:extLst>
             </p:cNvPr>
@@ -8709,7 +8709,7 @@
             <p:cNvPr id="127" name="TextBox 126">
               <a:extLst>
                 <a:ext uri="{FF2B5EF4-FFF2-40B4-BE49-F238E27FC236}">
-                  <a16:creationId xmlns:a16="http://schemas.microsoft.com/office/drawing/2014/main" xmlns="" id="{E10EFD63-2DE1-2953-1ABE-C6E1B430AEE6}"/>
+                  <a16:creationId xmlns:a16="http://schemas.microsoft.com/office/drawing/2014/main" id="{E10EFD63-2DE1-2953-1ABE-C6E1B430AEE6}"/>
                 </a:ext>
               </a:extLst>
             </p:cNvPr>
@@ -8762,7 +8762,7 @@
           <p:cNvPr id="129" name="모서리가 둥근 직사각형 106">
             <a:extLst>
               <a:ext uri="{FF2B5EF4-FFF2-40B4-BE49-F238E27FC236}">
-                <a16:creationId xmlns:a16="http://schemas.microsoft.com/office/drawing/2014/main" xmlns="" id="{4CC6301F-F856-DE45-47D5-0FECF97182F5}"/>
+                <a16:creationId xmlns:a16="http://schemas.microsoft.com/office/drawing/2014/main" id="{4CC6301F-F856-DE45-47D5-0FECF97182F5}"/>
               </a:ext>
             </a:extLst>
           </p:cNvPr>
@@ -8816,7 +8816,7 @@
           <p:cNvPr id="81" name="직선 화살표 연결선 80">
             <a:extLst>
               <a:ext uri="{FF2B5EF4-FFF2-40B4-BE49-F238E27FC236}">
-                <a16:creationId xmlns:a16="http://schemas.microsoft.com/office/drawing/2014/main" xmlns="" id="{6E41B9BD-3BEF-92A1-47B8-7A960E734152}"/>
+                <a16:creationId xmlns:a16="http://schemas.microsoft.com/office/drawing/2014/main" id="{6E41B9BD-3BEF-92A1-47B8-7A960E734152}"/>
               </a:ext>
             </a:extLst>
           </p:cNvPr>
@@ -8858,7 +8858,7 @@
           <p:cNvPr id="89" name="직선 화살표 연결선 88">
             <a:extLst>
               <a:ext uri="{FF2B5EF4-FFF2-40B4-BE49-F238E27FC236}">
-                <a16:creationId xmlns:a16="http://schemas.microsoft.com/office/drawing/2014/main" xmlns="" id="{5EB24881-3AD6-C6EB-6F5D-B41FDA792FB1}"/>
+                <a16:creationId xmlns:a16="http://schemas.microsoft.com/office/drawing/2014/main" id="{5EB24881-3AD6-C6EB-6F5D-B41FDA792FB1}"/>
               </a:ext>
             </a:extLst>
           </p:cNvPr>
@@ -8930,7 +8930,7 @@
           <p:cNvPr id="4" name="직사각형 3">
             <a:extLst>
               <a:ext uri="{FF2B5EF4-FFF2-40B4-BE49-F238E27FC236}">
-                <a16:creationId xmlns:a16="http://schemas.microsoft.com/office/drawing/2014/main" xmlns="" id="{AE93FE2A-85FE-4157-951C-FC2FADBB3B34}"/>
+                <a16:creationId xmlns:a16="http://schemas.microsoft.com/office/drawing/2014/main" id="{AE93FE2A-85FE-4157-951C-FC2FADBB3B34}"/>
               </a:ext>
             </a:extLst>
           </p:cNvPr>
@@ -8982,7 +8982,7 @@
           <p:cNvPr id="7" name="TextBox 6">
             <a:extLst>
               <a:ext uri="{FF2B5EF4-FFF2-40B4-BE49-F238E27FC236}">
-                <a16:creationId xmlns:a16="http://schemas.microsoft.com/office/drawing/2014/main" xmlns="" id="{982817C4-ACF4-45FB-A018-6E6F872691BC}"/>
+                <a16:creationId xmlns:a16="http://schemas.microsoft.com/office/drawing/2014/main" id="{982817C4-ACF4-45FB-A018-6E6F872691BC}"/>
               </a:ext>
             </a:extLst>
           </p:cNvPr>
@@ -9029,7 +9029,7 @@
           <p:cNvPr id="53" name="모서리가 둥근 직사각형 106">
             <a:extLst>
               <a:ext uri="{FF2B5EF4-FFF2-40B4-BE49-F238E27FC236}">
-                <a16:creationId xmlns:a16="http://schemas.microsoft.com/office/drawing/2014/main" xmlns="" id="{4504E0B0-5F19-8D0B-33CE-162409B5A0BC}"/>
+                <a16:creationId xmlns:a16="http://schemas.microsoft.com/office/drawing/2014/main" id="{4504E0B0-5F19-8D0B-33CE-162409B5A0BC}"/>
               </a:ext>
             </a:extLst>
           </p:cNvPr>
@@ -9083,7 +9083,7 @@
           <p:cNvPr id="55" name="순서도: 처리 54">
             <a:extLst>
               <a:ext uri="{FF2B5EF4-FFF2-40B4-BE49-F238E27FC236}">
-                <a16:creationId xmlns:a16="http://schemas.microsoft.com/office/drawing/2014/main" xmlns="" id="{11E32D41-A7FC-E87F-99AD-2A08ACA6DCB7}"/>
+                <a16:creationId xmlns:a16="http://schemas.microsoft.com/office/drawing/2014/main" id="{11E32D41-A7FC-E87F-99AD-2A08ACA6DCB7}"/>
               </a:ext>
             </a:extLst>
           </p:cNvPr>
@@ -9168,7 +9168,7 @@
           <p:cNvPr id="13" name="직선 화살표 연결선 12">
             <a:extLst>
               <a:ext uri="{FF2B5EF4-FFF2-40B4-BE49-F238E27FC236}">
-                <a16:creationId xmlns:a16="http://schemas.microsoft.com/office/drawing/2014/main" xmlns="" id="{CF83719E-1089-1C99-48C2-1A55007C49EB}"/>
+                <a16:creationId xmlns:a16="http://schemas.microsoft.com/office/drawing/2014/main" id="{CF83719E-1089-1C99-48C2-1A55007C49EB}"/>
               </a:ext>
             </a:extLst>
           </p:cNvPr>
@@ -9211,7 +9211,7 @@
           <p:cNvPr id="15" name="직선 화살표 연결선 14">
             <a:extLst>
               <a:ext uri="{FF2B5EF4-FFF2-40B4-BE49-F238E27FC236}">
-                <a16:creationId xmlns:a16="http://schemas.microsoft.com/office/drawing/2014/main" xmlns="" id="{7386CD15-D5FA-F0C4-722F-8514B01E3EE6}"/>
+                <a16:creationId xmlns:a16="http://schemas.microsoft.com/office/drawing/2014/main" id="{7386CD15-D5FA-F0C4-722F-8514B01E3EE6}"/>
               </a:ext>
             </a:extLst>
           </p:cNvPr>
@@ -9254,7 +9254,7 @@
           <p:cNvPr id="35" name="그룹 34">
             <a:extLst>
               <a:ext uri="{FF2B5EF4-FFF2-40B4-BE49-F238E27FC236}">
-                <a16:creationId xmlns:a16="http://schemas.microsoft.com/office/drawing/2014/main" xmlns="" id="{7CA44C46-1C3A-3790-E77E-A9078594ECAE}"/>
+                <a16:creationId xmlns:a16="http://schemas.microsoft.com/office/drawing/2014/main" id="{7CA44C46-1C3A-3790-E77E-A9078594ECAE}"/>
               </a:ext>
             </a:extLst>
           </p:cNvPr>
@@ -9274,7 +9274,7 @@
             <p:cNvPr id="33" name="순서도: 데이터 32">
               <a:extLst>
                 <a:ext uri="{FF2B5EF4-FFF2-40B4-BE49-F238E27FC236}">
-                  <a16:creationId xmlns:a16="http://schemas.microsoft.com/office/drawing/2014/main" xmlns="" id="{975B1371-A7B8-39B4-2846-611A770054ED}"/>
+                  <a16:creationId xmlns:a16="http://schemas.microsoft.com/office/drawing/2014/main" id="{975B1371-A7B8-39B4-2846-611A770054ED}"/>
                 </a:ext>
               </a:extLst>
             </p:cNvPr>
@@ -9320,7 +9320,7 @@
             <p:cNvPr id="18" name="TextBox 17">
               <a:extLst>
                 <a:ext uri="{FF2B5EF4-FFF2-40B4-BE49-F238E27FC236}">
-                  <a16:creationId xmlns:a16="http://schemas.microsoft.com/office/drawing/2014/main" xmlns="" id="{A9F91FF1-5A79-C50C-1283-1DD7664B2AB2}"/>
+                  <a16:creationId xmlns:a16="http://schemas.microsoft.com/office/drawing/2014/main" id="{A9F91FF1-5A79-C50C-1283-1DD7664B2AB2}"/>
                 </a:ext>
               </a:extLst>
             </p:cNvPr>
@@ -9390,7 +9390,7 @@
           <p:cNvPr id="62" name="순서도: 처리 61">
             <a:extLst>
               <a:ext uri="{FF2B5EF4-FFF2-40B4-BE49-F238E27FC236}">
-                <a16:creationId xmlns:a16="http://schemas.microsoft.com/office/drawing/2014/main" xmlns="" id="{626872E5-97CA-6058-C8E1-7657013E078D}"/>
+                <a16:creationId xmlns:a16="http://schemas.microsoft.com/office/drawing/2014/main" id="{626872E5-97CA-6058-C8E1-7657013E078D}"/>
               </a:ext>
             </a:extLst>
           </p:cNvPr>
@@ -9446,14 +9446,6 @@
               </a:rPr>
               <a:t>상대편 </a:t>
             </a:r>
-            <a:r>
-              <a:rPr lang="en-US" altLang="ko-KR" sz="1100" dirty="0">
-                <a:solidFill>
-                  <a:schemeClr val="tx1"/>
-                </a:solidFill>
-              </a:rPr>
-              <a:t/>
-            </a:r>
             <a:br>
               <a:rPr lang="en-US" altLang="ko-KR" sz="1100" dirty="0">
                 <a:solidFill>
@@ -9482,7 +9474,7 @@
           <p:cNvPr id="63" name="순서도: 처리 62">
             <a:extLst>
               <a:ext uri="{FF2B5EF4-FFF2-40B4-BE49-F238E27FC236}">
-                <a16:creationId xmlns:a16="http://schemas.microsoft.com/office/drawing/2014/main" xmlns="" id="{4910EA6F-8FF9-6EDC-A1D8-BC0F7C2F677D}"/>
+                <a16:creationId xmlns:a16="http://schemas.microsoft.com/office/drawing/2014/main" id="{4910EA6F-8FF9-6EDC-A1D8-BC0F7C2F677D}"/>
               </a:ext>
             </a:extLst>
           </p:cNvPr>
@@ -9538,14 +9530,6 @@
               </a:rPr>
               <a:t>중립</a:t>
             </a:r>
-            <a:r>
-              <a:rPr lang="en-US" altLang="ko-KR" sz="1100" dirty="0">
-                <a:solidFill>
-                  <a:schemeClr val="tx1"/>
-                </a:solidFill>
-              </a:rPr>
-              <a:t/>
-            </a:r>
             <a:br>
               <a:rPr lang="en-US" altLang="ko-KR" sz="1100" dirty="0">
                 <a:solidFill>
@@ -9574,7 +9558,7 @@
           <p:cNvPr id="69" name="순서도: 처리 68">
             <a:extLst>
               <a:ext uri="{FF2B5EF4-FFF2-40B4-BE49-F238E27FC236}">
-                <a16:creationId xmlns:a16="http://schemas.microsoft.com/office/drawing/2014/main" xmlns="" id="{902ADD2E-9587-686C-B353-37E8575A875B}"/>
+                <a16:creationId xmlns:a16="http://schemas.microsoft.com/office/drawing/2014/main" id="{902ADD2E-9587-686C-B353-37E8575A875B}"/>
               </a:ext>
             </a:extLst>
           </p:cNvPr>
@@ -9635,7 +9619,7 @@
           <p:cNvPr id="91" name="다이아몬드 90">
             <a:extLst>
               <a:ext uri="{FF2B5EF4-FFF2-40B4-BE49-F238E27FC236}">
-                <a16:creationId xmlns:a16="http://schemas.microsoft.com/office/drawing/2014/main" xmlns="" id="{C6DF68AD-E725-EAA8-59F8-BE63EF4F4A87}"/>
+                <a16:creationId xmlns:a16="http://schemas.microsoft.com/office/drawing/2014/main" id="{C6DF68AD-E725-EAA8-59F8-BE63EF4F4A87}"/>
               </a:ext>
             </a:extLst>
           </p:cNvPr>
@@ -9689,7 +9673,7 @@
           <p:cNvPr id="92" name="TextBox 91">
             <a:extLst>
               <a:ext uri="{FF2B5EF4-FFF2-40B4-BE49-F238E27FC236}">
-                <a16:creationId xmlns:a16="http://schemas.microsoft.com/office/drawing/2014/main" xmlns="" id="{75FE450B-7CAB-B53B-4C7A-0714E95B1515}"/>
+                <a16:creationId xmlns:a16="http://schemas.microsoft.com/office/drawing/2014/main" id="{75FE450B-7CAB-B53B-4C7A-0714E95B1515}"/>
               </a:ext>
             </a:extLst>
           </p:cNvPr>
@@ -9738,7 +9722,7 @@
           <p:cNvPr id="38" name="연결선: 꺾임 37">
             <a:extLst>
               <a:ext uri="{FF2B5EF4-FFF2-40B4-BE49-F238E27FC236}">
-                <a16:creationId xmlns:a16="http://schemas.microsoft.com/office/drawing/2014/main" xmlns="" id="{E83A4B98-9BA4-0C63-D02C-CA5B121A8F8C}"/>
+                <a16:creationId xmlns:a16="http://schemas.microsoft.com/office/drawing/2014/main" id="{E83A4B98-9BA4-0C63-D02C-CA5B121A8F8C}"/>
               </a:ext>
             </a:extLst>
           </p:cNvPr>
@@ -9780,7 +9764,7 @@
           <p:cNvPr id="41" name="직선 화살표 연결선 40">
             <a:extLst>
               <a:ext uri="{FF2B5EF4-FFF2-40B4-BE49-F238E27FC236}">
-                <a16:creationId xmlns:a16="http://schemas.microsoft.com/office/drawing/2014/main" xmlns="" id="{536FE09A-17DA-7144-A848-705C55D9CCB8}"/>
+                <a16:creationId xmlns:a16="http://schemas.microsoft.com/office/drawing/2014/main" id="{536FE09A-17DA-7144-A848-705C55D9CCB8}"/>
               </a:ext>
             </a:extLst>
           </p:cNvPr>
@@ -9823,7 +9807,7 @@
           <p:cNvPr id="46" name="연결선: 꺾임 45">
             <a:extLst>
               <a:ext uri="{FF2B5EF4-FFF2-40B4-BE49-F238E27FC236}">
-                <a16:creationId xmlns:a16="http://schemas.microsoft.com/office/drawing/2014/main" xmlns="" id="{AF1C59D7-5CC1-3DF9-0514-A72EF35BD10F}"/>
+                <a16:creationId xmlns:a16="http://schemas.microsoft.com/office/drawing/2014/main" id="{AF1C59D7-5CC1-3DF9-0514-A72EF35BD10F}"/>
               </a:ext>
             </a:extLst>
           </p:cNvPr>
@@ -9865,7 +9849,7 @@
           <p:cNvPr id="52" name="연결선: 꺾임 51">
             <a:extLst>
               <a:ext uri="{FF2B5EF4-FFF2-40B4-BE49-F238E27FC236}">
-                <a16:creationId xmlns:a16="http://schemas.microsoft.com/office/drawing/2014/main" xmlns="" id="{35B938F0-2F8F-29BD-D44F-5857CC646180}"/>
+                <a16:creationId xmlns:a16="http://schemas.microsoft.com/office/drawing/2014/main" id="{35B938F0-2F8F-29BD-D44F-5857CC646180}"/>
               </a:ext>
             </a:extLst>
           </p:cNvPr>
@@ -9907,7 +9891,7 @@
           <p:cNvPr id="56" name="연결선: 꺾임 55">
             <a:extLst>
               <a:ext uri="{FF2B5EF4-FFF2-40B4-BE49-F238E27FC236}">
-                <a16:creationId xmlns:a16="http://schemas.microsoft.com/office/drawing/2014/main" xmlns="" id="{595B58B5-6CDF-CDE4-84B1-82133EE17B5F}"/>
+                <a16:creationId xmlns:a16="http://schemas.microsoft.com/office/drawing/2014/main" id="{595B58B5-6CDF-CDE4-84B1-82133EE17B5F}"/>
               </a:ext>
             </a:extLst>
           </p:cNvPr>
@@ -9949,7 +9933,7 @@
           <p:cNvPr id="58" name="연결선: 꺾임 57">
             <a:extLst>
               <a:ext uri="{FF2B5EF4-FFF2-40B4-BE49-F238E27FC236}">
-                <a16:creationId xmlns:a16="http://schemas.microsoft.com/office/drawing/2014/main" xmlns="" id="{E8562079-3BC0-827F-86C2-E6D25DCB8C98}"/>
+                <a16:creationId xmlns:a16="http://schemas.microsoft.com/office/drawing/2014/main" id="{E8562079-3BC0-827F-86C2-E6D25DCB8C98}"/>
               </a:ext>
             </a:extLst>
           </p:cNvPr>
@@ -9992,7 +9976,7 @@
           <p:cNvPr id="103" name="순서도: 처리 102">
             <a:extLst>
               <a:ext uri="{FF2B5EF4-FFF2-40B4-BE49-F238E27FC236}">
-                <a16:creationId xmlns:a16="http://schemas.microsoft.com/office/drawing/2014/main" xmlns="" id="{90E39E3C-3D67-DE11-3564-683AFE390744}"/>
+                <a16:creationId xmlns:a16="http://schemas.microsoft.com/office/drawing/2014/main" id="{90E39E3C-3D67-DE11-3564-683AFE390744}"/>
               </a:ext>
             </a:extLst>
           </p:cNvPr>
@@ -10053,7 +10037,7 @@
           <p:cNvPr id="65" name="연결선: 꺾임 64">
             <a:extLst>
               <a:ext uri="{FF2B5EF4-FFF2-40B4-BE49-F238E27FC236}">
-                <a16:creationId xmlns:a16="http://schemas.microsoft.com/office/drawing/2014/main" xmlns="" id="{5EE516B7-207D-1440-F941-E681CC63E15C}"/>
+                <a16:creationId xmlns:a16="http://schemas.microsoft.com/office/drawing/2014/main" id="{5EE516B7-207D-1440-F941-E681CC63E15C}"/>
               </a:ext>
             </a:extLst>
           </p:cNvPr>
@@ -10095,7 +10079,7 @@
           <p:cNvPr id="94" name="TextBox 93">
             <a:extLst>
               <a:ext uri="{FF2B5EF4-FFF2-40B4-BE49-F238E27FC236}">
-                <a16:creationId xmlns:a16="http://schemas.microsoft.com/office/drawing/2014/main" xmlns="" id="{4C782774-BC2D-91A2-AB93-6B4E5C94702C}"/>
+                <a16:creationId xmlns:a16="http://schemas.microsoft.com/office/drawing/2014/main" id="{4C782774-BC2D-91A2-AB93-6B4E5C94702C}"/>
               </a:ext>
             </a:extLst>
           </p:cNvPr>
@@ -10131,7 +10115,7 @@
           <p:cNvPr id="109" name="TextBox 108">
             <a:extLst>
               <a:ext uri="{FF2B5EF4-FFF2-40B4-BE49-F238E27FC236}">
-                <a16:creationId xmlns:a16="http://schemas.microsoft.com/office/drawing/2014/main" xmlns="" id="{728DF2F0-4283-B3BD-1C54-8CF001964EF2}"/>
+                <a16:creationId xmlns:a16="http://schemas.microsoft.com/office/drawing/2014/main" id="{728DF2F0-4283-B3BD-1C54-8CF001964EF2}"/>
               </a:ext>
             </a:extLst>
           </p:cNvPr>
@@ -10197,7 +10181,7 @@
           <p:cNvPr id="4" name="직사각형 3">
             <a:extLst>
               <a:ext uri="{FF2B5EF4-FFF2-40B4-BE49-F238E27FC236}">
-                <a16:creationId xmlns:a16="http://schemas.microsoft.com/office/drawing/2014/main" xmlns="" id="{AE93FE2A-85FE-4157-951C-FC2FADBB3B34}"/>
+                <a16:creationId xmlns:a16="http://schemas.microsoft.com/office/drawing/2014/main" id="{AE93FE2A-85FE-4157-951C-FC2FADBB3B34}"/>
               </a:ext>
             </a:extLst>
           </p:cNvPr>
@@ -10249,7 +10233,7 @@
           <p:cNvPr id="7" name="TextBox 6">
             <a:extLst>
               <a:ext uri="{FF2B5EF4-FFF2-40B4-BE49-F238E27FC236}">
-                <a16:creationId xmlns:a16="http://schemas.microsoft.com/office/drawing/2014/main" xmlns="" id="{982817C4-ACF4-45FB-A018-6E6F872691BC}"/>
+                <a16:creationId xmlns:a16="http://schemas.microsoft.com/office/drawing/2014/main" id="{982817C4-ACF4-45FB-A018-6E6F872691BC}"/>
               </a:ext>
             </a:extLst>
           </p:cNvPr>
@@ -10285,7 +10269,7 @@
           <p:cNvPr id="37" name="직선 연결선 36">
             <a:extLst>
               <a:ext uri="{FF2B5EF4-FFF2-40B4-BE49-F238E27FC236}">
-                <a16:creationId xmlns:a16="http://schemas.microsoft.com/office/drawing/2014/main" xmlns="" id="{2A913A35-07B2-6B4C-827B-A33566E62AC4}"/>
+                <a16:creationId xmlns:a16="http://schemas.microsoft.com/office/drawing/2014/main" id="{2A913A35-07B2-6B4C-827B-A33566E62AC4}"/>
               </a:ext>
             </a:extLst>
           </p:cNvPr>
@@ -10325,7 +10309,7 @@
           <p:cNvPr id="2" name="그룹 1">
             <a:extLst>
               <a:ext uri="{FF2B5EF4-FFF2-40B4-BE49-F238E27FC236}">
-                <a16:creationId xmlns:a16="http://schemas.microsoft.com/office/drawing/2014/main" xmlns="" id="{3A4EDAC7-2E3F-35DA-873A-F4F9B796ED95}"/>
+                <a16:creationId xmlns:a16="http://schemas.microsoft.com/office/drawing/2014/main" id="{3A4EDAC7-2E3F-35DA-873A-F4F9B796ED95}"/>
               </a:ext>
             </a:extLst>
           </p:cNvPr>
@@ -10345,7 +10329,7 @@
             <p:cNvPr id="13" name="그룹 12">
               <a:extLst>
                 <a:ext uri="{FF2B5EF4-FFF2-40B4-BE49-F238E27FC236}">
-                  <a16:creationId xmlns:a16="http://schemas.microsoft.com/office/drawing/2014/main" xmlns="" id="{012FB69B-82C7-7900-A675-867ECA86ABE8}"/>
+                  <a16:creationId xmlns:a16="http://schemas.microsoft.com/office/drawing/2014/main" id="{012FB69B-82C7-7900-A675-867ECA86ABE8}"/>
                 </a:ext>
               </a:extLst>
             </p:cNvPr>
@@ -10365,7 +10349,7 @@
               <p:cNvPr id="44" name="그룹 43">
                 <a:extLst>
                   <a:ext uri="{FF2B5EF4-FFF2-40B4-BE49-F238E27FC236}">
-                    <a16:creationId xmlns:a16="http://schemas.microsoft.com/office/drawing/2014/main" xmlns="" id="{512CCD0C-F228-C03E-7B18-4268B4B82DF2}"/>
+                    <a16:creationId xmlns:a16="http://schemas.microsoft.com/office/drawing/2014/main" id="{512CCD0C-F228-C03E-7B18-4268B4B82DF2}"/>
                   </a:ext>
                 </a:extLst>
               </p:cNvPr>
@@ -10385,7 +10369,7 @@
                 <p:cNvPr id="45" name="사각형: 둥근 모서리 44">
                   <a:extLst>
                     <a:ext uri="{FF2B5EF4-FFF2-40B4-BE49-F238E27FC236}">
-                      <a16:creationId xmlns:a16="http://schemas.microsoft.com/office/drawing/2014/main" xmlns="" id="{CDF47BAD-E51D-20E1-B97B-265C721FA397}"/>
+                      <a16:creationId xmlns:a16="http://schemas.microsoft.com/office/drawing/2014/main" id="{CDF47BAD-E51D-20E1-B97B-265C721FA397}"/>
                     </a:ext>
                   </a:extLst>
                 </p:cNvPr>
@@ -10439,7 +10423,7 @@
                 <p:cNvPr id="46" name="타원 45">
                   <a:extLst>
                     <a:ext uri="{FF2B5EF4-FFF2-40B4-BE49-F238E27FC236}">
-                      <a16:creationId xmlns:a16="http://schemas.microsoft.com/office/drawing/2014/main" xmlns="" id="{1948FD49-6EB6-E428-A45A-8B1F969B4872}"/>
+                      <a16:creationId xmlns:a16="http://schemas.microsoft.com/office/drawing/2014/main" id="{1948FD49-6EB6-E428-A45A-8B1F969B4872}"/>
                     </a:ext>
                   </a:extLst>
                 </p:cNvPr>
@@ -10491,7 +10475,7 @@
                 <p:cNvPr id="47" name="타원 46">
                   <a:extLst>
                     <a:ext uri="{FF2B5EF4-FFF2-40B4-BE49-F238E27FC236}">
-                      <a16:creationId xmlns:a16="http://schemas.microsoft.com/office/drawing/2014/main" xmlns="" id="{5A327DCC-C5A6-3A71-8CC9-C5B0F277810F}"/>
+                      <a16:creationId xmlns:a16="http://schemas.microsoft.com/office/drawing/2014/main" id="{5A327DCC-C5A6-3A71-8CC9-C5B0F277810F}"/>
                     </a:ext>
                   </a:extLst>
                 </p:cNvPr>
@@ -10540,7 +10524,7 @@
                 <p:cNvPr id="48" name="타원 47">
                   <a:extLst>
                     <a:ext uri="{FF2B5EF4-FFF2-40B4-BE49-F238E27FC236}">
-                      <a16:creationId xmlns:a16="http://schemas.microsoft.com/office/drawing/2014/main" xmlns="" id="{1EB60385-CCA0-22BE-BEBB-76834049F595}"/>
+                      <a16:creationId xmlns:a16="http://schemas.microsoft.com/office/drawing/2014/main" id="{1EB60385-CCA0-22BE-BEBB-76834049F595}"/>
                     </a:ext>
                   </a:extLst>
                 </p:cNvPr>
@@ -10593,7 +10577,7 @@
               <p:cNvPr id="49" name="그룹 48">
                 <a:extLst>
                   <a:ext uri="{FF2B5EF4-FFF2-40B4-BE49-F238E27FC236}">
-                    <a16:creationId xmlns:a16="http://schemas.microsoft.com/office/drawing/2014/main" xmlns="" id="{3107CBC9-DA87-FBE4-10C2-F7FD9ED56B4D}"/>
+                    <a16:creationId xmlns:a16="http://schemas.microsoft.com/office/drawing/2014/main" id="{3107CBC9-DA87-FBE4-10C2-F7FD9ED56B4D}"/>
                   </a:ext>
                 </a:extLst>
               </p:cNvPr>
@@ -10613,7 +10597,7 @@
                 <p:cNvPr id="50" name="타원 49">
                   <a:extLst>
                     <a:ext uri="{FF2B5EF4-FFF2-40B4-BE49-F238E27FC236}">
-                      <a16:creationId xmlns:a16="http://schemas.microsoft.com/office/drawing/2014/main" xmlns="" id="{3BEA629E-1908-69F3-F0FF-921E5A41BF4C}"/>
+                      <a16:creationId xmlns:a16="http://schemas.microsoft.com/office/drawing/2014/main" id="{3BEA629E-1908-69F3-F0FF-921E5A41BF4C}"/>
                     </a:ext>
                   </a:extLst>
                 </p:cNvPr>
@@ -10659,7 +10643,7 @@
                 <p:cNvPr id="51" name="TextBox 50">
                   <a:extLst>
                     <a:ext uri="{FF2B5EF4-FFF2-40B4-BE49-F238E27FC236}">
-                      <a16:creationId xmlns:a16="http://schemas.microsoft.com/office/drawing/2014/main" xmlns="" id="{1D320E2B-E638-8109-BABD-267C0F39AB36}"/>
+                      <a16:creationId xmlns:a16="http://schemas.microsoft.com/office/drawing/2014/main" id="{1D320E2B-E638-8109-BABD-267C0F39AB36}"/>
                     </a:ext>
                   </a:extLst>
                 </p:cNvPr>
@@ -10698,7 +10682,7 @@
             <p:cNvPr id="52" name="그룹 51">
               <a:extLst>
                 <a:ext uri="{FF2B5EF4-FFF2-40B4-BE49-F238E27FC236}">
-                  <a16:creationId xmlns:a16="http://schemas.microsoft.com/office/drawing/2014/main" xmlns="" id="{D402700B-EA41-90CB-DC5C-F4FF3D39E831}"/>
+                  <a16:creationId xmlns:a16="http://schemas.microsoft.com/office/drawing/2014/main" id="{D402700B-EA41-90CB-DC5C-F4FF3D39E831}"/>
                 </a:ext>
               </a:extLst>
             </p:cNvPr>
@@ -10718,7 +10702,7 @@
               <p:cNvPr id="53" name="타원 52">
                 <a:extLst>
                   <a:ext uri="{FF2B5EF4-FFF2-40B4-BE49-F238E27FC236}">
-                    <a16:creationId xmlns:a16="http://schemas.microsoft.com/office/drawing/2014/main" xmlns="" id="{E24231E5-50E9-D7C3-BEB3-417AC36157B9}"/>
+                    <a16:creationId xmlns:a16="http://schemas.microsoft.com/office/drawing/2014/main" id="{E24231E5-50E9-D7C3-BEB3-417AC36157B9}"/>
                   </a:ext>
                 </a:extLst>
               </p:cNvPr>
@@ -10770,7 +10754,7 @@
               <p:cNvPr id="54" name="TextBox 53">
                 <a:extLst>
                   <a:ext uri="{FF2B5EF4-FFF2-40B4-BE49-F238E27FC236}">
-                    <a16:creationId xmlns:a16="http://schemas.microsoft.com/office/drawing/2014/main" xmlns="" id="{EDA28622-67D1-F83B-DB89-E09994A31711}"/>
+                    <a16:creationId xmlns:a16="http://schemas.microsoft.com/office/drawing/2014/main" id="{EDA28622-67D1-F83B-DB89-E09994A31711}"/>
                   </a:ext>
                 </a:extLst>
               </p:cNvPr>
@@ -10806,7 +10790,7 @@
               <p:cNvPr id="55" name="타원 54">
                 <a:extLst>
                   <a:ext uri="{FF2B5EF4-FFF2-40B4-BE49-F238E27FC236}">
-                    <a16:creationId xmlns:a16="http://schemas.microsoft.com/office/drawing/2014/main" xmlns="" id="{F3FE4F5B-22E6-9592-BA5B-B08E48CC319C}"/>
+                    <a16:creationId xmlns:a16="http://schemas.microsoft.com/office/drawing/2014/main" id="{F3FE4F5B-22E6-9592-BA5B-B08E48CC319C}"/>
                   </a:ext>
                 </a:extLst>
               </p:cNvPr>
@@ -10859,7 +10843,7 @@
             <p:cNvPr id="56" name="TextBox 55">
               <a:extLst>
                 <a:ext uri="{FF2B5EF4-FFF2-40B4-BE49-F238E27FC236}">
-                  <a16:creationId xmlns:a16="http://schemas.microsoft.com/office/drawing/2014/main" xmlns="" id="{DB6B2810-3D22-5AEB-F4AA-94A8C1F6A0D3}"/>
+                  <a16:creationId xmlns:a16="http://schemas.microsoft.com/office/drawing/2014/main" id="{DB6B2810-3D22-5AEB-F4AA-94A8C1F6A0D3}"/>
                 </a:ext>
               </a:extLst>
             </p:cNvPr>
@@ -10898,7 +10882,7 @@
             <p:cNvPr id="57" name="타원 56">
               <a:extLst>
                 <a:ext uri="{FF2B5EF4-FFF2-40B4-BE49-F238E27FC236}">
-                  <a16:creationId xmlns:a16="http://schemas.microsoft.com/office/drawing/2014/main" xmlns="" id="{E719E7F3-04C8-BC41-1D8A-37EACD55412E}"/>
+                  <a16:creationId xmlns:a16="http://schemas.microsoft.com/office/drawing/2014/main" id="{E719E7F3-04C8-BC41-1D8A-37EACD55412E}"/>
                 </a:ext>
               </a:extLst>
             </p:cNvPr>
@@ -10959,7 +10943,7 @@
             <p:cNvPr id="58" name="타원 57">
               <a:extLst>
                 <a:ext uri="{FF2B5EF4-FFF2-40B4-BE49-F238E27FC236}">
-                  <a16:creationId xmlns:a16="http://schemas.microsoft.com/office/drawing/2014/main" xmlns="" id="{D42CCB9B-C353-B3AA-90EB-71D9DD17130B}"/>
+                  <a16:creationId xmlns:a16="http://schemas.microsoft.com/office/drawing/2014/main" id="{D42CCB9B-C353-B3AA-90EB-71D9DD17130B}"/>
                 </a:ext>
               </a:extLst>
             </p:cNvPr>
@@ -11021,7 +11005,7 @@
           <p:cNvPr id="75" name="그래픽 74" descr="말풍선 단색으로 채워진">
             <a:extLst>
               <a:ext uri="{FF2B5EF4-FFF2-40B4-BE49-F238E27FC236}">
-                <a16:creationId xmlns:a16="http://schemas.microsoft.com/office/drawing/2014/main" xmlns="" id="{A7D4D0A5-5537-54CD-46DE-7258034C3C74}"/>
+                <a16:creationId xmlns:a16="http://schemas.microsoft.com/office/drawing/2014/main" id="{A7D4D0A5-5537-54CD-46DE-7258034C3C74}"/>
               </a:ext>
             </a:extLst>
           </p:cNvPr>
@@ -11037,7 +11021,7 @@
                 <a14:useLocalDpi xmlns:a14="http://schemas.microsoft.com/office/drawing/2010/main" val="0"/>
               </a:ext>
               <a:ext uri="{96DAC541-7B7A-43D3-8B79-37D633B846F1}">
-                <asvg:svgBlip xmlns:asvg="http://schemas.microsoft.com/office/drawing/2016/SVG/main" xmlns="" r:embed="rId4"/>
+                <asvg:svgBlip xmlns:asvg="http://schemas.microsoft.com/office/drawing/2016/SVG/main" r:embed="rId4"/>
               </a:ext>
             </a:extLst>
           </a:blip>
@@ -11060,7 +11044,7 @@
           <p:cNvPr id="6" name="TextBox 5">
             <a:extLst>
               <a:ext uri="{FF2B5EF4-FFF2-40B4-BE49-F238E27FC236}">
-                <a16:creationId xmlns:a16="http://schemas.microsoft.com/office/drawing/2014/main" xmlns="" id="{55C1DA5F-88F9-25C4-9089-02105756C8B4}"/>
+                <a16:creationId xmlns:a16="http://schemas.microsoft.com/office/drawing/2014/main" id="{55C1DA5F-88F9-25C4-9089-02105756C8B4}"/>
               </a:ext>
             </a:extLst>
           </p:cNvPr>
@@ -11122,7 +11106,7 @@
           <p:cNvPr id="9" name="표 8">
             <a:extLst>
               <a:ext uri="{FF2B5EF4-FFF2-40B4-BE49-F238E27FC236}">
-                <a16:creationId xmlns:a16="http://schemas.microsoft.com/office/drawing/2014/main" xmlns="" id="{CC96DAAA-4DC0-77AF-57B2-26DC841C1D5D}"/>
+                <a16:creationId xmlns:a16="http://schemas.microsoft.com/office/drawing/2014/main" id="{CC96DAAA-4DC0-77AF-57B2-26DC841C1D5D}"/>
               </a:ext>
             </a:extLst>
           </p:cNvPr>
@@ -11151,21 +11135,21 @@
                 <a:gridCol w="1111760">
                   <a:extLst>
                     <a:ext uri="{9D8B030D-6E8A-4147-A177-3AD203B41FA5}">
-                      <a16:colId xmlns:a16="http://schemas.microsoft.com/office/drawing/2014/main" xmlns="" val="492624464"/>
+                      <a16:colId xmlns:a16="http://schemas.microsoft.com/office/drawing/2014/main" val="492624464"/>
                     </a:ext>
                   </a:extLst>
                 </a:gridCol>
                 <a:gridCol w="1063095">
                   <a:extLst>
                     <a:ext uri="{9D8B030D-6E8A-4147-A177-3AD203B41FA5}">
-                      <a16:colId xmlns:a16="http://schemas.microsoft.com/office/drawing/2014/main" xmlns="" val="2200505381"/>
+                      <a16:colId xmlns:a16="http://schemas.microsoft.com/office/drawing/2014/main" val="2200505381"/>
                     </a:ext>
                   </a:extLst>
                 </a:gridCol>
                 <a:gridCol w="1197856">
                   <a:extLst>
                     <a:ext uri="{9D8B030D-6E8A-4147-A177-3AD203B41FA5}">
-                      <a16:colId xmlns:a16="http://schemas.microsoft.com/office/drawing/2014/main" xmlns="" val="2818849166"/>
+                      <a16:colId xmlns:a16="http://schemas.microsoft.com/office/drawing/2014/main" val="2818849166"/>
                     </a:ext>
                   </a:extLst>
                 </a:gridCol>
@@ -11374,7 +11358,7 @@
                 </a:tc>
                 <a:extLst>
                   <a:ext uri="{0D108BD9-81ED-4DB2-BD59-A6C34878D82A}">
-                    <a16:rowId xmlns:a16="http://schemas.microsoft.com/office/drawing/2014/main" xmlns="" val="2006948048"/>
+                    <a16:rowId xmlns:a16="http://schemas.microsoft.com/office/drawing/2014/main" val="2006948048"/>
                   </a:ext>
                 </a:extLst>
               </a:tr>
@@ -11582,7 +11566,7 @@
                 </a:tc>
                 <a:extLst>
                   <a:ext uri="{0D108BD9-81ED-4DB2-BD59-A6C34878D82A}">
-                    <a16:rowId xmlns:a16="http://schemas.microsoft.com/office/drawing/2014/main" xmlns="" val="3783806419"/>
+                    <a16:rowId xmlns:a16="http://schemas.microsoft.com/office/drawing/2014/main" val="3783806419"/>
                   </a:ext>
                 </a:extLst>
               </a:tr>
@@ -11790,7 +11774,7 @@
                 </a:tc>
                 <a:extLst>
                   <a:ext uri="{0D108BD9-81ED-4DB2-BD59-A6C34878D82A}">
-                    <a16:rowId xmlns:a16="http://schemas.microsoft.com/office/drawing/2014/main" xmlns="" val="191825083"/>
+                    <a16:rowId xmlns:a16="http://schemas.microsoft.com/office/drawing/2014/main" val="191825083"/>
                   </a:ext>
                 </a:extLst>
               </a:tr>
@@ -11989,7 +11973,7 @@
                 </a:tc>
                 <a:extLst>
                   <a:ext uri="{0D108BD9-81ED-4DB2-BD59-A6C34878D82A}">
-                    <a16:rowId xmlns:a16="http://schemas.microsoft.com/office/drawing/2014/main" xmlns="" val="3867964081"/>
+                    <a16:rowId xmlns:a16="http://schemas.microsoft.com/office/drawing/2014/main" val="3867964081"/>
                   </a:ext>
                 </a:extLst>
               </a:tr>
@@ -12197,7 +12181,7 @@
                 </a:tc>
                 <a:extLst>
                   <a:ext uri="{0D108BD9-81ED-4DB2-BD59-A6C34878D82A}">
-                    <a16:rowId xmlns:a16="http://schemas.microsoft.com/office/drawing/2014/main" xmlns="" val="2130076448"/>
+                    <a16:rowId xmlns:a16="http://schemas.microsoft.com/office/drawing/2014/main" val="2130076448"/>
                   </a:ext>
                 </a:extLst>
               </a:tr>
@@ -12405,7 +12389,7 @@
                 </a:tc>
                 <a:extLst>
                   <a:ext uri="{0D108BD9-81ED-4DB2-BD59-A6C34878D82A}">
-                    <a16:rowId xmlns:a16="http://schemas.microsoft.com/office/drawing/2014/main" xmlns="" val="625716085"/>
+                    <a16:rowId xmlns:a16="http://schemas.microsoft.com/office/drawing/2014/main" val="625716085"/>
                   </a:ext>
                 </a:extLst>
               </a:tr>
@@ -12622,7 +12606,7 @@
                 </a:tc>
                 <a:extLst>
                   <a:ext uri="{0D108BD9-81ED-4DB2-BD59-A6C34878D82A}">
-                    <a16:rowId xmlns:a16="http://schemas.microsoft.com/office/drawing/2014/main" xmlns="" val="3039846289"/>
+                    <a16:rowId xmlns:a16="http://schemas.microsoft.com/office/drawing/2014/main" val="3039846289"/>
                   </a:ext>
                 </a:extLst>
               </a:tr>
@@ -12830,7 +12814,7 @@
                 </a:tc>
                 <a:extLst>
                   <a:ext uri="{0D108BD9-81ED-4DB2-BD59-A6C34878D82A}">
-                    <a16:rowId xmlns:a16="http://schemas.microsoft.com/office/drawing/2014/main" xmlns="" val="4008269254"/>
+                    <a16:rowId xmlns:a16="http://schemas.microsoft.com/office/drawing/2014/main" val="4008269254"/>
                   </a:ext>
                 </a:extLst>
               </a:tr>
@@ -13038,7 +13022,7 @@
                 </a:tc>
                 <a:extLst>
                   <a:ext uri="{0D108BD9-81ED-4DB2-BD59-A6C34878D82A}">
-                    <a16:rowId xmlns:a16="http://schemas.microsoft.com/office/drawing/2014/main" xmlns="" val="3882358508"/>
+                    <a16:rowId xmlns:a16="http://schemas.microsoft.com/office/drawing/2014/main" val="3882358508"/>
                   </a:ext>
                 </a:extLst>
               </a:tr>
@@ -13081,7 +13065,7 @@
           <p:cNvPr id="4" name="직사각형 3">
             <a:extLst>
               <a:ext uri="{FF2B5EF4-FFF2-40B4-BE49-F238E27FC236}">
-                <a16:creationId xmlns:a16="http://schemas.microsoft.com/office/drawing/2014/main" xmlns="" id="{AE93FE2A-85FE-4157-951C-FC2FADBB3B34}"/>
+                <a16:creationId xmlns:a16="http://schemas.microsoft.com/office/drawing/2014/main" id="{AE93FE2A-85FE-4157-951C-FC2FADBB3B34}"/>
               </a:ext>
             </a:extLst>
           </p:cNvPr>
@@ -13133,7 +13117,7 @@
           <p:cNvPr id="7" name="TextBox 6">
             <a:extLst>
               <a:ext uri="{FF2B5EF4-FFF2-40B4-BE49-F238E27FC236}">
-                <a16:creationId xmlns:a16="http://schemas.microsoft.com/office/drawing/2014/main" xmlns="" id="{982817C4-ACF4-45FB-A018-6E6F872691BC}"/>
+                <a16:creationId xmlns:a16="http://schemas.microsoft.com/office/drawing/2014/main" id="{982817C4-ACF4-45FB-A018-6E6F872691BC}"/>
               </a:ext>
             </a:extLst>
           </p:cNvPr>
@@ -13169,7 +13153,7 @@
           <p:cNvPr id="3" name="TextBox 2">
             <a:extLst>
               <a:ext uri="{FF2B5EF4-FFF2-40B4-BE49-F238E27FC236}">
-                <a16:creationId xmlns:a16="http://schemas.microsoft.com/office/drawing/2014/main" xmlns="" id="{30F43E6F-8ECA-FFD4-DAF0-15A3565E78C8}"/>
+                <a16:creationId xmlns:a16="http://schemas.microsoft.com/office/drawing/2014/main" id="{30F43E6F-8ECA-FFD4-DAF0-15A3565E78C8}"/>
               </a:ext>
             </a:extLst>
           </p:cNvPr>
@@ -13199,66 +13183,30 @@
               <a:rPr lang="ko-KR" altLang="en-US" b="1" dirty="0"/>
               <a:t>한 팀이 재료를 먼저 모았을 때</a:t>
             </a:r>
-            <a:r>
-              <a:rPr lang="en-US" altLang="ko-KR" b="1" dirty="0"/>
-              <a:t/>
-            </a:r>
             <a:br>
               <a:rPr lang="en-US" altLang="ko-KR" b="1" dirty="0"/>
             </a:br>
-            <a:r>
-              <a:rPr lang="en-US" altLang="ko-KR" b="1" dirty="0"/>
-              <a:t/>
-            </a:r>
             <a:br>
               <a:rPr lang="en-US" altLang="ko-KR" b="1" dirty="0"/>
             </a:br>
-            <a:r>
-              <a:rPr lang="en-US" altLang="ko-KR" b="1" dirty="0"/>
-              <a:t/>
-            </a:r>
             <a:br>
               <a:rPr lang="en-US" altLang="ko-KR" b="1" dirty="0"/>
             </a:br>
-            <a:r>
-              <a:rPr lang="en-US" altLang="ko-KR" b="1" dirty="0"/>
-              <a:t/>
-            </a:r>
             <a:br>
               <a:rPr lang="en-US" altLang="ko-KR" b="1" dirty="0"/>
             </a:br>
-            <a:r>
-              <a:rPr lang="en-US" altLang="ko-KR" b="1" dirty="0"/>
-              <a:t/>
-            </a:r>
             <a:br>
               <a:rPr lang="en-US" altLang="ko-KR" b="1" dirty="0"/>
             </a:br>
-            <a:r>
-              <a:rPr lang="en-US" altLang="ko-KR" b="1" dirty="0"/>
-              <a:t/>
-            </a:r>
             <a:br>
               <a:rPr lang="en-US" altLang="ko-KR" b="1" dirty="0"/>
             </a:br>
-            <a:r>
-              <a:rPr lang="en-US" altLang="ko-KR" b="1" dirty="0"/>
-              <a:t/>
-            </a:r>
             <a:br>
               <a:rPr lang="en-US" altLang="ko-KR" b="1" dirty="0"/>
             </a:br>
-            <a:r>
-              <a:rPr lang="en-US" altLang="ko-KR" b="1" dirty="0"/>
-              <a:t/>
-            </a:r>
             <a:br>
               <a:rPr lang="en-US" altLang="ko-KR" b="1" dirty="0"/>
             </a:br>
-            <a:r>
-              <a:rPr lang="en-US" altLang="ko-KR" b="1" dirty="0"/>
-              <a:t/>
-            </a:r>
             <a:br>
               <a:rPr lang="en-US" altLang="ko-KR" b="1" dirty="0"/>
             </a:br>
@@ -13285,7 +13233,7 @@
           <p:cNvPr id="6" name="그림 5">
             <a:extLst>
               <a:ext uri="{FF2B5EF4-FFF2-40B4-BE49-F238E27FC236}">
-                <a16:creationId xmlns:a16="http://schemas.microsoft.com/office/drawing/2014/main" xmlns="" id="{71899981-6280-E3D2-124E-AF3D48BF8A7A}"/>
+                <a16:creationId xmlns:a16="http://schemas.microsoft.com/office/drawing/2014/main" id="{71899981-6280-E3D2-124E-AF3D48BF8A7A}"/>
               </a:ext>
             </a:extLst>
           </p:cNvPr>
@@ -13315,7 +13263,7 @@
           <p:cNvPr id="13" name="그룹 12">
             <a:extLst>
               <a:ext uri="{FF2B5EF4-FFF2-40B4-BE49-F238E27FC236}">
-                <a16:creationId xmlns:a16="http://schemas.microsoft.com/office/drawing/2014/main" xmlns="" id="{73979F91-DF60-ABEB-6D7C-CBC2CA635D60}"/>
+                <a16:creationId xmlns:a16="http://schemas.microsoft.com/office/drawing/2014/main" id="{73979F91-DF60-ABEB-6D7C-CBC2CA635D60}"/>
               </a:ext>
             </a:extLst>
           </p:cNvPr>
@@ -13335,7 +13283,7 @@
             <p:cNvPr id="9" name="그림 8">
               <a:extLst>
                 <a:ext uri="{FF2B5EF4-FFF2-40B4-BE49-F238E27FC236}">
-                  <a16:creationId xmlns:a16="http://schemas.microsoft.com/office/drawing/2014/main" xmlns="" id="{7F35B6E3-7D4C-24B9-F6A6-265962A90D13}"/>
+                  <a16:creationId xmlns:a16="http://schemas.microsoft.com/office/drawing/2014/main" id="{7F35B6E3-7D4C-24B9-F6A6-265962A90D13}"/>
                 </a:ext>
               </a:extLst>
             </p:cNvPr>
@@ -13365,7 +13313,7 @@
             <p:cNvPr id="10" name="TextBox 9">
               <a:extLst>
                 <a:ext uri="{FF2B5EF4-FFF2-40B4-BE49-F238E27FC236}">
-                  <a16:creationId xmlns:a16="http://schemas.microsoft.com/office/drawing/2014/main" xmlns="" id="{D6E36361-AABA-2278-4D00-8071D0F895C5}"/>
+                  <a16:creationId xmlns:a16="http://schemas.microsoft.com/office/drawing/2014/main" id="{D6E36361-AABA-2278-4D00-8071D0F895C5}"/>
                 </a:ext>
               </a:extLst>
             </p:cNvPr>
@@ -13401,7 +13349,7 @@
             <p:cNvPr id="12" name="그림 11">
               <a:extLst>
                 <a:ext uri="{FF2B5EF4-FFF2-40B4-BE49-F238E27FC236}">
-                  <a16:creationId xmlns:a16="http://schemas.microsoft.com/office/drawing/2014/main" xmlns="" id="{D2B56394-9E28-B89B-0C75-68DFF2C6D0A8}"/>
+                  <a16:creationId xmlns:a16="http://schemas.microsoft.com/office/drawing/2014/main" id="{D2B56394-9E28-B89B-0C75-68DFF2C6D0A8}"/>
                 </a:ext>
               </a:extLst>
             </p:cNvPr>
@@ -13462,7 +13410,7 @@
           <p:cNvPr id="4" name="직사각형 3">
             <a:extLst>
               <a:ext uri="{FF2B5EF4-FFF2-40B4-BE49-F238E27FC236}">
-                <a16:creationId xmlns:a16="http://schemas.microsoft.com/office/drawing/2014/main" xmlns="" id="{AE93FE2A-85FE-4157-951C-FC2FADBB3B34}"/>
+                <a16:creationId xmlns:a16="http://schemas.microsoft.com/office/drawing/2014/main" id="{AE93FE2A-85FE-4157-951C-FC2FADBB3B34}"/>
               </a:ext>
             </a:extLst>
           </p:cNvPr>
@@ -13514,7 +13462,7 @@
           <p:cNvPr id="7" name="TextBox 6">
             <a:extLst>
               <a:ext uri="{FF2B5EF4-FFF2-40B4-BE49-F238E27FC236}">
-                <a16:creationId xmlns:a16="http://schemas.microsoft.com/office/drawing/2014/main" xmlns="" id="{982817C4-ACF4-45FB-A018-6E6F872691BC}"/>
+                <a16:creationId xmlns:a16="http://schemas.microsoft.com/office/drawing/2014/main" id="{982817C4-ACF4-45FB-A018-6E6F872691BC}"/>
               </a:ext>
             </a:extLst>
           </p:cNvPr>
@@ -13561,7 +13509,7 @@
           <p:cNvPr id="14" name="사각형: 둥근 모서리 13">
             <a:extLst>
               <a:ext uri="{FF2B5EF4-FFF2-40B4-BE49-F238E27FC236}">
-                <a16:creationId xmlns:a16="http://schemas.microsoft.com/office/drawing/2014/main" xmlns="" id="{0AAF1AD4-E157-484B-9346-CB1804FD3DF3}"/>
+                <a16:creationId xmlns:a16="http://schemas.microsoft.com/office/drawing/2014/main" id="{0AAF1AD4-E157-484B-9346-CB1804FD3DF3}"/>
               </a:ext>
             </a:extLst>
           </p:cNvPr>
@@ -13613,7 +13561,7 @@
           <p:cNvPr id="2" name="직사각형 1">
             <a:extLst>
               <a:ext uri="{FF2B5EF4-FFF2-40B4-BE49-F238E27FC236}">
-                <a16:creationId xmlns:a16="http://schemas.microsoft.com/office/drawing/2014/main" xmlns="" id="{8DA77785-D063-44D1-8E37-0FBA8703B670}"/>
+                <a16:creationId xmlns:a16="http://schemas.microsoft.com/office/drawing/2014/main" id="{8DA77785-D063-44D1-8E37-0FBA8703B670}"/>
               </a:ext>
             </a:extLst>
           </p:cNvPr>
@@ -13688,7 +13636,7 @@
           <p:cNvPr id="22" name="그림 21" descr="클립아트이(가) 표시된 사진&#10;&#10;자동 생성된 설명">
             <a:extLst>
               <a:ext uri="{FF2B5EF4-FFF2-40B4-BE49-F238E27FC236}">
-                <a16:creationId xmlns:a16="http://schemas.microsoft.com/office/drawing/2014/main" xmlns="" id="{627FA3E3-901E-421E-A12C-AD34651E3F02}"/>
+                <a16:creationId xmlns:a16="http://schemas.microsoft.com/office/drawing/2014/main" id="{627FA3E3-901E-421E-A12C-AD34651E3F02}"/>
               </a:ext>
             </a:extLst>
           </p:cNvPr>
@@ -13730,7 +13678,7 @@
           <p:cNvPr id="25" name="그림 24" descr="클립아트이(가) 표시된 사진&#10;&#10;자동 생성된 설명">
             <a:extLst>
               <a:ext uri="{FF2B5EF4-FFF2-40B4-BE49-F238E27FC236}">
-                <a16:creationId xmlns:a16="http://schemas.microsoft.com/office/drawing/2014/main" xmlns="" id="{E978F5C1-F9D5-49F3-B77F-EBCA7194A463}"/>
+                <a16:creationId xmlns:a16="http://schemas.microsoft.com/office/drawing/2014/main" id="{E978F5C1-F9D5-49F3-B77F-EBCA7194A463}"/>
               </a:ext>
             </a:extLst>
           </p:cNvPr>
@@ -13772,7 +13720,7 @@
           <p:cNvPr id="26" name="그림 25" descr="클립아트이(가) 표시된 사진&#10;&#10;자동 생성된 설명">
             <a:extLst>
               <a:ext uri="{FF2B5EF4-FFF2-40B4-BE49-F238E27FC236}">
-                <a16:creationId xmlns:a16="http://schemas.microsoft.com/office/drawing/2014/main" xmlns="" id="{0942E6FF-8D32-4475-A9AE-1CC805533822}"/>
+                <a16:creationId xmlns:a16="http://schemas.microsoft.com/office/drawing/2014/main" id="{0942E6FF-8D32-4475-A9AE-1CC805533822}"/>
               </a:ext>
             </a:extLst>
           </p:cNvPr>
@@ -13814,7 +13762,7 @@
           <p:cNvPr id="27" name="그림 26" descr="벡터그래픽이(가) 표시된 사진&#10;&#10;자동 생성된 설명">
             <a:extLst>
               <a:ext uri="{FF2B5EF4-FFF2-40B4-BE49-F238E27FC236}">
-                <a16:creationId xmlns:a16="http://schemas.microsoft.com/office/drawing/2014/main" xmlns="" id="{F06A40C4-3B30-406A-A2F1-424BA1ABE003}"/>
+                <a16:creationId xmlns:a16="http://schemas.microsoft.com/office/drawing/2014/main" id="{F06A40C4-3B30-406A-A2F1-424BA1ABE003}"/>
               </a:ext>
             </a:extLst>
           </p:cNvPr>
@@ -13850,7 +13798,7 @@
           <p:cNvPr id="32" name="그림 31" descr="벡터그래픽이(가) 표시된 사진&#10;&#10;자동 생성된 설명">
             <a:extLst>
               <a:ext uri="{FF2B5EF4-FFF2-40B4-BE49-F238E27FC236}">
-                <a16:creationId xmlns:a16="http://schemas.microsoft.com/office/drawing/2014/main" xmlns="" id="{855CDDA1-7A97-48DD-A8A8-26C8F3F6EEBD}"/>
+                <a16:creationId xmlns:a16="http://schemas.microsoft.com/office/drawing/2014/main" id="{855CDDA1-7A97-48DD-A8A8-26C8F3F6EEBD}"/>
               </a:ext>
             </a:extLst>
           </p:cNvPr>
@@ -13886,7 +13834,7 @@
           <p:cNvPr id="35" name="사각형: 둥근 모서리 34">
             <a:extLst>
               <a:ext uri="{FF2B5EF4-FFF2-40B4-BE49-F238E27FC236}">
-                <a16:creationId xmlns:a16="http://schemas.microsoft.com/office/drawing/2014/main" xmlns="" id="{F0D572B4-803F-4A94-AADF-5AE2B7F781B7}"/>
+                <a16:creationId xmlns:a16="http://schemas.microsoft.com/office/drawing/2014/main" id="{F0D572B4-803F-4A94-AADF-5AE2B7F781B7}"/>
               </a:ext>
             </a:extLst>
           </p:cNvPr>
@@ -13938,7 +13886,7 @@
           <p:cNvPr id="36" name="직사각형 35">
             <a:extLst>
               <a:ext uri="{FF2B5EF4-FFF2-40B4-BE49-F238E27FC236}">
-                <a16:creationId xmlns:a16="http://schemas.microsoft.com/office/drawing/2014/main" xmlns="" id="{1F325BD2-130C-42A7-8AFE-C4A797F420D6}"/>
+                <a16:creationId xmlns:a16="http://schemas.microsoft.com/office/drawing/2014/main" id="{1F325BD2-130C-42A7-8AFE-C4A797F420D6}"/>
               </a:ext>
             </a:extLst>
           </p:cNvPr>
@@ -14005,7 +13953,7 @@
           <p:cNvPr id="54" name="그림 53" descr="클립아트이(가) 표시된 사진&#10;&#10;자동 생성된 설명">
             <a:extLst>
               <a:ext uri="{FF2B5EF4-FFF2-40B4-BE49-F238E27FC236}">
-                <a16:creationId xmlns:a16="http://schemas.microsoft.com/office/drawing/2014/main" xmlns="" id="{CBD025C3-5858-E4BC-DAF5-66A03CFCA66A}"/>
+                <a16:creationId xmlns:a16="http://schemas.microsoft.com/office/drawing/2014/main" id="{CBD025C3-5858-E4BC-DAF5-66A03CFCA66A}"/>
               </a:ext>
             </a:extLst>
           </p:cNvPr>
@@ -14047,7 +13995,7 @@
           <p:cNvPr id="55" name="그림 54" descr="클립아트이(가) 표시된 사진&#10;&#10;자동 생성된 설명">
             <a:extLst>
               <a:ext uri="{FF2B5EF4-FFF2-40B4-BE49-F238E27FC236}">
-                <a16:creationId xmlns:a16="http://schemas.microsoft.com/office/drawing/2014/main" xmlns="" id="{B3D466AB-BE94-2BA0-9E2B-694793CEC26C}"/>
+                <a16:creationId xmlns:a16="http://schemas.microsoft.com/office/drawing/2014/main" id="{B3D466AB-BE94-2BA0-9E2B-694793CEC26C}"/>
               </a:ext>
             </a:extLst>
           </p:cNvPr>
@@ -14089,7 +14037,7 @@
           <p:cNvPr id="57" name="그림 56" descr="클립아트이(가) 표시된 사진&#10;&#10;자동 생성된 설명">
             <a:extLst>
               <a:ext uri="{FF2B5EF4-FFF2-40B4-BE49-F238E27FC236}">
-                <a16:creationId xmlns:a16="http://schemas.microsoft.com/office/drawing/2014/main" xmlns="" id="{84FA1166-19D2-BD7E-AF4E-D2417A0559CE}"/>
+                <a16:creationId xmlns:a16="http://schemas.microsoft.com/office/drawing/2014/main" id="{84FA1166-19D2-BD7E-AF4E-D2417A0559CE}"/>
               </a:ext>
             </a:extLst>
           </p:cNvPr>
@@ -14131,7 +14079,7 @@
           <p:cNvPr id="59" name="그림 58" descr="벡터그래픽이(가) 표시된 사진&#10;&#10;자동 생성된 설명">
             <a:extLst>
               <a:ext uri="{FF2B5EF4-FFF2-40B4-BE49-F238E27FC236}">
-                <a16:creationId xmlns:a16="http://schemas.microsoft.com/office/drawing/2014/main" xmlns="" id="{C0440434-7A19-E2D7-529C-8B7894E2898B}"/>
+                <a16:creationId xmlns:a16="http://schemas.microsoft.com/office/drawing/2014/main" id="{C0440434-7A19-E2D7-529C-8B7894E2898B}"/>
               </a:ext>
             </a:extLst>
           </p:cNvPr>
@@ -14167,7 +14115,7 @@
           <p:cNvPr id="60" name="그림 59" descr="벡터그래픽이(가) 표시된 사진&#10;&#10;자동 생성된 설명">
             <a:extLst>
               <a:ext uri="{FF2B5EF4-FFF2-40B4-BE49-F238E27FC236}">
-                <a16:creationId xmlns:a16="http://schemas.microsoft.com/office/drawing/2014/main" xmlns="" id="{2CB200FB-B5DF-879F-4E96-AB8C74B1BF24}"/>
+                <a16:creationId xmlns:a16="http://schemas.microsoft.com/office/drawing/2014/main" id="{2CB200FB-B5DF-879F-4E96-AB8C74B1BF24}"/>
               </a:ext>
             </a:extLst>
           </p:cNvPr>
@@ -14233,7 +14181,7 @@
           <p:cNvPr id="4" name="직사각형 3">
             <a:extLst>
               <a:ext uri="{FF2B5EF4-FFF2-40B4-BE49-F238E27FC236}">
-                <a16:creationId xmlns:a16="http://schemas.microsoft.com/office/drawing/2014/main" xmlns="" id="{AE93FE2A-85FE-4157-951C-FC2FADBB3B34}"/>
+                <a16:creationId xmlns:a16="http://schemas.microsoft.com/office/drawing/2014/main" id="{AE93FE2A-85FE-4157-951C-FC2FADBB3B34}"/>
               </a:ext>
             </a:extLst>
           </p:cNvPr>
@@ -14285,7 +14233,7 @@
           <p:cNvPr id="7" name="TextBox 6">
             <a:extLst>
               <a:ext uri="{FF2B5EF4-FFF2-40B4-BE49-F238E27FC236}">
-                <a16:creationId xmlns:a16="http://schemas.microsoft.com/office/drawing/2014/main" xmlns="" id="{982817C4-ACF4-45FB-A018-6E6F872691BC}"/>
+                <a16:creationId xmlns:a16="http://schemas.microsoft.com/office/drawing/2014/main" id="{982817C4-ACF4-45FB-A018-6E6F872691BC}"/>
               </a:ext>
             </a:extLst>
           </p:cNvPr>
@@ -14321,7 +14269,7 @@
           <p:cNvPr id="6" name="그룹 5">
             <a:extLst>
               <a:ext uri="{FF2B5EF4-FFF2-40B4-BE49-F238E27FC236}">
-                <a16:creationId xmlns:a16="http://schemas.microsoft.com/office/drawing/2014/main" xmlns="" id="{4B2AAB93-E131-3CF6-05EF-321E837C8FB2}"/>
+                <a16:creationId xmlns:a16="http://schemas.microsoft.com/office/drawing/2014/main" id="{4B2AAB93-E131-3CF6-05EF-321E837C8FB2}"/>
               </a:ext>
             </a:extLst>
           </p:cNvPr>
@@ -14341,7 +14289,7 @@
             <p:cNvPr id="56" name="팔각형 55">
               <a:extLst>
                 <a:ext uri="{FF2B5EF4-FFF2-40B4-BE49-F238E27FC236}">
-                  <a16:creationId xmlns:a16="http://schemas.microsoft.com/office/drawing/2014/main" xmlns="" id="{1C697813-152B-585A-072C-37AC6139BBED}"/>
+                  <a16:creationId xmlns:a16="http://schemas.microsoft.com/office/drawing/2014/main" id="{1C697813-152B-585A-072C-37AC6139BBED}"/>
                 </a:ext>
               </a:extLst>
             </p:cNvPr>
@@ -14393,7 +14341,7 @@
             <p:cNvPr id="57" name="육각형 56">
               <a:extLst>
                 <a:ext uri="{FF2B5EF4-FFF2-40B4-BE49-F238E27FC236}">
-                  <a16:creationId xmlns:a16="http://schemas.microsoft.com/office/drawing/2014/main" xmlns="" id="{CC5E9010-469B-00E4-83BD-F8F1D6484372}"/>
+                  <a16:creationId xmlns:a16="http://schemas.microsoft.com/office/drawing/2014/main" id="{CC5E9010-469B-00E4-83BD-F8F1D6484372}"/>
                 </a:ext>
               </a:extLst>
             </p:cNvPr>
@@ -14448,7 +14396,7 @@
           <p:cNvPr id="8" name="육각형 7">
             <a:extLst>
               <a:ext uri="{FF2B5EF4-FFF2-40B4-BE49-F238E27FC236}">
-                <a16:creationId xmlns:a16="http://schemas.microsoft.com/office/drawing/2014/main" xmlns="" id="{9D3AC8C0-4D4B-6D96-1665-10379F0F4776}"/>
+                <a16:creationId xmlns:a16="http://schemas.microsoft.com/office/drawing/2014/main" id="{9D3AC8C0-4D4B-6D96-1665-10379F0F4776}"/>
               </a:ext>
             </a:extLst>
           </p:cNvPr>
@@ -14505,7 +14453,7 @@
           <p:cNvPr id="9" name="팔각형 8">
             <a:extLst>
               <a:ext uri="{FF2B5EF4-FFF2-40B4-BE49-F238E27FC236}">
-                <a16:creationId xmlns:a16="http://schemas.microsoft.com/office/drawing/2014/main" xmlns="" id="{D15E7FA5-D9AA-8280-2A44-53EDB33B11C6}"/>
+                <a16:creationId xmlns:a16="http://schemas.microsoft.com/office/drawing/2014/main" id="{D15E7FA5-D9AA-8280-2A44-53EDB33B11C6}"/>
               </a:ext>
             </a:extLst>
           </p:cNvPr>
@@ -14557,7 +14505,7 @@
           <p:cNvPr id="10" name="팔각형 9">
             <a:extLst>
               <a:ext uri="{FF2B5EF4-FFF2-40B4-BE49-F238E27FC236}">
-                <a16:creationId xmlns:a16="http://schemas.microsoft.com/office/drawing/2014/main" xmlns="" id="{240AADF2-E500-30EB-4E0E-F551F67E63F3}"/>
+                <a16:creationId xmlns:a16="http://schemas.microsoft.com/office/drawing/2014/main" id="{240AADF2-E500-30EB-4E0E-F551F67E63F3}"/>
               </a:ext>
             </a:extLst>
           </p:cNvPr>
@@ -14609,7 +14557,7 @@
           <p:cNvPr id="11" name="팔각형 10">
             <a:extLst>
               <a:ext uri="{FF2B5EF4-FFF2-40B4-BE49-F238E27FC236}">
-                <a16:creationId xmlns:a16="http://schemas.microsoft.com/office/drawing/2014/main" xmlns="" id="{9C689C17-9188-B500-3AEB-B17B97621DDF}"/>
+                <a16:creationId xmlns:a16="http://schemas.microsoft.com/office/drawing/2014/main" id="{9C689C17-9188-B500-3AEB-B17B97621DDF}"/>
               </a:ext>
             </a:extLst>
           </p:cNvPr>
@@ -14661,7 +14609,7 @@
           <p:cNvPr id="12" name="팔각형 11">
             <a:extLst>
               <a:ext uri="{FF2B5EF4-FFF2-40B4-BE49-F238E27FC236}">
-                <a16:creationId xmlns:a16="http://schemas.microsoft.com/office/drawing/2014/main" xmlns="" id="{F4EFCB84-FB23-CD54-4E61-E454A61B051F}"/>
+                <a16:creationId xmlns:a16="http://schemas.microsoft.com/office/drawing/2014/main" id="{F4EFCB84-FB23-CD54-4E61-E454A61B051F}"/>
               </a:ext>
             </a:extLst>
           </p:cNvPr>
@@ -14713,7 +14661,7 @@
           <p:cNvPr id="13" name="직사각형 12">
             <a:extLst>
               <a:ext uri="{FF2B5EF4-FFF2-40B4-BE49-F238E27FC236}">
-                <a16:creationId xmlns:a16="http://schemas.microsoft.com/office/drawing/2014/main" xmlns="" id="{9C3E936C-B215-18F0-D432-807CE351DDE3}"/>
+                <a16:creationId xmlns:a16="http://schemas.microsoft.com/office/drawing/2014/main" id="{9C3E936C-B215-18F0-D432-807CE351DDE3}"/>
               </a:ext>
             </a:extLst>
           </p:cNvPr>
@@ -14765,7 +14713,7 @@
           <p:cNvPr id="14" name="직사각형 13">
             <a:extLst>
               <a:ext uri="{FF2B5EF4-FFF2-40B4-BE49-F238E27FC236}">
-                <a16:creationId xmlns:a16="http://schemas.microsoft.com/office/drawing/2014/main" xmlns="" id="{36728074-3AD8-CDFD-D9F4-BAEB513E71C7}"/>
+                <a16:creationId xmlns:a16="http://schemas.microsoft.com/office/drawing/2014/main" id="{36728074-3AD8-CDFD-D9F4-BAEB513E71C7}"/>
               </a:ext>
             </a:extLst>
           </p:cNvPr>
@@ -14817,7 +14765,7 @@
           <p:cNvPr id="15" name="직사각형 14">
             <a:extLst>
               <a:ext uri="{FF2B5EF4-FFF2-40B4-BE49-F238E27FC236}">
-                <a16:creationId xmlns:a16="http://schemas.microsoft.com/office/drawing/2014/main" xmlns="" id="{CF2B56C2-6D99-FE5F-1529-10B41DB96751}"/>
+                <a16:creationId xmlns:a16="http://schemas.microsoft.com/office/drawing/2014/main" id="{CF2B56C2-6D99-FE5F-1529-10B41DB96751}"/>
               </a:ext>
             </a:extLst>
           </p:cNvPr>
@@ -14869,7 +14817,7 @@
           <p:cNvPr id="16" name="직사각형 15">
             <a:extLst>
               <a:ext uri="{FF2B5EF4-FFF2-40B4-BE49-F238E27FC236}">
-                <a16:creationId xmlns:a16="http://schemas.microsoft.com/office/drawing/2014/main" xmlns="" id="{80A03DA3-F4DC-4A0E-8347-5C6F32A7324D}"/>
+                <a16:creationId xmlns:a16="http://schemas.microsoft.com/office/drawing/2014/main" id="{80A03DA3-F4DC-4A0E-8347-5C6F32A7324D}"/>
               </a:ext>
             </a:extLst>
           </p:cNvPr>
@@ -14921,7 +14869,7 @@
           <p:cNvPr id="17" name="자유형: 도형 16">
             <a:extLst>
               <a:ext uri="{FF2B5EF4-FFF2-40B4-BE49-F238E27FC236}">
-                <a16:creationId xmlns:a16="http://schemas.microsoft.com/office/drawing/2014/main" xmlns="" id="{E005E460-9E02-DEB6-D40D-DB9EA32F6D4D}"/>
+                <a16:creationId xmlns:a16="http://schemas.microsoft.com/office/drawing/2014/main" id="{E005E460-9E02-DEB6-D40D-DB9EA32F6D4D}"/>
               </a:ext>
             </a:extLst>
           </p:cNvPr>
@@ -15106,7 +15054,7 @@
           <p:cNvPr id="18" name="육각형 17">
             <a:extLst>
               <a:ext uri="{FF2B5EF4-FFF2-40B4-BE49-F238E27FC236}">
-                <a16:creationId xmlns:a16="http://schemas.microsoft.com/office/drawing/2014/main" xmlns="" id="{D848069F-076D-5F72-0A69-F88395ABAFD7}"/>
+                <a16:creationId xmlns:a16="http://schemas.microsoft.com/office/drawing/2014/main" id="{D848069F-076D-5F72-0A69-F88395ABAFD7}"/>
               </a:ext>
             </a:extLst>
           </p:cNvPr>
@@ -15163,7 +15111,7 @@
           <p:cNvPr id="19" name="자유형: 도형 18">
             <a:extLst>
               <a:ext uri="{FF2B5EF4-FFF2-40B4-BE49-F238E27FC236}">
-                <a16:creationId xmlns:a16="http://schemas.microsoft.com/office/drawing/2014/main" xmlns="" id="{CA9077DC-373E-781D-E641-29B2488D5531}"/>
+                <a16:creationId xmlns:a16="http://schemas.microsoft.com/office/drawing/2014/main" id="{CA9077DC-373E-781D-E641-29B2488D5531}"/>
               </a:ext>
             </a:extLst>
           </p:cNvPr>
@@ -15345,7 +15293,7 @@
           <p:cNvPr id="20" name="타원 19">
             <a:extLst>
               <a:ext uri="{FF2B5EF4-FFF2-40B4-BE49-F238E27FC236}">
-                <a16:creationId xmlns:a16="http://schemas.microsoft.com/office/drawing/2014/main" xmlns="" id="{6D737B42-E060-0CAD-2E78-0083343AE3E5}"/>
+                <a16:creationId xmlns:a16="http://schemas.microsoft.com/office/drawing/2014/main" id="{6D737B42-E060-0CAD-2E78-0083343AE3E5}"/>
               </a:ext>
             </a:extLst>
           </p:cNvPr>
@@ -15403,7 +15351,7 @@
           <p:cNvPr id="21" name="타원 20">
             <a:extLst>
               <a:ext uri="{FF2B5EF4-FFF2-40B4-BE49-F238E27FC236}">
-                <a16:creationId xmlns:a16="http://schemas.microsoft.com/office/drawing/2014/main" xmlns="" id="{A73202E4-E26D-848B-2184-0E0B184EDD7C}"/>
+                <a16:creationId xmlns:a16="http://schemas.microsoft.com/office/drawing/2014/main" id="{A73202E4-E26D-848B-2184-0E0B184EDD7C}"/>
               </a:ext>
             </a:extLst>
           </p:cNvPr>
@@ -15461,7 +15409,7 @@
           <p:cNvPr id="22" name="타원 21">
             <a:extLst>
               <a:ext uri="{FF2B5EF4-FFF2-40B4-BE49-F238E27FC236}">
-                <a16:creationId xmlns:a16="http://schemas.microsoft.com/office/drawing/2014/main" xmlns="" id="{E662F268-6534-055B-5E5A-5A1BC1C58468}"/>
+                <a16:creationId xmlns:a16="http://schemas.microsoft.com/office/drawing/2014/main" id="{E662F268-6534-055B-5E5A-5A1BC1C58468}"/>
               </a:ext>
             </a:extLst>
           </p:cNvPr>
@@ -15519,7 +15467,7 @@
           <p:cNvPr id="23" name="타원 22">
             <a:extLst>
               <a:ext uri="{FF2B5EF4-FFF2-40B4-BE49-F238E27FC236}">
-                <a16:creationId xmlns:a16="http://schemas.microsoft.com/office/drawing/2014/main" xmlns="" id="{05880454-8FF2-6EA1-E8E8-7A4F59C68219}"/>
+                <a16:creationId xmlns:a16="http://schemas.microsoft.com/office/drawing/2014/main" id="{05880454-8FF2-6EA1-E8E8-7A4F59C68219}"/>
               </a:ext>
             </a:extLst>
           </p:cNvPr>
@@ -15571,7 +15519,7 @@
           <p:cNvPr id="24" name="타원 23">
             <a:extLst>
               <a:ext uri="{FF2B5EF4-FFF2-40B4-BE49-F238E27FC236}">
-                <a16:creationId xmlns:a16="http://schemas.microsoft.com/office/drawing/2014/main" xmlns="" id="{377C3757-9F48-0EA0-195E-7E3376F98818}"/>
+                <a16:creationId xmlns:a16="http://schemas.microsoft.com/office/drawing/2014/main" id="{377C3757-9F48-0EA0-195E-7E3376F98818}"/>
               </a:ext>
             </a:extLst>
           </p:cNvPr>
@@ -15623,7 +15571,7 @@
           <p:cNvPr id="25" name="타원 24">
             <a:extLst>
               <a:ext uri="{FF2B5EF4-FFF2-40B4-BE49-F238E27FC236}">
-                <a16:creationId xmlns:a16="http://schemas.microsoft.com/office/drawing/2014/main" xmlns="" id="{6FBF745F-326F-367F-12EE-9973E0932DEA}"/>
+                <a16:creationId xmlns:a16="http://schemas.microsoft.com/office/drawing/2014/main" id="{6FBF745F-326F-367F-12EE-9973E0932DEA}"/>
               </a:ext>
             </a:extLst>
           </p:cNvPr>
@@ -15675,7 +15623,7 @@
           <p:cNvPr id="26" name="타원 25">
             <a:extLst>
               <a:ext uri="{FF2B5EF4-FFF2-40B4-BE49-F238E27FC236}">
-                <a16:creationId xmlns:a16="http://schemas.microsoft.com/office/drawing/2014/main" xmlns="" id="{D6AD6E1A-8C18-C2BB-FB56-66BAC1330B1E}"/>
+                <a16:creationId xmlns:a16="http://schemas.microsoft.com/office/drawing/2014/main" id="{D6AD6E1A-8C18-C2BB-FB56-66BAC1330B1E}"/>
               </a:ext>
             </a:extLst>
           </p:cNvPr>
@@ -15727,7 +15675,7 @@
           <p:cNvPr id="27" name="타원 26">
             <a:extLst>
               <a:ext uri="{FF2B5EF4-FFF2-40B4-BE49-F238E27FC236}">
-                <a16:creationId xmlns:a16="http://schemas.microsoft.com/office/drawing/2014/main" xmlns="" id="{6EBD5B61-C717-4E15-1409-FFE8126FA06A}"/>
+                <a16:creationId xmlns:a16="http://schemas.microsoft.com/office/drawing/2014/main" id="{6EBD5B61-C717-4E15-1409-FFE8126FA06A}"/>
               </a:ext>
             </a:extLst>
           </p:cNvPr>
@@ -15779,7 +15727,7 @@
           <p:cNvPr id="28" name="직사각형 27">
             <a:extLst>
               <a:ext uri="{FF2B5EF4-FFF2-40B4-BE49-F238E27FC236}">
-                <a16:creationId xmlns:a16="http://schemas.microsoft.com/office/drawing/2014/main" xmlns="" id="{35E1C169-631C-BE54-2DA5-1F09853B00E7}"/>
+                <a16:creationId xmlns:a16="http://schemas.microsoft.com/office/drawing/2014/main" id="{35E1C169-631C-BE54-2DA5-1F09853B00E7}"/>
               </a:ext>
             </a:extLst>
           </p:cNvPr>
@@ -15834,7 +15782,7 @@
           <p:cNvPr id="29" name="직사각형 28">
             <a:extLst>
               <a:ext uri="{FF2B5EF4-FFF2-40B4-BE49-F238E27FC236}">
-                <a16:creationId xmlns:a16="http://schemas.microsoft.com/office/drawing/2014/main" xmlns="" id="{BCE9BB17-D0ED-F62B-B988-FD7BCC85DD59}"/>
+                <a16:creationId xmlns:a16="http://schemas.microsoft.com/office/drawing/2014/main" id="{BCE9BB17-D0ED-F62B-B988-FD7BCC85DD59}"/>
               </a:ext>
             </a:extLst>
           </p:cNvPr>
@@ -15889,7 +15837,7 @@
           <p:cNvPr id="30" name="직사각형 29">
             <a:extLst>
               <a:ext uri="{FF2B5EF4-FFF2-40B4-BE49-F238E27FC236}">
-                <a16:creationId xmlns:a16="http://schemas.microsoft.com/office/drawing/2014/main" xmlns="" id="{226F5939-4062-2B5B-0183-48F7B6429505}"/>
+                <a16:creationId xmlns:a16="http://schemas.microsoft.com/office/drawing/2014/main" id="{226F5939-4062-2B5B-0183-48F7B6429505}"/>
               </a:ext>
             </a:extLst>
           </p:cNvPr>
@@ -15943,7 +15891,7 @@
           <p:cNvPr id="31" name="타원 30">
             <a:extLst>
               <a:ext uri="{FF2B5EF4-FFF2-40B4-BE49-F238E27FC236}">
-                <a16:creationId xmlns:a16="http://schemas.microsoft.com/office/drawing/2014/main" xmlns="" id="{3BA8D415-736E-1C2F-2165-AEB66917D862}"/>
+                <a16:creationId xmlns:a16="http://schemas.microsoft.com/office/drawing/2014/main" id="{3BA8D415-736E-1C2F-2165-AEB66917D862}"/>
               </a:ext>
             </a:extLst>
           </p:cNvPr>
@@ -15997,7 +15945,7 @@
           <p:cNvPr id="32" name="타원 31">
             <a:extLst>
               <a:ext uri="{FF2B5EF4-FFF2-40B4-BE49-F238E27FC236}">
-                <a16:creationId xmlns:a16="http://schemas.microsoft.com/office/drawing/2014/main" xmlns="" id="{408D260B-CCD6-5B72-74E0-49935715E92E}"/>
+                <a16:creationId xmlns:a16="http://schemas.microsoft.com/office/drawing/2014/main" id="{408D260B-CCD6-5B72-74E0-49935715E92E}"/>
               </a:ext>
             </a:extLst>
           </p:cNvPr>
@@ -16051,7 +15999,7 @@
           <p:cNvPr id="33" name="타원 32">
             <a:extLst>
               <a:ext uri="{FF2B5EF4-FFF2-40B4-BE49-F238E27FC236}">
-                <a16:creationId xmlns:a16="http://schemas.microsoft.com/office/drawing/2014/main" xmlns="" id="{33C3AF1B-FB06-2DB9-573E-A2535EAE8002}"/>
+                <a16:creationId xmlns:a16="http://schemas.microsoft.com/office/drawing/2014/main" id="{33C3AF1B-FB06-2DB9-573E-A2535EAE8002}"/>
               </a:ext>
             </a:extLst>
           </p:cNvPr>
@@ -16109,7 +16057,7 @@
           <p:cNvPr id="34" name="타원 33">
             <a:extLst>
               <a:ext uri="{FF2B5EF4-FFF2-40B4-BE49-F238E27FC236}">
-                <a16:creationId xmlns:a16="http://schemas.microsoft.com/office/drawing/2014/main" xmlns="" id="{C4836C06-68B4-5A2E-BF78-390B13D9BC2F}"/>
+                <a16:creationId xmlns:a16="http://schemas.microsoft.com/office/drawing/2014/main" id="{C4836C06-68B4-5A2E-BF78-390B13D9BC2F}"/>
               </a:ext>
             </a:extLst>
           </p:cNvPr>
@@ -16167,7 +16115,7 @@
           <p:cNvPr id="35" name="타원 34">
             <a:extLst>
               <a:ext uri="{FF2B5EF4-FFF2-40B4-BE49-F238E27FC236}">
-                <a16:creationId xmlns:a16="http://schemas.microsoft.com/office/drawing/2014/main" xmlns="" id="{BC620276-A953-B26D-26A4-7A4DA381377A}"/>
+                <a16:creationId xmlns:a16="http://schemas.microsoft.com/office/drawing/2014/main" id="{BC620276-A953-B26D-26A4-7A4DA381377A}"/>
               </a:ext>
             </a:extLst>
           </p:cNvPr>
@@ -16225,7 +16173,7 @@
           <p:cNvPr id="36" name="타원 35">
             <a:extLst>
               <a:ext uri="{FF2B5EF4-FFF2-40B4-BE49-F238E27FC236}">
-                <a16:creationId xmlns:a16="http://schemas.microsoft.com/office/drawing/2014/main" xmlns="" id="{B28ED5D9-4F4E-7C81-F635-1D7A22A028A8}"/>
+                <a16:creationId xmlns:a16="http://schemas.microsoft.com/office/drawing/2014/main" id="{B28ED5D9-4F4E-7C81-F635-1D7A22A028A8}"/>
               </a:ext>
             </a:extLst>
           </p:cNvPr>
@@ -16283,7 +16231,7 @@
           <p:cNvPr id="37" name="직사각형 36">
             <a:extLst>
               <a:ext uri="{FF2B5EF4-FFF2-40B4-BE49-F238E27FC236}">
-                <a16:creationId xmlns:a16="http://schemas.microsoft.com/office/drawing/2014/main" xmlns="" id="{B71A9816-FFEB-11B0-AC9D-8BE770C8991F}"/>
+                <a16:creationId xmlns:a16="http://schemas.microsoft.com/office/drawing/2014/main" id="{B71A9816-FFEB-11B0-AC9D-8BE770C8991F}"/>
               </a:ext>
             </a:extLst>
           </p:cNvPr>
@@ -16337,7 +16285,7 @@
           <p:cNvPr id="38" name="직사각형 37">
             <a:extLst>
               <a:ext uri="{FF2B5EF4-FFF2-40B4-BE49-F238E27FC236}">
-                <a16:creationId xmlns:a16="http://schemas.microsoft.com/office/drawing/2014/main" xmlns="" id="{B10D32A1-5326-0683-01CB-DC04E3D13F8C}"/>
+                <a16:creationId xmlns:a16="http://schemas.microsoft.com/office/drawing/2014/main" id="{B10D32A1-5326-0683-01CB-DC04E3D13F8C}"/>
               </a:ext>
             </a:extLst>
           </p:cNvPr>
@@ -16393,7 +16341,7 @@
           <p:cNvPr id="39" name="Picture 2" descr="휴지통 이미지 _사진 401181754 무료 다운로드_lovepik.com">
             <a:extLst>
               <a:ext uri="{FF2B5EF4-FFF2-40B4-BE49-F238E27FC236}">
-                <a16:creationId xmlns:a16="http://schemas.microsoft.com/office/drawing/2014/main" xmlns="" id="{80D45502-8F7A-193D-19F8-C3501B085CDA}"/>
+                <a16:creationId xmlns:a16="http://schemas.microsoft.com/office/drawing/2014/main" id="{80D45502-8F7A-193D-19F8-C3501B085CDA}"/>
               </a:ext>
             </a:extLst>
           </p:cNvPr>
@@ -16449,7 +16397,7 @@
           <p:cNvPr id="40" name="Picture 2" descr="휴지통 이미지 _사진 401181754 무료 다운로드_lovepik.com">
             <a:extLst>
               <a:ext uri="{FF2B5EF4-FFF2-40B4-BE49-F238E27FC236}">
-                <a16:creationId xmlns:a16="http://schemas.microsoft.com/office/drawing/2014/main" xmlns="" id="{D9CAE861-0D72-9D5B-C72A-562D2393038B}"/>
+                <a16:creationId xmlns:a16="http://schemas.microsoft.com/office/drawing/2014/main" id="{D9CAE861-0D72-9D5B-C72A-562D2393038B}"/>
               </a:ext>
             </a:extLst>
           </p:cNvPr>
@@ -16505,7 +16453,7 @@
           <p:cNvPr id="41" name="Picture 2" descr="휴지통 이미지 _사진 401181754 무료 다운로드_lovepik.com">
             <a:extLst>
               <a:ext uri="{FF2B5EF4-FFF2-40B4-BE49-F238E27FC236}">
-                <a16:creationId xmlns:a16="http://schemas.microsoft.com/office/drawing/2014/main" xmlns="" id="{D1D78328-3F84-7F83-40C8-92643763F144}"/>
+                <a16:creationId xmlns:a16="http://schemas.microsoft.com/office/drawing/2014/main" id="{D1D78328-3F84-7F83-40C8-92643763F144}"/>
               </a:ext>
             </a:extLst>
           </p:cNvPr>
@@ -16561,7 +16509,7 @@
           <p:cNvPr id="42" name="Picture 2" descr="휴지통 이미지 _사진 401181754 무료 다운로드_lovepik.com">
             <a:extLst>
               <a:ext uri="{FF2B5EF4-FFF2-40B4-BE49-F238E27FC236}">
-                <a16:creationId xmlns:a16="http://schemas.microsoft.com/office/drawing/2014/main" xmlns="" id="{C60D1306-DE21-875D-1410-7D5682BAFCE3}"/>
+                <a16:creationId xmlns:a16="http://schemas.microsoft.com/office/drawing/2014/main" id="{C60D1306-DE21-875D-1410-7D5682BAFCE3}"/>
               </a:ext>
             </a:extLst>
           </p:cNvPr>
@@ -16617,7 +16565,7 @@
           <p:cNvPr id="43" name="직사각형 42">
             <a:extLst>
               <a:ext uri="{FF2B5EF4-FFF2-40B4-BE49-F238E27FC236}">
-                <a16:creationId xmlns:a16="http://schemas.microsoft.com/office/drawing/2014/main" xmlns="" id="{C192996E-961F-B81D-D332-42717FBB9751}"/>
+                <a16:creationId xmlns:a16="http://schemas.microsoft.com/office/drawing/2014/main" id="{C192996E-961F-B81D-D332-42717FBB9751}"/>
               </a:ext>
             </a:extLst>
           </p:cNvPr>
@@ -16669,7 +16617,7 @@
           <p:cNvPr id="44" name="직사각형 43">
             <a:extLst>
               <a:ext uri="{FF2B5EF4-FFF2-40B4-BE49-F238E27FC236}">
-                <a16:creationId xmlns:a16="http://schemas.microsoft.com/office/drawing/2014/main" xmlns="" id="{9DFCA238-157C-6202-006E-6DEA63E6A6DC}"/>
+                <a16:creationId xmlns:a16="http://schemas.microsoft.com/office/drawing/2014/main" id="{9DFCA238-157C-6202-006E-6DEA63E6A6DC}"/>
               </a:ext>
             </a:extLst>
           </p:cNvPr>
@@ -16723,7 +16671,7 @@
           <p:cNvPr id="45" name="순서도: 자기 디스크 44">
             <a:extLst>
               <a:ext uri="{FF2B5EF4-FFF2-40B4-BE49-F238E27FC236}">
-                <a16:creationId xmlns:a16="http://schemas.microsoft.com/office/drawing/2014/main" xmlns="" id="{4ACD90B5-1B92-CB45-3F18-A8D0CB2CA0B3}"/>
+                <a16:creationId xmlns:a16="http://schemas.microsoft.com/office/drawing/2014/main" id="{4ACD90B5-1B92-CB45-3F18-A8D0CB2CA0B3}"/>
               </a:ext>
             </a:extLst>
           </p:cNvPr>
@@ -16769,7 +16717,7 @@
           <p:cNvPr id="46" name="TextBox 45">
             <a:extLst>
               <a:ext uri="{FF2B5EF4-FFF2-40B4-BE49-F238E27FC236}">
-                <a16:creationId xmlns:a16="http://schemas.microsoft.com/office/drawing/2014/main" xmlns="" id="{9D7709C7-0B91-261B-B659-CE95FA24A5CA}"/>
+                <a16:creationId xmlns:a16="http://schemas.microsoft.com/office/drawing/2014/main" id="{9D7709C7-0B91-261B-B659-CE95FA24A5CA}"/>
               </a:ext>
             </a:extLst>
           </p:cNvPr>
@@ -16808,7 +16756,7 @@
           <p:cNvPr id="47" name="TextBox 46">
             <a:extLst>
               <a:ext uri="{FF2B5EF4-FFF2-40B4-BE49-F238E27FC236}">
-                <a16:creationId xmlns:a16="http://schemas.microsoft.com/office/drawing/2014/main" xmlns="" id="{99F4FFAA-2A74-DA1F-B7C0-43844BA0FB0F}"/>
+                <a16:creationId xmlns:a16="http://schemas.microsoft.com/office/drawing/2014/main" id="{99F4FFAA-2A74-DA1F-B7C0-43844BA0FB0F}"/>
               </a:ext>
             </a:extLst>
           </p:cNvPr>
@@ -16847,7 +16795,7 @@
           <p:cNvPr id="48" name="TextBox 47">
             <a:extLst>
               <a:ext uri="{FF2B5EF4-FFF2-40B4-BE49-F238E27FC236}">
-                <a16:creationId xmlns:a16="http://schemas.microsoft.com/office/drawing/2014/main" xmlns="" id="{03D6C89F-CA42-9354-EEE3-A67B3724897D}"/>
+                <a16:creationId xmlns:a16="http://schemas.microsoft.com/office/drawing/2014/main" id="{03D6C89F-CA42-9354-EEE3-A67B3724897D}"/>
               </a:ext>
             </a:extLst>
           </p:cNvPr>
@@ -16882,7 +16830,7 @@
           <p:cNvPr id="49" name="TextBox 48">
             <a:extLst>
               <a:ext uri="{FF2B5EF4-FFF2-40B4-BE49-F238E27FC236}">
-                <a16:creationId xmlns:a16="http://schemas.microsoft.com/office/drawing/2014/main" xmlns="" id="{C12CAEA4-093A-23FC-ED01-80A0BB2CF200}"/>
+                <a16:creationId xmlns:a16="http://schemas.microsoft.com/office/drawing/2014/main" id="{C12CAEA4-093A-23FC-ED01-80A0BB2CF200}"/>
               </a:ext>
             </a:extLst>
           </p:cNvPr>
@@ -16917,7 +16865,7 @@
           <p:cNvPr id="50" name="TextBox 49">
             <a:extLst>
               <a:ext uri="{FF2B5EF4-FFF2-40B4-BE49-F238E27FC236}">
-                <a16:creationId xmlns:a16="http://schemas.microsoft.com/office/drawing/2014/main" xmlns="" id="{9A366C87-78A0-C8D0-376B-B8E748D4B42A}"/>
+                <a16:creationId xmlns:a16="http://schemas.microsoft.com/office/drawing/2014/main" id="{9A366C87-78A0-C8D0-376B-B8E748D4B42A}"/>
               </a:ext>
             </a:extLst>
           </p:cNvPr>
@@ -16952,7 +16900,7 @@
           <p:cNvPr id="51" name="TextBox 50">
             <a:extLst>
               <a:ext uri="{FF2B5EF4-FFF2-40B4-BE49-F238E27FC236}">
-                <a16:creationId xmlns:a16="http://schemas.microsoft.com/office/drawing/2014/main" xmlns="" id="{554AB64B-6398-B562-A34A-9CF0EB296573}"/>
+                <a16:creationId xmlns:a16="http://schemas.microsoft.com/office/drawing/2014/main" id="{554AB64B-6398-B562-A34A-9CF0EB296573}"/>
               </a:ext>
             </a:extLst>
           </p:cNvPr>
@@ -16988,7 +16936,7 @@
           <p:cNvPr id="52" name="TextBox 51">
             <a:extLst>
               <a:ext uri="{FF2B5EF4-FFF2-40B4-BE49-F238E27FC236}">
-                <a16:creationId xmlns:a16="http://schemas.microsoft.com/office/drawing/2014/main" xmlns="" id="{82302169-7786-FB86-94E2-15F3DAAEFCBD}"/>
+                <a16:creationId xmlns:a16="http://schemas.microsoft.com/office/drawing/2014/main" id="{82302169-7786-FB86-94E2-15F3DAAEFCBD}"/>
               </a:ext>
             </a:extLst>
           </p:cNvPr>
@@ -17024,7 +16972,7 @@
           <p:cNvPr id="53" name="TextBox 52">
             <a:extLst>
               <a:ext uri="{FF2B5EF4-FFF2-40B4-BE49-F238E27FC236}">
-                <a16:creationId xmlns:a16="http://schemas.microsoft.com/office/drawing/2014/main" xmlns="" id="{5E4D2EE8-2BCF-CE8B-F28B-50A05D2D22DD}"/>
+                <a16:creationId xmlns:a16="http://schemas.microsoft.com/office/drawing/2014/main" id="{5E4D2EE8-2BCF-CE8B-F28B-50A05D2D22DD}"/>
               </a:ext>
             </a:extLst>
           </p:cNvPr>
@@ -17059,7 +17007,7 @@
           <p:cNvPr id="54" name="TextBox 53">
             <a:extLst>
               <a:ext uri="{FF2B5EF4-FFF2-40B4-BE49-F238E27FC236}">
-                <a16:creationId xmlns:a16="http://schemas.microsoft.com/office/drawing/2014/main" xmlns="" id="{CBB11C6A-E7C9-B3FB-CEE4-FC5071E53D85}"/>
+                <a16:creationId xmlns:a16="http://schemas.microsoft.com/office/drawing/2014/main" id="{CBB11C6A-E7C9-B3FB-CEE4-FC5071E53D85}"/>
               </a:ext>
             </a:extLst>
           </p:cNvPr>
@@ -17103,7 +17051,7 @@
           <p:cNvPr id="55" name="TextBox 54">
             <a:extLst>
               <a:ext uri="{FF2B5EF4-FFF2-40B4-BE49-F238E27FC236}">
-                <a16:creationId xmlns:a16="http://schemas.microsoft.com/office/drawing/2014/main" xmlns="" id="{8A96EAED-C55B-B908-B0F3-DC38E7846980}"/>
+                <a16:creationId xmlns:a16="http://schemas.microsoft.com/office/drawing/2014/main" id="{8A96EAED-C55B-B908-B0F3-DC38E7846980}"/>
               </a:ext>
             </a:extLst>
           </p:cNvPr>
@@ -17138,7 +17086,7 @@
           <p:cNvPr id="3" name="직선 연결선 2">
             <a:extLst>
               <a:ext uri="{FF2B5EF4-FFF2-40B4-BE49-F238E27FC236}">
-                <a16:creationId xmlns:a16="http://schemas.microsoft.com/office/drawing/2014/main" xmlns="" id="{9CC34761-FE8E-8A6D-AD56-3EEE4BDFC85C}"/>
+                <a16:creationId xmlns:a16="http://schemas.microsoft.com/office/drawing/2014/main" id="{9CC34761-FE8E-8A6D-AD56-3EEE4BDFC85C}"/>
               </a:ext>
             </a:extLst>
           </p:cNvPr>
@@ -17181,7 +17129,7 @@
           <p:cNvPr id="59" name="직선 연결선 58">
             <a:extLst>
               <a:ext uri="{FF2B5EF4-FFF2-40B4-BE49-F238E27FC236}">
-                <a16:creationId xmlns:a16="http://schemas.microsoft.com/office/drawing/2014/main" xmlns="" id="{BD24DB9B-1700-B369-FFD9-52DB2C5401ED}"/>
+                <a16:creationId xmlns:a16="http://schemas.microsoft.com/office/drawing/2014/main" id="{BD24DB9B-1700-B369-FFD9-52DB2C5401ED}"/>
               </a:ext>
             </a:extLst>
           </p:cNvPr>
@@ -17224,7 +17172,7 @@
           <p:cNvPr id="60" name="직선 연결선 59">
             <a:extLst>
               <a:ext uri="{FF2B5EF4-FFF2-40B4-BE49-F238E27FC236}">
-                <a16:creationId xmlns:a16="http://schemas.microsoft.com/office/drawing/2014/main" xmlns="" id="{F0DABFD2-993B-C0B3-F4E8-146FAD6780B5}"/>
+                <a16:creationId xmlns:a16="http://schemas.microsoft.com/office/drawing/2014/main" id="{F0DABFD2-993B-C0B3-F4E8-146FAD6780B5}"/>
               </a:ext>
             </a:extLst>
           </p:cNvPr>
@@ -17268,7 +17216,7 @@
           <p:cNvPr id="63" name="직선 연결선 62">
             <a:extLst>
               <a:ext uri="{FF2B5EF4-FFF2-40B4-BE49-F238E27FC236}">
-                <a16:creationId xmlns:a16="http://schemas.microsoft.com/office/drawing/2014/main" xmlns="" id="{8655AB17-AC46-37D5-5E09-570C038B8532}"/>
+                <a16:creationId xmlns:a16="http://schemas.microsoft.com/office/drawing/2014/main" id="{8655AB17-AC46-37D5-5E09-570C038B8532}"/>
               </a:ext>
             </a:extLst>
           </p:cNvPr>
@@ -17311,7 +17259,7 @@
           <p:cNvPr id="64" name="직선 연결선 63">
             <a:extLst>
               <a:ext uri="{FF2B5EF4-FFF2-40B4-BE49-F238E27FC236}">
-                <a16:creationId xmlns:a16="http://schemas.microsoft.com/office/drawing/2014/main" xmlns="" id="{C51CF1A7-146E-7BFC-3207-3E001EA8EAD9}"/>
+                <a16:creationId xmlns:a16="http://schemas.microsoft.com/office/drawing/2014/main" id="{C51CF1A7-146E-7BFC-3207-3E001EA8EAD9}"/>
               </a:ext>
             </a:extLst>
           </p:cNvPr>
@@ -17354,7 +17302,7 @@
           <p:cNvPr id="65" name="직선 연결선 64">
             <a:extLst>
               <a:ext uri="{FF2B5EF4-FFF2-40B4-BE49-F238E27FC236}">
-                <a16:creationId xmlns:a16="http://schemas.microsoft.com/office/drawing/2014/main" xmlns="" id="{E33C4611-ADE1-B22C-68E9-E1B29D61C9CB}"/>
+                <a16:creationId xmlns:a16="http://schemas.microsoft.com/office/drawing/2014/main" id="{E33C4611-ADE1-B22C-68E9-E1B29D61C9CB}"/>
               </a:ext>
             </a:extLst>
           </p:cNvPr>
@@ -17397,7 +17345,7 @@
           <p:cNvPr id="68" name="직선 연결선 67">
             <a:extLst>
               <a:ext uri="{FF2B5EF4-FFF2-40B4-BE49-F238E27FC236}">
-                <a16:creationId xmlns:a16="http://schemas.microsoft.com/office/drawing/2014/main" xmlns="" id="{476A8F88-2033-DEE0-96AE-BA47F6025A1B}"/>
+                <a16:creationId xmlns:a16="http://schemas.microsoft.com/office/drawing/2014/main" id="{476A8F88-2033-DEE0-96AE-BA47F6025A1B}"/>
               </a:ext>
             </a:extLst>
           </p:cNvPr>
@@ -17440,7 +17388,7 @@
           <p:cNvPr id="85" name="그룹 84">
             <a:extLst>
               <a:ext uri="{FF2B5EF4-FFF2-40B4-BE49-F238E27FC236}">
-                <a16:creationId xmlns:a16="http://schemas.microsoft.com/office/drawing/2014/main" xmlns="" id="{05672E4B-1EA8-4A80-CB6F-D74F28658765}"/>
+                <a16:creationId xmlns:a16="http://schemas.microsoft.com/office/drawing/2014/main" id="{05672E4B-1EA8-4A80-CB6F-D74F28658765}"/>
               </a:ext>
             </a:extLst>
           </p:cNvPr>
@@ -17460,7 +17408,7 @@
             <p:cNvPr id="78" name="직선 연결선 77">
               <a:extLst>
                 <a:ext uri="{FF2B5EF4-FFF2-40B4-BE49-F238E27FC236}">
-                  <a16:creationId xmlns:a16="http://schemas.microsoft.com/office/drawing/2014/main" xmlns="" id="{67D0300D-B9B4-1487-99A3-24EB74AC3787}"/>
+                  <a16:creationId xmlns:a16="http://schemas.microsoft.com/office/drawing/2014/main" id="{67D0300D-B9B4-1487-99A3-24EB74AC3787}"/>
                 </a:ext>
               </a:extLst>
             </p:cNvPr>
@@ -17503,7 +17451,7 @@
             <p:cNvPr id="79" name="직선 연결선 78">
               <a:extLst>
                 <a:ext uri="{FF2B5EF4-FFF2-40B4-BE49-F238E27FC236}">
-                  <a16:creationId xmlns:a16="http://schemas.microsoft.com/office/drawing/2014/main" xmlns="" id="{4ED1BB60-C684-27F3-2AB2-7F7CBE675250}"/>
+                  <a16:creationId xmlns:a16="http://schemas.microsoft.com/office/drawing/2014/main" id="{4ED1BB60-C684-27F3-2AB2-7F7CBE675250}"/>
                 </a:ext>
               </a:extLst>
             </p:cNvPr>
@@ -17546,7 +17494,7 @@
             <p:cNvPr id="80" name="직선 연결선 79">
               <a:extLst>
                 <a:ext uri="{FF2B5EF4-FFF2-40B4-BE49-F238E27FC236}">
-                  <a16:creationId xmlns:a16="http://schemas.microsoft.com/office/drawing/2014/main" xmlns="" id="{DBFF92F8-05F7-5C70-B121-A43DB7FF8ADE}"/>
+                  <a16:creationId xmlns:a16="http://schemas.microsoft.com/office/drawing/2014/main" id="{DBFF92F8-05F7-5C70-B121-A43DB7FF8ADE}"/>
                 </a:ext>
               </a:extLst>
             </p:cNvPr>
@@ -17589,7 +17537,7 @@
             <p:cNvPr id="81" name="직선 연결선 80">
               <a:extLst>
                 <a:ext uri="{FF2B5EF4-FFF2-40B4-BE49-F238E27FC236}">
-                  <a16:creationId xmlns:a16="http://schemas.microsoft.com/office/drawing/2014/main" xmlns="" id="{75CDC7FF-3BC1-2606-816D-78510C2FCC49}"/>
+                  <a16:creationId xmlns:a16="http://schemas.microsoft.com/office/drawing/2014/main" id="{75CDC7FF-3BC1-2606-816D-78510C2FCC49}"/>
                 </a:ext>
               </a:extLst>
             </p:cNvPr>
@@ -17632,7 +17580,7 @@
             <p:cNvPr id="82" name="직선 연결선 81">
               <a:extLst>
                 <a:ext uri="{FF2B5EF4-FFF2-40B4-BE49-F238E27FC236}">
-                  <a16:creationId xmlns:a16="http://schemas.microsoft.com/office/drawing/2014/main" xmlns="" id="{7ACA64D9-1915-3D17-7433-393EC6295FA4}"/>
+                  <a16:creationId xmlns:a16="http://schemas.microsoft.com/office/drawing/2014/main" id="{7ACA64D9-1915-3D17-7433-393EC6295FA4}"/>
                 </a:ext>
               </a:extLst>
             </p:cNvPr>
@@ -17675,7 +17623,7 @@
             <p:cNvPr id="83" name="직선 연결선 82">
               <a:extLst>
                 <a:ext uri="{FF2B5EF4-FFF2-40B4-BE49-F238E27FC236}">
-                  <a16:creationId xmlns:a16="http://schemas.microsoft.com/office/drawing/2014/main" xmlns="" id="{45AF3ED7-5A4A-F205-DC8C-262B034B7E7A}"/>
+                  <a16:creationId xmlns:a16="http://schemas.microsoft.com/office/drawing/2014/main" id="{45AF3ED7-5A4A-F205-DC8C-262B034B7E7A}"/>
                 </a:ext>
               </a:extLst>
             </p:cNvPr>
@@ -17718,7 +17666,7 @@
             <p:cNvPr id="84" name="직선 연결선 83">
               <a:extLst>
                 <a:ext uri="{FF2B5EF4-FFF2-40B4-BE49-F238E27FC236}">
-                  <a16:creationId xmlns:a16="http://schemas.microsoft.com/office/drawing/2014/main" xmlns="" id="{7A6A050C-5A4C-866F-E105-6C441D84CC3F}"/>
+                  <a16:creationId xmlns:a16="http://schemas.microsoft.com/office/drawing/2014/main" id="{7A6A050C-5A4C-866F-E105-6C441D84CC3F}"/>
                 </a:ext>
               </a:extLst>
             </p:cNvPr>
@@ -17762,7 +17710,7 @@
           <p:cNvPr id="93" name="그룹 92">
             <a:extLst>
               <a:ext uri="{FF2B5EF4-FFF2-40B4-BE49-F238E27FC236}">
-                <a16:creationId xmlns:a16="http://schemas.microsoft.com/office/drawing/2014/main" xmlns="" id="{9C621BB3-24F9-04CF-B1CD-4C5AB18678CB}"/>
+                <a16:creationId xmlns:a16="http://schemas.microsoft.com/office/drawing/2014/main" id="{9C621BB3-24F9-04CF-B1CD-4C5AB18678CB}"/>
               </a:ext>
             </a:extLst>
           </p:cNvPr>
@@ -17782,7 +17730,7 @@
             <p:cNvPr id="86" name="직선 연결선 85">
               <a:extLst>
                 <a:ext uri="{FF2B5EF4-FFF2-40B4-BE49-F238E27FC236}">
-                  <a16:creationId xmlns:a16="http://schemas.microsoft.com/office/drawing/2014/main" xmlns="" id="{8D54A68C-0B0A-DA5E-A98D-82695562C241}"/>
+                  <a16:creationId xmlns:a16="http://schemas.microsoft.com/office/drawing/2014/main" id="{8D54A68C-0B0A-DA5E-A98D-82695562C241}"/>
                 </a:ext>
               </a:extLst>
             </p:cNvPr>
@@ -17825,7 +17773,7 @@
             <p:cNvPr id="87" name="직선 연결선 86">
               <a:extLst>
                 <a:ext uri="{FF2B5EF4-FFF2-40B4-BE49-F238E27FC236}">
-                  <a16:creationId xmlns:a16="http://schemas.microsoft.com/office/drawing/2014/main" xmlns="" id="{7467049A-5486-37C0-91BD-875A3368BF9E}"/>
+                  <a16:creationId xmlns:a16="http://schemas.microsoft.com/office/drawing/2014/main" id="{7467049A-5486-37C0-91BD-875A3368BF9E}"/>
                 </a:ext>
               </a:extLst>
             </p:cNvPr>
@@ -17868,7 +17816,7 @@
             <p:cNvPr id="88" name="직선 연결선 87">
               <a:extLst>
                 <a:ext uri="{FF2B5EF4-FFF2-40B4-BE49-F238E27FC236}">
-                  <a16:creationId xmlns:a16="http://schemas.microsoft.com/office/drawing/2014/main" xmlns="" id="{75FC077D-2B5F-8446-3043-C4423283BE6F}"/>
+                  <a16:creationId xmlns:a16="http://schemas.microsoft.com/office/drawing/2014/main" id="{75FC077D-2B5F-8446-3043-C4423283BE6F}"/>
                 </a:ext>
               </a:extLst>
             </p:cNvPr>
@@ -17911,7 +17859,7 @@
             <p:cNvPr id="89" name="직선 연결선 88">
               <a:extLst>
                 <a:ext uri="{FF2B5EF4-FFF2-40B4-BE49-F238E27FC236}">
-                  <a16:creationId xmlns:a16="http://schemas.microsoft.com/office/drawing/2014/main" xmlns="" id="{B1A4130A-9C48-D81C-0252-0897FA0256AC}"/>
+                  <a16:creationId xmlns:a16="http://schemas.microsoft.com/office/drawing/2014/main" id="{B1A4130A-9C48-D81C-0252-0897FA0256AC}"/>
                 </a:ext>
               </a:extLst>
             </p:cNvPr>
@@ -17954,7 +17902,7 @@
             <p:cNvPr id="90" name="직선 연결선 89">
               <a:extLst>
                 <a:ext uri="{FF2B5EF4-FFF2-40B4-BE49-F238E27FC236}">
-                  <a16:creationId xmlns:a16="http://schemas.microsoft.com/office/drawing/2014/main" xmlns="" id="{B6596D84-7FEE-C564-A506-59EC70ADFD17}"/>
+                  <a16:creationId xmlns:a16="http://schemas.microsoft.com/office/drawing/2014/main" id="{B6596D84-7FEE-C564-A506-59EC70ADFD17}"/>
                 </a:ext>
               </a:extLst>
             </p:cNvPr>
@@ -17997,7 +17945,7 @@
             <p:cNvPr id="91" name="직선 연결선 90">
               <a:extLst>
                 <a:ext uri="{FF2B5EF4-FFF2-40B4-BE49-F238E27FC236}">
-                  <a16:creationId xmlns:a16="http://schemas.microsoft.com/office/drawing/2014/main" xmlns="" id="{DF607C88-CB66-CFBA-7FF0-661D81FD7DA1}"/>
+                  <a16:creationId xmlns:a16="http://schemas.microsoft.com/office/drawing/2014/main" id="{DF607C88-CB66-CFBA-7FF0-661D81FD7DA1}"/>
                 </a:ext>
               </a:extLst>
             </p:cNvPr>
@@ -18040,7 +17988,7 @@
             <p:cNvPr id="92" name="직선 연결선 91">
               <a:extLst>
                 <a:ext uri="{FF2B5EF4-FFF2-40B4-BE49-F238E27FC236}">
-                  <a16:creationId xmlns:a16="http://schemas.microsoft.com/office/drawing/2014/main" xmlns="" id="{D6B17951-E877-C64F-6F02-33D3D57AB672}"/>
+                  <a16:creationId xmlns:a16="http://schemas.microsoft.com/office/drawing/2014/main" id="{D6B17951-E877-C64F-6F02-33D3D57AB672}"/>
                 </a:ext>
               </a:extLst>
             </p:cNvPr>
@@ -18084,7 +18032,7 @@
           <p:cNvPr id="101" name="그룹 100">
             <a:extLst>
               <a:ext uri="{FF2B5EF4-FFF2-40B4-BE49-F238E27FC236}">
-                <a16:creationId xmlns:a16="http://schemas.microsoft.com/office/drawing/2014/main" xmlns="" id="{DFAB7FE8-278F-9E1C-B96F-D8A3004F14C5}"/>
+                <a16:creationId xmlns:a16="http://schemas.microsoft.com/office/drawing/2014/main" id="{DFAB7FE8-278F-9E1C-B96F-D8A3004F14C5}"/>
               </a:ext>
             </a:extLst>
           </p:cNvPr>
@@ -18104,7 +18052,7 @@
             <p:cNvPr id="94" name="직선 연결선 93">
               <a:extLst>
                 <a:ext uri="{FF2B5EF4-FFF2-40B4-BE49-F238E27FC236}">
-                  <a16:creationId xmlns:a16="http://schemas.microsoft.com/office/drawing/2014/main" xmlns="" id="{B872A552-8A81-3CFB-FBA9-E3099576FF3F}"/>
+                  <a16:creationId xmlns:a16="http://schemas.microsoft.com/office/drawing/2014/main" id="{B872A552-8A81-3CFB-FBA9-E3099576FF3F}"/>
                 </a:ext>
               </a:extLst>
             </p:cNvPr>
@@ -18147,7 +18095,7 @@
             <p:cNvPr id="95" name="직선 연결선 94">
               <a:extLst>
                 <a:ext uri="{FF2B5EF4-FFF2-40B4-BE49-F238E27FC236}">
-                  <a16:creationId xmlns:a16="http://schemas.microsoft.com/office/drawing/2014/main" xmlns="" id="{E9C6171D-08AA-4221-7537-9AAB6D4DC0EC}"/>
+                  <a16:creationId xmlns:a16="http://schemas.microsoft.com/office/drawing/2014/main" id="{E9C6171D-08AA-4221-7537-9AAB6D4DC0EC}"/>
                 </a:ext>
               </a:extLst>
             </p:cNvPr>
@@ -18190,7 +18138,7 @@
             <p:cNvPr id="96" name="직선 연결선 95">
               <a:extLst>
                 <a:ext uri="{FF2B5EF4-FFF2-40B4-BE49-F238E27FC236}">
-                  <a16:creationId xmlns:a16="http://schemas.microsoft.com/office/drawing/2014/main" xmlns="" id="{0F375DCA-79C6-969A-57AB-3D7EBEC633C6}"/>
+                  <a16:creationId xmlns:a16="http://schemas.microsoft.com/office/drawing/2014/main" id="{0F375DCA-79C6-969A-57AB-3D7EBEC633C6}"/>
                 </a:ext>
               </a:extLst>
             </p:cNvPr>
@@ -18233,7 +18181,7 @@
             <p:cNvPr id="97" name="직선 연결선 96">
               <a:extLst>
                 <a:ext uri="{FF2B5EF4-FFF2-40B4-BE49-F238E27FC236}">
-                  <a16:creationId xmlns:a16="http://schemas.microsoft.com/office/drawing/2014/main" xmlns="" id="{41DBD345-7564-64AE-A4AA-7ADA9F503AA7}"/>
+                  <a16:creationId xmlns:a16="http://schemas.microsoft.com/office/drawing/2014/main" id="{41DBD345-7564-64AE-A4AA-7ADA9F503AA7}"/>
                 </a:ext>
               </a:extLst>
             </p:cNvPr>
@@ -18276,7 +18224,7 @@
             <p:cNvPr id="98" name="직선 연결선 97">
               <a:extLst>
                 <a:ext uri="{FF2B5EF4-FFF2-40B4-BE49-F238E27FC236}">
-                  <a16:creationId xmlns:a16="http://schemas.microsoft.com/office/drawing/2014/main" xmlns="" id="{9699599A-4C9B-0EDF-598A-E30FFFB071B8}"/>
+                  <a16:creationId xmlns:a16="http://schemas.microsoft.com/office/drawing/2014/main" id="{9699599A-4C9B-0EDF-598A-E30FFFB071B8}"/>
                 </a:ext>
               </a:extLst>
             </p:cNvPr>
@@ -18319,7 +18267,7 @@
             <p:cNvPr id="99" name="직선 연결선 98">
               <a:extLst>
                 <a:ext uri="{FF2B5EF4-FFF2-40B4-BE49-F238E27FC236}">
-                  <a16:creationId xmlns:a16="http://schemas.microsoft.com/office/drawing/2014/main" xmlns="" id="{E1E8F6A0-B293-FBD0-4D1B-E3B307976EE9}"/>
+                  <a16:creationId xmlns:a16="http://schemas.microsoft.com/office/drawing/2014/main" id="{E1E8F6A0-B293-FBD0-4D1B-E3B307976EE9}"/>
                 </a:ext>
               </a:extLst>
             </p:cNvPr>
@@ -18362,7 +18310,7 @@
             <p:cNvPr id="100" name="직선 연결선 99">
               <a:extLst>
                 <a:ext uri="{FF2B5EF4-FFF2-40B4-BE49-F238E27FC236}">
-                  <a16:creationId xmlns:a16="http://schemas.microsoft.com/office/drawing/2014/main" xmlns="" id="{0E9D033B-D57B-95EC-2F22-186A39D2A9FB}"/>
+                  <a16:creationId xmlns:a16="http://schemas.microsoft.com/office/drawing/2014/main" id="{0E9D033B-D57B-95EC-2F22-186A39D2A9FB}"/>
                 </a:ext>
               </a:extLst>
             </p:cNvPr>
@@ -18406,7 +18354,7 @@
           <p:cNvPr id="107" name="그룹 106">
             <a:extLst>
               <a:ext uri="{FF2B5EF4-FFF2-40B4-BE49-F238E27FC236}">
-                <a16:creationId xmlns:a16="http://schemas.microsoft.com/office/drawing/2014/main" xmlns="" id="{2F292F25-E97B-7EC3-52E4-86DF17027DDF}"/>
+                <a16:creationId xmlns:a16="http://schemas.microsoft.com/office/drawing/2014/main" id="{2F292F25-E97B-7EC3-52E4-86DF17027DDF}"/>
               </a:ext>
             </a:extLst>
           </p:cNvPr>
@@ -18426,7 +18374,7 @@
             <p:cNvPr id="103" name="직선 연결선 102">
               <a:extLst>
                 <a:ext uri="{FF2B5EF4-FFF2-40B4-BE49-F238E27FC236}">
-                  <a16:creationId xmlns:a16="http://schemas.microsoft.com/office/drawing/2014/main" xmlns="" id="{D4BFA82A-3255-5167-A86B-9D3302CA5643}"/>
+                  <a16:creationId xmlns:a16="http://schemas.microsoft.com/office/drawing/2014/main" id="{D4BFA82A-3255-5167-A86B-9D3302CA5643}"/>
                 </a:ext>
               </a:extLst>
             </p:cNvPr>
@@ -18470,7 +18418,7 @@
             <p:cNvPr id="106" name="직선 연결선 105">
               <a:extLst>
                 <a:ext uri="{FF2B5EF4-FFF2-40B4-BE49-F238E27FC236}">
-                  <a16:creationId xmlns:a16="http://schemas.microsoft.com/office/drawing/2014/main" xmlns="" id="{6B8A4531-C7A7-A0E7-9560-8302A831AABD}"/>
+                  <a16:creationId xmlns:a16="http://schemas.microsoft.com/office/drawing/2014/main" id="{6B8A4531-C7A7-A0E7-9560-8302A831AABD}"/>
                 </a:ext>
               </a:extLst>
             </p:cNvPr>
@@ -18514,7 +18462,7 @@
           <p:cNvPr id="108" name="그룹 107">
             <a:extLst>
               <a:ext uri="{FF2B5EF4-FFF2-40B4-BE49-F238E27FC236}">
-                <a16:creationId xmlns:a16="http://schemas.microsoft.com/office/drawing/2014/main" xmlns="" id="{9F3E36BD-3EE3-8ECE-D056-EAA15044E741}"/>
+                <a16:creationId xmlns:a16="http://schemas.microsoft.com/office/drawing/2014/main" id="{9F3E36BD-3EE3-8ECE-D056-EAA15044E741}"/>
               </a:ext>
             </a:extLst>
           </p:cNvPr>
@@ -18534,7 +18482,7 @@
             <p:cNvPr id="109" name="직선 연결선 108">
               <a:extLst>
                 <a:ext uri="{FF2B5EF4-FFF2-40B4-BE49-F238E27FC236}">
-                  <a16:creationId xmlns:a16="http://schemas.microsoft.com/office/drawing/2014/main" xmlns="" id="{ECDEF451-E9E9-427D-9E09-A13AC8E7165F}"/>
+                  <a16:creationId xmlns:a16="http://schemas.microsoft.com/office/drawing/2014/main" id="{ECDEF451-E9E9-427D-9E09-A13AC8E7165F}"/>
                 </a:ext>
               </a:extLst>
             </p:cNvPr>
@@ -18577,7 +18525,7 @@
             <p:cNvPr id="110" name="직선 연결선 109">
               <a:extLst>
                 <a:ext uri="{FF2B5EF4-FFF2-40B4-BE49-F238E27FC236}">
-                  <a16:creationId xmlns:a16="http://schemas.microsoft.com/office/drawing/2014/main" xmlns="" id="{96B89620-3E94-86CA-36E0-A1C6B07127B6}"/>
+                  <a16:creationId xmlns:a16="http://schemas.microsoft.com/office/drawing/2014/main" id="{96B89620-3E94-86CA-36E0-A1C6B07127B6}"/>
                 </a:ext>
               </a:extLst>
             </p:cNvPr>
@@ -18621,7 +18569,7 @@
           <p:cNvPr id="111" name="그룹 110">
             <a:extLst>
               <a:ext uri="{FF2B5EF4-FFF2-40B4-BE49-F238E27FC236}">
-                <a16:creationId xmlns:a16="http://schemas.microsoft.com/office/drawing/2014/main" xmlns="" id="{4F2AE373-038F-5586-B901-94B4AEE983E5}"/>
+                <a16:creationId xmlns:a16="http://schemas.microsoft.com/office/drawing/2014/main" id="{4F2AE373-038F-5586-B901-94B4AEE983E5}"/>
               </a:ext>
             </a:extLst>
           </p:cNvPr>
@@ -18641,7 +18589,7 @@
             <p:cNvPr id="112" name="직선 연결선 111">
               <a:extLst>
                 <a:ext uri="{FF2B5EF4-FFF2-40B4-BE49-F238E27FC236}">
-                  <a16:creationId xmlns:a16="http://schemas.microsoft.com/office/drawing/2014/main" xmlns="" id="{D4BC9061-4FD6-88D1-1E31-45E7E964B39A}"/>
+                  <a16:creationId xmlns:a16="http://schemas.microsoft.com/office/drawing/2014/main" id="{D4BC9061-4FD6-88D1-1E31-45E7E964B39A}"/>
                 </a:ext>
               </a:extLst>
             </p:cNvPr>
@@ -18684,7 +18632,7 @@
             <p:cNvPr id="113" name="직선 연결선 112">
               <a:extLst>
                 <a:ext uri="{FF2B5EF4-FFF2-40B4-BE49-F238E27FC236}">
-                  <a16:creationId xmlns:a16="http://schemas.microsoft.com/office/drawing/2014/main" xmlns="" id="{058EB5EC-D317-EE76-EE3B-3A4E12F129A8}"/>
+                  <a16:creationId xmlns:a16="http://schemas.microsoft.com/office/drawing/2014/main" id="{058EB5EC-D317-EE76-EE3B-3A4E12F129A8}"/>
                 </a:ext>
               </a:extLst>
             </p:cNvPr>
@@ -18728,7 +18676,7 @@
           <p:cNvPr id="117" name="그룹 116">
             <a:extLst>
               <a:ext uri="{FF2B5EF4-FFF2-40B4-BE49-F238E27FC236}">
-                <a16:creationId xmlns:a16="http://schemas.microsoft.com/office/drawing/2014/main" xmlns="" id="{A4B60716-1E4B-B1B7-04F8-DB01FE1ECD36}"/>
+                <a16:creationId xmlns:a16="http://schemas.microsoft.com/office/drawing/2014/main" id="{A4B60716-1E4B-B1B7-04F8-DB01FE1ECD36}"/>
               </a:ext>
             </a:extLst>
           </p:cNvPr>
@@ -18748,7 +18696,7 @@
             <p:cNvPr id="118" name="직선 연결선 117">
               <a:extLst>
                 <a:ext uri="{FF2B5EF4-FFF2-40B4-BE49-F238E27FC236}">
-                  <a16:creationId xmlns:a16="http://schemas.microsoft.com/office/drawing/2014/main" xmlns="" id="{1C6D4B15-0C18-159D-EA0E-CCFEFEEAEA79}"/>
+                  <a16:creationId xmlns:a16="http://schemas.microsoft.com/office/drawing/2014/main" id="{1C6D4B15-0C18-159D-EA0E-CCFEFEEAEA79}"/>
                 </a:ext>
               </a:extLst>
             </p:cNvPr>
@@ -18791,7 +18739,7 @@
             <p:cNvPr id="119" name="직선 연결선 118">
               <a:extLst>
                 <a:ext uri="{FF2B5EF4-FFF2-40B4-BE49-F238E27FC236}">
-                  <a16:creationId xmlns:a16="http://schemas.microsoft.com/office/drawing/2014/main" xmlns="" id="{0505BEB2-2449-C48D-F5E0-A38C0CC69ED5}"/>
+                  <a16:creationId xmlns:a16="http://schemas.microsoft.com/office/drawing/2014/main" id="{0505BEB2-2449-C48D-F5E0-A38C0CC69ED5}"/>
                 </a:ext>
               </a:extLst>
             </p:cNvPr>
@@ -18835,7 +18783,7 @@
           <p:cNvPr id="120" name="그룹 119">
             <a:extLst>
               <a:ext uri="{FF2B5EF4-FFF2-40B4-BE49-F238E27FC236}">
-                <a16:creationId xmlns:a16="http://schemas.microsoft.com/office/drawing/2014/main" xmlns="" id="{2E8DDBF6-A77A-C8FF-9B4B-29D4C50C8B86}"/>
+                <a16:creationId xmlns:a16="http://schemas.microsoft.com/office/drawing/2014/main" id="{2E8DDBF6-A77A-C8FF-9B4B-29D4C50C8B86}"/>
               </a:ext>
             </a:extLst>
           </p:cNvPr>
@@ -18855,7 +18803,7 @@
             <p:cNvPr id="121" name="직선 연결선 120">
               <a:extLst>
                 <a:ext uri="{FF2B5EF4-FFF2-40B4-BE49-F238E27FC236}">
-                  <a16:creationId xmlns:a16="http://schemas.microsoft.com/office/drawing/2014/main" xmlns="" id="{17A062D1-D228-BB5D-6BF7-CEFD10C5D22C}"/>
+                  <a16:creationId xmlns:a16="http://schemas.microsoft.com/office/drawing/2014/main" id="{17A062D1-D228-BB5D-6BF7-CEFD10C5D22C}"/>
                 </a:ext>
               </a:extLst>
             </p:cNvPr>
@@ -18898,7 +18846,7 @@
             <p:cNvPr id="122" name="직선 연결선 121">
               <a:extLst>
                 <a:ext uri="{FF2B5EF4-FFF2-40B4-BE49-F238E27FC236}">
-                  <a16:creationId xmlns:a16="http://schemas.microsoft.com/office/drawing/2014/main" xmlns="" id="{6B44E5F2-508E-47B5-FEE9-C959E8B86922}"/>
+                  <a16:creationId xmlns:a16="http://schemas.microsoft.com/office/drawing/2014/main" id="{6B44E5F2-508E-47B5-FEE9-C959E8B86922}"/>
                 </a:ext>
               </a:extLst>
             </p:cNvPr>
@@ -18942,7 +18890,7 @@
           <p:cNvPr id="123" name="그룹 122">
             <a:extLst>
               <a:ext uri="{FF2B5EF4-FFF2-40B4-BE49-F238E27FC236}">
-                <a16:creationId xmlns:a16="http://schemas.microsoft.com/office/drawing/2014/main" xmlns="" id="{2A1F6855-60FC-9746-27DB-F083CD4B0118}"/>
+                <a16:creationId xmlns:a16="http://schemas.microsoft.com/office/drawing/2014/main" id="{2A1F6855-60FC-9746-27DB-F083CD4B0118}"/>
               </a:ext>
             </a:extLst>
           </p:cNvPr>
@@ -18962,7 +18910,7 @@
             <p:cNvPr id="124" name="직선 연결선 123">
               <a:extLst>
                 <a:ext uri="{FF2B5EF4-FFF2-40B4-BE49-F238E27FC236}">
-                  <a16:creationId xmlns:a16="http://schemas.microsoft.com/office/drawing/2014/main" xmlns="" id="{084640E1-A6D0-CB55-CE21-2BEC4B2EE8CC}"/>
+                  <a16:creationId xmlns:a16="http://schemas.microsoft.com/office/drawing/2014/main" id="{084640E1-A6D0-CB55-CE21-2BEC4B2EE8CC}"/>
                 </a:ext>
               </a:extLst>
             </p:cNvPr>
@@ -19005,7 +18953,7 @@
             <p:cNvPr id="125" name="직선 연결선 124">
               <a:extLst>
                 <a:ext uri="{FF2B5EF4-FFF2-40B4-BE49-F238E27FC236}">
-                  <a16:creationId xmlns:a16="http://schemas.microsoft.com/office/drawing/2014/main" xmlns="" id="{304E3D61-7023-CC77-3385-2EFB3B17CDEB}"/>
+                  <a16:creationId xmlns:a16="http://schemas.microsoft.com/office/drawing/2014/main" id="{304E3D61-7023-CC77-3385-2EFB3B17CDEB}"/>
                 </a:ext>
               </a:extLst>
             </p:cNvPr>
@@ -19049,7 +18997,7 @@
           <p:cNvPr id="137" name="그림 136" descr="텍스트, 벡터그래픽이(가) 표시된 사진&#10;&#10;자동 생성된 설명">
             <a:extLst>
               <a:ext uri="{FF2B5EF4-FFF2-40B4-BE49-F238E27FC236}">
-                <a16:creationId xmlns:a16="http://schemas.microsoft.com/office/drawing/2014/main" xmlns="" id="{F2946A7F-F506-AB90-8583-D57B59FD4730}"/>
+                <a16:creationId xmlns:a16="http://schemas.microsoft.com/office/drawing/2014/main" id="{F2946A7F-F506-AB90-8583-D57B59FD4730}"/>
               </a:ext>
             </a:extLst>
           </p:cNvPr>
@@ -19085,7 +19033,7 @@
           <p:cNvPr id="139" name="그림 138" descr="텍스트, 장난감, 인형, 벡터그래픽이(가) 표시된 사진&#10;&#10;자동 생성된 설명">
             <a:extLst>
               <a:ext uri="{FF2B5EF4-FFF2-40B4-BE49-F238E27FC236}">
-                <a16:creationId xmlns:a16="http://schemas.microsoft.com/office/drawing/2014/main" xmlns="" id="{A013DD10-3F32-10D0-10DC-20BBFA4C3E1B}"/>
+                <a16:creationId xmlns:a16="http://schemas.microsoft.com/office/drawing/2014/main" id="{A013DD10-3F32-10D0-10DC-20BBFA4C3E1B}"/>
               </a:ext>
             </a:extLst>
           </p:cNvPr>
@@ -19121,7 +19069,7 @@
           <p:cNvPr id="141" name="그림 140" descr="텍스트, 벡터그래픽이(가) 표시된 사진&#10;&#10;자동 생성된 설명">
             <a:extLst>
               <a:ext uri="{FF2B5EF4-FFF2-40B4-BE49-F238E27FC236}">
-                <a16:creationId xmlns:a16="http://schemas.microsoft.com/office/drawing/2014/main" xmlns="" id="{C133EB29-9D84-9221-B279-282C9DCAD7BD}"/>
+                <a16:creationId xmlns:a16="http://schemas.microsoft.com/office/drawing/2014/main" id="{C133EB29-9D84-9221-B279-282C9DCAD7BD}"/>
               </a:ext>
             </a:extLst>
           </p:cNvPr>
@@ -19157,7 +19105,7 @@
           <p:cNvPr id="143" name="그림 142" descr="벡터그래픽이(가) 표시된 사진&#10;&#10;자동 생성된 설명">
             <a:extLst>
               <a:ext uri="{FF2B5EF4-FFF2-40B4-BE49-F238E27FC236}">
-                <a16:creationId xmlns:a16="http://schemas.microsoft.com/office/drawing/2014/main" xmlns="" id="{609EE57C-A047-74BE-0004-51D22DB1C678}"/>
+                <a16:creationId xmlns:a16="http://schemas.microsoft.com/office/drawing/2014/main" id="{609EE57C-A047-74BE-0004-51D22DB1C678}"/>
               </a:ext>
             </a:extLst>
           </p:cNvPr>
@@ -19193,7 +19141,7 @@
           <p:cNvPr id="145" name="그림 144" descr="텍스트, 우산, 액세서리, 벡터그래픽이(가) 표시된 사진&#10;&#10;자동 생성된 설명">
             <a:extLst>
               <a:ext uri="{FF2B5EF4-FFF2-40B4-BE49-F238E27FC236}">
-                <a16:creationId xmlns:a16="http://schemas.microsoft.com/office/drawing/2014/main" xmlns="" id="{4E5D5341-9500-506F-5BF8-2685AF437D31}"/>
+                <a16:creationId xmlns:a16="http://schemas.microsoft.com/office/drawing/2014/main" id="{4E5D5341-9500-506F-5BF8-2685AF437D31}"/>
               </a:ext>
             </a:extLst>
           </p:cNvPr>
@@ -19229,7 +19177,7 @@
           <p:cNvPr id="147" name="그림 146" descr="장난감, 인형이(가) 표시된 사진&#10;&#10;자동 생성된 설명">
             <a:extLst>
               <a:ext uri="{FF2B5EF4-FFF2-40B4-BE49-F238E27FC236}">
-                <a16:creationId xmlns:a16="http://schemas.microsoft.com/office/drawing/2014/main" xmlns="" id="{DD4315C6-14F4-F066-1B0D-E73BFDF53726}"/>
+                <a16:creationId xmlns:a16="http://schemas.microsoft.com/office/drawing/2014/main" id="{DD4315C6-14F4-F066-1B0D-E73BFDF53726}"/>
               </a:ext>
             </a:extLst>
           </p:cNvPr>
@@ -19265,7 +19213,7 @@
           <p:cNvPr id="149" name="그림 148" descr="텍스트이(가) 표시된 사진&#10;&#10;자동 생성된 설명">
             <a:extLst>
               <a:ext uri="{FF2B5EF4-FFF2-40B4-BE49-F238E27FC236}">
-                <a16:creationId xmlns:a16="http://schemas.microsoft.com/office/drawing/2014/main" xmlns="" id="{4A8AAA25-B4DE-8E4E-E06A-16E8618CFE49}"/>
+                <a16:creationId xmlns:a16="http://schemas.microsoft.com/office/drawing/2014/main" id="{4A8AAA25-B4DE-8E4E-E06A-16E8618CFE49}"/>
               </a:ext>
             </a:extLst>
           </p:cNvPr>
@@ -19301,7 +19249,7 @@
           <p:cNvPr id="151" name="그림 150" descr="텍스트, 장난감, 벡터그래픽, 인형이(가) 표시된 사진&#10;&#10;자동 생성된 설명">
             <a:extLst>
               <a:ext uri="{FF2B5EF4-FFF2-40B4-BE49-F238E27FC236}">
-                <a16:creationId xmlns:a16="http://schemas.microsoft.com/office/drawing/2014/main" xmlns="" id="{504CF6D0-E945-A3FC-D198-BBDFE977F60E}"/>
+                <a16:creationId xmlns:a16="http://schemas.microsoft.com/office/drawing/2014/main" id="{504CF6D0-E945-A3FC-D198-BBDFE977F60E}"/>
               </a:ext>
             </a:extLst>
           </p:cNvPr>
@@ -19337,7 +19285,7 @@
           <p:cNvPr id="152" name="TextBox 151">
             <a:extLst>
               <a:ext uri="{FF2B5EF4-FFF2-40B4-BE49-F238E27FC236}">
-                <a16:creationId xmlns:a16="http://schemas.microsoft.com/office/drawing/2014/main" xmlns="" id="{4648F290-0B8E-C746-131A-57C16F33B841}"/>
+                <a16:creationId xmlns:a16="http://schemas.microsoft.com/office/drawing/2014/main" id="{4648F290-0B8E-C746-131A-57C16F33B841}"/>
               </a:ext>
             </a:extLst>
           </p:cNvPr>
@@ -19402,7 +19350,7 @@
           <p:cNvPr id="4" name="직사각형 3">
             <a:extLst>
               <a:ext uri="{FF2B5EF4-FFF2-40B4-BE49-F238E27FC236}">
-                <a16:creationId xmlns:a16="http://schemas.microsoft.com/office/drawing/2014/main" xmlns="" id="{AE93FE2A-85FE-4157-951C-FC2FADBB3B34}"/>
+                <a16:creationId xmlns:a16="http://schemas.microsoft.com/office/drawing/2014/main" id="{AE93FE2A-85FE-4157-951C-FC2FADBB3B34}"/>
               </a:ext>
             </a:extLst>
           </p:cNvPr>
@@ -19454,7 +19402,7 @@
           <p:cNvPr id="7" name="TextBox 6">
             <a:extLst>
               <a:ext uri="{FF2B5EF4-FFF2-40B4-BE49-F238E27FC236}">
-                <a16:creationId xmlns:a16="http://schemas.microsoft.com/office/drawing/2014/main" xmlns="" id="{982817C4-ACF4-45FB-A018-6E6F872691BC}"/>
+                <a16:creationId xmlns:a16="http://schemas.microsoft.com/office/drawing/2014/main" id="{982817C4-ACF4-45FB-A018-6E6F872691BC}"/>
               </a:ext>
             </a:extLst>
           </p:cNvPr>
@@ -19490,7 +19438,7 @@
           <p:cNvPr id="67" name="그룹 66">
             <a:extLst>
               <a:ext uri="{FF2B5EF4-FFF2-40B4-BE49-F238E27FC236}">
-                <a16:creationId xmlns:a16="http://schemas.microsoft.com/office/drawing/2014/main" xmlns="" id="{AA427C59-6225-91A9-6191-5FA94232C160}"/>
+                <a16:creationId xmlns:a16="http://schemas.microsoft.com/office/drawing/2014/main" id="{AA427C59-6225-91A9-6191-5FA94232C160}"/>
               </a:ext>
             </a:extLst>
           </p:cNvPr>
@@ -19510,7 +19458,7 @@
             <p:cNvPr id="126" name="그룹 125">
               <a:extLst>
                 <a:ext uri="{FF2B5EF4-FFF2-40B4-BE49-F238E27FC236}">
-                  <a16:creationId xmlns:a16="http://schemas.microsoft.com/office/drawing/2014/main" xmlns="" id="{C76D772B-42A6-F6F9-89EC-A0968070F394}"/>
+                  <a16:creationId xmlns:a16="http://schemas.microsoft.com/office/drawing/2014/main" id="{C76D772B-42A6-F6F9-89EC-A0968070F394}"/>
                 </a:ext>
               </a:extLst>
             </p:cNvPr>
@@ -19530,7 +19478,7 @@
               <p:cNvPr id="127" name="팔각형 126">
                 <a:extLst>
                   <a:ext uri="{FF2B5EF4-FFF2-40B4-BE49-F238E27FC236}">
-                    <a16:creationId xmlns:a16="http://schemas.microsoft.com/office/drawing/2014/main" xmlns="" id="{1FE32299-B354-B3BB-9935-4D2095B5980C}"/>
+                    <a16:creationId xmlns:a16="http://schemas.microsoft.com/office/drawing/2014/main" id="{1FE32299-B354-B3BB-9935-4D2095B5980C}"/>
                   </a:ext>
                 </a:extLst>
               </p:cNvPr>
@@ -19582,7 +19530,7 @@
               <p:cNvPr id="128" name="육각형 127">
                 <a:extLst>
                   <a:ext uri="{FF2B5EF4-FFF2-40B4-BE49-F238E27FC236}">
-                    <a16:creationId xmlns:a16="http://schemas.microsoft.com/office/drawing/2014/main" xmlns="" id="{C56A7B79-7226-5632-498B-FFB03FE7CFF8}"/>
+                    <a16:creationId xmlns:a16="http://schemas.microsoft.com/office/drawing/2014/main" id="{C56A7B79-7226-5632-498B-FFB03FE7CFF8}"/>
                   </a:ext>
                 </a:extLst>
               </p:cNvPr>
@@ -19637,7 +19585,7 @@
             <p:cNvPr id="129" name="그룹 128">
               <a:extLst>
                 <a:ext uri="{FF2B5EF4-FFF2-40B4-BE49-F238E27FC236}">
-                  <a16:creationId xmlns:a16="http://schemas.microsoft.com/office/drawing/2014/main" xmlns="" id="{FFF67ED5-318C-2ECD-F466-FB0DBDFA8451}"/>
+                  <a16:creationId xmlns:a16="http://schemas.microsoft.com/office/drawing/2014/main" id="{FFF67ED5-318C-2ECD-F466-FB0DBDFA8451}"/>
                 </a:ext>
               </a:extLst>
             </p:cNvPr>
@@ -19657,7 +19605,7 @@
               <p:cNvPr id="130" name="직선 연결선 129">
                 <a:extLst>
                   <a:ext uri="{FF2B5EF4-FFF2-40B4-BE49-F238E27FC236}">
-                    <a16:creationId xmlns:a16="http://schemas.microsoft.com/office/drawing/2014/main" xmlns="" id="{79C892B4-E060-E932-0999-F8FE3925D6C3}"/>
+                    <a16:creationId xmlns:a16="http://schemas.microsoft.com/office/drawing/2014/main" id="{79C892B4-E060-E932-0999-F8FE3925D6C3}"/>
                   </a:ext>
                 </a:extLst>
               </p:cNvPr>
@@ -19700,7 +19648,7 @@
               <p:cNvPr id="131" name="직선 연결선 130">
                 <a:extLst>
                   <a:ext uri="{FF2B5EF4-FFF2-40B4-BE49-F238E27FC236}">
-                    <a16:creationId xmlns:a16="http://schemas.microsoft.com/office/drawing/2014/main" xmlns="" id="{722234A2-67D6-58CC-C4CE-1CEC0A492DB5}"/>
+                    <a16:creationId xmlns:a16="http://schemas.microsoft.com/office/drawing/2014/main" id="{722234A2-67D6-58CC-C4CE-1CEC0A492DB5}"/>
                   </a:ext>
                 </a:extLst>
               </p:cNvPr>
@@ -19744,7 +19692,7 @@
             <p:cNvPr id="132" name="그룹 131">
               <a:extLst>
                 <a:ext uri="{FF2B5EF4-FFF2-40B4-BE49-F238E27FC236}">
-                  <a16:creationId xmlns:a16="http://schemas.microsoft.com/office/drawing/2014/main" xmlns="" id="{FB118F60-457A-DE63-A582-F391CBE50478}"/>
+                  <a16:creationId xmlns:a16="http://schemas.microsoft.com/office/drawing/2014/main" id="{FB118F60-457A-DE63-A582-F391CBE50478}"/>
                 </a:ext>
               </a:extLst>
             </p:cNvPr>
@@ -19764,7 +19712,7 @@
               <p:cNvPr id="133" name="직선 연결선 132">
                 <a:extLst>
                   <a:ext uri="{FF2B5EF4-FFF2-40B4-BE49-F238E27FC236}">
-                    <a16:creationId xmlns:a16="http://schemas.microsoft.com/office/drawing/2014/main" xmlns="" id="{D152C81C-4859-8A8E-305D-77DE2069DB94}"/>
+                    <a16:creationId xmlns:a16="http://schemas.microsoft.com/office/drawing/2014/main" id="{D152C81C-4859-8A8E-305D-77DE2069DB94}"/>
                   </a:ext>
                 </a:extLst>
               </p:cNvPr>
@@ -19807,7 +19755,7 @@
               <p:cNvPr id="134" name="직선 연결선 133">
                 <a:extLst>
                   <a:ext uri="{FF2B5EF4-FFF2-40B4-BE49-F238E27FC236}">
-                    <a16:creationId xmlns:a16="http://schemas.microsoft.com/office/drawing/2014/main" xmlns="" id="{B5370037-6C31-5AAA-0CF0-0455E0490590}"/>
+                    <a16:creationId xmlns:a16="http://schemas.microsoft.com/office/drawing/2014/main" id="{B5370037-6C31-5AAA-0CF0-0455E0490590}"/>
                   </a:ext>
                 </a:extLst>
               </p:cNvPr>
@@ -19851,7 +19799,7 @@
             <p:cNvPr id="135" name="그룹 134">
               <a:extLst>
                 <a:ext uri="{FF2B5EF4-FFF2-40B4-BE49-F238E27FC236}">
-                  <a16:creationId xmlns:a16="http://schemas.microsoft.com/office/drawing/2014/main" xmlns="" id="{A50257F2-95E3-E6B8-B358-F7DF95EEA9D6}"/>
+                  <a16:creationId xmlns:a16="http://schemas.microsoft.com/office/drawing/2014/main" id="{A50257F2-95E3-E6B8-B358-F7DF95EEA9D6}"/>
                 </a:ext>
               </a:extLst>
             </p:cNvPr>
@@ -19871,7 +19819,7 @@
               <p:cNvPr id="136" name="직선 연결선 135">
                 <a:extLst>
                   <a:ext uri="{FF2B5EF4-FFF2-40B4-BE49-F238E27FC236}">
-                    <a16:creationId xmlns:a16="http://schemas.microsoft.com/office/drawing/2014/main" xmlns="" id="{8B5F88D0-42BD-0734-8677-8EC036D7CB00}"/>
+                    <a16:creationId xmlns:a16="http://schemas.microsoft.com/office/drawing/2014/main" id="{8B5F88D0-42BD-0734-8677-8EC036D7CB00}"/>
                   </a:ext>
                 </a:extLst>
               </p:cNvPr>
@@ -19914,7 +19862,7 @@
               <p:cNvPr id="138" name="직선 연결선 137">
                 <a:extLst>
                   <a:ext uri="{FF2B5EF4-FFF2-40B4-BE49-F238E27FC236}">
-                    <a16:creationId xmlns:a16="http://schemas.microsoft.com/office/drawing/2014/main" xmlns="" id="{B7A7A955-0150-7261-4911-859D1F22B137}"/>
+                    <a16:creationId xmlns:a16="http://schemas.microsoft.com/office/drawing/2014/main" id="{B7A7A955-0150-7261-4911-859D1F22B137}"/>
                   </a:ext>
                 </a:extLst>
               </p:cNvPr>
@@ -19958,7 +19906,7 @@
             <p:cNvPr id="140" name="그룹 139">
               <a:extLst>
                 <a:ext uri="{FF2B5EF4-FFF2-40B4-BE49-F238E27FC236}">
-                  <a16:creationId xmlns:a16="http://schemas.microsoft.com/office/drawing/2014/main" xmlns="" id="{778095AE-F0C9-26F5-AB32-A32368CD9BAD}"/>
+                  <a16:creationId xmlns:a16="http://schemas.microsoft.com/office/drawing/2014/main" id="{778095AE-F0C9-26F5-AB32-A32368CD9BAD}"/>
                 </a:ext>
               </a:extLst>
             </p:cNvPr>
@@ -19978,7 +19926,7 @@
               <p:cNvPr id="142" name="직선 연결선 141">
                 <a:extLst>
                   <a:ext uri="{FF2B5EF4-FFF2-40B4-BE49-F238E27FC236}">
-                    <a16:creationId xmlns:a16="http://schemas.microsoft.com/office/drawing/2014/main" xmlns="" id="{4DF20C64-7AE0-B6A4-A839-D60D879B90FB}"/>
+                    <a16:creationId xmlns:a16="http://schemas.microsoft.com/office/drawing/2014/main" id="{4DF20C64-7AE0-B6A4-A839-D60D879B90FB}"/>
                   </a:ext>
                 </a:extLst>
               </p:cNvPr>
@@ -20021,7 +19969,7 @@
               <p:cNvPr id="144" name="직선 연결선 143">
                 <a:extLst>
                   <a:ext uri="{FF2B5EF4-FFF2-40B4-BE49-F238E27FC236}">
-                    <a16:creationId xmlns:a16="http://schemas.microsoft.com/office/drawing/2014/main" xmlns="" id="{010B2E42-8AE8-AD22-FF23-E6D1D8616A62}"/>
+                    <a16:creationId xmlns:a16="http://schemas.microsoft.com/office/drawing/2014/main" id="{010B2E42-8AE8-AD22-FF23-E6D1D8616A62}"/>
                   </a:ext>
                 </a:extLst>
               </p:cNvPr>
@@ -20065,7 +20013,7 @@
             <p:cNvPr id="146" name="직선 연결선 145">
               <a:extLst>
                 <a:ext uri="{FF2B5EF4-FFF2-40B4-BE49-F238E27FC236}">
-                  <a16:creationId xmlns:a16="http://schemas.microsoft.com/office/drawing/2014/main" xmlns="" id="{CDD989F5-4AED-365A-8807-4EB926467CC6}"/>
+                  <a16:creationId xmlns:a16="http://schemas.microsoft.com/office/drawing/2014/main" id="{CDD989F5-4AED-365A-8807-4EB926467CC6}"/>
                 </a:ext>
               </a:extLst>
             </p:cNvPr>
@@ -20109,7 +20057,7 @@
             <p:cNvPr id="148" name="직선 연결선 147">
               <a:extLst>
                 <a:ext uri="{FF2B5EF4-FFF2-40B4-BE49-F238E27FC236}">
-                  <a16:creationId xmlns:a16="http://schemas.microsoft.com/office/drawing/2014/main" xmlns="" id="{23CF4F70-0792-3F62-E8F1-F77D19389AE5}"/>
+                  <a16:creationId xmlns:a16="http://schemas.microsoft.com/office/drawing/2014/main" id="{23CF4F70-0792-3F62-E8F1-F77D19389AE5}"/>
                 </a:ext>
               </a:extLst>
             </p:cNvPr>
@@ -20152,7 +20100,7 @@
             <p:cNvPr id="150" name="직선 연결선 149">
               <a:extLst>
                 <a:ext uri="{FF2B5EF4-FFF2-40B4-BE49-F238E27FC236}">
-                  <a16:creationId xmlns:a16="http://schemas.microsoft.com/office/drawing/2014/main" xmlns="" id="{9DABD114-19BB-A218-5C64-638A9AC81A75}"/>
+                  <a16:creationId xmlns:a16="http://schemas.microsoft.com/office/drawing/2014/main" id="{9DABD114-19BB-A218-5C64-638A9AC81A75}"/>
                 </a:ext>
               </a:extLst>
             </p:cNvPr>
@@ -20196,7 +20144,7 @@
             <p:cNvPr id="153" name="직선 연결선 152">
               <a:extLst>
                 <a:ext uri="{FF2B5EF4-FFF2-40B4-BE49-F238E27FC236}">
-                  <a16:creationId xmlns:a16="http://schemas.microsoft.com/office/drawing/2014/main" xmlns="" id="{7B583564-6361-4956-2248-5EBDACB6BF50}"/>
+                  <a16:creationId xmlns:a16="http://schemas.microsoft.com/office/drawing/2014/main" id="{7B583564-6361-4956-2248-5EBDACB6BF50}"/>
                 </a:ext>
               </a:extLst>
             </p:cNvPr>
@@ -20240,7 +20188,7 @@
           <p:cNvPr id="69" name="TextBox 68">
             <a:extLst>
               <a:ext uri="{FF2B5EF4-FFF2-40B4-BE49-F238E27FC236}">
-                <a16:creationId xmlns:a16="http://schemas.microsoft.com/office/drawing/2014/main" xmlns="" id="{1D364F16-11B4-FED3-6E22-E441368ED3FE}"/>
+                <a16:creationId xmlns:a16="http://schemas.microsoft.com/office/drawing/2014/main" id="{1D364F16-11B4-FED3-6E22-E441368ED3FE}"/>
               </a:ext>
             </a:extLst>
           </p:cNvPr>
@@ -20275,7 +20223,7 @@
           <p:cNvPr id="70" name="직사각형 69">
             <a:extLst>
               <a:ext uri="{FF2B5EF4-FFF2-40B4-BE49-F238E27FC236}">
-                <a16:creationId xmlns:a16="http://schemas.microsoft.com/office/drawing/2014/main" xmlns="" id="{38C5E262-5CFE-3244-D213-D3F51B0A2A6D}"/>
+                <a16:creationId xmlns:a16="http://schemas.microsoft.com/office/drawing/2014/main" id="{38C5E262-5CFE-3244-D213-D3F51B0A2A6D}"/>
               </a:ext>
             </a:extLst>
           </p:cNvPr>
@@ -20330,7 +20278,7 @@
           <p:cNvPr id="72" name="직선 연결선 71">
             <a:extLst>
               <a:ext uri="{FF2B5EF4-FFF2-40B4-BE49-F238E27FC236}">
-                <a16:creationId xmlns:a16="http://schemas.microsoft.com/office/drawing/2014/main" xmlns="" id="{720ACBBB-D558-79E6-B747-8B45B23BAC71}"/>
+                <a16:creationId xmlns:a16="http://schemas.microsoft.com/office/drawing/2014/main" id="{720ACBBB-D558-79E6-B747-8B45B23BAC71}"/>
               </a:ext>
             </a:extLst>
           </p:cNvPr>
@@ -20378,7 +20326,7 @@
           <p:cNvPr id="73" name="TextBox 72">
             <a:extLst>
               <a:ext uri="{FF2B5EF4-FFF2-40B4-BE49-F238E27FC236}">
-                <a16:creationId xmlns:a16="http://schemas.microsoft.com/office/drawing/2014/main" xmlns="" id="{9CE63463-37F7-F7F2-8802-1F045AB1B3A1}"/>
+                <a16:creationId xmlns:a16="http://schemas.microsoft.com/office/drawing/2014/main" id="{9CE63463-37F7-F7F2-8802-1F045AB1B3A1}"/>
               </a:ext>
             </a:extLst>
           </p:cNvPr>
@@ -20413,7 +20361,7 @@
           <p:cNvPr id="76" name="표 76">
             <a:extLst>
               <a:ext uri="{FF2B5EF4-FFF2-40B4-BE49-F238E27FC236}">
-                <a16:creationId xmlns:a16="http://schemas.microsoft.com/office/drawing/2014/main" xmlns="" id="{BEB39954-6101-376D-75A3-1ABF5D5259B1}"/>
+                <a16:creationId xmlns:a16="http://schemas.microsoft.com/office/drawing/2014/main" id="{BEB39954-6101-376D-75A3-1ABF5D5259B1}"/>
               </a:ext>
             </a:extLst>
           </p:cNvPr>
@@ -20442,28 +20390,28 @@
                 <a:gridCol w="1281954">
                   <a:extLst>
                     <a:ext uri="{9D8B030D-6E8A-4147-A177-3AD203B41FA5}">
-                      <a16:colId xmlns:a16="http://schemas.microsoft.com/office/drawing/2014/main" xmlns="" val="2127556905"/>
+                      <a16:colId xmlns:a16="http://schemas.microsoft.com/office/drawing/2014/main" val="2127556905"/>
                     </a:ext>
                   </a:extLst>
                 </a:gridCol>
                 <a:gridCol w="2106983">
                   <a:extLst>
                     <a:ext uri="{9D8B030D-6E8A-4147-A177-3AD203B41FA5}">
-                      <a16:colId xmlns:a16="http://schemas.microsoft.com/office/drawing/2014/main" xmlns="" val="4270124443"/>
+                      <a16:colId xmlns:a16="http://schemas.microsoft.com/office/drawing/2014/main" val="4270124443"/>
                     </a:ext>
                   </a:extLst>
                 </a:gridCol>
                 <a:gridCol w="563880">
                   <a:extLst>
                     <a:ext uri="{9D8B030D-6E8A-4147-A177-3AD203B41FA5}">
-                      <a16:colId xmlns:a16="http://schemas.microsoft.com/office/drawing/2014/main" xmlns="" val="3373759542"/>
+                      <a16:colId xmlns:a16="http://schemas.microsoft.com/office/drawing/2014/main" val="3373759542"/>
                     </a:ext>
                   </a:extLst>
                 </a:gridCol>
                 <a:gridCol w="2365345">
                   <a:extLst>
                     <a:ext uri="{9D8B030D-6E8A-4147-A177-3AD203B41FA5}">
-                      <a16:colId xmlns:a16="http://schemas.microsoft.com/office/drawing/2014/main" xmlns="" val="1190509111"/>
+                      <a16:colId xmlns:a16="http://schemas.microsoft.com/office/drawing/2014/main" val="1190509111"/>
                     </a:ext>
                   </a:extLst>
                 </a:gridCol>
@@ -20719,7 +20667,7 @@
                 </a:tc>
                 <a:extLst>
                   <a:ext uri="{0D108BD9-81ED-4DB2-BD59-A6C34878D82A}">
-                    <a16:rowId xmlns:a16="http://schemas.microsoft.com/office/drawing/2014/main" xmlns="" val="2991610209"/>
+                    <a16:rowId xmlns:a16="http://schemas.microsoft.com/office/drawing/2014/main" val="2991610209"/>
                   </a:ext>
                 </a:extLst>
               </a:tr>
@@ -20938,7 +20886,7 @@
                 </a:tc>
                 <a:extLst>
                   <a:ext uri="{0D108BD9-81ED-4DB2-BD59-A6C34878D82A}">
-                    <a16:rowId xmlns:a16="http://schemas.microsoft.com/office/drawing/2014/main" xmlns="" val="3103129471"/>
+                    <a16:rowId xmlns:a16="http://schemas.microsoft.com/office/drawing/2014/main" val="3103129471"/>
                   </a:ext>
                 </a:extLst>
               </a:tr>
@@ -21178,7 +21126,7 @@
                 </a:tc>
                 <a:extLst>
                   <a:ext uri="{0D108BD9-81ED-4DB2-BD59-A6C34878D82A}">
-                    <a16:rowId xmlns:a16="http://schemas.microsoft.com/office/drawing/2014/main" xmlns="" val="3653376508"/>
+                    <a16:rowId xmlns:a16="http://schemas.microsoft.com/office/drawing/2014/main" val="3653376508"/>
                   </a:ext>
                 </a:extLst>
               </a:tr>
@@ -21191,7 +21139,7 @@
           <p:cNvPr id="159" name="TextBox 158">
             <a:extLst>
               <a:ext uri="{FF2B5EF4-FFF2-40B4-BE49-F238E27FC236}">
-                <a16:creationId xmlns:a16="http://schemas.microsoft.com/office/drawing/2014/main" xmlns="" id="{C740201F-476F-079A-1457-76794EB40170}"/>
+                <a16:creationId xmlns:a16="http://schemas.microsoft.com/office/drawing/2014/main" id="{C740201F-476F-079A-1457-76794EB40170}"/>
               </a:ext>
             </a:extLst>
           </p:cNvPr>
@@ -21226,7 +21174,7 @@
           <p:cNvPr id="161" name="직선 연결선 160">
             <a:extLst>
               <a:ext uri="{FF2B5EF4-FFF2-40B4-BE49-F238E27FC236}">
-                <a16:creationId xmlns:a16="http://schemas.microsoft.com/office/drawing/2014/main" xmlns="" id="{27761374-CEF9-A345-96B0-914CE56C669B}"/>
+                <a16:creationId xmlns:a16="http://schemas.microsoft.com/office/drawing/2014/main" id="{27761374-CEF9-A345-96B0-914CE56C669B}"/>
               </a:ext>
             </a:extLst>
           </p:cNvPr>
@@ -21263,7 +21211,7 @@
           <p:cNvPr id="40" name="그룹 39">
             <a:extLst>
               <a:ext uri="{FF2B5EF4-FFF2-40B4-BE49-F238E27FC236}">
-                <a16:creationId xmlns:a16="http://schemas.microsoft.com/office/drawing/2014/main" xmlns="" id="{5D7A8855-9A1A-ECDA-A264-A1D6C0692C0C}"/>
+                <a16:creationId xmlns:a16="http://schemas.microsoft.com/office/drawing/2014/main" id="{5D7A8855-9A1A-ECDA-A264-A1D6C0692C0C}"/>
               </a:ext>
             </a:extLst>
           </p:cNvPr>
@@ -21283,7 +21231,7 @@
             <p:cNvPr id="41" name="직사각형 40">
               <a:extLst>
                 <a:ext uri="{FF2B5EF4-FFF2-40B4-BE49-F238E27FC236}">
-                  <a16:creationId xmlns:a16="http://schemas.microsoft.com/office/drawing/2014/main" xmlns="" id="{C73FDDFC-0EAC-E3A5-0156-8D6DAC990671}"/>
+                  <a16:creationId xmlns:a16="http://schemas.microsoft.com/office/drawing/2014/main" id="{C73FDDFC-0EAC-E3A5-0156-8D6DAC990671}"/>
                 </a:ext>
               </a:extLst>
             </p:cNvPr>
@@ -21337,7 +21285,7 @@
             <p:cNvPr id="42" name="직사각형 41">
               <a:extLst>
                 <a:ext uri="{FF2B5EF4-FFF2-40B4-BE49-F238E27FC236}">
-                  <a16:creationId xmlns:a16="http://schemas.microsoft.com/office/drawing/2014/main" xmlns="" id="{FB36003B-A978-F8A9-89FA-EAFC84D65E12}"/>
+                  <a16:creationId xmlns:a16="http://schemas.microsoft.com/office/drawing/2014/main" id="{FB36003B-A978-F8A9-89FA-EAFC84D65E12}"/>
                 </a:ext>
               </a:extLst>
             </p:cNvPr>
@@ -21391,7 +21339,7 @@
             <p:cNvPr id="43" name="직사각형 42">
               <a:extLst>
                 <a:ext uri="{FF2B5EF4-FFF2-40B4-BE49-F238E27FC236}">
-                  <a16:creationId xmlns:a16="http://schemas.microsoft.com/office/drawing/2014/main" xmlns="" id="{37580E31-9DE2-B454-D961-7EEE8BA945F2}"/>
+                  <a16:creationId xmlns:a16="http://schemas.microsoft.com/office/drawing/2014/main" id="{37580E31-9DE2-B454-D961-7EEE8BA945F2}"/>
                 </a:ext>
               </a:extLst>
             </p:cNvPr>
@@ -21445,7 +21393,7 @@
             <p:cNvPr id="44" name="직사각형 43">
               <a:extLst>
                 <a:ext uri="{FF2B5EF4-FFF2-40B4-BE49-F238E27FC236}">
-                  <a16:creationId xmlns:a16="http://schemas.microsoft.com/office/drawing/2014/main" xmlns="" id="{62792AC9-D8BA-DA49-44E4-4E06EC96260D}"/>
+                  <a16:creationId xmlns:a16="http://schemas.microsoft.com/office/drawing/2014/main" id="{62792AC9-D8BA-DA49-44E4-4E06EC96260D}"/>
                 </a:ext>
               </a:extLst>
             </p:cNvPr>
@@ -21499,7 +21447,7 @@
             <p:cNvPr id="45" name="TextBox 44">
               <a:extLst>
                 <a:ext uri="{FF2B5EF4-FFF2-40B4-BE49-F238E27FC236}">
-                  <a16:creationId xmlns:a16="http://schemas.microsoft.com/office/drawing/2014/main" xmlns="" id="{63075FF0-84CD-9511-5DB7-20CDD3733E69}"/>
+                  <a16:creationId xmlns:a16="http://schemas.microsoft.com/office/drawing/2014/main" id="{63075FF0-84CD-9511-5DB7-20CDD3733E69}"/>
                 </a:ext>
               </a:extLst>
             </p:cNvPr>
@@ -21534,7 +21482,7 @@
             <p:cNvPr id="46" name="TextBox 45">
               <a:extLst>
                 <a:ext uri="{FF2B5EF4-FFF2-40B4-BE49-F238E27FC236}">
-                  <a16:creationId xmlns:a16="http://schemas.microsoft.com/office/drawing/2014/main" xmlns="" id="{0755DF17-E5B4-8D25-BCD0-BCA42BFB0049}"/>
+                  <a16:creationId xmlns:a16="http://schemas.microsoft.com/office/drawing/2014/main" id="{0755DF17-E5B4-8D25-BCD0-BCA42BFB0049}"/>
                 </a:ext>
               </a:extLst>
             </p:cNvPr>
@@ -21569,7 +21517,7 @@
             <p:cNvPr id="47" name="그룹 46">
               <a:extLst>
                 <a:ext uri="{FF2B5EF4-FFF2-40B4-BE49-F238E27FC236}">
-                  <a16:creationId xmlns:a16="http://schemas.microsoft.com/office/drawing/2014/main" xmlns="" id="{5A452561-C993-59A8-19FC-CFFDA982F275}"/>
+                  <a16:creationId xmlns:a16="http://schemas.microsoft.com/office/drawing/2014/main" id="{5A452561-C993-59A8-19FC-CFFDA982F275}"/>
                 </a:ext>
               </a:extLst>
             </p:cNvPr>
@@ -21589,7 +21537,7 @@
               <p:cNvPr id="52" name="직사각형 51">
                 <a:extLst>
                   <a:ext uri="{FF2B5EF4-FFF2-40B4-BE49-F238E27FC236}">
-                    <a16:creationId xmlns:a16="http://schemas.microsoft.com/office/drawing/2014/main" xmlns="" id="{C8CE8FB6-54DF-43A7-8F99-6F60EA1055CD}"/>
+                    <a16:creationId xmlns:a16="http://schemas.microsoft.com/office/drawing/2014/main" id="{C8CE8FB6-54DF-43A7-8F99-6F60EA1055CD}"/>
                   </a:ext>
                 </a:extLst>
               </p:cNvPr>
@@ -21641,7 +21589,7 @@
               <p:cNvPr id="53" name="직사각형 52">
                 <a:extLst>
                   <a:ext uri="{FF2B5EF4-FFF2-40B4-BE49-F238E27FC236}">
-                    <a16:creationId xmlns:a16="http://schemas.microsoft.com/office/drawing/2014/main" xmlns="" id="{9D499E12-2376-F611-A226-DD63EF7C9AFD}"/>
+                    <a16:creationId xmlns:a16="http://schemas.microsoft.com/office/drawing/2014/main" id="{9D499E12-2376-F611-A226-DD63EF7C9AFD}"/>
                   </a:ext>
                 </a:extLst>
               </p:cNvPr>
@@ -21693,7 +21641,7 @@
               <p:cNvPr id="54" name="직사각형 53">
                 <a:extLst>
                   <a:ext uri="{FF2B5EF4-FFF2-40B4-BE49-F238E27FC236}">
-                    <a16:creationId xmlns:a16="http://schemas.microsoft.com/office/drawing/2014/main" xmlns="" id="{A3BA697F-6374-7915-5AB8-6799A7CB0B77}"/>
+                    <a16:creationId xmlns:a16="http://schemas.microsoft.com/office/drawing/2014/main" id="{A3BA697F-6374-7915-5AB8-6799A7CB0B77}"/>
                   </a:ext>
                 </a:extLst>
               </p:cNvPr>
@@ -21745,7 +21693,7 @@
               <p:cNvPr id="55" name="직사각형 54">
                 <a:extLst>
                   <a:ext uri="{FF2B5EF4-FFF2-40B4-BE49-F238E27FC236}">
-                    <a16:creationId xmlns:a16="http://schemas.microsoft.com/office/drawing/2014/main" xmlns="" id="{A6324EC7-01E6-0A00-1F04-DF65A924627C}"/>
+                    <a16:creationId xmlns:a16="http://schemas.microsoft.com/office/drawing/2014/main" id="{A6324EC7-01E6-0A00-1F04-DF65A924627C}"/>
                   </a:ext>
                 </a:extLst>
               </p:cNvPr>
@@ -21797,7 +21745,7 @@
               <p:cNvPr id="56" name="직사각형 55">
                 <a:extLst>
                   <a:ext uri="{FF2B5EF4-FFF2-40B4-BE49-F238E27FC236}">
-                    <a16:creationId xmlns:a16="http://schemas.microsoft.com/office/drawing/2014/main" xmlns="" id="{C030DEFD-4A71-2FD8-CB66-F0181419E882}"/>
+                    <a16:creationId xmlns:a16="http://schemas.microsoft.com/office/drawing/2014/main" id="{C030DEFD-4A71-2FD8-CB66-F0181419E882}"/>
                   </a:ext>
                 </a:extLst>
               </p:cNvPr>
@@ -21850,7 +21798,7 @@
             <p:cNvPr id="48" name="TextBox 47">
               <a:extLst>
                 <a:ext uri="{FF2B5EF4-FFF2-40B4-BE49-F238E27FC236}">
-                  <a16:creationId xmlns:a16="http://schemas.microsoft.com/office/drawing/2014/main" xmlns="" id="{1EF1AC5A-2A37-F349-171C-EC144DF5128F}"/>
+                  <a16:creationId xmlns:a16="http://schemas.microsoft.com/office/drawing/2014/main" id="{1EF1AC5A-2A37-F349-171C-EC144DF5128F}"/>
                 </a:ext>
               </a:extLst>
             </p:cNvPr>
@@ -21885,7 +21833,7 @@
             <p:cNvPr id="49" name="직사각형 48">
               <a:extLst>
                 <a:ext uri="{FF2B5EF4-FFF2-40B4-BE49-F238E27FC236}">
-                  <a16:creationId xmlns:a16="http://schemas.microsoft.com/office/drawing/2014/main" xmlns="" id="{4F8B5ED8-292E-5ED9-0C7D-F6EA9C8AC4CA}"/>
+                  <a16:creationId xmlns:a16="http://schemas.microsoft.com/office/drawing/2014/main" id="{4F8B5ED8-292E-5ED9-0C7D-F6EA9C8AC4CA}"/>
                 </a:ext>
               </a:extLst>
             </p:cNvPr>
@@ -21937,7 +21885,7 @@
             <p:cNvPr id="50" name="사각형: 둥근 모서리 49">
               <a:extLst>
                 <a:ext uri="{FF2B5EF4-FFF2-40B4-BE49-F238E27FC236}">
-                  <a16:creationId xmlns:a16="http://schemas.microsoft.com/office/drawing/2014/main" xmlns="" id="{80B91A3B-BF41-24B1-8F7C-92FBFBAC05CA}"/>
+                  <a16:creationId xmlns:a16="http://schemas.microsoft.com/office/drawing/2014/main" id="{80B91A3B-BF41-24B1-8F7C-92FBFBAC05CA}"/>
                 </a:ext>
               </a:extLst>
             </p:cNvPr>
@@ -21994,7 +21942,7 @@
             <p:cNvPr id="51" name="화살표: 오른쪽 50">
               <a:extLst>
                 <a:ext uri="{FF2B5EF4-FFF2-40B4-BE49-F238E27FC236}">
-                  <a16:creationId xmlns:a16="http://schemas.microsoft.com/office/drawing/2014/main" xmlns="" id="{FC5FAC41-C355-1B31-9BBB-994C9365F923}"/>
+                  <a16:creationId xmlns:a16="http://schemas.microsoft.com/office/drawing/2014/main" id="{FC5FAC41-C355-1B31-9BBB-994C9365F923}"/>
                 </a:ext>
               </a:extLst>
             </p:cNvPr>
@@ -22077,7 +22025,7 @@
           <p:cNvPr id="35" name="직사각형 34">
             <a:extLst>
               <a:ext uri="{FF2B5EF4-FFF2-40B4-BE49-F238E27FC236}">
-                <a16:creationId xmlns:a16="http://schemas.microsoft.com/office/drawing/2014/main" xmlns="" id="{E47B7A18-A027-07FD-8C7F-2B4C7C82CADD}"/>
+                <a16:creationId xmlns:a16="http://schemas.microsoft.com/office/drawing/2014/main" id="{E47B7A18-A027-07FD-8C7F-2B4C7C82CADD}"/>
               </a:ext>
             </a:extLst>
           </p:cNvPr>
@@ -22129,7 +22077,7 @@
           <p:cNvPr id="4" name="직사각형 3">
             <a:extLst>
               <a:ext uri="{FF2B5EF4-FFF2-40B4-BE49-F238E27FC236}">
-                <a16:creationId xmlns:a16="http://schemas.microsoft.com/office/drawing/2014/main" xmlns="" id="{AE93FE2A-85FE-4157-951C-FC2FADBB3B34}"/>
+                <a16:creationId xmlns:a16="http://schemas.microsoft.com/office/drawing/2014/main" id="{AE93FE2A-85FE-4157-951C-FC2FADBB3B34}"/>
               </a:ext>
             </a:extLst>
           </p:cNvPr>
@@ -22181,7 +22129,7 @@
           <p:cNvPr id="7" name="TextBox 6">
             <a:extLst>
               <a:ext uri="{FF2B5EF4-FFF2-40B4-BE49-F238E27FC236}">
-                <a16:creationId xmlns:a16="http://schemas.microsoft.com/office/drawing/2014/main" xmlns="" id="{982817C4-ACF4-45FB-A018-6E6F872691BC}"/>
+                <a16:creationId xmlns:a16="http://schemas.microsoft.com/office/drawing/2014/main" id="{982817C4-ACF4-45FB-A018-6E6F872691BC}"/>
               </a:ext>
             </a:extLst>
           </p:cNvPr>
@@ -22217,7 +22165,7 @@
           <p:cNvPr id="2" name="표 1">
             <a:extLst>
               <a:ext uri="{FF2B5EF4-FFF2-40B4-BE49-F238E27FC236}">
-                <a16:creationId xmlns:a16="http://schemas.microsoft.com/office/drawing/2014/main" xmlns="" id="{4CC45079-26D0-8B84-0477-8BEB245452F2}"/>
+                <a16:creationId xmlns:a16="http://schemas.microsoft.com/office/drawing/2014/main" id="{4CC45079-26D0-8B84-0477-8BEB245452F2}"/>
               </a:ext>
             </a:extLst>
           </p:cNvPr>
@@ -22227,7 +22175,7 @@
           <p:nvPr>
             <p:extLst>
               <p:ext uri="{D42A27DB-BD31-4B8C-83A1-F6EECF244321}">
-                <p14:modId xmlns:p14="http://schemas.microsoft.com/office/powerpoint/2010/main" val="3383513898"/>
+                <p14:modId xmlns:p14="http://schemas.microsoft.com/office/powerpoint/2010/main" val="1761501638"/>
               </p:ext>
             </p:extLst>
           </p:nvPr>
@@ -22246,21 +22194,21 @@
                 <a:gridCol w="1084420">
                   <a:extLst>
                     <a:ext uri="{9D8B030D-6E8A-4147-A177-3AD203B41FA5}">
-                      <a16:colId xmlns:a16="http://schemas.microsoft.com/office/drawing/2014/main" xmlns="" val="2624661950"/>
+                      <a16:colId xmlns:a16="http://schemas.microsoft.com/office/drawing/2014/main" val="2624661950"/>
                     </a:ext>
                   </a:extLst>
                 </a:gridCol>
                 <a:gridCol w="1084420">
                   <a:extLst>
                     <a:ext uri="{9D8B030D-6E8A-4147-A177-3AD203B41FA5}">
-                      <a16:colId xmlns:a16="http://schemas.microsoft.com/office/drawing/2014/main" xmlns="" val="3033117607"/>
+                      <a16:colId xmlns:a16="http://schemas.microsoft.com/office/drawing/2014/main" val="3033117607"/>
                     </a:ext>
                   </a:extLst>
                 </a:gridCol>
                 <a:gridCol w="1084420">
                   <a:extLst>
                     <a:ext uri="{9D8B030D-6E8A-4147-A177-3AD203B41FA5}">
-                      <a16:colId xmlns:a16="http://schemas.microsoft.com/office/drawing/2014/main" xmlns="" val="3775963637"/>
+                      <a16:colId xmlns:a16="http://schemas.microsoft.com/office/drawing/2014/main" val="3775963637"/>
                     </a:ext>
                   </a:extLst>
                 </a:gridCol>
@@ -22460,7 +22408,7 @@
                 </a:tc>
                 <a:extLst>
                   <a:ext uri="{0D108BD9-81ED-4DB2-BD59-A6C34878D82A}">
-                    <a16:rowId xmlns:a16="http://schemas.microsoft.com/office/drawing/2014/main" xmlns="" val="542789165"/>
+                    <a16:rowId xmlns:a16="http://schemas.microsoft.com/office/drawing/2014/main" val="542789165"/>
                   </a:ext>
                 </a:extLst>
               </a:tr>
@@ -22659,7 +22607,7 @@
                 </a:tc>
                 <a:extLst>
                   <a:ext uri="{0D108BD9-81ED-4DB2-BD59-A6C34878D82A}">
-                    <a16:rowId xmlns:a16="http://schemas.microsoft.com/office/drawing/2014/main" xmlns="" val="328291937"/>
+                    <a16:rowId xmlns:a16="http://schemas.microsoft.com/office/drawing/2014/main" val="328291937"/>
                   </a:ext>
                 </a:extLst>
               </a:tr>
@@ -22858,7 +22806,7 @@
                 </a:tc>
                 <a:extLst>
                   <a:ext uri="{0D108BD9-81ED-4DB2-BD59-A6C34878D82A}">
-                    <a16:rowId xmlns:a16="http://schemas.microsoft.com/office/drawing/2014/main" xmlns="" val="905995827"/>
+                    <a16:rowId xmlns:a16="http://schemas.microsoft.com/office/drawing/2014/main" val="905995827"/>
                   </a:ext>
                 </a:extLst>
               </a:tr>
@@ -22877,205 +22825,6 @@
                           <a:effectLst/>
                         </a:rPr>
                         <a:t>코코넛</a:t>
-                      </a:r>
-                      <a:endParaRPr lang="ko-KR" altLang="en-US" sz="900" b="0" i="0" u="none" strike="noStrike">
-                        <a:solidFill>
-                          <a:schemeClr val="tx1"/>
-                        </a:solidFill>
-                        <a:effectLst/>
-                        <a:latin typeface="맑은 고딕" panose="020B0503020000020004" pitchFamily="50" charset="-127"/>
-                        <a:ea typeface="맑은 고딕" panose="020B0503020000020004" pitchFamily="50" charset="-127"/>
-                      </a:endParaRPr>
-                    </a:p>
-                  </a:txBody>
-                  <a:tcPr marL="7820" marR="7820" marT="7820" marB="0" anchor="ctr">
-                    <a:lnL w="12700" cap="flat" cmpd="sng" algn="ctr">
-                      <a:solidFill>
-                        <a:schemeClr val="tx1"/>
-                      </a:solidFill>
-                      <a:prstDash val="solid"/>
-                      <a:round/>
-                      <a:headEnd type="none" w="med" len="med"/>
-                      <a:tailEnd type="none" w="med" len="med"/>
-                    </a:lnL>
-                    <a:lnR w="12700" cap="flat" cmpd="sng" algn="ctr">
-                      <a:solidFill>
-                        <a:schemeClr val="tx1"/>
-                      </a:solidFill>
-                      <a:prstDash val="solid"/>
-                      <a:round/>
-                      <a:headEnd type="none" w="med" len="med"/>
-                      <a:tailEnd type="none" w="med" len="med"/>
-                    </a:lnR>
-                    <a:lnT w="12700" cap="flat" cmpd="sng" algn="ctr">
-                      <a:solidFill>
-                        <a:schemeClr val="tx1"/>
-                      </a:solidFill>
-                      <a:prstDash val="solid"/>
-                      <a:round/>
-                      <a:headEnd type="none" w="med" len="med"/>
-                      <a:tailEnd type="none" w="med" len="med"/>
-                    </a:lnT>
-                    <a:lnB w="12700" cap="flat" cmpd="sng" algn="ctr">
-                      <a:solidFill>
-                        <a:schemeClr val="tx1"/>
-                      </a:solidFill>
-                      <a:prstDash val="solid"/>
-                      <a:round/>
-                      <a:headEnd type="none" w="med" len="med"/>
-                      <a:tailEnd type="none" w="med" len="med"/>
-                    </a:lnB>
-                  </a:tcPr>
-                </a:tc>
-                <a:tc>
-                  <a:txBody>
-                    <a:bodyPr/>
-                    <a:lstStyle/>
-                    <a:p>
-                      <a:pPr algn="ctr" fontAlgn="ctr"/>
-                      <a:r>
-                        <a:rPr lang="ko-KR" altLang="en-US" sz="900" u="none" strike="noStrike" dirty="0">
-                          <a:solidFill>
-                            <a:schemeClr val="tx1"/>
-                          </a:solidFill>
-                          <a:effectLst/>
-                        </a:rPr>
-                        <a:t>유리</a:t>
-                      </a:r>
-                      <a:endParaRPr lang="ko-KR" altLang="en-US" sz="900" b="0" i="0" u="none" strike="noStrike" dirty="0">
-                        <a:solidFill>
-                          <a:schemeClr val="tx1"/>
-                        </a:solidFill>
-                        <a:effectLst/>
-                        <a:latin typeface="맑은 고딕" panose="020B0503020000020004" pitchFamily="50" charset="-127"/>
-                        <a:ea typeface="맑은 고딕" panose="020B0503020000020004" pitchFamily="50" charset="-127"/>
-                      </a:endParaRPr>
-                    </a:p>
-                  </a:txBody>
-                  <a:tcPr marL="7820" marR="7820" marT="7820" marB="0" anchor="ctr">
-                    <a:lnL w="12700" cap="flat" cmpd="sng" algn="ctr">
-                      <a:solidFill>
-                        <a:schemeClr val="tx1"/>
-                      </a:solidFill>
-                      <a:prstDash val="solid"/>
-                      <a:round/>
-                      <a:headEnd type="none" w="med" len="med"/>
-                      <a:tailEnd type="none" w="med" len="med"/>
-                    </a:lnL>
-                    <a:lnR w="12700" cap="flat" cmpd="sng" algn="ctr">
-                      <a:solidFill>
-                        <a:schemeClr val="tx1"/>
-                      </a:solidFill>
-                      <a:prstDash val="solid"/>
-                      <a:round/>
-                      <a:headEnd type="none" w="med" len="med"/>
-                      <a:tailEnd type="none" w="med" len="med"/>
-                    </a:lnR>
-                    <a:lnT w="12700" cap="flat" cmpd="sng" algn="ctr">
-                      <a:solidFill>
-                        <a:schemeClr val="tx1"/>
-                      </a:solidFill>
-                      <a:prstDash val="solid"/>
-                      <a:round/>
-                      <a:headEnd type="none" w="med" len="med"/>
-                      <a:tailEnd type="none" w="med" len="med"/>
-                    </a:lnT>
-                    <a:lnB w="12700" cap="flat" cmpd="sng" algn="ctr">
-                      <a:solidFill>
-                        <a:schemeClr val="tx1"/>
-                      </a:solidFill>
-                      <a:prstDash val="solid"/>
-                      <a:round/>
-                      <a:headEnd type="none" w="med" len="med"/>
-                      <a:tailEnd type="none" w="med" len="med"/>
-                    </a:lnB>
-                  </a:tcPr>
-                </a:tc>
-                <a:tc>
-                  <a:txBody>
-                    <a:bodyPr/>
-                    <a:lstStyle/>
-                    <a:p>
-                      <a:pPr algn="ctr" fontAlgn="ctr"/>
-                      <a:r>
-                        <a:rPr lang="ko-KR" altLang="en-US" sz="900" u="none" strike="noStrike">
-                          <a:solidFill>
-                            <a:schemeClr val="tx1"/>
-                          </a:solidFill>
-                          <a:effectLst/>
-                        </a:rPr>
-                        <a:t>물</a:t>
-                      </a:r>
-                      <a:endParaRPr lang="ko-KR" altLang="en-US" sz="900" b="0" i="0" u="none" strike="noStrike">
-                        <a:solidFill>
-                          <a:schemeClr val="tx1"/>
-                        </a:solidFill>
-                        <a:effectLst/>
-                        <a:latin typeface="맑은 고딕" panose="020B0503020000020004" pitchFamily="50" charset="-127"/>
-                        <a:ea typeface="맑은 고딕" panose="020B0503020000020004" pitchFamily="50" charset="-127"/>
-                      </a:endParaRPr>
-                    </a:p>
-                  </a:txBody>
-                  <a:tcPr marL="7820" marR="7820" marT="7820" marB="0" anchor="ctr">
-                    <a:lnL w="12700" cap="flat" cmpd="sng" algn="ctr">
-                      <a:solidFill>
-                        <a:schemeClr val="tx1"/>
-                      </a:solidFill>
-                      <a:prstDash val="solid"/>
-                      <a:round/>
-                      <a:headEnd type="none" w="med" len="med"/>
-                      <a:tailEnd type="none" w="med" len="med"/>
-                    </a:lnL>
-                    <a:lnR w="12700" cap="flat" cmpd="sng" algn="ctr">
-                      <a:solidFill>
-                        <a:schemeClr val="tx1"/>
-                      </a:solidFill>
-                      <a:prstDash val="solid"/>
-                      <a:round/>
-                      <a:headEnd type="none" w="med" len="med"/>
-                      <a:tailEnd type="none" w="med" len="med"/>
-                    </a:lnR>
-                    <a:lnT w="12700" cap="flat" cmpd="sng" algn="ctr">
-                      <a:solidFill>
-                        <a:schemeClr val="tx1"/>
-                      </a:solidFill>
-                      <a:prstDash val="solid"/>
-                      <a:round/>
-                      <a:headEnd type="none" w="med" len="med"/>
-                      <a:tailEnd type="none" w="med" len="med"/>
-                    </a:lnT>
-                    <a:lnB w="12700" cap="flat" cmpd="sng" algn="ctr">
-                      <a:solidFill>
-                        <a:schemeClr val="tx1"/>
-                      </a:solidFill>
-                      <a:prstDash val="solid"/>
-                      <a:round/>
-                      <a:headEnd type="none" w="med" len="med"/>
-                      <a:tailEnd type="none" w="med" len="med"/>
-                    </a:lnB>
-                  </a:tcPr>
-                </a:tc>
-                <a:extLst>
-                  <a:ext uri="{0D108BD9-81ED-4DB2-BD59-A6C34878D82A}">
-                    <a16:rowId xmlns:a16="http://schemas.microsoft.com/office/drawing/2014/main" xmlns="" val="1485623069"/>
-                  </a:ext>
-                </a:extLst>
-              </a:tr>
-              <a:tr h="269360">
-                <a:tc>
-                  <a:txBody>
-                    <a:bodyPr/>
-                    <a:lstStyle/>
-                    <a:p>
-                      <a:pPr algn="ctr" fontAlgn="ctr"/>
-                      <a:r>
-                        <a:rPr lang="ko-KR" altLang="en-US" sz="900" u="none" strike="noStrike">
-                          <a:solidFill>
-                            <a:schemeClr val="tx1"/>
-                          </a:solidFill>
-                          <a:effectLst/>
-                        </a:rPr>
-                        <a:t>모래</a:t>
                       </a:r>
                       <a:endParaRPr lang="ko-KR" altLang="en-US" sz="900" b="0" i="0" u="none" strike="noStrike">
                         <a:solidFill>
@@ -23203,7 +22952,7 @@
                           </a:solidFill>
                           <a:effectLst/>
                         </a:rPr>
-                        <a:t>　</a:t>
+                        <a:t>물</a:t>
                       </a:r>
                       <a:endParaRPr lang="ko-KR" altLang="en-US" sz="900" b="0" i="0" u="none" strike="noStrike">
                         <a:solidFill>
@@ -23256,7 +23005,7 @@
                 </a:tc>
                 <a:extLst>
                   <a:ext uri="{0D108BD9-81ED-4DB2-BD59-A6C34878D82A}">
-                    <a16:rowId xmlns:a16="http://schemas.microsoft.com/office/drawing/2014/main" xmlns="" val="2886603605"/>
+                    <a16:rowId xmlns:a16="http://schemas.microsoft.com/office/drawing/2014/main" val="1485623069"/>
                   </a:ext>
                 </a:extLst>
               </a:tr>
@@ -23274,7 +23023,7 @@
                           </a:solidFill>
                           <a:effectLst/>
                         </a:rPr>
-                        <a:t>빈 물통</a:t>
+                        <a:t>모래</a:t>
                       </a:r>
                       <a:endParaRPr lang="ko-KR" altLang="en-US" sz="900" b="0" i="0" u="none" strike="noStrike">
                         <a:solidFill>
@@ -23396,6 +23145,196 @@
                     <a:p>
                       <a:pPr algn="ctr" fontAlgn="ctr"/>
                       <a:r>
+                        <a:rPr lang="ko-KR" altLang="en-US" sz="900" u="none" strike="noStrike" dirty="0">
+                          <a:solidFill>
+                            <a:schemeClr val="tx1"/>
+                          </a:solidFill>
+                          <a:effectLst/>
+                        </a:rPr>
+                        <a:t>유리　</a:t>
+                      </a:r>
+                      <a:endParaRPr lang="ko-KR" altLang="en-US" sz="900" b="0" i="0" u="none" strike="noStrike" dirty="0">
+                        <a:solidFill>
+                          <a:schemeClr val="tx1"/>
+                        </a:solidFill>
+                        <a:effectLst/>
+                        <a:latin typeface="맑은 고딕" panose="020B0503020000020004" pitchFamily="50" charset="-127"/>
+                        <a:ea typeface="맑은 고딕" panose="020B0503020000020004" pitchFamily="50" charset="-127"/>
+                      </a:endParaRPr>
+                    </a:p>
+                  </a:txBody>
+                  <a:tcPr marL="7820" marR="7820" marT="7820" marB="0" anchor="ctr">
+                    <a:lnL w="12700" cap="flat" cmpd="sng" algn="ctr">
+                      <a:solidFill>
+                        <a:schemeClr val="tx1"/>
+                      </a:solidFill>
+                      <a:prstDash val="solid"/>
+                      <a:round/>
+                      <a:headEnd type="none" w="med" len="med"/>
+                      <a:tailEnd type="none" w="med" len="med"/>
+                    </a:lnL>
+                    <a:lnR w="12700" cap="flat" cmpd="sng" algn="ctr">
+                      <a:solidFill>
+                        <a:schemeClr val="tx1"/>
+                      </a:solidFill>
+                      <a:prstDash val="solid"/>
+                      <a:round/>
+                      <a:headEnd type="none" w="med" len="med"/>
+                      <a:tailEnd type="none" w="med" len="med"/>
+                    </a:lnR>
+                    <a:lnT w="12700" cap="flat" cmpd="sng" algn="ctr">
+                      <a:solidFill>
+                        <a:schemeClr val="tx1"/>
+                      </a:solidFill>
+                      <a:prstDash val="solid"/>
+                      <a:round/>
+                      <a:headEnd type="none" w="med" len="med"/>
+                      <a:tailEnd type="none" w="med" len="med"/>
+                    </a:lnT>
+                    <a:lnB w="12700" cap="flat" cmpd="sng" algn="ctr">
+                      <a:solidFill>
+                        <a:schemeClr val="tx1"/>
+                      </a:solidFill>
+                      <a:prstDash val="solid"/>
+                      <a:round/>
+                      <a:headEnd type="none" w="med" len="med"/>
+                      <a:tailEnd type="none" w="med" len="med"/>
+                    </a:lnB>
+                  </a:tcPr>
+                </a:tc>
+                <a:extLst>
+                  <a:ext uri="{0D108BD9-81ED-4DB2-BD59-A6C34878D82A}">
+                    <a16:rowId xmlns:a16="http://schemas.microsoft.com/office/drawing/2014/main" val="2886603605"/>
+                  </a:ext>
+                </a:extLst>
+              </a:tr>
+              <a:tr h="269360">
+                <a:tc>
+                  <a:txBody>
+                    <a:bodyPr/>
+                    <a:lstStyle/>
+                    <a:p>
+                      <a:pPr algn="ctr" fontAlgn="ctr"/>
+                      <a:r>
+                        <a:rPr lang="ko-KR" altLang="en-US" sz="900" u="none" strike="noStrike">
+                          <a:solidFill>
+                            <a:schemeClr val="tx1"/>
+                          </a:solidFill>
+                          <a:effectLst/>
+                        </a:rPr>
+                        <a:t>빈 물통</a:t>
+                      </a:r>
+                      <a:endParaRPr lang="ko-KR" altLang="en-US" sz="900" b="0" i="0" u="none" strike="noStrike">
+                        <a:solidFill>
+                          <a:schemeClr val="tx1"/>
+                        </a:solidFill>
+                        <a:effectLst/>
+                        <a:latin typeface="맑은 고딕" panose="020B0503020000020004" pitchFamily="50" charset="-127"/>
+                        <a:ea typeface="맑은 고딕" panose="020B0503020000020004" pitchFamily="50" charset="-127"/>
+                      </a:endParaRPr>
+                    </a:p>
+                  </a:txBody>
+                  <a:tcPr marL="7820" marR="7820" marT="7820" marB="0" anchor="ctr">
+                    <a:lnL w="12700" cap="flat" cmpd="sng" algn="ctr">
+                      <a:solidFill>
+                        <a:schemeClr val="tx1"/>
+                      </a:solidFill>
+                      <a:prstDash val="solid"/>
+                      <a:round/>
+                      <a:headEnd type="none" w="med" len="med"/>
+                      <a:tailEnd type="none" w="med" len="med"/>
+                    </a:lnL>
+                    <a:lnR w="12700" cap="flat" cmpd="sng" algn="ctr">
+                      <a:solidFill>
+                        <a:schemeClr val="tx1"/>
+                      </a:solidFill>
+                      <a:prstDash val="solid"/>
+                      <a:round/>
+                      <a:headEnd type="none" w="med" len="med"/>
+                      <a:tailEnd type="none" w="med" len="med"/>
+                    </a:lnR>
+                    <a:lnT w="12700" cap="flat" cmpd="sng" algn="ctr">
+                      <a:solidFill>
+                        <a:schemeClr val="tx1"/>
+                      </a:solidFill>
+                      <a:prstDash val="solid"/>
+                      <a:round/>
+                      <a:headEnd type="none" w="med" len="med"/>
+                      <a:tailEnd type="none" w="med" len="med"/>
+                    </a:lnT>
+                    <a:lnB w="12700" cap="flat" cmpd="sng" algn="ctr">
+                      <a:solidFill>
+                        <a:schemeClr val="tx1"/>
+                      </a:solidFill>
+                      <a:prstDash val="solid"/>
+                      <a:round/>
+                      <a:headEnd type="none" w="med" len="med"/>
+                      <a:tailEnd type="none" w="med" len="med"/>
+                    </a:lnB>
+                  </a:tcPr>
+                </a:tc>
+                <a:tc>
+                  <a:txBody>
+                    <a:bodyPr/>
+                    <a:lstStyle/>
+                    <a:p>
+                      <a:pPr algn="ctr" fontAlgn="ctr"/>
+                      <a:endParaRPr lang="ko-KR" altLang="en-US" sz="900" b="0" i="0" u="none" strike="noStrike" dirty="0">
+                        <a:solidFill>
+                          <a:schemeClr val="tx1"/>
+                        </a:solidFill>
+                        <a:effectLst/>
+                        <a:latin typeface="맑은 고딕" panose="020B0503020000020004" pitchFamily="50" charset="-127"/>
+                        <a:ea typeface="맑은 고딕" panose="020B0503020000020004" pitchFamily="50" charset="-127"/>
+                      </a:endParaRPr>
+                    </a:p>
+                  </a:txBody>
+                  <a:tcPr marL="7820" marR="7820" marT="7820" marB="0" anchor="ctr">
+                    <a:lnL w="12700" cap="flat" cmpd="sng" algn="ctr">
+                      <a:solidFill>
+                        <a:schemeClr val="tx1"/>
+                      </a:solidFill>
+                      <a:prstDash val="solid"/>
+                      <a:round/>
+                      <a:headEnd type="none" w="med" len="med"/>
+                      <a:tailEnd type="none" w="med" len="med"/>
+                    </a:lnL>
+                    <a:lnR w="12700" cap="flat" cmpd="sng" algn="ctr">
+                      <a:solidFill>
+                        <a:schemeClr val="tx1"/>
+                      </a:solidFill>
+                      <a:prstDash val="solid"/>
+                      <a:round/>
+                      <a:headEnd type="none" w="med" len="med"/>
+                      <a:tailEnd type="none" w="med" len="med"/>
+                    </a:lnR>
+                    <a:lnT w="12700" cap="flat" cmpd="sng" algn="ctr">
+                      <a:solidFill>
+                        <a:schemeClr val="tx1"/>
+                      </a:solidFill>
+                      <a:prstDash val="solid"/>
+                      <a:round/>
+                      <a:headEnd type="none" w="med" len="med"/>
+                      <a:tailEnd type="none" w="med" len="med"/>
+                    </a:lnT>
+                    <a:lnB w="12700" cap="flat" cmpd="sng" algn="ctr">
+                      <a:solidFill>
+                        <a:schemeClr val="tx1"/>
+                      </a:solidFill>
+                      <a:prstDash val="solid"/>
+                      <a:round/>
+                      <a:headEnd type="none" w="med" len="med"/>
+                      <a:tailEnd type="none" w="med" len="med"/>
+                    </a:lnB>
+                  </a:tcPr>
+                </a:tc>
+                <a:tc>
+                  <a:txBody>
+                    <a:bodyPr/>
+                    <a:lstStyle/>
+                    <a:p>
+                      <a:pPr algn="ctr" fontAlgn="ctr"/>
+                      <a:r>
                         <a:rPr lang="ko-KR" altLang="en-US" sz="900" u="none" strike="noStrike">
                           <a:solidFill>
                             <a:schemeClr val="tx1"/>
@@ -23455,7 +23394,7 @@
                 </a:tc>
                 <a:extLst>
                   <a:ext uri="{0D108BD9-81ED-4DB2-BD59-A6C34878D82A}">
-                    <a16:rowId xmlns:a16="http://schemas.microsoft.com/office/drawing/2014/main" xmlns="" val="365805093"/>
+                    <a16:rowId xmlns:a16="http://schemas.microsoft.com/office/drawing/2014/main" val="365805093"/>
                   </a:ext>
                 </a:extLst>
               </a:tr>
@@ -23654,7 +23593,7 @@
                 </a:tc>
                 <a:extLst>
                   <a:ext uri="{0D108BD9-81ED-4DB2-BD59-A6C34878D82A}">
-                    <a16:rowId xmlns:a16="http://schemas.microsoft.com/office/drawing/2014/main" xmlns="" val="3619318964"/>
+                    <a16:rowId xmlns:a16="http://schemas.microsoft.com/office/drawing/2014/main" val="3619318964"/>
                   </a:ext>
                 </a:extLst>
               </a:tr>
@@ -23667,7 +23606,7 @@
           <p:cNvPr id="11" name="TextBox 10">
             <a:extLst>
               <a:ext uri="{FF2B5EF4-FFF2-40B4-BE49-F238E27FC236}">
-                <a16:creationId xmlns:a16="http://schemas.microsoft.com/office/drawing/2014/main" xmlns="" id="{8C258775-65FF-8BF4-8A87-717EAECADF74}"/>
+                <a16:creationId xmlns:a16="http://schemas.microsoft.com/office/drawing/2014/main" id="{8C258775-65FF-8BF4-8A87-717EAECADF74}"/>
               </a:ext>
             </a:extLst>
           </p:cNvPr>
@@ -23739,7 +23678,7 @@
           <p:cNvPr id="9" name="그룹 8">
             <a:extLst>
               <a:ext uri="{FF2B5EF4-FFF2-40B4-BE49-F238E27FC236}">
-                <a16:creationId xmlns:a16="http://schemas.microsoft.com/office/drawing/2014/main" xmlns="" id="{E266CE29-D8ED-0749-17B4-94987A8A0033}"/>
+                <a16:creationId xmlns:a16="http://schemas.microsoft.com/office/drawing/2014/main" id="{E266CE29-D8ED-0749-17B4-94987A8A0033}"/>
               </a:ext>
             </a:extLst>
           </p:cNvPr>
@@ -23759,7 +23698,7 @@
             <p:cNvPr id="3" name="직사각형 2">
               <a:extLst>
                 <a:ext uri="{FF2B5EF4-FFF2-40B4-BE49-F238E27FC236}">
-                  <a16:creationId xmlns:a16="http://schemas.microsoft.com/office/drawing/2014/main" xmlns="" id="{9BF8FD24-3B86-7BD3-AA04-9F34701B0F2F}"/>
+                  <a16:creationId xmlns:a16="http://schemas.microsoft.com/office/drawing/2014/main" id="{9BF8FD24-3B86-7BD3-AA04-9F34701B0F2F}"/>
                 </a:ext>
               </a:extLst>
             </p:cNvPr>
@@ -23813,7 +23752,7 @@
             <p:cNvPr id="42" name="직사각형 41">
               <a:extLst>
                 <a:ext uri="{FF2B5EF4-FFF2-40B4-BE49-F238E27FC236}">
-                  <a16:creationId xmlns:a16="http://schemas.microsoft.com/office/drawing/2014/main" xmlns="" id="{8D98E600-C31D-2E58-105D-4BFE19F6954D}"/>
+                  <a16:creationId xmlns:a16="http://schemas.microsoft.com/office/drawing/2014/main" id="{8D98E600-C31D-2E58-105D-4BFE19F6954D}"/>
                 </a:ext>
               </a:extLst>
             </p:cNvPr>
@@ -23865,7 +23804,7 @@
             <p:cNvPr id="6" name="직선 연결선 5">
               <a:extLst>
                 <a:ext uri="{FF2B5EF4-FFF2-40B4-BE49-F238E27FC236}">
-                  <a16:creationId xmlns:a16="http://schemas.microsoft.com/office/drawing/2014/main" xmlns="" id="{14563F43-1E5E-D5F3-189D-BC6FF7DBB2BE}"/>
+                  <a16:creationId xmlns:a16="http://schemas.microsoft.com/office/drawing/2014/main" id="{14563F43-1E5E-D5F3-189D-BC6FF7DBB2BE}"/>
                 </a:ext>
               </a:extLst>
             </p:cNvPr>
@@ -23906,7 +23845,7 @@
             <p:cNvPr id="8" name="TextBox 7">
               <a:extLst>
                 <a:ext uri="{FF2B5EF4-FFF2-40B4-BE49-F238E27FC236}">
-                  <a16:creationId xmlns:a16="http://schemas.microsoft.com/office/drawing/2014/main" xmlns="" id="{BCDDBDDC-ED0E-0BA0-1006-DED3EE462892}"/>
+                  <a16:creationId xmlns:a16="http://schemas.microsoft.com/office/drawing/2014/main" id="{BCDDBDDC-ED0E-0BA0-1006-DED3EE462892}"/>
                 </a:ext>
               </a:extLst>
             </p:cNvPr>
@@ -23951,7 +23890,7 @@
             <p:cNvPr id="10" name="직선 화살표 연결선 9">
               <a:extLst>
                 <a:ext uri="{FF2B5EF4-FFF2-40B4-BE49-F238E27FC236}">
-                  <a16:creationId xmlns:a16="http://schemas.microsoft.com/office/drawing/2014/main" xmlns="" id="{931F2120-4192-616F-3A1D-6B764AFCA01C}"/>
+                  <a16:creationId xmlns:a16="http://schemas.microsoft.com/office/drawing/2014/main" id="{931F2120-4192-616F-3A1D-6B764AFCA01C}"/>
                 </a:ext>
               </a:extLst>
             </p:cNvPr>
@@ -23994,7 +23933,7 @@
           <p:cNvPr id="33" name="화살표: 오른쪽 32">
             <a:extLst>
               <a:ext uri="{FF2B5EF4-FFF2-40B4-BE49-F238E27FC236}">
-                <a16:creationId xmlns:a16="http://schemas.microsoft.com/office/drawing/2014/main" xmlns="" id="{220BECD7-8E86-821C-DAA5-E42639C6C7BE}"/>
+                <a16:creationId xmlns:a16="http://schemas.microsoft.com/office/drawing/2014/main" id="{220BECD7-8E86-821C-DAA5-E42639C6C7BE}"/>
               </a:ext>
             </a:extLst>
           </p:cNvPr>
@@ -24040,7 +23979,7 @@
           <p:cNvPr id="34" name="TextBox 33">
             <a:extLst>
               <a:ext uri="{FF2B5EF4-FFF2-40B4-BE49-F238E27FC236}">
-                <a16:creationId xmlns:a16="http://schemas.microsoft.com/office/drawing/2014/main" xmlns="" id="{EC14F27E-EF2D-ED9A-E535-45817903EF8D}"/>
+                <a16:creationId xmlns:a16="http://schemas.microsoft.com/office/drawing/2014/main" id="{EC14F27E-EF2D-ED9A-E535-45817903EF8D}"/>
               </a:ext>
             </a:extLst>
           </p:cNvPr>
@@ -24103,22 +24042,18 @@
             </a:r>
             <a:r>
               <a:rPr lang="ko-KR" altLang="en-US" sz="1100" b="1" dirty="0"/>
-              <a:t>단계로 나누어 </a:t>
+              <a:t>단계로 나누어 재물 재료로 넣었을 때 </a:t>
             </a:r>
             <a:r>
-              <a:rPr lang="ko-KR" altLang="en-US" sz="1100" b="1" dirty="0" smtClean="0"/>
-              <a:t>재물 재료로 넣었을 때 </a:t>
-            </a:r>
-            <a:r>
-              <a:rPr lang="ko-KR" altLang="en-US" sz="1100" b="1" dirty="0" err="1" smtClean="0"/>
+              <a:rPr lang="ko-KR" altLang="en-US" sz="1100" b="1" dirty="0" err="1"/>
               <a:t>버프</a:t>
             </a:r>
             <a:r>
-              <a:rPr lang="ko-KR" altLang="en-US" sz="1100" b="1" dirty="0" smtClean="0"/>
+              <a:rPr lang="ko-KR" altLang="en-US" sz="1100" b="1" dirty="0"/>
               <a:t> 확률이 나올 확률이 높아집니다</a:t>
             </a:r>
             <a:r>
-              <a:rPr lang="en-US" altLang="ko-KR" sz="1100" b="1" dirty="0" smtClean="0"/>
+              <a:rPr lang="en-US" altLang="ko-KR" sz="1100" b="1" dirty="0"/>
               <a:t>.</a:t>
             </a:r>
           </a:p>
@@ -24135,24 +24070,16 @@
               <a:buChar char="-"/>
             </a:pPr>
             <a:r>
-              <a:rPr lang="ko-KR" altLang="en-US" sz="1100" b="1" dirty="0" smtClean="0"/>
-              <a:t>아무것도 </a:t>
+              <a:rPr lang="ko-KR" altLang="en-US" sz="1100" b="1" dirty="0"/>
+              <a:t>아무것도 넣지 않았을 때 버프가 나올 확률이 </a:t>
+            </a:r>
+            <a:r>
+              <a:rPr lang="en-US" altLang="ko-KR" sz="1100" b="1" dirty="0"/>
+              <a:t>30%</a:t>
             </a:r>
             <a:r>
               <a:rPr lang="ko-KR" altLang="en-US" sz="1100" b="1" dirty="0"/>
-              <a:t>넣지 않았을 때 버프가 나올 확률이 </a:t>
-            </a:r>
-            <a:r>
-              <a:rPr lang="en-US" altLang="ko-KR" sz="1100" b="1" dirty="0" smtClean="0"/>
-              <a:t>30%</a:t>
-            </a:r>
-            <a:r>
-              <a:rPr lang="ko-KR" altLang="en-US" sz="1100" b="1" dirty="0" smtClean="0"/>
               <a:t>에서</a:t>
-            </a:r>
-            <a:r>
-              <a:rPr lang="en-US" altLang="ko-KR" sz="1100" b="1" dirty="0"/>
-              <a:t/>
             </a:r>
             <a:br>
               <a:rPr lang="en-US" altLang="ko-KR" sz="1100" b="1" dirty="0"/>
@@ -24196,7 +24123,7 @@
           <p:cNvPr id="20" name="그룹 19">
             <a:extLst>
               <a:ext uri="{FF2B5EF4-FFF2-40B4-BE49-F238E27FC236}">
-                <a16:creationId xmlns:a16="http://schemas.microsoft.com/office/drawing/2014/main" xmlns="" id="{8D63FF5D-8780-E50E-3C46-9F09628D4439}"/>
+                <a16:creationId xmlns:a16="http://schemas.microsoft.com/office/drawing/2014/main" id="{8D63FF5D-8780-E50E-3C46-9F09628D4439}"/>
               </a:ext>
             </a:extLst>
           </p:cNvPr>
@@ -24216,7 +24143,7 @@
             <p:cNvPr id="24" name="직사각형 23">
               <a:extLst>
                 <a:ext uri="{FF2B5EF4-FFF2-40B4-BE49-F238E27FC236}">
-                  <a16:creationId xmlns:a16="http://schemas.microsoft.com/office/drawing/2014/main" xmlns="" id="{81D34C6A-30D5-996A-D93C-8D80BB50276A}"/>
+                  <a16:creationId xmlns:a16="http://schemas.microsoft.com/office/drawing/2014/main" id="{81D34C6A-30D5-996A-D93C-8D80BB50276A}"/>
                 </a:ext>
               </a:extLst>
             </p:cNvPr>
@@ -24270,7 +24197,7 @@
             <p:cNvPr id="29" name="직사각형 28">
               <a:extLst>
                 <a:ext uri="{FF2B5EF4-FFF2-40B4-BE49-F238E27FC236}">
-                  <a16:creationId xmlns:a16="http://schemas.microsoft.com/office/drawing/2014/main" xmlns="" id="{6742BD0B-4C82-513A-75A5-077133675C9E}"/>
+                  <a16:creationId xmlns:a16="http://schemas.microsoft.com/office/drawing/2014/main" id="{6742BD0B-4C82-513A-75A5-077133675C9E}"/>
                 </a:ext>
               </a:extLst>
             </p:cNvPr>
@@ -24324,7 +24251,7 @@
             <p:cNvPr id="30" name="직사각형 29">
               <a:extLst>
                 <a:ext uri="{FF2B5EF4-FFF2-40B4-BE49-F238E27FC236}">
-                  <a16:creationId xmlns:a16="http://schemas.microsoft.com/office/drawing/2014/main" xmlns="" id="{4987CD75-5F18-3A31-69F5-4C3F2382475B}"/>
+                  <a16:creationId xmlns:a16="http://schemas.microsoft.com/office/drawing/2014/main" id="{4987CD75-5F18-3A31-69F5-4C3F2382475B}"/>
                 </a:ext>
               </a:extLst>
             </p:cNvPr>
@@ -24378,7 +24305,7 @@
             <p:cNvPr id="31" name="직사각형 30">
               <a:extLst>
                 <a:ext uri="{FF2B5EF4-FFF2-40B4-BE49-F238E27FC236}">
-                  <a16:creationId xmlns:a16="http://schemas.microsoft.com/office/drawing/2014/main" xmlns="" id="{34832A30-C6F3-5A5C-D970-D346A540E0DE}"/>
+                  <a16:creationId xmlns:a16="http://schemas.microsoft.com/office/drawing/2014/main" id="{34832A30-C6F3-5A5C-D970-D346A540E0DE}"/>
                 </a:ext>
               </a:extLst>
             </p:cNvPr>
@@ -24432,7 +24359,7 @@
             <p:cNvPr id="32" name="TextBox 31">
               <a:extLst>
                 <a:ext uri="{FF2B5EF4-FFF2-40B4-BE49-F238E27FC236}">
-                  <a16:creationId xmlns:a16="http://schemas.microsoft.com/office/drawing/2014/main" xmlns="" id="{9DC594BA-7CEA-029B-98A6-E57E6BEDB5C6}"/>
+                  <a16:creationId xmlns:a16="http://schemas.microsoft.com/office/drawing/2014/main" id="{9DC594BA-7CEA-029B-98A6-E57E6BEDB5C6}"/>
                 </a:ext>
               </a:extLst>
             </p:cNvPr>
@@ -24467,7 +24394,7 @@
             <p:cNvPr id="5" name="TextBox 4">
               <a:extLst>
                 <a:ext uri="{FF2B5EF4-FFF2-40B4-BE49-F238E27FC236}">
-                  <a16:creationId xmlns:a16="http://schemas.microsoft.com/office/drawing/2014/main" xmlns="" id="{6B21D740-2B28-243D-12CE-97FF62EB5076}"/>
+                  <a16:creationId xmlns:a16="http://schemas.microsoft.com/office/drawing/2014/main" id="{6B21D740-2B28-243D-12CE-97FF62EB5076}"/>
                 </a:ext>
               </a:extLst>
             </p:cNvPr>
@@ -24502,7 +24429,7 @@
             <p:cNvPr id="14" name="그룹 13">
               <a:extLst>
                 <a:ext uri="{FF2B5EF4-FFF2-40B4-BE49-F238E27FC236}">
-                  <a16:creationId xmlns:a16="http://schemas.microsoft.com/office/drawing/2014/main" xmlns="" id="{43D0C69E-2EB3-BAE0-DDA2-2D9C1138BF95}"/>
+                  <a16:creationId xmlns:a16="http://schemas.microsoft.com/office/drawing/2014/main" id="{43D0C69E-2EB3-BAE0-DDA2-2D9C1138BF95}"/>
                 </a:ext>
               </a:extLst>
             </p:cNvPr>
@@ -24522,7 +24449,7 @@
               <p:cNvPr id="13" name="직사각형 12">
                 <a:extLst>
                   <a:ext uri="{FF2B5EF4-FFF2-40B4-BE49-F238E27FC236}">
-                    <a16:creationId xmlns:a16="http://schemas.microsoft.com/office/drawing/2014/main" xmlns="" id="{33608181-258B-3E03-AFCD-B2138D086AEF}"/>
+                    <a16:creationId xmlns:a16="http://schemas.microsoft.com/office/drawing/2014/main" id="{33608181-258B-3E03-AFCD-B2138D086AEF}"/>
                   </a:ext>
                 </a:extLst>
               </p:cNvPr>
@@ -24574,7 +24501,7 @@
               <p:cNvPr id="36" name="직사각형 35">
                 <a:extLst>
                   <a:ext uri="{FF2B5EF4-FFF2-40B4-BE49-F238E27FC236}">
-                    <a16:creationId xmlns:a16="http://schemas.microsoft.com/office/drawing/2014/main" xmlns="" id="{1C1EDACF-C02D-ABCF-D328-708E953A9CDF}"/>
+                    <a16:creationId xmlns:a16="http://schemas.microsoft.com/office/drawing/2014/main" id="{1C1EDACF-C02D-ABCF-D328-708E953A9CDF}"/>
                   </a:ext>
                 </a:extLst>
               </p:cNvPr>
@@ -24626,7 +24553,7 @@
               <p:cNvPr id="37" name="직사각형 36">
                 <a:extLst>
                   <a:ext uri="{FF2B5EF4-FFF2-40B4-BE49-F238E27FC236}">
-                    <a16:creationId xmlns:a16="http://schemas.microsoft.com/office/drawing/2014/main" xmlns="" id="{8C0249FA-8A67-6D9F-C473-E8574A752C9F}"/>
+                    <a16:creationId xmlns:a16="http://schemas.microsoft.com/office/drawing/2014/main" id="{8C0249FA-8A67-6D9F-C473-E8574A752C9F}"/>
                   </a:ext>
                 </a:extLst>
               </p:cNvPr>
@@ -24678,7 +24605,7 @@
               <p:cNvPr id="38" name="직사각형 37">
                 <a:extLst>
                   <a:ext uri="{FF2B5EF4-FFF2-40B4-BE49-F238E27FC236}">
-                    <a16:creationId xmlns:a16="http://schemas.microsoft.com/office/drawing/2014/main" xmlns="" id="{E1695E4D-8164-0B48-A980-F9CE36280C41}"/>
+                    <a16:creationId xmlns:a16="http://schemas.microsoft.com/office/drawing/2014/main" id="{E1695E4D-8164-0B48-A980-F9CE36280C41}"/>
                   </a:ext>
                 </a:extLst>
               </p:cNvPr>
@@ -24730,7 +24657,7 @@
               <p:cNvPr id="39" name="직사각형 38">
                 <a:extLst>
                   <a:ext uri="{FF2B5EF4-FFF2-40B4-BE49-F238E27FC236}">
-                    <a16:creationId xmlns:a16="http://schemas.microsoft.com/office/drawing/2014/main" xmlns="" id="{79DF0BCC-B31D-7BDA-F6BE-3BF16FADB59B}"/>
+                    <a16:creationId xmlns:a16="http://schemas.microsoft.com/office/drawing/2014/main" id="{79DF0BCC-B31D-7BDA-F6BE-3BF16FADB59B}"/>
                   </a:ext>
                 </a:extLst>
               </p:cNvPr>
@@ -24783,7 +24710,7 @@
             <p:cNvPr id="40" name="TextBox 39">
               <a:extLst>
                 <a:ext uri="{FF2B5EF4-FFF2-40B4-BE49-F238E27FC236}">
-                  <a16:creationId xmlns:a16="http://schemas.microsoft.com/office/drawing/2014/main" xmlns="" id="{49189EF5-DABD-9B2F-3BE9-005F3CC535BB}"/>
+                  <a16:creationId xmlns:a16="http://schemas.microsoft.com/office/drawing/2014/main" id="{49189EF5-DABD-9B2F-3BE9-005F3CC535BB}"/>
                 </a:ext>
               </a:extLst>
             </p:cNvPr>
@@ -24818,7 +24745,7 @@
             <p:cNvPr id="17" name="직사각형 16">
               <a:extLst>
                 <a:ext uri="{FF2B5EF4-FFF2-40B4-BE49-F238E27FC236}">
-                  <a16:creationId xmlns:a16="http://schemas.microsoft.com/office/drawing/2014/main" xmlns="" id="{03C6BFEF-AA2F-D40E-756F-FE1BD20F3E8D}"/>
+                  <a16:creationId xmlns:a16="http://schemas.microsoft.com/office/drawing/2014/main" id="{03C6BFEF-AA2F-D40E-756F-FE1BD20F3E8D}"/>
                 </a:ext>
               </a:extLst>
             </p:cNvPr>
@@ -24874,7 +24801,7 @@
             <p:cNvPr id="18" name="사각형: 둥근 모서리 17">
               <a:extLst>
                 <a:ext uri="{FF2B5EF4-FFF2-40B4-BE49-F238E27FC236}">
-                  <a16:creationId xmlns:a16="http://schemas.microsoft.com/office/drawing/2014/main" xmlns="" id="{2A9376C4-B88C-A03D-A574-9B119C38120E}"/>
+                  <a16:creationId xmlns:a16="http://schemas.microsoft.com/office/drawing/2014/main" id="{2A9376C4-B88C-A03D-A574-9B119C38120E}"/>
                 </a:ext>
               </a:extLst>
             </p:cNvPr>
@@ -24931,7 +24858,7 @@
             <p:cNvPr id="19" name="화살표: 오른쪽 18">
               <a:extLst>
                 <a:ext uri="{FF2B5EF4-FFF2-40B4-BE49-F238E27FC236}">
-                  <a16:creationId xmlns:a16="http://schemas.microsoft.com/office/drawing/2014/main" xmlns="" id="{CC541F98-C2DB-40F1-9632-3D93830ACF32}"/>
+                  <a16:creationId xmlns:a16="http://schemas.microsoft.com/office/drawing/2014/main" id="{CC541F98-C2DB-40F1-9632-3D93830ACF32}"/>
                 </a:ext>
               </a:extLst>
             </p:cNvPr>
@@ -24983,7 +24910,7 @@
             <p:cNvPr id="41" name="직사각형 40">
               <a:extLst>
                 <a:ext uri="{FF2B5EF4-FFF2-40B4-BE49-F238E27FC236}">
-                  <a16:creationId xmlns:a16="http://schemas.microsoft.com/office/drawing/2014/main" xmlns="" id="{F7441307-3401-DBFD-C46C-23070696FF84}"/>
+                  <a16:creationId xmlns:a16="http://schemas.microsoft.com/office/drawing/2014/main" id="{F7441307-3401-DBFD-C46C-23070696FF84}"/>
                 </a:ext>
               </a:extLst>
             </p:cNvPr>
@@ -25061,7 +24988,7 @@
           <p:cNvPr id="43" name="직사각형 42">
             <a:extLst>
               <a:ext uri="{FF2B5EF4-FFF2-40B4-BE49-F238E27FC236}">
-                <a16:creationId xmlns:a16="http://schemas.microsoft.com/office/drawing/2014/main" xmlns="" id="{B2C7E319-4857-5409-054F-2C9014C652CB}"/>
+                <a16:creationId xmlns:a16="http://schemas.microsoft.com/office/drawing/2014/main" id="{B2C7E319-4857-5409-054F-2C9014C652CB}"/>
               </a:ext>
             </a:extLst>
           </p:cNvPr>
@@ -25138,7 +25065,7 @@
           <p:cNvPr id="21" name="TextBox 20">
             <a:extLst>
               <a:ext uri="{FF2B5EF4-FFF2-40B4-BE49-F238E27FC236}">
-                <a16:creationId xmlns:a16="http://schemas.microsoft.com/office/drawing/2014/main" xmlns="" id="{EA1CB505-23CF-6079-04BD-7FA2F317BA6F}"/>
+                <a16:creationId xmlns:a16="http://schemas.microsoft.com/office/drawing/2014/main" id="{EA1CB505-23CF-6079-04BD-7FA2F317BA6F}"/>
               </a:ext>
             </a:extLst>
           </p:cNvPr>
@@ -25185,7 +25112,7 @@
           <p:cNvPr id="44" name="TextBox 43">
             <a:extLst>
               <a:ext uri="{FF2B5EF4-FFF2-40B4-BE49-F238E27FC236}">
-                <a16:creationId xmlns:a16="http://schemas.microsoft.com/office/drawing/2014/main" xmlns="" id="{0920BAA8-814A-D498-639E-4296DC9CB639}"/>
+                <a16:creationId xmlns:a16="http://schemas.microsoft.com/office/drawing/2014/main" id="{0920BAA8-814A-D498-639E-4296DC9CB639}"/>
               </a:ext>
             </a:extLst>
           </p:cNvPr>
@@ -25262,7 +25189,7 @@
           <p:cNvPr id="4" name="직사각형 3">
             <a:extLst>
               <a:ext uri="{FF2B5EF4-FFF2-40B4-BE49-F238E27FC236}">
-                <a16:creationId xmlns:a16="http://schemas.microsoft.com/office/drawing/2014/main" xmlns="" id="{AE93FE2A-85FE-4157-951C-FC2FADBB3B34}"/>
+                <a16:creationId xmlns:a16="http://schemas.microsoft.com/office/drawing/2014/main" id="{AE93FE2A-85FE-4157-951C-FC2FADBB3B34}"/>
               </a:ext>
             </a:extLst>
           </p:cNvPr>
@@ -25314,7 +25241,7 @@
           <p:cNvPr id="7" name="TextBox 6">
             <a:extLst>
               <a:ext uri="{FF2B5EF4-FFF2-40B4-BE49-F238E27FC236}">
-                <a16:creationId xmlns:a16="http://schemas.microsoft.com/office/drawing/2014/main" xmlns="" id="{982817C4-ACF4-45FB-A018-6E6F872691BC}"/>
+                <a16:creationId xmlns:a16="http://schemas.microsoft.com/office/drawing/2014/main" id="{982817C4-ACF4-45FB-A018-6E6F872691BC}"/>
               </a:ext>
             </a:extLst>
           </p:cNvPr>
@@ -25350,7 +25277,7 @@
           <p:cNvPr id="69" name="TextBox 68">
             <a:extLst>
               <a:ext uri="{FF2B5EF4-FFF2-40B4-BE49-F238E27FC236}">
-                <a16:creationId xmlns:a16="http://schemas.microsoft.com/office/drawing/2014/main" xmlns="" id="{1D364F16-11B4-FED3-6E22-E441368ED3FE}"/>
+                <a16:creationId xmlns:a16="http://schemas.microsoft.com/office/drawing/2014/main" id="{1D364F16-11B4-FED3-6E22-E441368ED3FE}"/>
               </a:ext>
             </a:extLst>
           </p:cNvPr>
@@ -25385,7 +25312,7 @@
           <p:cNvPr id="76" name="표 76">
             <a:extLst>
               <a:ext uri="{FF2B5EF4-FFF2-40B4-BE49-F238E27FC236}">
-                <a16:creationId xmlns:a16="http://schemas.microsoft.com/office/drawing/2014/main" xmlns="" id="{BEB39954-6101-376D-75A3-1ABF5D5259B1}"/>
+                <a16:creationId xmlns:a16="http://schemas.microsoft.com/office/drawing/2014/main" id="{BEB39954-6101-376D-75A3-1ABF5D5259B1}"/>
               </a:ext>
             </a:extLst>
           </p:cNvPr>
@@ -25414,28 +25341,28 @@
                 <a:gridCol w="1263871">
                   <a:extLst>
                     <a:ext uri="{9D8B030D-6E8A-4147-A177-3AD203B41FA5}">
-                      <a16:colId xmlns:a16="http://schemas.microsoft.com/office/drawing/2014/main" xmlns="" val="2127556905"/>
+                      <a16:colId xmlns:a16="http://schemas.microsoft.com/office/drawing/2014/main" val="2127556905"/>
                     </a:ext>
                   </a:extLst>
                 </a:gridCol>
                 <a:gridCol w="2146642">
                   <a:extLst>
                     <a:ext uri="{9D8B030D-6E8A-4147-A177-3AD203B41FA5}">
-                      <a16:colId xmlns:a16="http://schemas.microsoft.com/office/drawing/2014/main" xmlns="" val="4270124443"/>
+                      <a16:colId xmlns:a16="http://schemas.microsoft.com/office/drawing/2014/main" val="4270124443"/>
                     </a:ext>
                   </a:extLst>
                 </a:gridCol>
                 <a:gridCol w="830795">
                   <a:extLst>
                     <a:ext uri="{9D8B030D-6E8A-4147-A177-3AD203B41FA5}">
-                      <a16:colId xmlns:a16="http://schemas.microsoft.com/office/drawing/2014/main" xmlns="" val="4075923843"/>
+                      <a16:colId xmlns:a16="http://schemas.microsoft.com/office/drawing/2014/main" val="4075923843"/>
                     </a:ext>
                   </a:extLst>
                 </a:gridCol>
                 <a:gridCol w="1987729">
                   <a:extLst>
                     <a:ext uri="{9D8B030D-6E8A-4147-A177-3AD203B41FA5}">
-                      <a16:colId xmlns:a16="http://schemas.microsoft.com/office/drawing/2014/main" xmlns="" val="1454065217"/>
+                      <a16:colId xmlns:a16="http://schemas.microsoft.com/office/drawing/2014/main" val="1454065217"/>
                     </a:ext>
                   </a:extLst>
                 </a:gridCol>
@@ -25731,7 +25658,7 @@
                 </a:tc>
                 <a:extLst>
                   <a:ext uri="{0D108BD9-81ED-4DB2-BD59-A6C34878D82A}">
-                    <a16:rowId xmlns:a16="http://schemas.microsoft.com/office/drawing/2014/main" xmlns="" val="2991610209"/>
+                    <a16:rowId xmlns:a16="http://schemas.microsoft.com/office/drawing/2014/main" val="2991610209"/>
                   </a:ext>
                 </a:extLst>
               </a:tr>
@@ -25880,7 +25807,7 @@
                 </a:tc>
                 <a:extLst>
                   <a:ext uri="{0D108BD9-81ED-4DB2-BD59-A6C34878D82A}">
-                    <a16:rowId xmlns:a16="http://schemas.microsoft.com/office/drawing/2014/main" xmlns="" val="3103129471"/>
+                    <a16:rowId xmlns:a16="http://schemas.microsoft.com/office/drawing/2014/main" val="3103129471"/>
                   </a:ext>
                 </a:extLst>
               </a:tr>
@@ -25957,14 +25884,6 @@
                         </a:rPr>
                         <a:t>점령 지점에 있는 재료 채집 가능</a:t>
                       </a:r>
-                      <a:r>
-                        <a:rPr lang="en-US" altLang="ko-KR" sz="1100" b="1" dirty="0">
-                          <a:solidFill>
-                            <a:schemeClr val="tx1"/>
-                          </a:solidFill>
-                        </a:rPr>
-                        <a:t/>
-                      </a:r>
                       <a:br>
                         <a:rPr lang="en-US" altLang="ko-KR" sz="1100" b="1" dirty="0">
                           <a:solidFill>
@@ -26029,14 +25948,6 @@
                           </a:solidFill>
                         </a:rPr>
                         <a:t>점령이 되지 않은 상태에서는 재료 채집 불가</a:t>
-                      </a:r>
-                      <a:r>
-                        <a:rPr lang="en-US" altLang="ko-KR" sz="1100" b="1" dirty="0">
-                          <a:solidFill>
-                            <a:schemeClr val="tx1"/>
-                          </a:solidFill>
-                        </a:rPr>
-                        <a:t/>
                       </a:r>
                       <a:br>
                         <a:rPr lang="en-US" altLang="ko-KR" sz="1100" b="1" dirty="0">
@@ -26135,7 +26046,7 @@
                 </a:tc>
                 <a:extLst>
                   <a:ext uri="{0D108BD9-81ED-4DB2-BD59-A6C34878D82A}">
-                    <a16:rowId xmlns:a16="http://schemas.microsoft.com/office/drawing/2014/main" xmlns="" val="3653376508"/>
+                    <a16:rowId xmlns:a16="http://schemas.microsoft.com/office/drawing/2014/main" val="3653376508"/>
                   </a:ext>
                 </a:extLst>
               </a:tr>
@@ -26148,7 +26059,7 @@
           <p:cNvPr id="159" name="TextBox 158">
             <a:extLst>
               <a:ext uri="{FF2B5EF4-FFF2-40B4-BE49-F238E27FC236}">
-                <a16:creationId xmlns:a16="http://schemas.microsoft.com/office/drawing/2014/main" xmlns="" id="{C740201F-476F-079A-1457-76794EB40170}"/>
+                <a16:creationId xmlns:a16="http://schemas.microsoft.com/office/drawing/2014/main" id="{C740201F-476F-079A-1457-76794EB40170}"/>
               </a:ext>
             </a:extLst>
           </p:cNvPr>
@@ -26183,7 +26094,7 @@
           <p:cNvPr id="161" name="직선 연결선 160">
             <a:extLst>
               <a:ext uri="{FF2B5EF4-FFF2-40B4-BE49-F238E27FC236}">
-                <a16:creationId xmlns:a16="http://schemas.microsoft.com/office/drawing/2014/main" xmlns="" id="{27761374-CEF9-A345-96B0-914CE56C669B}"/>
+                <a16:creationId xmlns:a16="http://schemas.microsoft.com/office/drawing/2014/main" id="{27761374-CEF9-A345-96B0-914CE56C669B}"/>
               </a:ext>
             </a:extLst>
           </p:cNvPr>
@@ -26220,7 +26131,7 @@
           <p:cNvPr id="6" name="그룹 5">
             <a:extLst>
               <a:ext uri="{FF2B5EF4-FFF2-40B4-BE49-F238E27FC236}">
-                <a16:creationId xmlns:a16="http://schemas.microsoft.com/office/drawing/2014/main" xmlns="" id="{59EE4EF4-00EC-754E-03EB-D62208FE244E}"/>
+                <a16:creationId xmlns:a16="http://schemas.microsoft.com/office/drawing/2014/main" id="{59EE4EF4-00EC-754E-03EB-D62208FE244E}"/>
               </a:ext>
             </a:extLst>
           </p:cNvPr>
@@ -26240,7 +26151,7 @@
             <p:cNvPr id="42" name="팔각형 41">
               <a:extLst>
                 <a:ext uri="{FF2B5EF4-FFF2-40B4-BE49-F238E27FC236}">
-                  <a16:creationId xmlns:a16="http://schemas.microsoft.com/office/drawing/2014/main" xmlns="" id="{77AD4166-550C-5385-FC35-D3C700E285FC}"/>
+                  <a16:creationId xmlns:a16="http://schemas.microsoft.com/office/drawing/2014/main" id="{77AD4166-550C-5385-FC35-D3C700E285FC}"/>
                 </a:ext>
               </a:extLst>
             </p:cNvPr>
@@ -26292,7 +26203,7 @@
             <p:cNvPr id="50" name="타원 49">
               <a:extLst>
                 <a:ext uri="{FF2B5EF4-FFF2-40B4-BE49-F238E27FC236}">
-                  <a16:creationId xmlns:a16="http://schemas.microsoft.com/office/drawing/2014/main" xmlns="" id="{AE070C74-DA7E-5C7C-5150-F6AABFA32366}"/>
+                  <a16:creationId xmlns:a16="http://schemas.microsoft.com/office/drawing/2014/main" id="{AE070C74-DA7E-5C7C-5150-F6AABFA32366}"/>
                 </a:ext>
               </a:extLst>
             </p:cNvPr>
@@ -26346,7 +26257,7 @@
             <p:cNvPr id="51" name="타원 50">
               <a:extLst>
                 <a:ext uri="{FF2B5EF4-FFF2-40B4-BE49-F238E27FC236}">
-                  <a16:creationId xmlns:a16="http://schemas.microsoft.com/office/drawing/2014/main" xmlns="" id="{6A62D334-7094-EADE-DFE8-42415AA6DA9B}"/>
+                  <a16:creationId xmlns:a16="http://schemas.microsoft.com/office/drawing/2014/main" id="{6A62D334-7094-EADE-DFE8-42415AA6DA9B}"/>
                 </a:ext>
               </a:extLst>
             </p:cNvPr>
@@ -26400,7 +26311,7 @@
             <p:cNvPr id="52" name="타원 51">
               <a:extLst>
                 <a:ext uri="{FF2B5EF4-FFF2-40B4-BE49-F238E27FC236}">
-                  <a16:creationId xmlns:a16="http://schemas.microsoft.com/office/drawing/2014/main" xmlns="" id="{BC0CFEB4-192E-EB3D-4F23-A93A0F2BF8D0}"/>
+                  <a16:creationId xmlns:a16="http://schemas.microsoft.com/office/drawing/2014/main" id="{BC0CFEB4-192E-EB3D-4F23-A93A0F2BF8D0}"/>
                 </a:ext>
               </a:extLst>
             </p:cNvPr>
@@ -26458,7 +26369,7 @@
             <p:cNvPr id="53" name="타원 52">
               <a:extLst>
                 <a:ext uri="{FF2B5EF4-FFF2-40B4-BE49-F238E27FC236}">
-                  <a16:creationId xmlns:a16="http://schemas.microsoft.com/office/drawing/2014/main" xmlns="" id="{74DC5A48-AE9B-1D91-0843-E9F71FB8D44D}"/>
+                  <a16:creationId xmlns:a16="http://schemas.microsoft.com/office/drawing/2014/main" id="{74DC5A48-AE9B-1D91-0843-E9F71FB8D44D}"/>
                 </a:ext>
               </a:extLst>
             </p:cNvPr>
@@ -26516,7 +26427,7 @@
             <p:cNvPr id="54" name="타원 53">
               <a:extLst>
                 <a:ext uri="{FF2B5EF4-FFF2-40B4-BE49-F238E27FC236}">
-                  <a16:creationId xmlns:a16="http://schemas.microsoft.com/office/drawing/2014/main" xmlns="" id="{CD264710-627F-ECD8-C2ED-BB988377D4DB}"/>
+                  <a16:creationId xmlns:a16="http://schemas.microsoft.com/office/drawing/2014/main" id="{CD264710-627F-ECD8-C2ED-BB988377D4DB}"/>
                 </a:ext>
               </a:extLst>
             </p:cNvPr>
@@ -26574,7 +26485,7 @@
             <p:cNvPr id="55" name="타원 54">
               <a:extLst>
                 <a:ext uri="{FF2B5EF4-FFF2-40B4-BE49-F238E27FC236}">
-                  <a16:creationId xmlns:a16="http://schemas.microsoft.com/office/drawing/2014/main" xmlns="" id="{E8CF95CC-77E5-369A-9564-BD167F206955}"/>
+                  <a16:creationId xmlns:a16="http://schemas.microsoft.com/office/drawing/2014/main" id="{E8CF95CC-77E5-369A-9564-BD167F206955}"/>
                 </a:ext>
               </a:extLst>
             </p:cNvPr>
@@ -26632,7 +26543,7 @@
             <p:cNvPr id="56" name="TextBox 55">
               <a:extLst>
                 <a:ext uri="{FF2B5EF4-FFF2-40B4-BE49-F238E27FC236}">
-                  <a16:creationId xmlns:a16="http://schemas.microsoft.com/office/drawing/2014/main" xmlns="" id="{B99E6313-A9AA-4983-0F46-3F903EF65BCE}"/>
+                  <a16:creationId xmlns:a16="http://schemas.microsoft.com/office/drawing/2014/main" id="{B99E6313-A9AA-4983-0F46-3F903EF65BCE}"/>
                 </a:ext>
               </a:extLst>
             </p:cNvPr>
@@ -26668,7 +26579,7 @@
           <p:cNvPr id="2" name="그룹 1">
             <a:extLst>
               <a:ext uri="{FF2B5EF4-FFF2-40B4-BE49-F238E27FC236}">
-                <a16:creationId xmlns:a16="http://schemas.microsoft.com/office/drawing/2014/main" xmlns="" id="{5EFC4D52-2DD2-A019-F829-4BFC7FDE3EC3}"/>
+                <a16:creationId xmlns:a16="http://schemas.microsoft.com/office/drawing/2014/main" id="{5EFC4D52-2DD2-A019-F829-4BFC7FDE3EC3}"/>
               </a:ext>
             </a:extLst>
           </p:cNvPr>
@@ -26688,7 +26599,7 @@
             <p:cNvPr id="41" name="팔각형 40">
               <a:extLst>
                 <a:ext uri="{FF2B5EF4-FFF2-40B4-BE49-F238E27FC236}">
-                  <a16:creationId xmlns:a16="http://schemas.microsoft.com/office/drawing/2014/main" xmlns="" id="{0ED89E6E-B31E-B656-51C1-DDABCC8A56C2}"/>
+                  <a16:creationId xmlns:a16="http://schemas.microsoft.com/office/drawing/2014/main" id="{0ED89E6E-B31E-B656-51C1-DDABCC8A56C2}"/>
                 </a:ext>
               </a:extLst>
             </p:cNvPr>
@@ -26740,7 +26651,7 @@
             <p:cNvPr id="43" name="타원 42">
               <a:extLst>
                 <a:ext uri="{FF2B5EF4-FFF2-40B4-BE49-F238E27FC236}">
-                  <a16:creationId xmlns:a16="http://schemas.microsoft.com/office/drawing/2014/main" xmlns="" id="{94C41A29-BB5C-3109-E14A-BEB227F9EBD5}"/>
+                  <a16:creationId xmlns:a16="http://schemas.microsoft.com/office/drawing/2014/main" id="{94C41A29-BB5C-3109-E14A-BEB227F9EBD5}"/>
                 </a:ext>
               </a:extLst>
             </p:cNvPr>
@@ -26798,7 +26709,7 @@
             <p:cNvPr id="44" name="타원 43">
               <a:extLst>
                 <a:ext uri="{FF2B5EF4-FFF2-40B4-BE49-F238E27FC236}">
-                  <a16:creationId xmlns:a16="http://schemas.microsoft.com/office/drawing/2014/main" xmlns="" id="{A501CE5A-F274-4E81-3090-CE628A05EB37}"/>
+                  <a16:creationId xmlns:a16="http://schemas.microsoft.com/office/drawing/2014/main" id="{A501CE5A-F274-4E81-3090-CE628A05EB37}"/>
                 </a:ext>
               </a:extLst>
             </p:cNvPr>
@@ -26856,7 +26767,7 @@
             <p:cNvPr id="45" name="타원 44">
               <a:extLst>
                 <a:ext uri="{FF2B5EF4-FFF2-40B4-BE49-F238E27FC236}">
-                  <a16:creationId xmlns:a16="http://schemas.microsoft.com/office/drawing/2014/main" xmlns="" id="{7B1DF55F-49F2-1AB6-036C-5C017127C2E8}"/>
+                  <a16:creationId xmlns:a16="http://schemas.microsoft.com/office/drawing/2014/main" id="{7B1DF55F-49F2-1AB6-036C-5C017127C2E8}"/>
                 </a:ext>
               </a:extLst>
             </p:cNvPr>
@@ -26914,7 +26825,7 @@
             <p:cNvPr id="57" name="TextBox 56">
               <a:extLst>
                 <a:ext uri="{FF2B5EF4-FFF2-40B4-BE49-F238E27FC236}">
-                  <a16:creationId xmlns:a16="http://schemas.microsoft.com/office/drawing/2014/main" xmlns="" id="{D2D8FEA2-7839-2F36-D46D-6A6D1DAA8903}"/>
+                  <a16:creationId xmlns:a16="http://schemas.microsoft.com/office/drawing/2014/main" id="{D2D8FEA2-7839-2F36-D46D-6A6D1DAA8903}"/>
                 </a:ext>
               </a:extLst>
             </p:cNvPr>
@@ -26950,7 +26861,7 @@
           <p:cNvPr id="5" name="그룹 4">
             <a:extLst>
               <a:ext uri="{FF2B5EF4-FFF2-40B4-BE49-F238E27FC236}">
-                <a16:creationId xmlns:a16="http://schemas.microsoft.com/office/drawing/2014/main" xmlns="" id="{A367B16F-D8E1-7170-1569-A4709A847B5F}"/>
+                <a16:creationId xmlns:a16="http://schemas.microsoft.com/office/drawing/2014/main" id="{A367B16F-D8E1-7170-1569-A4709A847B5F}"/>
               </a:ext>
             </a:extLst>
           </p:cNvPr>
@@ -26970,7 +26881,7 @@
             <p:cNvPr id="60" name="팔각형 59">
               <a:extLst>
                 <a:ext uri="{FF2B5EF4-FFF2-40B4-BE49-F238E27FC236}">
-                  <a16:creationId xmlns:a16="http://schemas.microsoft.com/office/drawing/2014/main" xmlns="" id="{0F7EC25D-6A74-541E-467B-BA93FCEC7FD8}"/>
+                  <a16:creationId xmlns:a16="http://schemas.microsoft.com/office/drawing/2014/main" id="{0F7EC25D-6A74-541E-467B-BA93FCEC7FD8}"/>
                 </a:ext>
               </a:extLst>
             </p:cNvPr>
@@ -27022,7 +26933,7 @@
             <p:cNvPr id="61" name="타원 60">
               <a:extLst>
                 <a:ext uri="{FF2B5EF4-FFF2-40B4-BE49-F238E27FC236}">
-                  <a16:creationId xmlns:a16="http://schemas.microsoft.com/office/drawing/2014/main" xmlns="" id="{EFB4FF87-AA8B-8B68-3A45-AF0296154F2A}"/>
+                  <a16:creationId xmlns:a16="http://schemas.microsoft.com/office/drawing/2014/main" id="{EFB4FF87-AA8B-8B68-3A45-AF0296154F2A}"/>
                 </a:ext>
               </a:extLst>
             </p:cNvPr>
@@ -27074,7 +26985,7 @@
             <p:cNvPr id="46" name="타원 45">
               <a:extLst>
                 <a:ext uri="{FF2B5EF4-FFF2-40B4-BE49-F238E27FC236}">
-                  <a16:creationId xmlns:a16="http://schemas.microsoft.com/office/drawing/2014/main" xmlns="" id="{2F88E939-444D-2170-264C-A5175F0AA3EF}"/>
+                  <a16:creationId xmlns:a16="http://schemas.microsoft.com/office/drawing/2014/main" id="{2F88E939-444D-2170-264C-A5175F0AA3EF}"/>
                 </a:ext>
               </a:extLst>
             </p:cNvPr>
@@ -27126,7 +27037,7 @@
             <p:cNvPr id="47" name="타원 46">
               <a:extLst>
                 <a:ext uri="{FF2B5EF4-FFF2-40B4-BE49-F238E27FC236}">
-                  <a16:creationId xmlns:a16="http://schemas.microsoft.com/office/drawing/2014/main" xmlns="" id="{20AD8E9B-2A01-2C27-0DFA-9B6EAA24262D}"/>
+                  <a16:creationId xmlns:a16="http://schemas.microsoft.com/office/drawing/2014/main" id="{20AD8E9B-2A01-2C27-0DFA-9B6EAA24262D}"/>
                 </a:ext>
               </a:extLst>
             </p:cNvPr>
@@ -27178,7 +27089,7 @@
             <p:cNvPr id="48" name="타원 47">
               <a:extLst>
                 <a:ext uri="{FF2B5EF4-FFF2-40B4-BE49-F238E27FC236}">
-                  <a16:creationId xmlns:a16="http://schemas.microsoft.com/office/drawing/2014/main" xmlns="" id="{1EC37DE5-0BB4-A27D-EAC3-5CC37083AC76}"/>
+                  <a16:creationId xmlns:a16="http://schemas.microsoft.com/office/drawing/2014/main" id="{1EC37DE5-0BB4-A27D-EAC3-5CC37083AC76}"/>
                 </a:ext>
               </a:extLst>
             </p:cNvPr>
@@ -27230,7 +27141,7 @@
             <p:cNvPr id="49" name="타원 48">
               <a:extLst>
                 <a:ext uri="{FF2B5EF4-FFF2-40B4-BE49-F238E27FC236}">
-                  <a16:creationId xmlns:a16="http://schemas.microsoft.com/office/drawing/2014/main" xmlns="" id="{6736164D-7947-90F2-BD06-DFC2A7F191DF}"/>
+                  <a16:creationId xmlns:a16="http://schemas.microsoft.com/office/drawing/2014/main" id="{6736164D-7947-90F2-BD06-DFC2A7F191DF}"/>
                 </a:ext>
               </a:extLst>
             </p:cNvPr>
@@ -27282,7 +27193,7 @@
             <p:cNvPr id="58" name="TextBox 57">
               <a:extLst>
                 <a:ext uri="{FF2B5EF4-FFF2-40B4-BE49-F238E27FC236}">
-                  <a16:creationId xmlns:a16="http://schemas.microsoft.com/office/drawing/2014/main" xmlns="" id="{3D1BBA5C-8374-4443-1EF7-F6CAE68FF78E}"/>
+                  <a16:creationId xmlns:a16="http://schemas.microsoft.com/office/drawing/2014/main" id="{3D1BBA5C-8374-4443-1EF7-F6CAE68FF78E}"/>
                 </a:ext>
               </a:extLst>
             </p:cNvPr>
@@ -27318,7 +27229,7 @@
           <p:cNvPr id="3" name="그룹 2">
             <a:extLst>
               <a:ext uri="{FF2B5EF4-FFF2-40B4-BE49-F238E27FC236}">
-                <a16:creationId xmlns:a16="http://schemas.microsoft.com/office/drawing/2014/main" xmlns="" id="{8B030C14-79AF-FA13-5A20-89CD3624830A}"/>
+                <a16:creationId xmlns:a16="http://schemas.microsoft.com/office/drawing/2014/main" id="{8B030C14-79AF-FA13-5A20-89CD3624830A}"/>
               </a:ext>
             </a:extLst>
           </p:cNvPr>
@@ -27338,7 +27249,7 @@
             <p:cNvPr id="40" name="팔각형 39">
               <a:extLst>
                 <a:ext uri="{FF2B5EF4-FFF2-40B4-BE49-F238E27FC236}">
-                  <a16:creationId xmlns:a16="http://schemas.microsoft.com/office/drawing/2014/main" xmlns="" id="{F86206F1-1C1C-8C18-E308-6087C35C1CB3}"/>
+                  <a16:creationId xmlns:a16="http://schemas.microsoft.com/office/drawing/2014/main" id="{F86206F1-1C1C-8C18-E308-6087C35C1CB3}"/>
                 </a:ext>
               </a:extLst>
             </p:cNvPr>
@@ -27390,7 +27301,7 @@
             <p:cNvPr id="59" name="TextBox 58">
               <a:extLst>
                 <a:ext uri="{FF2B5EF4-FFF2-40B4-BE49-F238E27FC236}">
-                  <a16:creationId xmlns:a16="http://schemas.microsoft.com/office/drawing/2014/main" xmlns="" id="{0F60F8B1-2328-1D2B-554F-EA748D631E2B}"/>
+                  <a16:creationId xmlns:a16="http://schemas.microsoft.com/office/drawing/2014/main" id="{0F60F8B1-2328-1D2B-554F-EA748D631E2B}"/>
                 </a:ext>
               </a:extLst>
             </p:cNvPr>
@@ -27426,7 +27337,7 @@
           <p:cNvPr id="74" name="그룹 73">
             <a:extLst>
               <a:ext uri="{FF2B5EF4-FFF2-40B4-BE49-F238E27FC236}">
-                <a16:creationId xmlns:a16="http://schemas.microsoft.com/office/drawing/2014/main" xmlns="" id="{286D3831-6A0E-3D3D-7538-6915BD2AFE97}"/>
+                <a16:creationId xmlns:a16="http://schemas.microsoft.com/office/drawing/2014/main" id="{286D3831-6A0E-3D3D-7538-6915BD2AFE97}"/>
               </a:ext>
             </a:extLst>
           </p:cNvPr>
@@ -27446,7 +27357,7 @@
             <p:cNvPr id="75" name="그룹 74">
               <a:extLst>
                 <a:ext uri="{FF2B5EF4-FFF2-40B4-BE49-F238E27FC236}">
-                  <a16:creationId xmlns:a16="http://schemas.microsoft.com/office/drawing/2014/main" xmlns="" id="{5E46E15C-D8AA-9CE2-785B-18B78D9C24A2}"/>
+                  <a16:creationId xmlns:a16="http://schemas.microsoft.com/office/drawing/2014/main" id="{5E46E15C-D8AA-9CE2-785B-18B78D9C24A2}"/>
                 </a:ext>
               </a:extLst>
             </p:cNvPr>
@@ -27466,7 +27377,7 @@
               <p:cNvPr id="85" name="그룹 84">
                 <a:extLst>
                   <a:ext uri="{FF2B5EF4-FFF2-40B4-BE49-F238E27FC236}">
-                    <a16:creationId xmlns:a16="http://schemas.microsoft.com/office/drawing/2014/main" xmlns="" id="{70AB9D70-E39D-80B5-B8F0-EA0DB94BCAF8}"/>
+                    <a16:creationId xmlns:a16="http://schemas.microsoft.com/office/drawing/2014/main" id="{70AB9D70-E39D-80B5-B8F0-EA0DB94BCAF8}"/>
                   </a:ext>
                 </a:extLst>
               </p:cNvPr>
@@ -27486,7 +27397,7 @@
                 <p:cNvPr id="89" name="사각형: 둥근 모서리 88">
                   <a:extLst>
                     <a:ext uri="{FF2B5EF4-FFF2-40B4-BE49-F238E27FC236}">
-                      <a16:creationId xmlns:a16="http://schemas.microsoft.com/office/drawing/2014/main" xmlns="" id="{17DBEDF0-70A3-8E34-B08B-71D3D5104B84}"/>
+                      <a16:creationId xmlns:a16="http://schemas.microsoft.com/office/drawing/2014/main" id="{17DBEDF0-70A3-8E34-B08B-71D3D5104B84}"/>
                     </a:ext>
                   </a:extLst>
                 </p:cNvPr>
@@ -27540,7 +27451,7 @@
                 <p:cNvPr id="90" name="타원 89">
                   <a:extLst>
                     <a:ext uri="{FF2B5EF4-FFF2-40B4-BE49-F238E27FC236}">
-                      <a16:creationId xmlns:a16="http://schemas.microsoft.com/office/drawing/2014/main" xmlns="" id="{39CBCE27-41C1-409E-2BF5-A4510EB78230}"/>
+                      <a16:creationId xmlns:a16="http://schemas.microsoft.com/office/drawing/2014/main" id="{39CBCE27-41C1-409E-2BF5-A4510EB78230}"/>
                     </a:ext>
                   </a:extLst>
                 </p:cNvPr>
@@ -27592,7 +27503,7 @@
                 <p:cNvPr id="91" name="타원 90">
                   <a:extLst>
                     <a:ext uri="{FF2B5EF4-FFF2-40B4-BE49-F238E27FC236}">
-                      <a16:creationId xmlns:a16="http://schemas.microsoft.com/office/drawing/2014/main" xmlns="" id="{8E7D2BC5-DE4D-1824-26FC-ABC5000ED3DB}"/>
+                      <a16:creationId xmlns:a16="http://schemas.microsoft.com/office/drawing/2014/main" id="{8E7D2BC5-DE4D-1824-26FC-ABC5000ED3DB}"/>
                     </a:ext>
                   </a:extLst>
                 </p:cNvPr>
@@ -27641,7 +27552,7 @@
                 <p:cNvPr id="92" name="타원 91">
                   <a:extLst>
                     <a:ext uri="{FF2B5EF4-FFF2-40B4-BE49-F238E27FC236}">
-                      <a16:creationId xmlns:a16="http://schemas.microsoft.com/office/drawing/2014/main" xmlns="" id="{71FBFEEA-D392-F675-499D-E71E5A7983F1}"/>
+                      <a16:creationId xmlns:a16="http://schemas.microsoft.com/office/drawing/2014/main" id="{71FBFEEA-D392-F675-499D-E71E5A7983F1}"/>
                     </a:ext>
                   </a:extLst>
                 </p:cNvPr>
@@ -27694,7 +27605,7 @@
               <p:cNvPr id="86" name="그룹 85">
                 <a:extLst>
                   <a:ext uri="{FF2B5EF4-FFF2-40B4-BE49-F238E27FC236}">
-                    <a16:creationId xmlns:a16="http://schemas.microsoft.com/office/drawing/2014/main" xmlns="" id="{825C909D-035C-944F-1483-8D389781A12C}"/>
+                    <a16:creationId xmlns:a16="http://schemas.microsoft.com/office/drawing/2014/main" id="{825C909D-035C-944F-1483-8D389781A12C}"/>
                   </a:ext>
                 </a:extLst>
               </p:cNvPr>
@@ -27714,7 +27625,7 @@
                 <p:cNvPr id="87" name="타원 86">
                   <a:extLst>
                     <a:ext uri="{FF2B5EF4-FFF2-40B4-BE49-F238E27FC236}">
-                      <a16:creationId xmlns:a16="http://schemas.microsoft.com/office/drawing/2014/main" xmlns="" id="{0C3E1337-1F10-3658-423D-E959571C2628}"/>
+                      <a16:creationId xmlns:a16="http://schemas.microsoft.com/office/drawing/2014/main" id="{0C3E1337-1F10-3658-423D-E959571C2628}"/>
                     </a:ext>
                   </a:extLst>
                 </p:cNvPr>
@@ -27760,7 +27671,7 @@
                 <p:cNvPr id="88" name="TextBox 87">
                   <a:extLst>
                     <a:ext uri="{FF2B5EF4-FFF2-40B4-BE49-F238E27FC236}">
-                      <a16:creationId xmlns:a16="http://schemas.microsoft.com/office/drawing/2014/main" xmlns="" id="{DB4C0561-3E38-725F-0FBD-BDDA3B597FC2}"/>
+                      <a16:creationId xmlns:a16="http://schemas.microsoft.com/office/drawing/2014/main" id="{DB4C0561-3E38-725F-0FBD-BDDA3B597FC2}"/>
                     </a:ext>
                   </a:extLst>
                 </p:cNvPr>
@@ -27799,7 +27710,7 @@
             <p:cNvPr id="78" name="그룹 77">
               <a:extLst>
                 <a:ext uri="{FF2B5EF4-FFF2-40B4-BE49-F238E27FC236}">
-                  <a16:creationId xmlns:a16="http://schemas.microsoft.com/office/drawing/2014/main" xmlns="" id="{E7DCC43D-00E0-0C11-D614-997BB10B73DE}"/>
+                  <a16:creationId xmlns:a16="http://schemas.microsoft.com/office/drawing/2014/main" id="{E7DCC43D-00E0-0C11-D614-997BB10B73DE}"/>
                 </a:ext>
               </a:extLst>
             </p:cNvPr>
@@ -27819,7 +27730,7 @@
               <p:cNvPr id="82" name="타원 81">
                 <a:extLst>
                   <a:ext uri="{FF2B5EF4-FFF2-40B4-BE49-F238E27FC236}">
-                    <a16:creationId xmlns:a16="http://schemas.microsoft.com/office/drawing/2014/main" xmlns="" id="{F781FEB7-82B0-B441-E0D0-4BC94D58185B}"/>
+                    <a16:creationId xmlns:a16="http://schemas.microsoft.com/office/drawing/2014/main" id="{F781FEB7-82B0-B441-E0D0-4BC94D58185B}"/>
                   </a:ext>
                 </a:extLst>
               </p:cNvPr>
@@ -27871,7 +27782,7 @@
               <p:cNvPr id="83" name="TextBox 82">
                 <a:extLst>
                   <a:ext uri="{FF2B5EF4-FFF2-40B4-BE49-F238E27FC236}">
-                    <a16:creationId xmlns:a16="http://schemas.microsoft.com/office/drawing/2014/main" xmlns="" id="{57BBF653-F149-7AAE-A466-5FC3E06F9C4F}"/>
+                    <a16:creationId xmlns:a16="http://schemas.microsoft.com/office/drawing/2014/main" id="{57BBF653-F149-7AAE-A466-5FC3E06F9C4F}"/>
                   </a:ext>
                 </a:extLst>
               </p:cNvPr>
@@ -27907,7 +27818,7 @@
               <p:cNvPr id="84" name="타원 83">
                 <a:extLst>
                   <a:ext uri="{FF2B5EF4-FFF2-40B4-BE49-F238E27FC236}">
-                    <a16:creationId xmlns:a16="http://schemas.microsoft.com/office/drawing/2014/main" xmlns="" id="{6AA4DB9B-8B50-322C-926F-CBD072AC0849}"/>
+                    <a16:creationId xmlns:a16="http://schemas.microsoft.com/office/drawing/2014/main" id="{6AA4DB9B-8B50-322C-926F-CBD072AC0849}"/>
                   </a:ext>
                 </a:extLst>
               </p:cNvPr>
@@ -27960,7 +27871,7 @@
             <p:cNvPr id="79" name="TextBox 78">
               <a:extLst>
                 <a:ext uri="{FF2B5EF4-FFF2-40B4-BE49-F238E27FC236}">
-                  <a16:creationId xmlns:a16="http://schemas.microsoft.com/office/drawing/2014/main" xmlns="" id="{980111DB-C529-6474-B417-46C17F6E5B95}"/>
+                  <a16:creationId xmlns:a16="http://schemas.microsoft.com/office/drawing/2014/main" id="{980111DB-C529-6474-B417-46C17F6E5B95}"/>
                 </a:ext>
               </a:extLst>
             </p:cNvPr>
@@ -27999,7 +27910,7 @@
             <p:cNvPr id="80" name="타원 79">
               <a:extLst>
                 <a:ext uri="{FF2B5EF4-FFF2-40B4-BE49-F238E27FC236}">
-                  <a16:creationId xmlns:a16="http://schemas.microsoft.com/office/drawing/2014/main" xmlns="" id="{26F38C73-561D-CD50-7E9E-12FF7BCABBDF}"/>
+                  <a16:creationId xmlns:a16="http://schemas.microsoft.com/office/drawing/2014/main" id="{26F38C73-561D-CD50-7E9E-12FF7BCABBDF}"/>
                 </a:ext>
               </a:extLst>
             </p:cNvPr>
@@ -28060,7 +27971,7 @@
             <p:cNvPr id="81" name="타원 80">
               <a:extLst>
                 <a:ext uri="{FF2B5EF4-FFF2-40B4-BE49-F238E27FC236}">
-                  <a16:creationId xmlns:a16="http://schemas.microsoft.com/office/drawing/2014/main" xmlns="" id="{2F93F823-FE71-67BA-88B2-0B0F27DF8F7D}"/>
+                  <a16:creationId xmlns:a16="http://schemas.microsoft.com/office/drawing/2014/main" id="{2F93F823-FE71-67BA-88B2-0B0F27DF8F7D}"/>
                 </a:ext>
               </a:extLst>
             </p:cNvPr>
@@ -28122,7 +28033,7 @@
           <p:cNvPr id="9" name="그룹 8">
             <a:extLst>
               <a:ext uri="{FF2B5EF4-FFF2-40B4-BE49-F238E27FC236}">
-                <a16:creationId xmlns:a16="http://schemas.microsoft.com/office/drawing/2014/main" xmlns="" id="{150247A7-4A82-7D44-3AA0-D469CC5A9DE0}"/>
+                <a16:creationId xmlns:a16="http://schemas.microsoft.com/office/drawing/2014/main" id="{150247A7-4A82-7D44-3AA0-D469CC5A9DE0}"/>
               </a:ext>
             </a:extLst>
           </p:cNvPr>
@@ -28142,7 +28053,7 @@
             <p:cNvPr id="71" name="직사각형 70">
               <a:extLst>
                 <a:ext uri="{FF2B5EF4-FFF2-40B4-BE49-F238E27FC236}">
-                  <a16:creationId xmlns:a16="http://schemas.microsoft.com/office/drawing/2014/main" xmlns="" id="{D7C41452-063B-AD51-62F6-A2187B6BBD78}"/>
+                  <a16:creationId xmlns:a16="http://schemas.microsoft.com/office/drawing/2014/main" id="{D7C41452-063B-AD51-62F6-A2187B6BBD78}"/>
                 </a:ext>
               </a:extLst>
             </p:cNvPr>
@@ -28199,7 +28110,7 @@
             <p:cNvPr id="8" name="직사각형 7">
               <a:extLst>
                 <a:ext uri="{FF2B5EF4-FFF2-40B4-BE49-F238E27FC236}">
-                  <a16:creationId xmlns:a16="http://schemas.microsoft.com/office/drawing/2014/main" xmlns="" id="{945F0D6D-27A3-E101-4FFB-3558CAC66364}"/>
+                  <a16:creationId xmlns:a16="http://schemas.microsoft.com/office/drawing/2014/main" id="{945F0D6D-27A3-E101-4FFB-3558CAC66364}"/>
                 </a:ext>
               </a:extLst>
             </p:cNvPr>
@@ -28252,7 +28163,7 @@
           <p:cNvPr id="93" name="TextBox 92">
             <a:extLst>
               <a:ext uri="{FF2B5EF4-FFF2-40B4-BE49-F238E27FC236}">
-                <a16:creationId xmlns:a16="http://schemas.microsoft.com/office/drawing/2014/main" xmlns="" id="{A5022D82-95B3-8FBC-5EF5-E8EF573220EF}"/>
+                <a16:creationId xmlns:a16="http://schemas.microsoft.com/office/drawing/2014/main" id="{A5022D82-95B3-8FBC-5EF5-E8EF573220EF}"/>
               </a:ext>
             </a:extLst>
           </p:cNvPr>
@@ -28287,7 +28198,7 @@
           <p:cNvPr id="62" name="그룹 61">
             <a:extLst>
               <a:ext uri="{FF2B5EF4-FFF2-40B4-BE49-F238E27FC236}">
-                <a16:creationId xmlns:a16="http://schemas.microsoft.com/office/drawing/2014/main" xmlns="" id="{9BBF1A99-E8E8-2656-AD7C-6B20C334A238}"/>
+                <a16:creationId xmlns:a16="http://schemas.microsoft.com/office/drawing/2014/main" id="{9BBF1A99-E8E8-2656-AD7C-6B20C334A238}"/>
               </a:ext>
             </a:extLst>
           </p:cNvPr>
@@ -28313,7 +28224,7 @@
             <p:cNvPr id="63" name="직사각형 62">
               <a:extLst>
                 <a:ext uri="{FF2B5EF4-FFF2-40B4-BE49-F238E27FC236}">
-                  <a16:creationId xmlns:a16="http://schemas.microsoft.com/office/drawing/2014/main" xmlns="" id="{3C33DC96-68DB-C2A8-12E4-CE0A25B353E9}"/>
+                  <a16:creationId xmlns:a16="http://schemas.microsoft.com/office/drawing/2014/main" id="{3C33DC96-68DB-C2A8-12E4-CE0A25B353E9}"/>
                 </a:ext>
               </a:extLst>
             </p:cNvPr>
@@ -28367,7 +28278,7 @@
             <p:cNvPr id="64" name="직사각형 63">
               <a:extLst>
                 <a:ext uri="{FF2B5EF4-FFF2-40B4-BE49-F238E27FC236}">
-                  <a16:creationId xmlns:a16="http://schemas.microsoft.com/office/drawing/2014/main" xmlns="" id="{FE079E11-C1B7-A9DD-9856-6B7E6FE8B9FC}"/>
+                  <a16:creationId xmlns:a16="http://schemas.microsoft.com/office/drawing/2014/main" id="{FE079E11-C1B7-A9DD-9856-6B7E6FE8B9FC}"/>
                 </a:ext>
               </a:extLst>
             </p:cNvPr>
@@ -28454,7 +28365,7 @@
           <p:cNvPr id="4" name="직사각형 3">
             <a:extLst>
               <a:ext uri="{FF2B5EF4-FFF2-40B4-BE49-F238E27FC236}">
-                <a16:creationId xmlns:a16="http://schemas.microsoft.com/office/drawing/2014/main" xmlns="" id="{AE93FE2A-85FE-4157-951C-FC2FADBB3B34}"/>
+                <a16:creationId xmlns:a16="http://schemas.microsoft.com/office/drawing/2014/main" id="{AE93FE2A-85FE-4157-951C-FC2FADBB3B34}"/>
               </a:ext>
             </a:extLst>
           </p:cNvPr>
@@ -28506,7 +28417,7 @@
           <p:cNvPr id="7" name="TextBox 6">
             <a:extLst>
               <a:ext uri="{FF2B5EF4-FFF2-40B4-BE49-F238E27FC236}">
-                <a16:creationId xmlns:a16="http://schemas.microsoft.com/office/drawing/2014/main" xmlns="" id="{982817C4-ACF4-45FB-A018-6E6F872691BC}"/>
+                <a16:creationId xmlns:a16="http://schemas.microsoft.com/office/drawing/2014/main" id="{982817C4-ACF4-45FB-A018-6E6F872691BC}"/>
               </a:ext>
             </a:extLst>
           </p:cNvPr>

--- a/_Prototype/Document/System/System.pptx
+++ b/_Prototype/Document/System/System.pptx
@@ -5,7 +5,7 @@
     <p:sldMasterId id="2147483648" r:id="rId1"/>
   </p:sldMasterIdLst>
   <p:notesMasterIdLst>
-    <p:notesMasterId r:id="rId14"/>
+    <p:notesMasterId r:id="rId15"/>
   </p:notesMasterIdLst>
   <p:sldIdLst>
     <p:sldId id="257" r:id="rId2"/>
@@ -16,10 +16,11 @@
     <p:sldId id="309" r:id="rId7"/>
     <p:sldId id="312" r:id="rId8"/>
     <p:sldId id="310" r:id="rId9"/>
-    <p:sldId id="295" r:id="rId10"/>
-    <p:sldId id="296" r:id="rId11"/>
-    <p:sldId id="306" r:id="rId12"/>
-    <p:sldId id="311" r:id="rId13"/>
+    <p:sldId id="314" r:id="rId10"/>
+    <p:sldId id="295" r:id="rId11"/>
+    <p:sldId id="296" r:id="rId12"/>
+    <p:sldId id="306" r:id="rId13"/>
+    <p:sldId id="311" r:id="rId14"/>
   </p:sldIdLst>
   <p:sldSz cx="12192000" cy="6858000"/>
   <p:notesSz cx="6858000" cy="9144000"/>
@@ -208,7 +209,7 @@
           <a:p>
             <a:fld id="{5064D356-14AE-452C-85BB-F06BE8F50F47}" type="datetimeFigureOut">
               <a:rPr lang="ko-KR" altLang="en-US" smtClean="0"/>
-              <a:t>2022-08-19</a:t>
+              <a:t>2022-08-31</a:t>
             </a:fld>
             <a:endParaRPr lang="ko-KR" altLang="en-US"/>
           </a:p>
@@ -633,7 +634,7 @@
     </p:spTree>
     <p:extLst>
       <p:ext uri="{BB962C8B-B14F-4D97-AF65-F5344CB8AC3E}">
-        <p14:creationId xmlns:p14="http://schemas.microsoft.com/office/powerpoint/2010/main" val="3747882015"/>
+        <p14:creationId xmlns:p14="http://schemas.microsoft.com/office/powerpoint/2010/main" val="2875622720"/>
       </p:ext>
     </p:extLst>
   </p:cSld>
@@ -709,6 +710,90 @@
             <a:fld id="{73EB825B-89DC-4B21-8B3A-B3CA9CD761CE}" type="slidenum">
               <a:rPr lang="ko-KR" altLang="en-US" smtClean="0"/>
               <a:t>12</a:t>
+            </a:fld>
+            <a:endParaRPr lang="ko-KR" altLang="en-US"/>
+          </a:p>
+        </p:txBody>
+      </p:sp>
+    </p:spTree>
+    <p:extLst>
+      <p:ext uri="{BB962C8B-B14F-4D97-AF65-F5344CB8AC3E}">
+        <p14:creationId xmlns:p14="http://schemas.microsoft.com/office/powerpoint/2010/main" val="3747882015"/>
+      </p:ext>
+    </p:extLst>
+  </p:cSld>
+  <p:clrMapOvr>
+    <a:masterClrMapping/>
+  </p:clrMapOvr>
+</p:notes>
+</file>
+
+<file path=ppt/notesSlides/notesSlide12.xml><?xml version="1.0" encoding="utf-8"?>
+<p:notes xmlns:a="http://schemas.openxmlformats.org/drawingml/2006/main" xmlns:r="http://schemas.openxmlformats.org/officeDocument/2006/relationships" xmlns:p="http://schemas.openxmlformats.org/presentationml/2006/main">
+  <p:cSld>
+    <p:spTree>
+      <p:nvGrpSpPr>
+        <p:cNvPr id="1" name=""/>
+        <p:cNvGrpSpPr/>
+        <p:nvPr/>
+      </p:nvGrpSpPr>
+      <p:grpSpPr>
+        <a:xfrm>
+          <a:off x="0" y="0"/>
+          <a:ext cx="0" cy="0"/>
+          <a:chOff x="0" y="0"/>
+          <a:chExt cx="0" cy="0"/>
+        </a:xfrm>
+      </p:grpSpPr>
+      <p:sp>
+        <p:nvSpPr>
+          <p:cNvPr id="2" name="슬라이드 이미지 개체 틀 1"/>
+          <p:cNvSpPr>
+            <a:spLocks noGrp="1" noRot="1" noChangeAspect="1"/>
+          </p:cNvSpPr>
+          <p:nvPr>
+            <p:ph type="sldImg"/>
+          </p:nvPr>
+        </p:nvSpPr>
+        <p:spPr/>
+      </p:sp>
+      <p:sp>
+        <p:nvSpPr>
+          <p:cNvPr id="3" name="슬라이드 노트 개체 틀 2"/>
+          <p:cNvSpPr>
+            <a:spLocks noGrp="1"/>
+          </p:cNvSpPr>
+          <p:nvPr>
+            <p:ph type="body" idx="1"/>
+          </p:nvPr>
+        </p:nvSpPr>
+        <p:spPr/>
+        <p:txBody>
+          <a:bodyPr/>
+          <a:lstStyle/>
+          <a:p>
+            <a:endParaRPr lang="ko-KR" altLang="en-US" dirty="0"/>
+          </a:p>
+        </p:txBody>
+      </p:sp>
+      <p:sp>
+        <p:nvSpPr>
+          <p:cNvPr id="4" name="슬라이드 번호 개체 틀 3"/>
+          <p:cNvSpPr>
+            <a:spLocks noGrp="1"/>
+          </p:cNvSpPr>
+          <p:nvPr>
+            <p:ph type="sldNum" sz="quarter" idx="5"/>
+          </p:nvPr>
+        </p:nvSpPr>
+        <p:spPr/>
+        <p:txBody>
+          <a:bodyPr/>
+          <a:lstStyle/>
+          <a:p>
+            <a:fld id="{73EB825B-89DC-4B21-8B3A-B3CA9CD761CE}" type="slidenum">
+              <a:rPr lang="ko-KR" altLang="en-US" smtClean="0"/>
+              <a:t>13</a:t>
             </a:fld>
             <a:endParaRPr lang="ko-KR" altLang="en-US"/>
           </a:p>
@@ -1305,7 +1390,7 @@
     </p:spTree>
     <p:extLst>
       <p:ext uri="{BB962C8B-B14F-4D97-AF65-F5344CB8AC3E}">
-        <p14:creationId xmlns:p14="http://schemas.microsoft.com/office/powerpoint/2010/main" val="2185834159"/>
+        <p14:creationId xmlns:p14="http://schemas.microsoft.com/office/powerpoint/2010/main" val="9610108"/>
       </p:ext>
     </p:extLst>
   </p:cSld>
@@ -1389,7 +1474,7 @@
     </p:spTree>
     <p:extLst>
       <p:ext uri="{BB962C8B-B14F-4D97-AF65-F5344CB8AC3E}">
-        <p14:creationId xmlns:p14="http://schemas.microsoft.com/office/powerpoint/2010/main" val="2875622720"/>
+        <p14:creationId xmlns:p14="http://schemas.microsoft.com/office/powerpoint/2010/main" val="2185834159"/>
       </p:ext>
     </p:extLst>
   </p:cSld>
@@ -1546,7 +1631,7 @@
           <a:p>
             <a:fld id="{620DA11D-05D1-46D7-9472-A0B2D9D00638}" type="datetimeFigureOut">
               <a:rPr lang="ko-KR" altLang="en-US" smtClean="0"/>
-              <a:t>2022-08-19</a:t>
+              <a:t>2022-08-31</a:t>
             </a:fld>
             <a:endParaRPr lang="ko-KR" altLang="en-US"/>
           </a:p>
@@ -1744,7 +1829,7 @@
           <a:p>
             <a:fld id="{620DA11D-05D1-46D7-9472-A0B2D9D00638}" type="datetimeFigureOut">
               <a:rPr lang="ko-KR" altLang="en-US" smtClean="0"/>
-              <a:t>2022-08-19</a:t>
+              <a:t>2022-08-31</a:t>
             </a:fld>
             <a:endParaRPr lang="ko-KR" altLang="en-US"/>
           </a:p>
@@ -1952,7 +2037,7 @@
           <a:p>
             <a:fld id="{620DA11D-05D1-46D7-9472-A0B2D9D00638}" type="datetimeFigureOut">
               <a:rPr lang="ko-KR" altLang="en-US" smtClean="0"/>
-              <a:t>2022-08-19</a:t>
+              <a:t>2022-08-31</a:t>
             </a:fld>
             <a:endParaRPr lang="ko-KR" altLang="en-US"/>
           </a:p>
@@ -2402,7 +2487,7 @@
           <a:p>
             <a:fld id="{620DA11D-05D1-46D7-9472-A0B2D9D00638}" type="datetimeFigureOut">
               <a:rPr lang="ko-KR" altLang="en-US" smtClean="0"/>
-              <a:t>2022-08-19</a:t>
+              <a:t>2022-08-31</a:t>
             </a:fld>
             <a:endParaRPr lang="ko-KR" altLang="en-US"/>
           </a:p>
@@ -2677,7 +2762,7 @@
           <a:p>
             <a:fld id="{620DA11D-05D1-46D7-9472-A0B2D9D00638}" type="datetimeFigureOut">
               <a:rPr lang="ko-KR" altLang="en-US" smtClean="0"/>
-              <a:t>2022-08-19</a:t>
+              <a:t>2022-08-31</a:t>
             </a:fld>
             <a:endParaRPr lang="ko-KR" altLang="en-US"/>
           </a:p>
@@ -2942,7 +3027,7 @@
           <a:p>
             <a:fld id="{620DA11D-05D1-46D7-9472-A0B2D9D00638}" type="datetimeFigureOut">
               <a:rPr lang="ko-KR" altLang="en-US" smtClean="0"/>
-              <a:t>2022-08-19</a:t>
+              <a:t>2022-08-31</a:t>
             </a:fld>
             <a:endParaRPr lang="ko-KR" altLang="en-US"/>
           </a:p>
@@ -3354,7 +3439,7 @@
           <a:p>
             <a:fld id="{620DA11D-05D1-46D7-9472-A0B2D9D00638}" type="datetimeFigureOut">
               <a:rPr lang="ko-KR" altLang="en-US" smtClean="0"/>
-              <a:t>2022-08-19</a:t>
+              <a:t>2022-08-31</a:t>
             </a:fld>
             <a:endParaRPr lang="ko-KR" altLang="en-US"/>
           </a:p>
@@ -3495,7 +3580,7 @@
           <a:p>
             <a:fld id="{620DA11D-05D1-46D7-9472-A0B2D9D00638}" type="datetimeFigureOut">
               <a:rPr lang="ko-KR" altLang="en-US" smtClean="0"/>
-              <a:t>2022-08-19</a:t>
+              <a:t>2022-08-31</a:t>
             </a:fld>
             <a:endParaRPr lang="ko-KR" altLang="en-US"/>
           </a:p>
@@ -3608,7 +3693,7 @@
           <a:p>
             <a:fld id="{620DA11D-05D1-46D7-9472-A0B2D9D00638}" type="datetimeFigureOut">
               <a:rPr lang="ko-KR" altLang="en-US" smtClean="0"/>
-              <a:t>2022-08-19</a:t>
+              <a:t>2022-08-31</a:t>
             </a:fld>
             <a:endParaRPr lang="ko-KR" altLang="en-US"/>
           </a:p>
@@ -3919,7 +4004,7 @@
           <a:p>
             <a:fld id="{620DA11D-05D1-46D7-9472-A0B2D9D00638}" type="datetimeFigureOut">
               <a:rPr lang="ko-KR" altLang="en-US" smtClean="0"/>
-              <a:t>2022-08-19</a:t>
+              <a:t>2022-08-31</a:t>
             </a:fld>
             <a:endParaRPr lang="ko-KR" altLang="en-US"/>
           </a:p>
@@ -4207,7 +4292,7 @@
           <a:p>
             <a:fld id="{620DA11D-05D1-46D7-9472-A0B2D9D00638}" type="datetimeFigureOut">
               <a:rPr lang="ko-KR" altLang="en-US" smtClean="0"/>
-              <a:t>2022-08-19</a:t>
+              <a:t>2022-08-31</a:t>
             </a:fld>
             <a:endParaRPr lang="ko-KR" altLang="en-US"/>
           </a:p>
@@ -4448,7 +4533,7 @@
           <a:p>
             <a:fld id="{620DA11D-05D1-46D7-9472-A0B2D9D00638}" type="datetimeFigureOut">
               <a:rPr lang="ko-KR" altLang="en-US" smtClean="0"/>
-              <a:t>2022-08-19</a:t>
+              <a:t>2022-08-31</a:t>
             </a:fld>
             <a:endParaRPr lang="ko-KR" altLang="en-US"/>
           </a:p>
@@ -4942,6 +5027,1574 @@
 </file>
 
 <file path=ppt/slides/slide10.xml><?xml version="1.0" encoding="utf-8"?>
+<p:sld xmlns:a="http://schemas.openxmlformats.org/drawingml/2006/main" xmlns:r="http://schemas.openxmlformats.org/officeDocument/2006/relationships" xmlns:p="http://schemas.openxmlformats.org/presentationml/2006/main">
+  <p:cSld>
+    <p:spTree>
+      <p:nvGrpSpPr>
+        <p:cNvPr id="1" name=""/>
+        <p:cNvGrpSpPr/>
+        <p:nvPr/>
+      </p:nvGrpSpPr>
+      <p:grpSpPr>
+        <a:xfrm>
+          <a:off x="0" y="0"/>
+          <a:ext cx="0" cy="0"/>
+          <a:chOff x="0" y="0"/>
+          <a:chExt cx="0" cy="0"/>
+        </a:xfrm>
+      </p:grpSpPr>
+      <p:sp>
+        <p:nvSpPr>
+          <p:cNvPr id="4" name="직사각형 3">
+            <a:extLst>
+              <a:ext uri="{FF2B5EF4-FFF2-40B4-BE49-F238E27FC236}">
+                <a16:creationId xmlns:a16="http://schemas.microsoft.com/office/drawing/2014/main" id="{AE93FE2A-85FE-4157-951C-FC2FADBB3B34}"/>
+              </a:ext>
+            </a:extLst>
+          </p:cNvPr>
+          <p:cNvSpPr/>
+          <p:nvPr/>
+        </p:nvSpPr>
+        <p:spPr>
+          <a:xfrm>
+            <a:off x="0" y="0"/>
+            <a:ext cx="12192000" cy="1034474"/>
+          </a:xfrm>
+          <a:prstGeom prst="rect">
+            <a:avLst/>
+          </a:prstGeom>
+          <a:solidFill>
+            <a:schemeClr val="accent5">
+              <a:lumMod val="60000"/>
+              <a:lumOff val="40000"/>
+            </a:schemeClr>
+          </a:solidFill>
+        </p:spPr>
+        <p:style>
+          <a:lnRef idx="2">
+            <a:schemeClr val="accent1">
+              <a:shade val="50000"/>
+            </a:schemeClr>
+          </a:lnRef>
+          <a:fillRef idx="1">
+            <a:schemeClr val="accent1"/>
+          </a:fillRef>
+          <a:effectRef idx="0">
+            <a:schemeClr val="accent1"/>
+          </a:effectRef>
+          <a:fontRef idx="minor">
+            <a:schemeClr val="lt1"/>
+          </a:fontRef>
+        </p:style>
+        <p:txBody>
+          <a:bodyPr rtlCol="0" anchor="ctr"/>
+          <a:lstStyle/>
+          <a:p>
+            <a:pPr algn="ctr"/>
+            <a:endParaRPr lang="ko-KR" altLang="en-US" dirty="0"/>
+          </a:p>
+        </p:txBody>
+      </p:sp>
+      <p:sp>
+        <p:nvSpPr>
+          <p:cNvPr id="7" name="TextBox 6">
+            <a:extLst>
+              <a:ext uri="{FF2B5EF4-FFF2-40B4-BE49-F238E27FC236}">
+                <a16:creationId xmlns:a16="http://schemas.microsoft.com/office/drawing/2014/main" id="{982817C4-ACF4-45FB-A018-6E6F872691BC}"/>
+              </a:ext>
+            </a:extLst>
+          </p:cNvPr>
+          <p:cNvSpPr txBox="1"/>
+          <p:nvPr/>
+        </p:nvSpPr>
+        <p:spPr>
+          <a:xfrm>
+            <a:off x="646546" y="255627"/>
+            <a:ext cx="4230254" cy="523220"/>
+          </a:xfrm>
+          <a:prstGeom prst="rect">
+            <a:avLst/>
+          </a:prstGeom>
+          <a:noFill/>
+        </p:spPr>
+        <p:txBody>
+          <a:bodyPr wrap="square" rtlCol="0">
+            <a:spAutoFit/>
+          </a:bodyPr>
+          <a:lstStyle/>
+          <a:p>
+            <a:r>
+              <a:rPr lang="ko-KR" altLang="en-US" sz="2800" b="1" dirty="0"/>
+              <a:t>게임 구조도 </a:t>
+            </a:r>
+            <a:r>
+              <a:rPr lang="en-US" altLang="ko-KR" sz="2800" b="1" dirty="0"/>
+              <a:t>( </a:t>
+            </a:r>
+            <a:r>
+              <a:rPr lang="ko-KR" altLang="en-US" sz="2800" b="1" dirty="0"/>
+              <a:t>전체 </a:t>
+            </a:r>
+            <a:r>
+              <a:rPr lang="en-US" altLang="ko-KR" sz="2800" b="1" dirty="0"/>
+              <a:t>)</a:t>
+            </a:r>
+          </a:p>
+        </p:txBody>
+      </p:sp>
+      <p:sp>
+        <p:nvSpPr>
+          <p:cNvPr id="3" name="순서도: 처리 2"/>
+          <p:cNvSpPr/>
+          <p:nvPr/>
+        </p:nvSpPr>
+        <p:spPr>
+          <a:xfrm>
+            <a:off x="5043274" y="2533679"/>
+            <a:ext cx="1635370" cy="288668"/>
+          </a:xfrm>
+          <a:prstGeom prst="flowChartProcess">
+            <a:avLst/>
+          </a:prstGeom>
+          <a:solidFill>
+            <a:srgbClr val="FFFF00"/>
+          </a:solidFill>
+          <a:ln>
+            <a:solidFill>
+              <a:schemeClr val="tx1"/>
+            </a:solidFill>
+          </a:ln>
+        </p:spPr>
+        <p:style>
+          <a:lnRef idx="2">
+            <a:schemeClr val="accent1">
+              <a:shade val="50000"/>
+            </a:schemeClr>
+          </a:lnRef>
+          <a:fillRef idx="1">
+            <a:schemeClr val="accent1"/>
+          </a:fillRef>
+          <a:effectRef idx="0">
+            <a:schemeClr val="accent1"/>
+          </a:effectRef>
+          <a:fontRef idx="minor">
+            <a:schemeClr val="lt1"/>
+          </a:fontRef>
+        </p:style>
+        <p:txBody>
+          <a:bodyPr rtlCol="0" anchor="ctr"/>
+          <a:lstStyle/>
+          <a:p>
+            <a:pPr algn="ctr"/>
+            <a:r>
+              <a:rPr lang="ko-KR" altLang="en-US" sz="1100" dirty="0">
+                <a:solidFill>
+                  <a:schemeClr val="tx1"/>
+                </a:solidFill>
+              </a:rPr>
+              <a:t>방 찾기 </a:t>
+            </a:r>
+            <a:r>
+              <a:rPr lang="en-US" altLang="ko-KR" sz="1100" dirty="0">
+                <a:solidFill>
+                  <a:schemeClr val="tx1"/>
+                </a:solidFill>
+              </a:rPr>
+              <a:t>&amp; </a:t>
+            </a:r>
+            <a:r>
+              <a:rPr lang="ko-KR" altLang="en-US" sz="1100" dirty="0">
+                <a:solidFill>
+                  <a:schemeClr val="tx1"/>
+                </a:solidFill>
+              </a:rPr>
+              <a:t>방 만들기</a:t>
+            </a:r>
+          </a:p>
+        </p:txBody>
+      </p:sp>
+      <p:grpSp>
+        <p:nvGrpSpPr>
+          <p:cNvPr id="11" name="그룹 10"/>
+          <p:cNvGrpSpPr/>
+          <p:nvPr/>
+        </p:nvGrpSpPr>
+        <p:grpSpPr>
+          <a:xfrm>
+            <a:off x="5201535" y="2989043"/>
+            <a:ext cx="1318847" cy="657256"/>
+            <a:chOff x="4558809" y="2796775"/>
+            <a:chExt cx="1318847" cy="657256"/>
+          </a:xfrm>
+        </p:grpSpPr>
+        <p:sp>
+          <p:nvSpPr>
+            <p:cNvPr id="8" name="순서도: 판단 7"/>
+            <p:cNvSpPr/>
+            <p:nvPr/>
+          </p:nvSpPr>
+          <p:spPr>
+            <a:xfrm>
+              <a:off x="4558809" y="2796775"/>
+              <a:ext cx="1318847" cy="657256"/>
+            </a:xfrm>
+            <a:prstGeom prst="flowChartDecision">
+              <a:avLst/>
+            </a:prstGeom>
+            <a:solidFill>
+              <a:schemeClr val="bg1">
+                <a:lumMod val="65000"/>
+              </a:schemeClr>
+            </a:solidFill>
+            <a:ln>
+              <a:solidFill>
+                <a:schemeClr val="tx1"/>
+              </a:solidFill>
+            </a:ln>
+          </p:spPr>
+          <p:style>
+            <a:lnRef idx="2">
+              <a:schemeClr val="accent1">
+                <a:shade val="50000"/>
+              </a:schemeClr>
+            </a:lnRef>
+            <a:fillRef idx="1">
+              <a:schemeClr val="accent1"/>
+            </a:fillRef>
+            <a:effectRef idx="0">
+              <a:schemeClr val="accent1"/>
+            </a:effectRef>
+            <a:fontRef idx="minor">
+              <a:schemeClr val="lt1"/>
+            </a:fontRef>
+          </p:style>
+          <p:txBody>
+            <a:bodyPr rtlCol="0" anchor="ctr"/>
+            <a:lstStyle/>
+            <a:p>
+              <a:pPr algn="ctr"/>
+              <a:endParaRPr lang="ko-KR" altLang="en-US" sz="1200" dirty="0">
+                <a:solidFill>
+                  <a:schemeClr val="tx1"/>
+                </a:solidFill>
+              </a:endParaRPr>
+            </a:p>
+          </p:txBody>
+        </p:sp>
+        <p:sp>
+          <p:nvSpPr>
+            <p:cNvPr id="9" name="TextBox 8"/>
+            <p:cNvSpPr txBox="1"/>
+            <p:nvPr/>
+          </p:nvSpPr>
+          <p:spPr>
+            <a:xfrm>
+              <a:off x="4628166" y="2909959"/>
+              <a:ext cx="1180131" cy="430887"/>
+            </a:xfrm>
+            <a:prstGeom prst="rect">
+              <a:avLst/>
+            </a:prstGeom>
+            <a:noFill/>
+            <a:ln>
+              <a:noFill/>
+            </a:ln>
+          </p:spPr>
+          <p:txBody>
+            <a:bodyPr wrap="none" rtlCol="0">
+              <a:spAutoFit/>
+            </a:bodyPr>
+            <a:lstStyle/>
+            <a:p>
+              <a:pPr algn="ctr"/>
+              <a:r>
+                <a:rPr lang="ko-KR" altLang="en-US" sz="1100" dirty="0"/>
+                <a:t>방을 새로 만들 </a:t>
+              </a:r>
+              <a:endParaRPr lang="en-US" altLang="ko-KR" sz="1100" dirty="0"/>
+            </a:p>
+            <a:p>
+              <a:pPr algn="ctr"/>
+              <a:r>
+                <a:rPr lang="ko-KR" altLang="en-US" sz="1100" dirty="0"/>
+                <a:t>것인가</a:t>
+              </a:r>
+              <a:r>
+                <a:rPr lang="en-US" altLang="ko-KR" sz="1100" dirty="0"/>
+                <a:t>?</a:t>
+              </a:r>
+              <a:endParaRPr lang="ko-KR" altLang="en-US" sz="1100" dirty="0"/>
+            </a:p>
+          </p:txBody>
+        </p:sp>
+      </p:grpSp>
+      <p:sp>
+        <p:nvSpPr>
+          <p:cNvPr id="16" name="순서도: 처리 15"/>
+          <p:cNvSpPr/>
+          <p:nvPr/>
+        </p:nvSpPr>
+        <p:spPr>
+          <a:xfrm>
+            <a:off x="3016648" y="3904048"/>
+            <a:ext cx="1266093" cy="313392"/>
+          </a:xfrm>
+          <a:prstGeom prst="flowChartProcess">
+            <a:avLst/>
+          </a:prstGeom>
+          <a:solidFill>
+            <a:srgbClr val="FFFF00"/>
+          </a:solidFill>
+          <a:ln>
+            <a:solidFill>
+              <a:schemeClr val="tx1"/>
+            </a:solidFill>
+          </a:ln>
+        </p:spPr>
+        <p:style>
+          <a:lnRef idx="2">
+            <a:schemeClr val="accent1">
+              <a:shade val="50000"/>
+            </a:schemeClr>
+          </a:lnRef>
+          <a:fillRef idx="1">
+            <a:schemeClr val="accent1"/>
+          </a:fillRef>
+          <a:effectRef idx="0">
+            <a:schemeClr val="accent1"/>
+          </a:effectRef>
+          <a:fontRef idx="minor">
+            <a:schemeClr val="lt1"/>
+          </a:fontRef>
+        </p:style>
+        <p:txBody>
+          <a:bodyPr rtlCol="0" anchor="ctr"/>
+          <a:lstStyle/>
+          <a:p>
+            <a:pPr algn="ctr"/>
+            <a:r>
+              <a:rPr lang="ko-KR" altLang="en-US" sz="1200" dirty="0">
+                <a:solidFill>
+                  <a:schemeClr val="tx1"/>
+                </a:solidFill>
+              </a:rPr>
+              <a:t>방 만들기</a:t>
+            </a:r>
+          </a:p>
+        </p:txBody>
+      </p:sp>
+      <p:sp>
+        <p:nvSpPr>
+          <p:cNvPr id="18" name="TextBox 17"/>
+          <p:cNvSpPr txBox="1"/>
+          <p:nvPr/>
+        </p:nvSpPr>
+        <p:spPr>
+          <a:xfrm>
+            <a:off x="4585838" y="3498174"/>
+            <a:ext cx="408253" cy="276999"/>
+          </a:xfrm>
+          <a:prstGeom prst="rect">
+            <a:avLst/>
+          </a:prstGeom>
+          <a:noFill/>
+        </p:spPr>
+        <p:txBody>
+          <a:bodyPr wrap="none" rtlCol="0">
+            <a:spAutoFit/>
+          </a:bodyPr>
+          <a:lstStyle/>
+          <a:p>
+            <a:r>
+              <a:rPr lang="en-US" altLang="ko-KR" sz="1200" dirty="0"/>
+              <a:t>yes</a:t>
+            </a:r>
+            <a:endParaRPr lang="ko-KR" altLang="en-US" sz="1200" dirty="0"/>
+          </a:p>
+        </p:txBody>
+      </p:sp>
+      <p:sp>
+        <p:nvSpPr>
+          <p:cNvPr id="21" name="순서도: 처리 20"/>
+          <p:cNvSpPr/>
+          <p:nvPr/>
+        </p:nvSpPr>
+        <p:spPr>
+          <a:xfrm>
+            <a:off x="7016573" y="4302326"/>
+            <a:ext cx="1336431" cy="284391"/>
+          </a:xfrm>
+          <a:prstGeom prst="flowChartProcess">
+            <a:avLst/>
+          </a:prstGeom>
+          <a:solidFill>
+            <a:srgbClr val="FFFF00"/>
+          </a:solidFill>
+          <a:ln>
+            <a:solidFill>
+              <a:schemeClr val="tx1"/>
+            </a:solidFill>
+          </a:ln>
+        </p:spPr>
+        <p:style>
+          <a:lnRef idx="2">
+            <a:schemeClr val="accent1">
+              <a:shade val="50000"/>
+            </a:schemeClr>
+          </a:lnRef>
+          <a:fillRef idx="1">
+            <a:schemeClr val="accent1"/>
+          </a:fillRef>
+          <a:effectRef idx="0">
+            <a:schemeClr val="accent1"/>
+          </a:effectRef>
+          <a:fontRef idx="minor">
+            <a:schemeClr val="lt1"/>
+          </a:fontRef>
+        </p:style>
+        <p:txBody>
+          <a:bodyPr rtlCol="0" anchor="ctr"/>
+          <a:lstStyle/>
+          <a:p>
+            <a:pPr algn="ctr"/>
+            <a:r>
+              <a:rPr lang="ko-KR" altLang="en-US" sz="1200" dirty="0">
+                <a:solidFill>
+                  <a:schemeClr val="tx1"/>
+                </a:solidFill>
+              </a:rPr>
+              <a:t>인 게임</a:t>
+            </a:r>
+          </a:p>
+        </p:txBody>
+      </p:sp>
+      <p:cxnSp>
+        <p:nvCxnSpPr>
+          <p:cNvPr id="28" name="직선 화살표 연결선 27"/>
+          <p:cNvCxnSpPr>
+            <a:stCxn id="107" idx="2"/>
+          </p:cNvCxnSpPr>
+          <p:nvPr/>
+        </p:nvCxnSpPr>
+        <p:spPr>
+          <a:xfrm flipH="1">
+            <a:off x="5860956" y="1824025"/>
+            <a:ext cx="1" cy="148124"/>
+          </a:xfrm>
+          <a:prstGeom prst="straightConnector1">
+            <a:avLst/>
+          </a:prstGeom>
+          <a:ln>
+            <a:solidFill>
+              <a:schemeClr val="tx1"/>
+            </a:solidFill>
+            <a:tailEnd type="triangle"/>
+          </a:ln>
+        </p:spPr>
+        <p:style>
+          <a:lnRef idx="1">
+            <a:schemeClr val="accent1"/>
+          </a:lnRef>
+          <a:fillRef idx="0">
+            <a:schemeClr val="accent1"/>
+          </a:fillRef>
+          <a:effectRef idx="0">
+            <a:schemeClr val="accent1"/>
+          </a:effectRef>
+          <a:fontRef idx="minor">
+            <a:schemeClr val="tx1"/>
+          </a:fontRef>
+        </p:style>
+      </p:cxnSp>
+      <p:cxnSp>
+        <p:nvCxnSpPr>
+          <p:cNvPr id="30" name="직선 화살표 연결선 29"/>
+          <p:cNvCxnSpPr>
+            <a:stCxn id="3" idx="2"/>
+            <a:endCxn id="8" idx="0"/>
+          </p:cNvCxnSpPr>
+          <p:nvPr/>
+        </p:nvCxnSpPr>
+        <p:spPr>
+          <a:xfrm>
+            <a:off x="5860959" y="2822347"/>
+            <a:ext cx="0" cy="166696"/>
+          </a:xfrm>
+          <a:prstGeom prst="straightConnector1">
+            <a:avLst/>
+          </a:prstGeom>
+          <a:ln>
+            <a:solidFill>
+              <a:schemeClr val="tx1"/>
+            </a:solidFill>
+            <a:tailEnd type="triangle"/>
+          </a:ln>
+        </p:spPr>
+        <p:style>
+          <a:lnRef idx="1">
+            <a:schemeClr val="accent1"/>
+          </a:lnRef>
+          <a:fillRef idx="0">
+            <a:schemeClr val="accent1"/>
+          </a:fillRef>
+          <a:effectRef idx="0">
+            <a:schemeClr val="accent1"/>
+          </a:effectRef>
+          <a:fontRef idx="minor">
+            <a:schemeClr val="tx1"/>
+          </a:fontRef>
+        </p:style>
+      </p:cxnSp>
+      <p:cxnSp>
+        <p:nvCxnSpPr>
+          <p:cNvPr id="32" name="꺾인 연결선 31"/>
+          <p:cNvCxnSpPr>
+            <a:stCxn id="8" idx="2"/>
+            <a:endCxn id="16" idx="0"/>
+          </p:cNvCxnSpPr>
+          <p:nvPr/>
+        </p:nvCxnSpPr>
+        <p:spPr>
+          <a:xfrm rot="5400000">
+            <a:off x="4626453" y="2669541"/>
+            <a:ext cx="257749" cy="2211264"/>
+          </a:xfrm>
+          <a:prstGeom prst="bentConnector3">
+            <a:avLst/>
+          </a:prstGeom>
+          <a:ln>
+            <a:solidFill>
+              <a:schemeClr val="tx1"/>
+            </a:solidFill>
+            <a:tailEnd type="triangle"/>
+          </a:ln>
+        </p:spPr>
+        <p:style>
+          <a:lnRef idx="1">
+            <a:schemeClr val="accent1"/>
+          </a:lnRef>
+          <a:fillRef idx="0">
+            <a:schemeClr val="accent1"/>
+          </a:fillRef>
+          <a:effectRef idx="0">
+            <a:schemeClr val="accent1"/>
+          </a:effectRef>
+          <a:fontRef idx="minor">
+            <a:schemeClr val="tx1"/>
+          </a:fontRef>
+        </p:style>
+      </p:cxnSp>
+      <p:cxnSp>
+        <p:nvCxnSpPr>
+          <p:cNvPr id="34" name="꺾인 연결선 33"/>
+          <p:cNvCxnSpPr>
+            <a:stCxn id="8" idx="2"/>
+            <a:endCxn id="21" idx="0"/>
+          </p:cNvCxnSpPr>
+          <p:nvPr/>
+        </p:nvCxnSpPr>
+        <p:spPr>
+          <a:xfrm rot="16200000" flipH="1">
+            <a:off x="6444861" y="3062397"/>
+            <a:ext cx="656027" cy="1823830"/>
+          </a:xfrm>
+          <a:prstGeom prst="bentConnector3">
+            <a:avLst/>
+          </a:prstGeom>
+          <a:ln>
+            <a:solidFill>
+              <a:schemeClr val="tx1"/>
+            </a:solidFill>
+            <a:tailEnd type="triangle"/>
+          </a:ln>
+        </p:spPr>
+        <p:style>
+          <a:lnRef idx="1">
+            <a:schemeClr val="accent1"/>
+          </a:lnRef>
+          <a:fillRef idx="0">
+            <a:schemeClr val="accent1"/>
+          </a:fillRef>
+          <a:effectRef idx="0">
+            <a:schemeClr val="accent1"/>
+          </a:effectRef>
+          <a:fontRef idx="minor">
+            <a:schemeClr val="tx1"/>
+          </a:fontRef>
+        </p:style>
+      </p:cxnSp>
+      <p:cxnSp>
+        <p:nvCxnSpPr>
+          <p:cNvPr id="36" name="꺾인 연결선 35"/>
+          <p:cNvCxnSpPr>
+            <a:stCxn id="16" idx="2"/>
+            <a:endCxn id="21" idx="1"/>
+          </p:cNvCxnSpPr>
+          <p:nvPr/>
+        </p:nvCxnSpPr>
+        <p:spPr>
+          <a:xfrm rot="16200000" flipH="1">
+            <a:off x="5219593" y="2647542"/>
+            <a:ext cx="227082" cy="3366878"/>
+          </a:xfrm>
+          <a:prstGeom prst="bentConnector2">
+            <a:avLst/>
+          </a:prstGeom>
+          <a:ln>
+            <a:solidFill>
+              <a:schemeClr val="tx1"/>
+            </a:solidFill>
+            <a:tailEnd type="triangle"/>
+          </a:ln>
+        </p:spPr>
+        <p:style>
+          <a:lnRef idx="1">
+            <a:schemeClr val="accent1"/>
+          </a:lnRef>
+          <a:fillRef idx="0">
+            <a:schemeClr val="accent1"/>
+          </a:fillRef>
+          <a:effectRef idx="0">
+            <a:schemeClr val="accent1"/>
+          </a:effectRef>
+          <a:fontRef idx="minor">
+            <a:schemeClr val="tx1"/>
+          </a:fontRef>
+        </p:style>
+      </p:cxnSp>
+      <p:sp>
+        <p:nvSpPr>
+          <p:cNvPr id="47" name="TextBox 46"/>
+          <p:cNvSpPr txBox="1"/>
+          <p:nvPr/>
+        </p:nvSpPr>
+        <p:spPr>
+          <a:xfrm>
+            <a:off x="6569674" y="3709695"/>
+            <a:ext cx="367408" cy="276999"/>
+          </a:xfrm>
+          <a:prstGeom prst="rect">
+            <a:avLst/>
+          </a:prstGeom>
+          <a:noFill/>
+        </p:spPr>
+        <p:txBody>
+          <a:bodyPr wrap="none" rtlCol="0">
+            <a:spAutoFit/>
+          </a:bodyPr>
+          <a:lstStyle/>
+          <a:p>
+            <a:r>
+              <a:rPr lang="en-US" altLang="ko-KR" sz="1200" dirty="0"/>
+              <a:t>no</a:t>
+            </a:r>
+            <a:endParaRPr lang="ko-KR" altLang="en-US" sz="1200" dirty="0"/>
+          </a:p>
+        </p:txBody>
+      </p:sp>
+      <p:grpSp>
+        <p:nvGrpSpPr>
+          <p:cNvPr id="66" name="그룹 65"/>
+          <p:cNvGrpSpPr/>
+          <p:nvPr/>
+        </p:nvGrpSpPr>
+        <p:grpSpPr>
+          <a:xfrm>
+            <a:off x="6355906" y="4780426"/>
+            <a:ext cx="1162352" cy="491814"/>
+            <a:chOff x="6894245" y="4632365"/>
+            <a:chExt cx="1162352" cy="491814"/>
+          </a:xfrm>
+        </p:grpSpPr>
+        <p:sp>
+          <p:nvSpPr>
+            <p:cNvPr id="41" name="순서도: 판단 40"/>
+            <p:cNvSpPr/>
+            <p:nvPr/>
+          </p:nvSpPr>
+          <p:spPr>
+            <a:xfrm>
+              <a:off x="6894245" y="4632365"/>
+              <a:ext cx="1153373" cy="491814"/>
+            </a:xfrm>
+            <a:prstGeom prst="flowChartDecision">
+              <a:avLst/>
+            </a:prstGeom>
+            <a:solidFill>
+              <a:schemeClr val="bg1">
+                <a:lumMod val="65000"/>
+              </a:schemeClr>
+            </a:solidFill>
+            <a:ln>
+              <a:solidFill>
+                <a:schemeClr val="tx1"/>
+              </a:solidFill>
+            </a:ln>
+          </p:spPr>
+          <p:style>
+            <a:lnRef idx="2">
+              <a:schemeClr val="accent1">
+                <a:shade val="50000"/>
+              </a:schemeClr>
+            </a:lnRef>
+            <a:fillRef idx="1">
+              <a:schemeClr val="accent1"/>
+            </a:fillRef>
+            <a:effectRef idx="0">
+              <a:schemeClr val="accent1"/>
+            </a:effectRef>
+            <a:fontRef idx="minor">
+              <a:schemeClr val="lt1"/>
+            </a:fontRef>
+          </p:style>
+          <p:txBody>
+            <a:bodyPr rtlCol="0" anchor="ctr"/>
+            <a:lstStyle/>
+            <a:p>
+              <a:pPr algn="ctr"/>
+              <a:endParaRPr lang="ko-KR" altLang="en-US" sz="1200" dirty="0">
+                <a:solidFill>
+                  <a:schemeClr val="tx1"/>
+                </a:solidFill>
+              </a:endParaRPr>
+            </a:p>
+          </p:txBody>
+        </p:sp>
+        <p:sp>
+          <p:nvSpPr>
+            <p:cNvPr id="42" name="TextBox 41"/>
+            <p:cNvSpPr txBox="1"/>
+            <p:nvPr/>
+          </p:nvSpPr>
+          <p:spPr>
+            <a:xfrm>
+              <a:off x="6911733" y="4644902"/>
+              <a:ext cx="1144864" cy="430887"/>
+            </a:xfrm>
+            <a:prstGeom prst="rect">
+              <a:avLst/>
+            </a:prstGeom>
+            <a:noFill/>
+            <a:ln>
+              <a:noFill/>
+            </a:ln>
+          </p:spPr>
+          <p:txBody>
+            <a:bodyPr wrap="none" rtlCol="0">
+              <a:spAutoFit/>
+            </a:bodyPr>
+            <a:lstStyle/>
+            <a:p>
+              <a:pPr algn="ctr"/>
+              <a:r>
+                <a:rPr lang="ko-KR" altLang="en-US" sz="1100" dirty="0"/>
+                <a:t>바꾸고 싶은 </a:t>
+              </a:r>
+              <a:endParaRPr lang="en-US" altLang="ko-KR" sz="1100" dirty="0"/>
+            </a:p>
+            <a:p>
+              <a:pPr algn="ctr"/>
+              <a:r>
+                <a:rPr lang="ko-KR" altLang="en-US" sz="1100" dirty="0"/>
+                <a:t>설정이 있는가</a:t>
+              </a:r>
+              <a:r>
+                <a:rPr lang="en-US" altLang="ko-KR" sz="1100" dirty="0"/>
+                <a:t>?</a:t>
+              </a:r>
+              <a:endParaRPr lang="ko-KR" altLang="en-US" sz="1100" dirty="0"/>
+            </a:p>
+          </p:txBody>
+        </p:sp>
+      </p:grpSp>
+      <p:sp>
+        <p:nvSpPr>
+          <p:cNvPr id="48" name="순서도: 처리 47"/>
+          <p:cNvSpPr/>
+          <p:nvPr/>
+        </p:nvSpPr>
+        <p:spPr>
+          <a:xfrm>
+            <a:off x="7227588" y="5730057"/>
+            <a:ext cx="914400" cy="334107"/>
+          </a:xfrm>
+          <a:prstGeom prst="flowChartProcess">
+            <a:avLst/>
+          </a:prstGeom>
+          <a:solidFill>
+            <a:srgbClr val="FFFF00"/>
+          </a:solidFill>
+          <a:ln>
+            <a:solidFill>
+              <a:schemeClr val="tx1"/>
+            </a:solidFill>
+          </a:ln>
+        </p:spPr>
+        <p:style>
+          <a:lnRef idx="2">
+            <a:schemeClr val="accent1">
+              <a:shade val="50000"/>
+            </a:schemeClr>
+          </a:lnRef>
+          <a:fillRef idx="1">
+            <a:schemeClr val="accent1"/>
+          </a:fillRef>
+          <a:effectRef idx="0">
+            <a:schemeClr val="accent1"/>
+          </a:effectRef>
+          <a:fontRef idx="minor">
+            <a:schemeClr val="lt1"/>
+          </a:fontRef>
+        </p:style>
+        <p:txBody>
+          <a:bodyPr rtlCol="0" anchor="ctr"/>
+          <a:lstStyle/>
+          <a:p>
+            <a:pPr algn="ctr"/>
+            <a:r>
+              <a:rPr lang="ko-KR" altLang="en-US" sz="1100">
+                <a:solidFill>
+                  <a:schemeClr val="tx1"/>
+                </a:solidFill>
+              </a:rPr>
+              <a:t>설정창</a:t>
+            </a:r>
+            <a:endParaRPr lang="ko-KR" altLang="en-US" sz="1100" dirty="0">
+              <a:solidFill>
+                <a:schemeClr val="tx1"/>
+              </a:solidFill>
+            </a:endParaRPr>
+          </a:p>
+        </p:txBody>
+      </p:sp>
+      <p:cxnSp>
+        <p:nvCxnSpPr>
+          <p:cNvPr id="75" name="꺾인 연결선 74"/>
+          <p:cNvCxnSpPr>
+            <a:stCxn id="21" idx="2"/>
+            <a:endCxn id="42" idx="0"/>
+          </p:cNvCxnSpPr>
+          <p:nvPr/>
+        </p:nvCxnSpPr>
+        <p:spPr>
+          <a:xfrm rot="5400000">
+            <a:off x="7212185" y="4320359"/>
+            <a:ext cx="206246" cy="738963"/>
+          </a:xfrm>
+          <a:prstGeom prst="bentConnector3">
+            <a:avLst/>
+          </a:prstGeom>
+          <a:ln>
+            <a:solidFill>
+              <a:schemeClr val="tx1"/>
+            </a:solidFill>
+            <a:tailEnd type="triangle"/>
+          </a:ln>
+        </p:spPr>
+        <p:style>
+          <a:lnRef idx="1">
+            <a:schemeClr val="accent1"/>
+          </a:lnRef>
+          <a:fillRef idx="0">
+            <a:schemeClr val="accent1"/>
+          </a:fillRef>
+          <a:effectRef idx="0">
+            <a:schemeClr val="accent1"/>
+          </a:effectRef>
+          <a:fontRef idx="minor">
+            <a:schemeClr val="tx1"/>
+          </a:fontRef>
+        </p:style>
+      </p:cxnSp>
+      <p:cxnSp>
+        <p:nvCxnSpPr>
+          <p:cNvPr id="77" name="꺾인 연결선 76"/>
+          <p:cNvCxnSpPr>
+            <a:stCxn id="21" idx="2"/>
+            <a:endCxn id="61" idx="0"/>
+          </p:cNvCxnSpPr>
+          <p:nvPr/>
+        </p:nvCxnSpPr>
+        <p:spPr>
+          <a:xfrm rot="16200000" flipH="1">
+            <a:off x="7954919" y="4316586"/>
+            <a:ext cx="193709" cy="733969"/>
+          </a:xfrm>
+          <a:prstGeom prst="bentConnector3">
+            <a:avLst/>
+          </a:prstGeom>
+          <a:ln>
+            <a:solidFill>
+              <a:schemeClr val="tx1"/>
+            </a:solidFill>
+            <a:tailEnd type="triangle"/>
+          </a:ln>
+        </p:spPr>
+        <p:style>
+          <a:lnRef idx="1">
+            <a:schemeClr val="accent1"/>
+          </a:lnRef>
+          <a:fillRef idx="0">
+            <a:schemeClr val="accent1"/>
+          </a:fillRef>
+          <a:effectRef idx="0">
+            <a:schemeClr val="accent1"/>
+          </a:effectRef>
+          <a:fontRef idx="minor">
+            <a:schemeClr val="tx1"/>
+          </a:fontRef>
+        </p:style>
+      </p:cxnSp>
+      <p:cxnSp>
+        <p:nvCxnSpPr>
+          <p:cNvPr id="79" name="꺾인 연결선 78"/>
+          <p:cNvCxnSpPr>
+            <a:stCxn id="61" idx="2"/>
+            <a:endCxn id="48" idx="0"/>
+          </p:cNvCxnSpPr>
+          <p:nvPr/>
+        </p:nvCxnSpPr>
+        <p:spPr>
+          <a:xfrm rot="5400000">
+            <a:off x="7819615" y="5130913"/>
+            <a:ext cx="464317" cy="733970"/>
+          </a:xfrm>
+          <a:prstGeom prst="bentConnector3">
+            <a:avLst/>
+          </a:prstGeom>
+          <a:ln>
+            <a:solidFill>
+              <a:schemeClr val="tx1"/>
+            </a:solidFill>
+            <a:tailEnd type="triangle"/>
+          </a:ln>
+        </p:spPr>
+        <p:style>
+          <a:lnRef idx="1">
+            <a:schemeClr val="accent1"/>
+          </a:lnRef>
+          <a:fillRef idx="0">
+            <a:schemeClr val="accent1"/>
+          </a:fillRef>
+          <a:effectRef idx="0">
+            <a:schemeClr val="accent1"/>
+          </a:effectRef>
+          <a:fontRef idx="minor">
+            <a:schemeClr val="tx1"/>
+          </a:fontRef>
+        </p:style>
+      </p:cxnSp>
+      <p:cxnSp>
+        <p:nvCxnSpPr>
+          <p:cNvPr id="81" name="꺾인 연결선 80"/>
+          <p:cNvCxnSpPr>
+            <a:stCxn id="41" idx="2"/>
+            <a:endCxn id="48" idx="0"/>
+          </p:cNvCxnSpPr>
+          <p:nvPr/>
+        </p:nvCxnSpPr>
+        <p:spPr>
+          <a:xfrm rot="16200000" flipH="1">
+            <a:off x="7079782" y="5125050"/>
+            <a:ext cx="457817" cy="752195"/>
+          </a:xfrm>
+          <a:prstGeom prst="bentConnector3">
+            <a:avLst/>
+          </a:prstGeom>
+          <a:ln>
+            <a:solidFill>
+              <a:schemeClr val="tx1"/>
+            </a:solidFill>
+            <a:tailEnd type="triangle"/>
+          </a:ln>
+        </p:spPr>
+        <p:style>
+          <a:lnRef idx="1">
+            <a:schemeClr val="accent1"/>
+          </a:lnRef>
+          <a:fillRef idx="0">
+            <a:schemeClr val="accent1"/>
+          </a:fillRef>
+          <a:effectRef idx="0">
+            <a:schemeClr val="accent1"/>
+          </a:effectRef>
+          <a:fontRef idx="minor">
+            <a:schemeClr val="tx1"/>
+          </a:fontRef>
+        </p:style>
+      </p:cxnSp>
+      <p:grpSp>
+        <p:nvGrpSpPr>
+          <p:cNvPr id="83" name="그룹 82"/>
+          <p:cNvGrpSpPr/>
+          <p:nvPr/>
+        </p:nvGrpSpPr>
+        <p:grpSpPr>
+          <a:xfrm>
+            <a:off x="7842071" y="4780425"/>
+            <a:ext cx="1153373" cy="485315"/>
+            <a:chOff x="7587096" y="3930439"/>
+            <a:chExt cx="1153373" cy="485315"/>
+          </a:xfrm>
+        </p:grpSpPr>
+        <p:sp>
+          <p:nvSpPr>
+            <p:cNvPr id="61" name="순서도: 판단 60"/>
+            <p:cNvSpPr/>
+            <p:nvPr/>
+          </p:nvSpPr>
+          <p:spPr>
+            <a:xfrm>
+              <a:off x="7587096" y="3930440"/>
+              <a:ext cx="1153373" cy="485314"/>
+            </a:xfrm>
+            <a:prstGeom prst="flowChartDecision">
+              <a:avLst/>
+            </a:prstGeom>
+            <a:solidFill>
+              <a:schemeClr val="bg1">
+                <a:lumMod val="65000"/>
+              </a:schemeClr>
+            </a:solidFill>
+            <a:ln>
+              <a:solidFill>
+                <a:schemeClr val="tx1"/>
+              </a:solidFill>
+            </a:ln>
+          </p:spPr>
+          <p:style>
+            <a:lnRef idx="2">
+              <a:schemeClr val="accent1">
+                <a:shade val="50000"/>
+              </a:schemeClr>
+            </a:lnRef>
+            <a:fillRef idx="1">
+              <a:schemeClr val="accent1"/>
+            </a:fillRef>
+            <a:effectRef idx="0">
+              <a:schemeClr val="accent1"/>
+            </a:effectRef>
+            <a:fontRef idx="minor">
+              <a:schemeClr val="lt1"/>
+            </a:fontRef>
+          </p:style>
+          <p:txBody>
+            <a:bodyPr rtlCol="0" anchor="ctr"/>
+            <a:lstStyle/>
+            <a:p>
+              <a:pPr algn="ctr"/>
+              <a:endParaRPr lang="ko-KR" altLang="en-US" sz="1200" dirty="0">
+                <a:solidFill>
+                  <a:schemeClr val="tx1"/>
+                </a:solidFill>
+              </a:endParaRPr>
+            </a:p>
+          </p:txBody>
+        </p:sp>
+        <p:sp>
+          <p:nvSpPr>
+            <p:cNvPr id="82" name="TextBox 81"/>
+            <p:cNvSpPr txBox="1"/>
+            <p:nvPr/>
+          </p:nvSpPr>
+          <p:spPr>
+            <a:xfrm>
+              <a:off x="7661883" y="3930439"/>
+              <a:ext cx="1003801" cy="430887"/>
+            </a:xfrm>
+            <a:prstGeom prst="rect">
+              <a:avLst/>
+            </a:prstGeom>
+            <a:noFill/>
+            <a:ln>
+              <a:noFill/>
+            </a:ln>
+          </p:spPr>
+          <p:txBody>
+            <a:bodyPr wrap="none" rtlCol="0">
+              <a:spAutoFit/>
+            </a:bodyPr>
+            <a:lstStyle/>
+            <a:p>
+              <a:pPr algn="ctr"/>
+              <a:r>
+                <a:rPr lang="ko-KR" altLang="en-US" sz="1100" dirty="0"/>
+                <a:t>게임에서 </a:t>
+              </a:r>
+              <a:endParaRPr lang="en-US" altLang="ko-KR" sz="1100" dirty="0"/>
+            </a:p>
+            <a:p>
+              <a:pPr algn="ctr"/>
+              <a:r>
+                <a:rPr lang="ko-KR" altLang="en-US" sz="1100" dirty="0"/>
+                <a:t>나갈 것인가</a:t>
+              </a:r>
+              <a:r>
+                <a:rPr lang="en-US" altLang="ko-KR" sz="1100" dirty="0"/>
+                <a:t>?</a:t>
+              </a:r>
+              <a:endParaRPr lang="ko-KR" altLang="en-US" sz="1100" dirty="0"/>
+            </a:p>
+          </p:txBody>
+        </p:sp>
+      </p:grpSp>
+      <p:grpSp>
+        <p:nvGrpSpPr>
+          <p:cNvPr id="93" name="그룹 92"/>
+          <p:cNvGrpSpPr/>
+          <p:nvPr/>
+        </p:nvGrpSpPr>
+        <p:grpSpPr>
+          <a:xfrm>
+            <a:off x="7073883" y="6285824"/>
+            <a:ext cx="1221808" cy="485314"/>
+            <a:chOff x="7552878" y="3930440"/>
+            <a:chExt cx="1221808" cy="485314"/>
+          </a:xfrm>
+        </p:grpSpPr>
+        <p:sp>
+          <p:nvSpPr>
+            <p:cNvPr id="94" name="순서도: 판단 93"/>
+            <p:cNvSpPr/>
+            <p:nvPr/>
+          </p:nvSpPr>
+          <p:spPr>
+            <a:xfrm>
+              <a:off x="7587096" y="3930440"/>
+              <a:ext cx="1153373" cy="485314"/>
+            </a:xfrm>
+            <a:prstGeom prst="flowChartDecision">
+              <a:avLst/>
+            </a:prstGeom>
+            <a:solidFill>
+              <a:schemeClr val="bg1">
+                <a:lumMod val="65000"/>
+              </a:schemeClr>
+            </a:solidFill>
+            <a:ln>
+              <a:solidFill>
+                <a:schemeClr val="tx1"/>
+              </a:solidFill>
+            </a:ln>
+          </p:spPr>
+          <p:style>
+            <a:lnRef idx="2">
+              <a:schemeClr val="accent1">
+                <a:shade val="50000"/>
+              </a:schemeClr>
+            </a:lnRef>
+            <a:fillRef idx="1">
+              <a:schemeClr val="accent1"/>
+            </a:fillRef>
+            <a:effectRef idx="0">
+              <a:schemeClr val="accent1"/>
+            </a:effectRef>
+            <a:fontRef idx="minor">
+              <a:schemeClr val="lt1"/>
+            </a:fontRef>
+          </p:style>
+          <p:txBody>
+            <a:bodyPr rtlCol="0" anchor="ctr"/>
+            <a:lstStyle/>
+            <a:p>
+              <a:pPr algn="ctr"/>
+              <a:endParaRPr lang="ko-KR" altLang="en-US" sz="1200" dirty="0">
+                <a:solidFill>
+                  <a:schemeClr val="tx1"/>
+                </a:solidFill>
+              </a:endParaRPr>
+            </a:p>
+          </p:txBody>
+        </p:sp>
+        <p:sp>
+          <p:nvSpPr>
+            <p:cNvPr id="95" name="TextBox 94"/>
+            <p:cNvSpPr txBox="1"/>
+            <p:nvPr/>
+          </p:nvSpPr>
+          <p:spPr>
+            <a:xfrm>
+              <a:off x="7552878" y="3957653"/>
+              <a:ext cx="1221808" cy="430887"/>
+            </a:xfrm>
+            <a:prstGeom prst="rect">
+              <a:avLst/>
+            </a:prstGeom>
+            <a:noFill/>
+            <a:ln>
+              <a:noFill/>
+            </a:ln>
+          </p:spPr>
+          <p:txBody>
+            <a:bodyPr wrap="none" rtlCol="0">
+              <a:spAutoFit/>
+            </a:bodyPr>
+            <a:lstStyle/>
+            <a:p>
+              <a:pPr algn="ctr"/>
+              <a:r>
+                <a:rPr lang="ko-KR" altLang="en-US" sz="1100" dirty="0"/>
+                <a:t>게임에서 진짜로</a:t>
+              </a:r>
+              <a:endParaRPr lang="en-US" altLang="ko-KR" sz="1100" dirty="0"/>
+            </a:p>
+            <a:p>
+              <a:pPr algn="ctr"/>
+              <a:r>
+                <a:rPr lang="ko-KR" altLang="en-US" sz="1100" dirty="0"/>
+                <a:t> 나갈 것인가</a:t>
+              </a:r>
+              <a:r>
+                <a:rPr lang="en-US" altLang="ko-KR" sz="1100" dirty="0"/>
+                <a:t>?</a:t>
+              </a:r>
+              <a:endParaRPr lang="ko-KR" altLang="en-US" sz="1100" dirty="0"/>
+            </a:p>
+          </p:txBody>
+        </p:sp>
+      </p:grpSp>
+      <p:cxnSp>
+        <p:nvCxnSpPr>
+          <p:cNvPr id="86" name="직선 화살표 연결선 85"/>
+          <p:cNvCxnSpPr>
+            <a:stCxn id="48" idx="2"/>
+            <a:endCxn id="94" idx="0"/>
+          </p:cNvCxnSpPr>
+          <p:nvPr/>
+        </p:nvCxnSpPr>
+        <p:spPr>
+          <a:xfrm>
+            <a:off x="7684788" y="6064164"/>
+            <a:ext cx="0" cy="221660"/>
+          </a:xfrm>
+          <a:prstGeom prst="straightConnector1">
+            <a:avLst/>
+          </a:prstGeom>
+          <a:ln>
+            <a:solidFill>
+              <a:schemeClr val="tx1"/>
+            </a:solidFill>
+            <a:tailEnd type="triangle"/>
+          </a:ln>
+        </p:spPr>
+        <p:style>
+          <a:lnRef idx="1">
+            <a:schemeClr val="accent1"/>
+          </a:lnRef>
+          <a:fillRef idx="0">
+            <a:schemeClr val="accent1"/>
+          </a:fillRef>
+          <a:effectRef idx="0">
+            <a:schemeClr val="accent1"/>
+          </a:effectRef>
+          <a:fontRef idx="minor">
+            <a:schemeClr val="tx1"/>
+          </a:fontRef>
+        </p:style>
+      </p:cxnSp>
+      <p:cxnSp>
+        <p:nvCxnSpPr>
+          <p:cNvPr id="88" name="꺾인 연결선 87"/>
+          <p:cNvCxnSpPr>
+            <a:stCxn id="95" idx="3"/>
+            <a:endCxn id="21" idx="3"/>
+          </p:cNvCxnSpPr>
+          <p:nvPr/>
+        </p:nvCxnSpPr>
+        <p:spPr>
+          <a:xfrm flipV="1">
+            <a:off x="8295691" y="4444522"/>
+            <a:ext cx="57313" cy="2083959"/>
+          </a:xfrm>
+          <a:prstGeom prst="bentConnector3">
+            <a:avLst>
+              <a:gd name="adj1" fmla="val 1710792"/>
+            </a:avLst>
+          </a:prstGeom>
+          <a:ln>
+            <a:solidFill>
+              <a:schemeClr val="tx1"/>
+            </a:solidFill>
+            <a:tailEnd type="triangle"/>
+          </a:ln>
+        </p:spPr>
+        <p:style>
+          <a:lnRef idx="1">
+            <a:schemeClr val="accent1"/>
+          </a:lnRef>
+          <a:fillRef idx="0">
+            <a:schemeClr val="accent1"/>
+          </a:fillRef>
+          <a:effectRef idx="0">
+            <a:schemeClr val="accent1"/>
+          </a:effectRef>
+          <a:fontRef idx="minor">
+            <a:schemeClr val="tx1"/>
+          </a:fontRef>
+        </p:style>
+      </p:cxnSp>
+      <p:sp>
+        <p:nvSpPr>
+          <p:cNvPr id="107" name="모서리가 둥근 직사각형 106"/>
+          <p:cNvSpPr/>
+          <p:nvPr/>
+        </p:nvSpPr>
+        <p:spPr>
+          <a:xfrm>
+            <a:off x="5249891" y="1399473"/>
+            <a:ext cx="1222131" cy="424552"/>
+          </a:xfrm>
+          <a:prstGeom prst="roundRect">
+            <a:avLst/>
+          </a:prstGeom>
+          <a:ln>
+            <a:solidFill>
+              <a:schemeClr val="tx1"/>
+            </a:solidFill>
+          </a:ln>
+        </p:spPr>
+        <p:style>
+          <a:lnRef idx="2">
+            <a:schemeClr val="accent1">
+              <a:shade val="50000"/>
+            </a:schemeClr>
+          </a:lnRef>
+          <a:fillRef idx="1">
+            <a:schemeClr val="accent1"/>
+          </a:fillRef>
+          <a:effectRef idx="0">
+            <a:schemeClr val="accent1"/>
+          </a:effectRef>
+          <a:fontRef idx="minor">
+            <a:schemeClr val="lt1"/>
+          </a:fontRef>
+        </p:style>
+        <p:txBody>
+          <a:bodyPr rtlCol="0" anchor="ctr"/>
+          <a:lstStyle/>
+          <a:p>
+            <a:pPr algn="ctr"/>
+            <a:r>
+              <a:rPr lang="ko-KR" altLang="en-US" sz="1100" dirty="0"/>
+              <a:t>게임 앱 </a:t>
+            </a:r>
+            <a:r>
+              <a:rPr lang="en-US" altLang="ko-KR" sz="1100" dirty="0"/>
+              <a:t>ON</a:t>
+            </a:r>
+            <a:endParaRPr lang="ko-KR" altLang="en-US" sz="1100" dirty="0"/>
+          </a:p>
+        </p:txBody>
+      </p:sp>
+      <p:sp>
+        <p:nvSpPr>
+          <p:cNvPr id="114" name="순서도: 처리 113"/>
+          <p:cNvSpPr/>
+          <p:nvPr/>
+        </p:nvSpPr>
+        <p:spPr>
+          <a:xfrm>
+            <a:off x="5043271" y="1973689"/>
+            <a:ext cx="1635370" cy="288668"/>
+          </a:xfrm>
+          <a:prstGeom prst="flowChartProcess">
+            <a:avLst/>
+          </a:prstGeom>
+          <a:solidFill>
+            <a:srgbClr val="FFFF00"/>
+          </a:solidFill>
+          <a:ln>
+            <a:solidFill>
+              <a:schemeClr val="tx1"/>
+            </a:solidFill>
+          </a:ln>
+        </p:spPr>
+        <p:style>
+          <a:lnRef idx="2">
+            <a:schemeClr val="accent1">
+              <a:shade val="50000"/>
+            </a:schemeClr>
+          </a:lnRef>
+          <a:fillRef idx="1">
+            <a:schemeClr val="accent1"/>
+          </a:fillRef>
+          <a:effectRef idx="0">
+            <a:schemeClr val="accent1"/>
+          </a:effectRef>
+          <a:fontRef idx="minor">
+            <a:schemeClr val="lt1"/>
+          </a:fontRef>
+        </p:style>
+        <p:txBody>
+          <a:bodyPr rtlCol="0" anchor="ctr"/>
+          <a:lstStyle/>
+          <a:p>
+            <a:pPr algn="ctr"/>
+            <a:r>
+              <a:rPr lang="ko-KR" altLang="en-US" sz="1100" dirty="0">
+                <a:solidFill>
+                  <a:schemeClr val="tx1"/>
+                </a:solidFill>
+              </a:rPr>
+              <a:t>로비</a:t>
+            </a:r>
+          </a:p>
+        </p:txBody>
+      </p:sp>
+      <p:cxnSp>
+        <p:nvCxnSpPr>
+          <p:cNvPr id="115" name="직선 화살표 연결선 114"/>
+          <p:cNvCxnSpPr>
+            <a:stCxn id="114" idx="2"/>
+            <a:endCxn id="3" idx="0"/>
+          </p:cNvCxnSpPr>
+          <p:nvPr/>
+        </p:nvCxnSpPr>
+        <p:spPr>
+          <a:xfrm>
+            <a:off x="5860956" y="2262357"/>
+            <a:ext cx="3" cy="271322"/>
+          </a:xfrm>
+          <a:prstGeom prst="straightConnector1">
+            <a:avLst/>
+          </a:prstGeom>
+          <a:ln>
+            <a:solidFill>
+              <a:schemeClr val="tx1"/>
+            </a:solidFill>
+            <a:tailEnd type="triangle"/>
+          </a:ln>
+        </p:spPr>
+        <p:style>
+          <a:lnRef idx="1">
+            <a:schemeClr val="accent1"/>
+          </a:lnRef>
+          <a:fillRef idx="0">
+            <a:schemeClr val="accent1"/>
+          </a:fillRef>
+          <a:effectRef idx="0">
+            <a:schemeClr val="accent1"/>
+          </a:effectRef>
+          <a:fontRef idx="minor">
+            <a:schemeClr val="tx1"/>
+          </a:fontRef>
+        </p:style>
+      </p:cxnSp>
+      <p:cxnSp>
+        <p:nvCxnSpPr>
+          <p:cNvPr id="119" name="꺾인 연결선 118"/>
+          <p:cNvCxnSpPr>
+            <a:stCxn id="95" idx="1"/>
+            <a:endCxn id="114" idx="1"/>
+          </p:cNvCxnSpPr>
+          <p:nvPr/>
+        </p:nvCxnSpPr>
+        <p:spPr>
+          <a:xfrm rot="10800000">
+            <a:off x="5043271" y="2118023"/>
+            <a:ext cx="2030612" cy="4410458"/>
+          </a:xfrm>
+          <a:prstGeom prst="bentConnector3">
+            <a:avLst>
+              <a:gd name="adj1" fmla="val 255443"/>
+            </a:avLst>
+          </a:prstGeom>
+          <a:ln>
+            <a:solidFill>
+              <a:schemeClr val="tx1"/>
+            </a:solidFill>
+            <a:tailEnd type="triangle"/>
+          </a:ln>
+        </p:spPr>
+        <p:style>
+          <a:lnRef idx="1">
+            <a:schemeClr val="accent1"/>
+          </a:lnRef>
+          <a:fillRef idx="0">
+            <a:schemeClr val="accent1"/>
+          </a:fillRef>
+          <a:effectRef idx="0">
+            <a:schemeClr val="accent1"/>
+          </a:effectRef>
+          <a:fontRef idx="minor">
+            <a:schemeClr val="tx1"/>
+          </a:fontRef>
+        </p:style>
+      </p:cxnSp>
+      <p:sp>
+        <p:nvSpPr>
+          <p:cNvPr id="123" name="TextBox 122"/>
+          <p:cNvSpPr txBox="1"/>
+          <p:nvPr/>
+        </p:nvSpPr>
+        <p:spPr>
+          <a:xfrm>
+            <a:off x="9273159" y="5265739"/>
+            <a:ext cx="367408" cy="276999"/>
+          </a:xfrm>
+          <a:prstGeom prst="rect">
+            <a:avLst/>
+          </a:prstGeom>
+          <a:noFill/>
+        </p:spPr>
+        <p:txBody>
+          <a:bodyPr wrap="none" rtlCol="0">
+            <a:spAutoFit/>
+          </a:bodyPr>
+          <a:lstStyle/>
+          <a:p>
+            <a:r>
+              <a:rPr lang="en-US" altLang="ko-KR" sz="1200" dirty="0"/>
+              <a:t>no</a:t>
+            </a:r>
+            <a:endParaRPr lang="ko-KR" altLang="en-US" sz="1200" dirty="0"/>
+          </a:p>
+        </p:txBody>
+      </p:sp>
+      <p:sp>
+        <p:nvSpPr>
+          <p:cNvPr id="124" name="TextBox 123"/>
+          <p:cNvSpPr txBox="1"/>
+          <p:nvPr/>
+        </p:nvSpPr>
+        <p:spPr>
+          <a:xfrm>
+            <a:off x="1533400" y="3951525"/>
+            <a:ext cx="408253" cy="276999"/>
+          </a:xfrm>
+          <a:prstGeom prst="rect">
+            <a:avLst/>
+          </a:prstGeom>
+          <a:noFill/>
+        </p:spPr>
+        <p:txBody>
+          <a:bodyPr wrap="none" rtlCol="0">
+            <a:spAutoFit/>
+          </a:bodyPr>
+          <a:lstStyle/>
+          <a:p>
+            <a:r>
+              <a:rPr lang="en-US" altLang="ko-KR" sz="1200" dirty="0"/>
+              <a:t>yes</a:t>
+            </a:r>
+            <a:endParaRPr lang="ko-KR" altLang="en-US" sz="1200" dirty="0"/>
+          </a:p>
+        </p:txBody>
+      </p:sp>
+    </p:spTree>
+    <p:extLst>
+      <p:ext uri="{BB962C8B-B14F-4D97-AF65-F5344CB8AC3E}">
+        <p14:creationId xmlns:p14="http://schemas.microsoft.com/office/powerpoint/2010/main" val="475194819"/>
+      </p:ext>
+    </p:extLst>
+  </p:cSld>
+  <p:clrMapOvr>
+    <a:masterClrMapping/>
+  </p:clrMapOvr>
+</p:sld>
+</file>
+
+<file path=ppt/slides/slide11.xml><?xml version="1.0" encoding="utf-8"?>
 <p:sld xmlns:a="http://schemas.openxmlformats.org/drawingml/2006/main" xmlns:r="http://schemas.openxmlformats.org/officeDocument/2006/relationships" xmlns:p="http://schemas.openxmlformats.org/presentationml/2006/main">
   <p:cSld>
     <p:spTree>
@@ -6960,7 +8613,7 @@
 </p:sld>
 </file>
 
-<file path=ppt/slides/slide11.xml><?xml version="1.0" encoding="utf-8"?>
+<file path=ppt/slides/slide12.xml><?xml version="1.0" encoding="utf-8"?>
 <p:sld xmlns:a="http://schemas.openxmlformats.org/drawingml/2006/main" xmlns:r="http://schemas.openxmlformats.org/officeDocument/2006/relationships" xmlns:p="http://schemas.openxmlformats.org/presentationml/2006/main">
   <p:cSld>
     <p:spTree>
@@ -8908,7 +10561,7 @@
 </p:sld>
 </file>
 
-<file path=ppt/slides/slide12.xml><?xml version="1.0" encoding="utf-8"?>
+<file path=ppt/slides/slide13.xml><?xml version="1.0" encoding="utf-8"?>
 <p:sld xmlns:a="http://schemas.openxmlformats.org/drawingml/2006/main" xmlns:r="http://schemas.openxmlformats.org/officeDocument/2006/relationships" xmlns:p="http://schemas.openxmlformats.org/presentationml/2006/main">
   <p:cSld>
     <p:spTree>
@@ -9446,6 +11099,14 @@
               </a:rPr>
               <a:t>상대편 </a:t>
             </a:r>
+            <a:r>
+              <a:rPr lang="en-US" altLang="ko-KR" sz="1100" dirty="0">
+                <a:solidFill>
+                  <a:schemeClr val="tx1"/>
+                </a:solidFill>
+              </a:rPr>
+              <a:t/>
+            </a:r>
             <a:br>
               <a:rPr lang="en-US" altLang="ko-KR" sz="1100" dirty="0">
                 <a:solidFill>
@@ -9529,6 +11190,14 @@
                 </a:solidFill>
               </a:rPr>
               <a:t>중립</a:t>
+            </a:r>
+            <a:r>
+              <a:rPr lang="en-US" altLang="ko-KR" sz="1100" dirty="0">
+                <a:solidFill>
+                  <a:schemeClr val="tx1"/>
+                </a:solidFill>
+              </a:rPr>
+              <a:t/>
             </a:r>
             <a:br>
               <a:rPr lang="en-US" altLang="ko-KR" sz="1100" dirty="0">
@@ -11015,13 +12684,13 @@
           <p:nvPr/>
         </p:nvPicPr>
         <p:blipFill>
-          <a:blip r:embed="rId3" cstate="print">
+          <a:blip r:embed="rId3" cstate="hqprint">
             <a:extLst>
               <a:ext uri="{28A0092B-C50C-407E-A947-70E740481C1C}">
                 <a14:useLocalDpi xmlns:a14="http://schemas.microsoft.com/office/drawing/2010/main" val="0"/>
               </a:ext>
               <a:ext uri="{96DAC541-7B7A-43D3-8B79-37D633B846F1}">
-                <asvg:svgBlip xmlns:asvg="http://schemas.microsoft.com/office/drawing/2016/SVG/main" r:embed="rId4"/>
+                <asvg:svgBlip xmlns:asvg="http://schemas.microsoft.com/office/drawing/2016/SVG/main" xmlns="" r:embed="rId4"/>
               </a:ext>
             </a:extLst>
           </a:blip>
@@ -13183,30 +14852,66 @@
               <a:rPr lang="ko-KR" altLang="en-US" b="1" dirty="0"/>
               <a:t>한 팀이 재료를 먼저 모았을 때</a:t>
             </a:r>
+            <a:r>
+              <a:rPr lang="en-US" altLang="ko-KR" b="1" dirty="0"/>
+              <a:t/>
+            </a:r>
             <a:br>
               <a:rPr lang="en-US" altLang="ko-KR" b="1" dirty="0"/>
             </a:br>
+            <a:r>
+              <a:rPr lang="en-US" altLang="ko-KR" b="1" dirty="0"/>
+              <a:t/>
+            </a:r>
             <a:br>
               <a:rPr lang="en-US" altLang="ko-KR" b="1" dirty="0"/>
             </a:br>
+            <a:r>
+              <a:rPr lang="en-US" altLang="ko-KR" b="1" dirty="0"/>
+              <a:t/>
+            </a:r>
             <a:br>
               <a:rPr lang="en-US" altLang="ko-KR" b="1" dirty="0"/>
             </a:br>
+            <a:r>
+              <a:rPr lang="en-US" altLang="ko-KR" b="1" dirty="0"/>
+              <a:t/>
+            </a:r>
             <a:br>
               <a:rPr lang="en-US" altLang="ko-KR" b="1" dirty="0"/>
             </a:br>
+            <a:r>
+              <a:rPr lang="en-US" altLang="ko-KR" b="1" dirty="0"/>
+              <a:t/>
+            </a:r>
             <a:br>
               <a:rPr lang="en-US" altLang="ko-KR" b="1" dirty="0"/>
             </a:br>
+            <a:r>
+              <a:rPr lang="en-US" altLang="ko-KR" b="1" dirty="0"/>
+              <a:t/>
+            </a:r>
             <a:br>
               <a:rPr lang="en-US" altLang="ko-KR" b="1" dirty="0"/>
             </a:br>
+            <a:r>
+              <a:rPr lang="en-US" altLang="ko-KR" b="1" dirty="0"/>
+              <a:t/>
+            </a:r>
             <a:br>
               <a:rPr lang="en-US" altLang="ko-KR" b="1" dirty="0"/>
             </a:br>
+            <a:r>
+              <a:rPr lang="en-US" altLang="ko-KR" b="1" dirty="0"/>
+              <a:t/>
+            </a:r>
             <a:br>
               <a:rPr lang="en-US" altLang="ko-KR" b="1" dirty="0"/>
             </a:br>
+            <a:r>
+              <a:rPr lang="en-US" altLang="ko-KR" b="1" dirty="0"/>
+              <a:t/>
+            </a:r>
             <a:br>
               <a:rPr lang="en-US" altLang="ko-KR" b="1" dirty="0"/>
             </a:br>
@@ -24081,6 +25786,10 @@
               <a:rPr lang="ko-KR" altLang="en-US" sz="1100" b="1" dirty="0"/>
               <a:t>에서</a:t>
             </a:r>
+            <a:r>
+              <a:rPr lang="en-US" altLang="ko-KR" sz="1100" b="1" dirty="0"/>
+              <a:t/>
+            </a:r>
             <a:br>
               <a:rPr lang="en-US" altLang="ko-KR" sz="1100" b="1" dirty="0"/>
             </a:br>
@@ -25884,6 +27593,14 @@
                         </a:rPr>
                         <a:t>점령 지점에 있는 재료 채집 가능</a:t>
                       </a:r>
+                      <a:r>
+                        <a:rPr lang="en-US" altLang="ko-KR" sz="1100" b="1" dirty="0">
+                          <a:solidFill>
+                            <a:schemeClr val="tx1"/>
+                          </a:solidFill>
+                        </a:rPr>
+                        <a:t/>
+                      </a:r>
                       <a:br>
                         <a:rPr lang="en-US" altLang="ko-KR" sz="1100" b="1" dirty="0">
                           <a:solidFill>
@@ -25948,6 +27665,14 @@
                           </a:solidFill>
                         </a:rPr>
                         <a:t>점령이 되지 않은 상태에서는 재료 채집 불가</a:t>
+                      </a:r>
+                      <a:r>
+                        <a:rPr lang="en-US" altLang="ko-KR" sz="1100" b="1" dirty="0">
+                          <a:solidFill>
+                            <a:schemeClr val="tx1"/>
+                          </a:solidFill>
+                        </a:rPr>
+                        <a:t/>
                       </a:r>
                       <a:br>
                         <a:rPr lang="en-US" altLang="ko-KR" sz="1100" b="1" dirty="0">
@@ -28362,6 +30087,210 @@
       </p:grpSpPr>
       <p:sp>
         <p:nvSpPr>
+          <p:cNvPr id="11" name="TextBox 10"/>
+          <p:cNvSpPr txBox="1"/>
+          <p:nvPr/>
+        </p:nvSpPr>
+        <p:spPr>
+          <a:xfrm>
+            <a:off x="646546" y="5359878"/>
+            <a:ext cx="4224233" cy="646331"/>
+          </a:xfrm>
+          <a:prstGeom prst="rect">
+            <a:avLst/>
+          </a:prstGeom>
+          <a:noFill/>
+        </p:spPr>
+        <p:txBody>
+          <a:bodyPr wrap="none" rtlCol="0">
+            <a:spAutoFit/>
+          </a:bodyPr>
+          <a:lstStyle/>
+          <a:p>
+            <a:r>
+              <a:rPr lang="ko-KR" altLang="en-US" sz="1200" dirty="0" smtClean="0"/>
+              <a:t>리그 오브 레전드의 상태이상 표시와 같이 표시합니다</a:t>
+            </a:r>
+            <a:r>
+              <a:rPr lang="en-US" altLang="ko-KR" sz="1200" dirty="0" smtClean="0"/>
+              <a:t>.</a:t>
+            </a:r>
+          </a:p>
+          <a:p>
+            <a:r>
+              <a:rPr lang="ko-KR" altLang="en-US" sz="1200" b="1" dirty="0" smtClean="0"/>
+              <a:t>닉네임이 있는 부분에 상태가 변경된 후 </a:t>
+            </a:r>
+            <a:r>
+              <a:rPr lang="en-US" altLang="ko-KR" sz="1200" b="1" dirty="0" smtClean="0"/>
+              <a:t>2</a:t>
+            </a:r>
+            <a:r>
+              <a:rPr lang="ko-KR" altLang="en-US" sz="1200" b="1" dirty="0" smtClean="0"/>
+              <a:t>초간 표시합니다</a:t>
+            </a:r>
+            <a:r>
+              <a:rPr lang="en-US" altLang="ko-KR" sz="1200" b="1" dirty="0" smtClean="0"/>
+              <a:t>.</a:t>
+            </a:r>
+          </a:p>
+          <a:p>
+            <a:r>
+              <a:rPr lang="en-US" altLang="ko-KR" sz="1200" b="1" dirty="0" smtClean="0"/>
+              <a:t>(</a:t>
+            </a:r>
+            <a:r>
+              <a:rPr lang="ko-KR" altLang="en-US" sz="1200" b="1" dirty="0" smtClean="0"/>
+              <a:t>단 상태가 중간에 변한 경우</a:t>
+            </a:r>
+            <a:r>
+              <a:rPr lang="en-US" altLang="ko-KR" sz="1200" b="1" dirty="0" smtClean="0"/>
+              <a:t>, </a:t>
+            </a:r>
+            <a:r>
+              <a:rPr lang="ko-KR" altLang="en-US" sz="1200" b="1" dirty="0" smtClean="0"/>
+              <a:t>변한 상태를 표시해줍니다</a:t>
+            </a:r>
+            <a:r>
+              <a:rPr lang="en-US" altLang="ko-KR" sz="1200" b="1" dirty="0" smtClean="0"/>
+              <a:t>.)</a:t>
+            </a:r>
+            <a:endParaRPr lang="ko-KR" altLang="en-US" sz="1200" b="1" dirty="0"/>
+          </a:p>
+        </p:txBody>
+      </p:sp>
+      <p:sp>
+        <p:nvSpPr>
+          <p:cNvPr id="10" name="TextBox 9"/>
+          <p:cNvSpPr txBox="1"/>
+          <p:nvPr/>
+        </p:nvSpPr>
+        <p:spPr>
+          <a:xfrm>
+            <a:off x="428017" y="1290101"/>
+            <a:ext cx="11617283" cy="338554"/>
+          </a:xfrm>
+          <a:prstGeom prst="rect">
+            <a:avLst/>
+          </a:prstGeom>
+          <a:noFill/>
+        </p:spPr>
+        <p:txBody>
+          <a:bodyPr wrap="none" rtlCol="0">
+            <a:spAutoFit/>
+          </a:bodyPr>
+          <a:lstStyle/>
+          <a:p>
+            <a:r>
+              <a:rPr lang="en-US" altLang="ko-KR" sz="1600" b="1" dirty="0" smtClean="0"/>
+              <a:t>“</a:t>
+            </a:r>
+            <a:r>
+              <a:rPr lang="ko-KR" altLang="en-US" sz="1600" b="1" dirty="0" smtClean="0"/>
+              <a:t>모아모아 </a:t>
+            </a:r>
+            <a:r>
+              <a:rPr lang="ko-KR" altLang="en-US" sz="1600" b="1" dirty="0" err="1" smtClean="0"/>
+              <a:t>섬탈출</a:t>
+            </a:r>
+            <a:r>
+              <a:rPr lang="en-US" altLang="ko-KR" sz="1600" b="1" dirty="0" smtClean="0"/>
+              <a:t>”</a:t>
+            </a:r>
+            <a:r>
+              <a:rPr lang="ko-KR" altLang="en-US" sz="1600" b="1" dirty="0" smtClean="0"/>
+              <a:t>에는 상태</a:t>
+            </a:r>
+            <a:r>
+              <a:rPr lang="en-US" altLang="ko-KR" sz="1600" b="1" dirty="0" smtClean="0"/>
+              <a:t>(</a:t>
+            </a:r>
+            <a:r>
+              <a:rPr lang="ko-KR" altLang="en-US" sz="1600" b="1" dirty="0" err="1" smtClean="0"/>
+              <a:t>쿨타임</a:t>
+            </a:r>
+            <a:r>
+              <a:rPr lang="ko-KR" altLang="en-US" sz="1600" b="1" dirty="0" smtClean="0"/>
+              <a:t> 감소</a:t>
+            </a:r>
+            <a:r>
+              <a:rPr lang="en-US" altLang="ko-KR" sz="1600" b="1" dirty="0" smtClean="0"/>
+              <a:t>, </a:t>
+            </a:r>
+            <a:r>
+              <a:rPr lang="ko-KR" altLang="en-US" sz="1600" b="1" dirty="0" smtClean="0"/>
+              <a:t>기절</a:t>
+            </a:r>
+            <a:r>
+              <a:rPr lang="en-US" altLang="ko-KR" sz="1600" b="1" dirty="0" smtClean="0"/>
+              <a:t>, </a:t>
+            </a:r>
+            <a:r>
+              <a:rPr lang="ko-KR" altLang="en-US" sz="1600" b="1" dirty="0" err="1" smtClean="0"/>
+              <a:t>디퍼프</a:t>
+            </a:r>
+            <a:r>
+              <a:rPr lang="ko-KR" altLang="en-US" sz="1600" b="1" dirty="0" smtClean="0"/>
+              <a:t> 해제</a:t>
+            </a:r>
+            <a:r>
+              <a:rPr lang="en-US" altLang="ko-KR" sz="1600" b="1" dirty="0" smtClean="0"/>
+              <a:t>, </a:t>
+            </a:r>
+            <a:r>
+              <a:rPr lang="ko-KR" altLang="en-US" sz="1600" b="1" dirty="0" smtClean="0"/>
+              <a:t>미션 불가</a:t>
+            </a:r>
+            <a:r>
+              <a:rPr lang="en-US" altLang="ko-KR" sz="1600" b="1" dirty="0" smtClean="0"/>
+              <a:t>, </a:t>
+            </a:r>
+            <a:r>
+              <a:rPr lang="ko-KR" altLang="en-US" sz="1600" b="1" dirty="0" smtClean="0"/>
+              <a:t>이동 불가</a:t>
+            </a:r>
+            <a:r>
+              <a:rPr lang="en-US" altLang="ko-KR" sz="1600" b="1" dirty="0" smtClean="0"/>
+              <a:t>, </a:t>
+            </a:r>
+            <a:r>
+              <a:rPr lang="ko-KR" altLang="en-US" sz="1600" b="1" dirty="0" smtClean="0"/>
+              <a:t>재료 빼앗김</a:t>
+            </a:r>
+            <a:r>
+              <a:rPr lang="en-US" altLang="ko-KR" sz="1600" b="1" dirty="0" smtClean="0"/>
+              <a:t>, </a:t>
+            </a:r>
+            <a:r>
+              <a:rPr lang="ko-KR" altLang="en-US" sz="1600" b="1" dirty="0" err="1" smtClean="0"/>
+              <a:t>느려짐</a:t>
+            </a:r>
+            <a:r>
+              <a:rPr lang="en-US" altLang="ko-KR" sz="1600" b="1" dirty="0" smtClean="0"/>
+              <a:t>)</a:t>
+            </a:r>
+            <a:r>
+              <a:rPr lang="ko-KR" altLang="en-US" sz="1600" b="1" dirty="0" smtClean="0"/>
+              <a:t>가 총 </a:t>
+            </a:r>
+            <a:r>
+              <a:rPr lang="en-US" altLang="ko-KR" sz="1600" b="1" dirty="0" smtClean="0"/>
+              <a:t>7</a:t>
+            </a:r>
+            <a:r>
+              <a:rPr lang="ko-KR" altLang="en-US" sz="1600" b="1" dirty="0" smtClean="0"/>
+              <a:t>개 있습니다</a:t>
+            </a:r>
+            <a:r>
+              <a:rPr lang="en-US" altLang="ko-KR" sz="1600" b="1" dirty="0" smtClean="0"/>
+              <a:t>.</a:t>
+            </a:r>
+            <a:endParaRPr lang="ko-KR" altLang="en-US" sz="1600" b="1" dirty="0"/>
+          </a:p>
+        </p:txBody>
+      </p:sp>
+      <p:sp>
+        <p:nvSpPr>
           <p:cNvPr id="4" name="직사각형 3">
             <a:extLst>
               <a:ext uri="{FF2B5EF4-FFF2-40B4-BE49-F238E27FC236}">
@@ -28427,7 +30356,7 @@
         <p:spPr>
           <a:xfrm>
             <a:off x="646546" y="255627"/>
-            <a:ext cx="4230254" cy="523220"/>
+            <a:ext cx="5700610" cy="523220"/>
           </a:xfrm>
           <a:prstGeom prst="rect">
             <a:avLst/>
@@ -28441,275 +30370,1667 @@
           <a:lstStyle/>
           <a:p>
             <a:r>
-              <a:rPr lang="ko-KR" altLang="en-US" sz="2800" b="1" dirty="0"/>
-              <a:t>게임 구조도 </a:t>
+              <a:rPr lang="ko-KR" altLang="en-US" sz="2800" b="1" dirty="0" smtClean="0"/>
+              <a:t>상태 표시</a:t>
             </a:r>
-            <a:r>
-              <a:rPr lang="en-US" altLang="ko-KR" sz="2800" b="1" dirty="0"/>
-              <a:t>( </a:t>
-            </a:r>
-            <a:r>
-              <a:rPr lang="ko-KR" altLang="en-US" sz="2800" b="1" dirty="0"/>
-              <a:t>전체 </a:t>
-            </a:r>
-            <a:r>
-              <a:rPr lang="en-US" altLang="ko-KR" sz="2800" b="1" dirty="0"/>
-              <a:t>)</a:t>
-            </a:r>
+            <a:endParaRPr lang="en-US" altLang="ko-KR" sz="2800" b="1" dirty="0"/>
           </a:p>
         </p:txBody>
       </p:sp>
+      <p:pic>
+        <p:nvPicPr>
+          <p:cNvPr id="1026" name="Picture 2" descr="공중에 뜸&quot; 선수 - 롤: 리그 오브 레전드 - 에펨코리아"/>
+          <p:cNvPicPr>
+            <a:picLocks noChangeAspect="1" noChangeArrowheads="1"/>
+          </p:cNvPicPr>
+          <p:nvPr/>
+        </p:nvPicPr>
+        <p:blipFill>
+          <a:blip r:embed="rId3">
+            <a:extLst>
+              <a:ext uri="{28A0092B-C50C-407E-A947-70E740481C1C}">
+                <a14:useLocalDpi xmlns:a14="http://schemas.microsoft.com/office/drawing/2010/main" val="0"/>
+              </a:ext>
+            </a:extLst>
+          </a:blip>
+          <a:srcRect/>
+          <a:stretch>
+            <a:fillRect/>
+          </a:stretch>
+        </p:blipFill>
+        <p:spPr bwMode="auto">
+          <a:xfrm>
+            <a:off x="1410943" y="1950352"/>
+            <a:ext cx="2569666" cy="3155985"/>
+          </a:xfrm>
+          <a:prstGeom prst="rect">
+            <a:avLst/>
+          </a:prstGeom>
+          <a:noFill/>
+          <a:extLst>
+            <a:ext uri="{909E8E84-426E-40DD-AFC4-6F175D3DCCD1}">
+              <a14:hiddenFill xmlns:a14="http://schemas.microsoft.com/office/drawing/2010/main">
+                <a:solidFill>
+                  <a:srgbClr val="FFFFFF"/>
+                </a:solidFill>
+              </a14:hiddenFill>
+            </a:ext>
+          </a:extLst>
+        </p:spPr>
+      </p:pic>
+      <p:graphicFrame>
+        <p:nvGraphicFramePr>
+          <p:cNvPr id="12" name="표 11"/>
+          <p:cNvGraphicFramePr>
+            <a:graphicFrameLocks noGrp="1"/>
+          </p:cNvGraphicFramePr>
+          <p:nvPr>
+            <p:extLst>
+              <p:ext uri="{D42A27DB-BD31-4B8C-83A1-F6EECF244321}">
+                <p14:modId xmlns:p14="http://schemas.microsoft.com/office/powerpoint/2010/main" val="3734794001"/>
+              </p:ext>
+            </p:extLst>
+          </p:nvPr>
+        </p:nvGraphicFramePr>
+        <p:xfrm>
+          <a:off x="5836596" y="2489320"/>
+          <a:ext cx="5703918" cy="2194560"/>
+        </p:xfrm>
+        <a:graphic>
+          <a:graphicData uri="http://schemas.openxmlformats.org/drawingml/2006/table">
+            <a:tbl>
+              <a:tblPr firstRow="1" bandRow="1">
+                <a:tableStyleId>{5C22544A-7EE6-4342-B048-85BDC9FD1C3A}</a:tableStyleId>
+              </a:tblPr>
+              <a:tblGrid>
+                <a:gridCol w="1901306">
+                  <a:extLst>
+                    <a:ext uri="{9D8B030D-6E8A-4147-A177-3AD203B41FA5}">
+                      <a16:colId xmlns:a16="http://schemas.microsoft.com/office/drawing/2014/main" val="1132741856"/>
+                    </a:ext>
+                  </a:extLst>
+                </a:gridCol>
+                <a:gridCol w="1901306">
+                  <a:extLst>
+                    <a:ext uri="{9D8B030D-6E8A-4147-A177-3AD203B41FA5}">
+                      <a16:colId xmlns:a16="http://schemas.microsoft.com/office/drawing/2014/main" val="3467006443"/>
+                    </a:ext>
+                  </a:extLst>
+                </a:gridCol>
+                <a:gridCol w="1901306">
+                  <a:extLst>
+                    <a:ext uri="{9D8B030D-6E8A-4147-A177-3AD203B41FA5}">
+                      <a16:colId xmlns:a16="http://schemas.microsoft.com/office/drawing/2014/main" val="442788688"/>
+                    </a:ext>
+                  </a:extLst>
+                </a:gridCol>
+              </a:tblGrid>
+              <a:tr h="266036">
+                <a:tc>
+                  <a:txBody>
+                    <a:bodyPr/>
+                    <a:lstStyle/>
+                    <a:p>
+                      <a:pPr algn="ctr" latinLnBrk="1"/>
+                      <a:r>
+                        <a:rPr lang="ko-KR" altLang="en-US" sz="1200" b="1" dirty="0" smtClean="0">
+                          <a:solidFill>
+                            <a:sysClr val="windowText" lastClr="000000"/>
+                          </a:solidFill>
+                        </a:rPr>
+                        <a:t>상태 이름</a:t>
+                      </a:r>
+                      <a:endParaRPr lang="ko-KR" altLang="en-US" sz="1200" b="1" dirty="0">
+                        <a:solidFill>
+                          <a:sysClr val="windowText" lastClr="000000"/>
+                        </a:solidFill>
+                      </a:endParaRPr>
+                    </a:p>
+                  </a:txBody>
+                  <a:tcPr>
+                    <a:lnL w="12700" cap="flat" cmpd="sng" algn="ctr">
+                      <a:solidFill>
+                        <a:schemeClr val="tx1"/>
+                      </a:solidFill>
+                      <a:prstDash val="solid"/>
+                      <a:round/>
+                      <a:headEnd type="none" w="med" len="med"/>
+                      <a:tailEnd type="none" w="med" len="med"/>
+                    </a:lnL>
+                    <a:lnR w="12700" cap="flat" cmpd="sng" algn="ctr">
+                      <a:solidFill>
+                        <a:schemeClr val="tx1"/>
+                      </a:solidFill>
+                      <a:prstDash val="solid"/>
+                      <a:round/>
+                      <a:headEnd type="none" w="med" len="med"/>
+                      <a:tailEnd type="none" w="med" len="med"/>
+                    </a:lnR>
+                    <a:lnT w="12700" cap="flat" cmpd="sng" algn="ctr">
+                      <a:solidFill>
+                        <a:schemeClr val="tx1"/>
+                      </a:solidFill>
+                      <a:prstDash val="solid"/>
+                      <a:round/>
+                      <a:headEnd type="none" w="med" len="med"/>
+                      <a:tailEnd type="none" w="med" len="med"/>
+                    </a:lnT>
+                    <a:lnB w="12700" cap="flat" cmpd="sng" algn="ctr">
+                      <a:solidFill>
+                        <a:schemeClr val="tx1"/>
+                      </a:solidFill>
+                      <a:prstDash val="solid"/>
+                      <a:round/>
+                      <a:headEnd type="none" w="med" len="med"/>
+                      <a:tailEnd type="none" w="med" len="med"/>
+                    </a:lnB>
+                    <a:noFill/>
+                  </a:tcPr>
+                </a:tc>
+                <a:tc>
+                  <a:txBody>
+                    <a:bodyPr/>
+                    <a:lstStyle/>
+                    <a:p>
+                      <a:pPr algn="ctr" latinLnBrk="1"/>
+                      <a:r>
+                        <a:rPr lang="ko-KR" altLang="en-US" sz="1200" b="1" dirty="0" smtClean="0">
+                          <a:solidFill>
+                            <a:sysClr val="windowText" lastClr="000000"/>
+                          </a:solidFill>
+                        </a:rPr>
+                        <a:t>버프 </a:t>
+                      </a:r>
+                      <a:r>
+                        <a:rPr lang="en-US" altLang="ko-KR" sz="1200" b="1" dirty="0" smtClean="0">
+                          <a:solidFill>
+                            <a:sysClr val="windowText" lastClr="000000"/>
+                          </a:solidFill>
+                        </a:rPr>
+                        <a:t>/ </a:t>
+                      </a:r>
+                      <a:r>
+                        <a:rPr lang="ko-KR" altLang="en-US" sz="1200" b="1" dirty="0" err="1" smtClean="0">
+                          <a:solidFill>
+                            <a:sysClr val="windowText" lastClr="000000"/>
+                          </a:solidFill>
+                        </a:rPr>
+                        <a:t>너프</a:t>
+                      </a:r>
+                      <a:endParaRPr lang="ko-KR" altLang="en-US" sz="1200" b="1" dirty="0">
+                        <a:solidFill>
+                          <a:sysClr val="windowText" lastClr="000000"/>
+                        </a:solidFill>
+                      </a:endParaRPr>
+                    </a:p>
+                  </a:txBody>
+                  <a:tcPr>
+                    <a:lnL w="12700" cap="flat" cmpd="sng" algn="ctr">
+                      <a:solidFill>
+                        <a:schemeClr val="tx1"/>
+                      </a:solidFill>
+                      <a:prstDash val="solid"/>
+                      <a:round/>
+                      <a:headEnd type="none" w="med" len="med"/>
+                      <a:tailEnd type="none" w="med" len="med"/>
+                    </a:lnL>
+                    <a:lnR w="12700" cap="flat" cmpd="sng" algn="ctr">
+                      <a:solidFill>
+                        <a:schemeClr val="tx1"/>
+                      </a:solidFill>
+                      <a:prstDash val="solid"/>
+                      <a:round/>
+                      <a:headEnd type="none" w="med" len="med"/>
+                      <a:tailEnd type="none" w="med" len="med"/>
+                    </a:lnR>
+                    <a:lnT w="12700" cap="flat" cmpd="sng" algn="ctr">
+                      <a:solidFill>
+                        <a:schemeClr val="tx1"/>
+                      </a:solidFill>
+                      <a:prstDash val="solid"/>
+                      <a:round/>
+                      <a:headEnd type="none" w="med" len="med"/>
+                      <a:tailEnd type="none" w="med" len="med"/>
+                    </a:lnT>
+                    <a:lnB w="12700" cap="flat" cmpd="sng" algn="ctr">
+                      <a:solidFill>
+                        <a:schemeClr val="tx1"/>
+                      </a:solidFill>
+                      <a:prstDash val="solid"/>
+                      <a:round/>
+                      <a:headEnd type="none" w="med" len="med"/>
+                      <a:tailEnd type="none" w="med" len="med"/>
+                    </a:lnB>
+                    <a:noFill/>
+                  </a:tcPr>
+                </a:tc>
+                <a:tc>
+                  <a:txBody>
+                    <a:bodyPr/>
+                    <a:lstStyle/>
+                    <a:p>
+                      <a:pPr algn="ctr" latinLnBrk="1"/>
+                      <a:r>
+                        <a:rPr lang="ko-KR" altLang="en-US" sz="1200" b="1" dirty="0" smtClean="0">
+                          <a:solidFill>
+                            <a:sysClr val="windowText" lastClr="000000"/>
+                          </a:solidFill>
+                        </a:rPr>
+                        <a:t>표시 색상</a:t>
+                      </a:r>
+                      <a:endParaRPr lang="ko-KR" altLang="en-US" sz="1200" b="1" dirty="0">
+                        <a:solidFill>
+                          <a:sysClr val="windowText" lastClr="000000"/>
+                        </a:solidFill>
+                      </a:endParaRPr>
+                    </a:p>
+                  </a:txBody>
+                  <a:tcPr>
+                    <a:lnL w="12700" cap="flat" cmpd="sng" algn="ctr">
+                      <a:solidFill>
+                        <a:schemeClr val="tx1"/>
+                      </a:solidFill>
+                      <a:prstDash val="solid"/>
+                      <a:round/>
+                      <a:headEnd type="none" w="med" len="med"/>
+                      <a:tailEnd type="none" w="med" len="med"/>
+                    </a:lnL>
+                    <a:lnR w="12700" cap="flat" cmpd="sng" algn="ctr">
+                      <a:solidFill>
+                        <a:schemeClr val="tx1"/>
+                      </a:solidFill>
+                      <a:prstDash val="solid"/>
+                      <a:round/>
+                      <a:headEnd type="none" w="med" len="med"/>
+                      <a:tailEnd type="none" w="med" len="med"/>
+                    </a:lnR>
+                    <a:lnT w="12700" cap="flat" cmpd="sng" algn="ctr">
+                      <a:solidFill>
+                        <a:schemeClr val="tx1"/>
+                      </a:solidFill>
+                      <a:prstDash val="solid"/>
+                      <a:round/>
+                      <a:headEnd type="none" w="med" len="med"/>
+                      <a:tailEnd type="none" w="med" len="med"/>
+                    </a:lnT>
+                    <a:lnB w="12700" cap="flat" cmpd="sng" algn="ctr">
+                      <a:solidFill>
+                        <a:schemeClr val="tx1"/>
+                      </a:solidFill>
+                      <a:prstDash val="solid"/>
+                      <a:round/>
+                      <a:headEnd type="none" w="med" len="med"/>
+                      <a:tailEnd type="none" w="med" len="med"/>
+                    </a:lnB>
+                    <a:noFill/>
+                  </a:tcPr>
+                </a:tc>
+                <a:extLst>
+                  <a:ext uri="{0D108BD9-81ED-4DB2-BD59-A6C34878D82A}">
+                    <a16:rowId xmlns:a16="http://schemas.microsoft.com/office/drawing/2014/main" val="3271397495"/>
+                  </a:ext>
+                </a:extLst>
+              </a:tr>
+              <a:tr h="266036">
+                <a:tc>
+                  <a:txBody>
+                    <a:bodyPr/>
+                    <a:lstStyle/>
+                    <a:p>
+                      <a:pPr algn="ctr" latinLnBrk="1"/>
+                      <a:r>
+                        <a:rPr lang="ko-KR" altLang="en-US" sz="1200" b="0" dirty="0" err="1" smtClean="0">
+                          <a:solidFill>
+                            <a:sysClr val="windowText" lastClr="000000"/>
+                          </a:solidFill>
+                        </a:rPr>
+                        <a:t>쿨타임</a:t>
+                      </a:r>
+                      <a:r>
+                        <a:rPr lang="ko-KR" altLang="en-US" sz="1200" b="0" dirty="0" smtClean="0">
+                          <a:solidFill>
+                            <a:sysClr val="windowText" lastClr="000000"/>
+                          </a:solidFill>
+                        </a:rPr>
+                        <a:t> 감소</a:t>
+                      </a:r>
+                      <a:endParaRPr lang="ko-KR" altLang="en-US" sz="1200" b="0" dirty="0">
+                        <a:solidFill>
+                          <a:sysClr val="windowText" lastClr="000000"/>
+                        </a:solidFill>
+                      </a:endParaRPr>
+                    </a:p>
+                  </a:txBody>
+                  <a:tcPr>
+                    <a:lnL w="12700" cap="flat" cmpd="sng" algn="ctr">
+                      <a:solidFill>
+                        <a:schemeClr val="tx1"/>
+                      </a:solidFill>
+                      <a:prstDash val="solid"/>
+                      <a:round/>
+                      <a:headEnd type="none" w="med" len="med"/>
+                      <a:tailEnd type="none" w="med" len="med"/>
+                    </a:lnL>
+                    <a:lnR w="12700" cap="flat" cmpd="sng" algn="ctr">
+                      <a:solidFill>
+                        <a:schemeClr val="tx1"/>
+                      </a:solidFill>
+                      <a:prstDash val="solid"/>
+                      <a:round/>
+                      <a:headEnd type="none" w="med" len="med"/>
+                      <a:tailEnd type="none" w="med" len="med"/>
+                    </a:lnR>
+                    <a:lnT w="12700" cap="flat" cmpd="sng" algn="ctr">
+                      <a:solidFill>
+                        <a:schemeClr val="tx1"/>
+                      </a:solidFill>
+                      <a:prstDash val="solid"/>
+                      <a:round/>
+                      <a:headEnd type="none" w="med" len="med"/>
+                      <a:tailEnd type="none" w="med" len="med"/>
+                    </a:lnT>
+                    <a:lnB w="12700" cap="flat" cmpd="sng" algn="ctr">
+                      <a:solidFill>
+                        <a:schemeClr val="tx1"/>
+                      </a:solidFill>
+                      <a:prstDash val="solid"/>
+                      <a:round/>
+                      <a:headEnd type="none" w="med" len="med"/>
+                      <a:tailEnd type="none" w="med" len="med"/>
+                    </a:lnB>
+                    <a:noFill/>
+                  </a:tcPr>
+                </a:tc>
+                <a:tc>
+                  <a:txBody>
+                    <a:bodyPr/>
+                    <a:lstStyle/>
+                    <a:p>
+                      <a:pPr algn="ctr" latinLnBrk="1"/>
+                      <a:r>
+                        <a:rPr lang="ko-KR" altLang="en-US" sz="1200" b="0" dirty="0" smtClean="0">
+                          <a:solidFill>
+                            <a:sysClr val="windowText" lastClr="000000"/>
+                          </a:solidFill>
+                        </a:rPr>
+                        <a:t>버프</a:t>
+                      </a:r>
+                      <a:endParaRPr lang="ko-KR" altLang="en-US" sz="1200" b="0" dirty="0">
+                        <a:solidFill>
+                          <a:sysClr val="windowText" lastClr="000000"/>
+                        </a:solidFill>
+                      </a:endParaRPr>
+                    </a:p>
+                  </a:txBody>
+                  <a:tcPr>
+                    <a:lnL w="12700" cap="flat" cmpd="sng" algn="ctr">
+                      <a:solidFill>
+                        <a:schemeClr val="tx1"/>
+                      </a:solidFill>
+                      <a:prstDash val="solid"/>
+                      <a:round/>
+                      <a:headEnd type="none" w="med" len="med"/>
+                      <a:tailEnd type="none" w="med" len="med"/>
+                    </a:lnL>
+                    <a:lnR w="12700" cap="flat" cmpd="sng" algn="ctr">
+                      <a:solidFill>
+                        <a:schemeClr val="tx1"/>
+                      </a:solidFill>
+                      <a:prstDash val="solid"/>
+                      <a:round/>
+                      <a:headEnd type="none" w="med" len="med"/>
+                      <a:tailEnd type="none" w="med" len="med"/>
+                    </a:lnR>
+                    <a:lnT w="12700" cap="flat" cmpd="sng" algn="ctr">
+                      <a:solidFill>
+                        <a:schemeClr val="tx1"/>
+                      </a:solidFill>
+                      <a:prstDash val="solid"/>
+                      <a:round/>
+                      <a:headEnd type="none" w="med" len="med"/>
+                      <a:tailEnd type="none" w="med" len="med"/>
+                    </a:lnT>
+                    <a:lnB w="12700" cap="flat" cmpd="sng" algn="ctr">
+                      <a:solidFill>
+                        <a:schemeClr val="tx1"/>
+                      </a:solidFill>
+                      <a:prstDash val="solid"/>
+                      <a:round/>
+                      <a:headEnd type="none" w="med" len="med"/>
+                      <a:tailEnd type="none" w="med" len="med"/>
+                    </a:lnB>
+                    <a:noFill/>
+                  </a:tcPr>
+                </a:tc>
+                <a:tc>
+                  <a:txBody>
+                    <a:bodyPr/>
+                    <a:lstStyle/>
+                    <a:p>
+                      <a:pPr algn="ctr" latinLnBrk="1"/>
+                      <a:r>
+                        <a:rPr lang="ko-KR" altLang="en-US" sz="1200" b="1" dirty="0" smtClean="0">
+                          <a:solidFill>
+                            <a:srgbClr val="0070C0"/>
+                          </a:solidFill>
+                        </a:rPr>
+                        <a:t>푸른색</a:t>
+                      </a:r>
+                      <a:endParaRPr lang="ko-KR" altLang="en-US" sz="1200" b="1" dirty="0">
+                        <a:solidFill>
+                          <a:srgbClr val="0070C0"/>
+                        </a:solidFill>
+                      </a:endParaRPr>
+                    </a:p>
+                  </a:txBody>
+                  <a:tcPr>
+                    <a:lnL w="12700" cap="flat" cmpd="sng" algn="ctr">
+                      <a:solidFill>
+                        <a:schemeClr val="tx1"/>
+                      </a:solidFill>
+                      <a:prstDash val="solid"/>
+                      <a:round/>
+                      <a:headEnd type="none" w="med" len="med"/>
+                      <a:tailEnd type="none" w="med" len="med"/>
+                    </a:lnL>
+                    <a:lnR w="12700" cap="flat" cmpd="sng" algn="ctr">
+                      <a:solidFill>
+                        <a:schemeClr val="tx1"/>
+                      </a:solidFill>
+                      <a:prstDash val="solid"/>
+                      <a:round/>
+                      <a:headEnd type="none" w="med" len="med"/>
+                      <a:tailEnd type="none" w="med" len="med"/>
+                    </a:lnR>
+                    <a:lnT w="12700" cap="flat" cmpd="sng" algn="ctr">
+                      <a:solidFill>
+                        <a:schemeClr val="tx1"/>
+                      </a:solidFill>
+                      <a:prstDash val="solid"/>
+                      <a:round/>
+                      <a:headEnd type="none" w="med" len="med"/>
+                      <a:tailEnd type="none" w="med" len="med"/>
+                    </a:lnT>
+                    <a:lnB w="12700" cap="flat" cmpd="sng" algn="ctr">
+                      <a:solidFill>
+                        <a:schemeClr val="tx1"/>
+                      </a:solidFill>
+                      <a:prstDash val="solid"/>
+                      <a:round/>
+                      <a:headEnd type="none" w="med" len="med"/>
+                      <a:tailEnd type="none" w="med" len="med"/>
+                    </a:lnB>
+                    <a:noFill/>
+                  </a:tcPr>
+                </a:tc>
+                <a:extLst>
+                  <a:ext uri="{0D108BD9-81ED-4DB2-BD59-A6C34878D82A}">
+                    <a16:rowId xmlns:a16="http://schemas.microsoft.com/office/drawing/2014/main" val="2620343798"/>
+                  </a:ext>
+                </a:extLst>
+              </a:tr>
+              <a:tr h="266036">
+                <a:tc>
+                  <a:txBody>
+                    <a:bodyPr/>
+                    <a:lstStyle/>
+                    <a:p>
+                      <a:pPr algn="ctr" latinLnBrk="1"/>
+                      <a:r>
+                        <a:rPr lang="ko-KR" altLang="en-US" sz="1200" b="0" dirty="0" smtClean="0">
+                          <a:solidFill>
+                            <a:sysClr val="windowText" lastClr="000000"/>
+                          </a:solidFill>
+                        </a:rPr>
+                        <a:t>기절</a:t>
+                      </a:r>
+                      <a:endParaRPr lang="ko-KR" altLang="en-US" sz="1200" b="0" dirty="0">
+                        <a:solidFill>
+                          <a:sysClr val="windowText" lastClr="000000"/>
+                        </a:solidFill>
+                      </a:endParaRPr>
+                    </a:p>
+                  </a:txBody>
+                  <a:tcPr>
+                    <a:lnL w="12700" cap="flat" cmpd="sng" algn="ctr">
+                      <a:solidFill>
+                        <a:schemeClr val="tx1"/>
+                      </a:solidFill>
+                      <a:prstDash val="solid"/>
+                      <a:round/>
+                      <a:headEnd type="none" w="med" len="med"/>
+                      <a:tailEnd type="none" w="med" len="med"/>
+                    </a:lnL>
+                    <a:lnR w="12700" cap="flat" cmpd="sng" algn="ctr">
+                      <a:solidFill>
+                        <a:schemeClr val="tx1"/>
+                      </a:solidFill>
+                      <a:prstDash val="solid"/>
+                      <a:round/>
+                      <a:headEnd type="none" w="med" len="med"/>
+                      <a:tailEnd type="none" w="med" len="med"/>
+                    </a:lnR>
+                    <a:lnT w="12700" cap="flat" cmpd="sng" algn="ctr">
+                      <a:solidFill>
+                        <a:schemeClr val="tx1"/>
+                      </a:solidFill>
+                      <a:prstDash val="solid"/>
+                      <a:round/>
+                      <a:headEnd type="none" w="med" len="med"/>
+                      <a:tailEnd type="none" w="med" len="med"/>
+                    </a:lnT>
+                    <a:lnB w="12700" cap="flat" cmpd="sng" algn="ctr">
+                      <a:solidFill>
+                        <a:schemeClr val="tx1"/>
+                      </a:solidFill>
+                      <a:prstDash val="solid"/>
+                      <a:round/>
+                      <a:headEnd type="none" w="med" len="med"/>
+                      <a:tailEnd type="none" w="med" len="med"/>
+                    </a:lnB>
+                    <a:noFill/>
+                  </a:tcPr>
+                </a:tc>
+                <a:tc>
+                  <a:txBody>
+                    <a:bodyPr/>
+                    <a:lstStyle/>
+                    <a:p>
+                      <a:pPr algn="ctr" latinLnBrk="1"/>
+                      <a:r>
+                        <a:rPr lang="ko-KR" altLang="en-US" sz="1200" b="0" dirty="0" err="1" smtClean="0">
+                          <a:solidFill>
+                            <a:sysClr val="windowText" lastClr="000000"/>
+                          </a:solidFill>
+                        </a:rPr>
+                        <a:t>너프</a:t>
+                      </a:r>
+                      <a:endParaRPr lang="ko-KR" altLang="en-US" sz="1200" b="0" dirty="0">
+                        <a:solidFill>
+                          <a:sysClr val="windowText" lastClr="000000"/>
+                        </a:solidFill>
+                      </a:endParaRPr>
+                    </a:p>
+                  </a:txBody>
+                  <a:tcPr>
+                    <a:lnL w="12700" cap="flat" cmpd="sng" algn="ctr">
+                      <a:solidFill>
+                        <a:schemeClr val="tx1"/>
+                      </a:solidFill>
+                      <a:prstDash val="solid"/>
+                      <a:round/>
+                      <a:headEnd type="none" w="med" len="med"/>
+                      <a:tailEnd type="none" w="med" len="med"/>
+                    </a:lnL>
+                    <a:lnR w="12700" cap="flat" cmpd="sng" algn="ctr">
+                      <a:solidFill>
+                        <a:schemeClr val="tx1"/>
+                      </a:solidFill>
+                      <a:prstDash val="solid"/>
+                      <a:round/>
+                      <a:headEnd type="none" w="med" len="med"/>
+                      <a:tailEnd type="none" w="med" len="med"/>
+                    </a:lnR>
+                    <a:lnT w="12700" cap="flat" cmpd="sng" algn="ctr">
+                      <a:solidFill>
+                        <a:schemeClr val="tx1"/>
+                      </a:solidFill>
+                      <a:prstDash val="solid"/>
+                      <a:round/>
+                      <a:headEnd type="none" w="med" len="med"/>
+                      <a:tailEnd type="none" w="med" len="med"/>
+                    </a:lnT>
+                    <a:lnB w="12700" cap="flat" cmpd="sng" algn="ctr">
+                      <a:solidFill>
+                        <a:schemeClr val="tx1"/>
+                      </a:solidFill>
+                      <a:prstDash val="solid"/>
+                      <a:round/>
+                      <a:headEnd type="none" w="med" len="med"/>
+                      <a:tailEnd type="none" w="med" len="med"/>
+                    </a:lnB>
+                    <a:noFill/>
+                  </a:tcPr>
+                </a:tc>
+                <a:tc>
+                  <a:txBody>
+                    <a:bodyPr/>
+                    <a:lstStyle/>
+                    <a:p>
+                      <a:pPr algn="ctr" latinLnBrk="1"/>
+                      <a:r>
+                        <a:rPr lang="ko-KR" altLang="en-US" sz="1200" b="1" dirty="0" smtClean="0">
+                          <a:solidFill>
+                            <a:srgbClr val="FF0000"/>
+                          </a:solidFill>
+                        </a:rPr>
+                        <a:t>붉은색</a:t>
+                      </a:r>
+                      <a:endParaRPr lang="ko-KR" altLang="en-US" sz="1200" b="1" dirty="0">
+                        <a:solidFill>
+                          <a:srgbClr val="FF0000"/>
+                        </a:solidFill>
+                      </a:endParaRPr>
+                    </a:p>
+                  </a:txBody>
+                  <a:tcPr>
+                    <a:lnL w="12700" cap="flat" cmpd="sng" algn="ctr">
+                      <a:solidFill>
+                        <a:schemeClr val="tx1"/>
+                      </a:solidFill>
+                      <a:prstDash val="solid"/>
+                      <a:round/>
+                      <a:headEnd type="none" w="med" len="med"/>
+                      <a:tailEnd type="none" w="med" len="med"/>
+                    </a:lnL>
+                    <a:lnR w="12700" cap="flat" cmpd="sng" algn="ctr">
+                      <a:solidFill>
+                        <a:schemeClr val="tx1"/>
+                      </a:solidFill>
+                      <a:prstDash val="solid"/>
+                      <a:round/>
+                      <a:headEnd type="none" w="med" len="med"/>
+                      <a:tailEnd type="none" w="med" len="med"/>
+                    </a:lnR>
+                    <a:lnT w="12700" cap="flat" cmpd="sng" algn="ctr">
+                      <a:solidFill>
+                        <a:schemeClr val="tx1"/>
+                      </a:solidFill>
+                      <a:prstDash val="solid"/>
+                      <a:round/>
+                      <a:headEnd type="none" w="med" len="med"/>
+                      <a:tailEnd type="none" w="med" len="med"/>
+                    </a:lnT>
+                    <a:lnB w="12700" cap="flat" cmpd="sng" algn="ctr">
+                      <a:solidFill>
+                        <a:schemeClr val="tx1"/>
+                      </a:solidFill>
+                      <a:prstDash val="solid"/>
+                      <a:round/>
+                      <a:headEnd type="none" w="med" len="med"/>
+                      <a:tailEnd type="none" w="med" len="med"/>
+                    </a:lnB>
+                    <a:noFill/>
+                  </a:tcPr>
+                </a:tc>
+                <a:extLst>
+                  <a:ext uri="{0D108BD9-81ED-4DB2-BD59-A6C34878D82A}">
+                    <a16:rowId xmlns:a16="http://schemas.microsoft.com/office/drawing/2014/main" val="3751206322"/>
+                  </a:ext>
+                </a:extLst>
+              </a:tr>
+              <a:tr h="266036">
+                <a:tc>
+                  <a:txBody>
+                    <a:bodyPr/>
+                    <a:lstStyle/>
+                    <a:p>
+                      <a:pPr algn="ctr" latinLnBrk="1"/>
+                      <a:r>
+                        <a:rPr lang="ko-KR" altLang="en-US" sz="1200" b="0" dirty="0" err="1" smtClean="0">
+                          <a:solidFill>
+                            <a:sysClr val="windowText" lastClr="000000"/>
+                          </a:solidFill>
+                        </a:rPr>
+                        <a:t>디버프</a:t>
+                      </a:r>
+                      <a:r>
+                        <a:rPr lang="ko-KR" altLang="en-US" sz="1200" b="0" dirty="0" smtClean="0">
+                          <a:solidFill>
+                            <a:sysClr val="windowText" lastClr="000000"/>
+                          </a:solidFill>
+                        </a:rPr>
+                        <a:t> 해제</a:t>
+                      </a:r>
+                      <a:endParaRPr lang="ko-KR" altLang="en-US" sz="1200" b="0" dirty="0">
+                        <a:solidFill>
+                          <a:sysClr val="windowText" lastClr="000000"/>
+                        </a:solidFill>
+                      </a:endParaRPr>
+                    </a:p>
+                  </a:txBody>
+                  <a:tcPr>
+                    <a:lnL w="12700" cap="flat" cmpd="sng" algn="ctr">
+                      <a:solidFill>
+                        <a:schemeClr val="tx1"/>
+                      </a:solidFill>
+                      <a:prstDash val="solid"/>
+                      <a:round/>
+                      <a:headEnd type="none" w="med" len="med"/>
+                      <a:tailEnd type="none" w="med" len="med"/>
+                    </a:lnL>
+                    <a:lnR w="12700" cap="flat" cmpd="sng" algn="ctr">
+                      <a:solidFill>
+                        <a:schemeClr val="tx1"/>
+                      </a:solidFill>
+                      <a:prstDash val="solid"/>
+                      <a:round/>
+                      <a:headEnd type="none" w="med" len="med"/>
+                      <a:tailEnd type="none" w="med" len="med"/>
+                    </a:lnR>
+                    <a:lnT w="12700" cap="flat" cmpd="sng" algn="ctr">
+                      <a:solidFill>
+                        <a:schemeClr val="tx1"/>
+                      </a:solidFill>
+                      <a:prstDash val="solid"/>
+                      <a:round/>
+                      <a:headEnd type="none" w="med" len="med"/>
+                      <a:tailEnd type="none" w="med" len="med"/>
+                    </a:lnT>
+                    <a:lnB w="12700" cap="flat" cmpd="sng" algn="ctr">
+                      <a:solidFill>
+                        <a:schemeClr val="tx1"/>
+                      </a:solidFill>
+                      <a:prstDash val="solid"/>
+                      <a:round/>
+                      <a:headEnd type="none" w="med" len="med"/>
+                      <a:tailEnd type="none" w="med" len="med"/>
+                    </a:lnB>
+                    <a:noFill/>
+                  </a:tcPr>
+                </a:tc>
+                <a:tc>
+                  <a:txBody>
+                    <a:bodyPr/>
+                    <a:lstStyle/>
+                    <a:p>
+                      <a:pPr algn="ctr" latinLnBrk="1"/>
+                      <a:r>
+                        <a:rPr lang="ko-KR" altLang="en-US" sz="1200" b="0" dirty="0" smtClean="0">
+                          <a:solidFill>
+                            <a:sysClr val="windowText" lastClr="000000"/>
+                          </a:solidFill>
+                        </a:rPr>
+                        <a:t>버프</a:t>
+                      </a:r>
+                      <a:endParaRPr lang="en-US" altLang="ko-KR" sz="1200" b="0" dirty="0" smtClean="0">
+                        <a:solidFill>
+                          <a:sysClr val="windowText" lastClr="000000"/>
+                        </a:solidFill>
+                      </a:endParaRPr>
+                    </a:p>
+                  </a:txBody>
+                  <a:tcPr>
+                    <a:lnL w="12700" cap="flat" cmpd="sng" algn="ctr">
+                      <a:solidFill>
+                        <a:schemeClr val="tx1"/>
+                      </a:solidFill>
+                      <a:prstDash val="solid"/>
+                      <a:round/>
+                      <a:headEnd type="none" w="med" len="med"/>
+                      <a:tailEnd type="none" w="med" len="med"/>
+                    </a:lnL>
+                    <a:lnR w="12700" cap="flat" cmpd="sng" algn="ctr">
+                      <a:solidFill>
+                        <a:schemeClr val="tx1"/>
+                      </a:solidFill>
+                      <a:prstDash val="solid"/>
+                      <a:round/>
+                      <a:headEnd type="none" w="med" len="med"/>
+                      <a:tailEnd type="none" w="med" len="med"/>
+                    </a:lnR>
+                    <a:lnT w="12700" cap="flat" cmpd="sng" algn="ctr">
+                      <a:solidFill>
+                        <a:schemeClr val="tx1"/>
+                      </a:solidFill>
+                      <a:prstDash val="solid"/>
+                      <a:round/>
+                      <a:headEnd type="none" w="med" len="med"/>
+                      <a:tailEnd type="none" w="med" len="med"/>
+                    </a:lnT>
+                    <a:lnB w="12700" cap="flat" cmpd="sng" algn="ctr">
+                      <a:solidFill>
+                        <a:schemeClr val="tx1"/>
+                      </a:solidFill>
+                      <a:prstDash val="solid"/>
+                      <a:round/>
+                      <a:headEnd type="none" w="med" len="med"/>
+                      <a:tailEnd type="none" w="med" len="med"/>
+                    </a:lnB>
+                    <a:noFill/>
+                  </a:tcPr>
+                </a:tc>
+                <a:tc>
+                  <a:txBody>
+                    <a:bodyPr/>
+                    <a:lstStyle/>
+                    <a:p>
+                      <a:pPr algn="ctr" latinLnBrk="1"/>
+                      <a:r>
+                        <a:rPr lang="ko-KR" altLang="en-US" sz="1200" b="1" dirty="0" smtClean="0">
+                          <a:solidFill>
+                            <a:srgbClr val="0070C0"/>
+                          </a:solidFill>
+                        </a:rPr>
+                        <a:t>푸른색</a:t>
+                      </a:r>
+                      <a:endParaRPr lang="ko-KR" altLang="en-US" sz="1200" b="1" dirty="0">
+                        <a:solidFill>
+                          <a:srgbClr val="0070C0"/>
+                        </a:solidFill>
+                      </a:endParaRPr>
+                    </a:p>
+                  </a:txBody>
+                  <a:tcPr>
+                    <a:lnL w="12700" cap="flat" cmpd="sng" algn="ctr">
+                      <a:solidFill>
+                        <a:schemeClr val="tx1"/>
+                      </a:solidFill>
+                      <a:prstDash val="solid"/>
+                      <a:round/>
+                      <a:headEnd type="none" w="med" len="med"/>
+                      <a:tailEnd type="none" w="med" len="med"/>
+                    </a:lnL>
+                    <a:lnR w="12700" cap="flat" cmpd="sng" algn="ctr">
+                      <a:solidFill>
+                        <a:schemeClr val="tx1"/>
+                      </a:solidFill>
+                      <a:prstDash val="solid"/>
+                      <a:round/>
+                      <a:headEnd type="none" w="med" len="med"/>
+                      <a:tailEnd type="none" w="med" len="med"/>
+                    </a:lnR>
+                    <a:lnT w="12700" cap="flat" cmpd="sng" algn="ctr">
+                      <a:solidFill>
+                        <a:schemeClr val="tx1"/>
+                      </a:solidFill>
+                      <a:prstDash val="solid"/>
+                      <a:round/>
+                      <a:headEnd type="none" w="med" len="med"/>
+                      <a:tailEnd type="none" w="med" len="med"/>
+                    </a:lnT>
+                    <a:lnB w="12700" cap="flat" cmpd="sng" algn="ctr">
+                      <a:solidFill>
+                        <a:schemeClr val="tx1"/>
+                      </a:solidFill>
+                      <a:prstDash val="solid"/>
+                      <a:round/>
+                      <a:headEnd type="none" w="med" len="med"/>
+                      <a:tailEnd type="none" w="med" len="med"/>
+                    </a:lnB>
+                    <a:noFill/>
+                  </a:tcPr>
+                </a:tc>
+                <a:extLst>
+                  <a:ext uri="{0D108BD9-81ED-4DB2-BD59-A6C34878D82A}">
+                    <a16:rowId xmlns:a16="http://schemas.microsoft.com/office/drawing/2014/main" val="1214121786"/>
+                  </a:ext>
+                </a:extLst>
+              </a:tr>
+              <a:tr h="266036">
+                <a:tc>
+                  <a:txBody>
+                    <a:bodyPr/>
+                    <a:lstStyle/>
+                    <a:p>
+                      <a:pPr algn="ctr" latinLnBrk="1"/>
+                      <a:r>
+                        <a:rPr lang="ko-KR" altLang="en-US" sz="1200" b="0" dirty="0" smtClean="0">
+                          <a:solidFill>
+                            <a:sysClr val="windowText" lastClr="000000"/>
+                          </a:solidFill>
+                        </a:rPr>
+                        <a:t>미션 불가</a:t>
+                      </a:r>
+                      <a:endParaRPr lang="en-US" altLang="ko-KR" sz="1200" b="0" dirty="0" smtClean="0">
+                        <a:solidFill>
+                          <a:sysClr val="windowText" lastClr="000000"/>
+                        </a:solidFill>
+                      </a:endParaRPr>
+                    </a:p>
+                  </a:txBody>
+                  <a:tcPr>
+                    <a:lnL w="12700" cap="flat" cmpd="sng" algn="ctr">
+                      <a:solidFill>
+                        <a:schemeClr val="tx1"/>
+                      </a:solidFill>
+                      <a:prstDash val="solid"/>
+                      <a:round/>
+                      <a:headEnd type="none" w="med" len="med"/>
+                      <a:tailEnd type="none" w="med" len="med"/>
+                    </a:lnL>
+                    <a:lnR w="12700" cap="flat" cmpd="sng" algn="ctr">
+                      <a:solidFill>
+                        <a:schemeClr val="tx1"/>
+                      </a:solidFill>
+                      <a:prstDash val="solid"/>
+                      <a:round/>
+                      <a:headEnd type="none" w="med" len="med"/>
+                      <a:tailEnd type="none" w="med" len="med"/>
+                    </a:lnR>
+                    <a:lnT w="12700" cap="flat" cmpd="sng" algn="ctr">
+                      <a:solidFill>
+                        <a:schemeClr val="tx1"/>
+                      </a:solidFill>
+                      <a:prstDash val="solid"/>
+                      <a:round/>
+                      <a:headEnd type="none" w="med" len="med"/>
+                      <a:tailEnd type="none" w="med" len="med"/>
+                    </a:lnT>
+                    <a:lnB w="12700" cap="flat" cmpd="sng" algn="ctr">
+                      <a:solidFill>
+                        <a:schemeClr val="tx1"/>
+                      </a:solidFill>
+                      <a:prstDash val="solid"/>
+                      <a:round/>
+                      <a:headEnd type="none" w="med" len="med"/>
+                      <a:tailEnd type="none" w="med" len="med"/>
+                    </a:lnB>
+                    <a:noFill/>
+                  </a:tcPr>
+                </a:tc>
+                <a:tc>
+                  <a:txBody>
+                    <a:bodyPr/>
+                    <a:lstStyle/>
+                    <a:p>
+                      <a:pPr algn="ctr" latinLnBrk="1"/>
+                      <a:r>
+                        <a:rPr lang="ko-KR" altLang="en-US" sz="1200" b="0" dirty="0" err="1" smtClean="0">
+                          <a:solidFill>
+                            <a:sysClr val="windowText" lastClr="000000"/>
+                          </a:solidFill>
+                        </a:rPr>
+                        <a:t>너프</a:t>
+                      </a:r>
+                      <a:endParaRPr lang="ko-KR" altLang="en-US" sz="1200" b="0" dirty="0">
+                        <a:solidFill>
+                          <a:sysClr val="windowText" lastClr="000000"/>
+                        </a:solidFill>
+                      </a:endParaRPr>
+                    </a:p>
+                  </a:txBody>
+                  <a:tcPr>
+                    <a:lnL w="12700" cap="flat" cmpd="sng" algn="ctr">
+                      <a:solidFill>
+                        <a:schemeClr val="tx1"/>
+                      </a:solidFill>
+                      <a:prstDash val="solid"/>
+                      <a:round/>
+                      <a:headEnd type="none" w="med" len="med"/>
+                      <a:tailEnd type="none" w="med" len="med"/>
+                    </a:lnL>
+                    <a:lnR w="12700" cap="flat" cmpd="sng" algn="ctr">
+                      <a:solidFill>
+                        <a:schemeClr val="tx1"/>
+                      </a:solidFill>
+                      <a:prstDash val="solid"/>
+                      <a:round/>
+                      <a:headEnd type="none" w="med" len="med"/>
+                      <a:tailEnd type="none" w="med" len="med"/>
+                    </a:lnR>
+                    <a:lnT w="12700" cap="flat" cmpd="sng" algn="ctr">
+                      <a:solidFill>
+                        <a:schemeClr val="tx1"/>
+                      </a:solidFill>
+                      <a:prstDash val="solid"/>
+                      <a:round/>
+                      <a:headEnd type="none" w="med" len="med"/>
+                      <a:tailEnd type="none" w="med" len="med"/>
+                    </a:lnT>
+                    <a:lnB w="12700" cap="flat" cmpd="sng" algn="ctr">
+                      <a:solidFill>
+                        <a:schemeClr val="tx1"/>
+                      </a:solidFill>
+                      <a:prstDash val="solid"/>
+                      <a:round/>
+                      <a:headEnd type="none" w="med" len="med"/>
+                      <a:tailEnd type="none" w="med" len="med"/>
+                    </a:lnB>
+                    <a:noFill/>
+                  </a:tcPr>
+                </a:tc>
+                <a:tc>
+                  <a:txBody>
+                    <a:bodyPr/>
+                    <a:lstStyle/>
+                    <a:p>
+                      <a:pPr algn="ctr" latinLnBrk="1"/>
+                      <a:r>
+                        <a:rPr lang="ko-KR" altLang="en-US" sz="1200" b="1" dirty="0" smtClean="0">
+                          <a:solidFill>
+                            <a:srgbClr val="FF0000"/>
+                          </a:solidFill>
+                        </a:rPr>
+                        <a:t>붉은색</a:t>
+                      </a:r>
+                      <a:endParaRPr lang="ko-KR" altLang="en-US" sz="1200" b="1" dirty="0">
+                        <a:solidFill>
+                          <a:srgbClr val="FF0000"/>
+                        </a:solidFill>
+                      </a:endParaRPr>
+                    </a:p>
+                  </a:txBody>
+                  <a:tcPr>
+                    <a:lnL w="12700" cap="flat" cmpd="sng" algn="ctr">
+                      <a:solidFill>
+                        <a:schemeClr val="tx1"/>
+                      </a:solidFill>
+                      <a:prstDash val="solid"/>
+                      <a:round/>
+                      <a:headEnd type="none" w="med" len="med"/>
+                      <a:tailEnd type="none" w="med" len="med"/>
+                    </a:lnL>
+                    <a:lnR w="12700" cap="flat" cmpd="sng" algn="ctr">
+                      <a:solidFill>
+                        <a:schemeClr val="tx1"/>
+                      </a:solidFill>
+                      <a:prstDash val="solid"/>
+                      <a:round/>
+                      <a:headEnd type="none" w="med" len="med"/>
+                      <a:tailEnd type="none" w="med" len="med"/>
+                    </a:lnR>
+                    <a:lnT w="12700" cap="flat" cmpd="sng" algn="ctr">
+                      <a:solidFill>
+                        <a:schemeClr val="tx1"/>
+                      </a:solidFill>
+                      <a:prstDash val="solid"/>
+                      <a:round/>
+                      <a:headEnd type="none" w="med" len="med"/>
+                      <a:tailEnd type="none" w="med" len="med"/>
+                    </a:lnT>
+                    <a:lnB w="12700" cap="flat" cmpd="sng" algn="ctr">
+                      <a:solidFill>
+                        <a:schemeClr val="tx1"/>
+                      </a:solidFill>
+                      <a:prstDash val="solid"/>
+                      <a:round/>
+                      <a:headEnd type="none" w="med" len="med"/>
+                      <a:tailEnd type="none" w="med" len="med"/>
+                    </a:lnB>
+                    <a:noFill/>
+                  </a:tcPr>
+                </a:tc>
+                <a:extLst>
+                  <a:ext uri="{0D108BD9-81ED-4DB2-BD59-A6C34878D82A}">
+                    <a16:rowId xmlns:a16="http://schemas.microsoft.com/office/drawing/2014/main" val="399832818"/>
+                  </a:ext>
+                </a:extLst>
+              </a:tr>
+              <a:tr h="266036">
+                <a:tc>
+                  <a:txBody>
+                    <a:bodyPr/>
+                    <a:lstStyle/>
+                    <a:p>
+                      <a:pPr algn="ctr" latinLnBrk="1"/>
+                      <a:r>
+                        <a:rPr lang="ko-KR" altLang="en-US" sz="1200" b="0" dirty="0" smtClean="0">
+                          <a:solidFill>
+                            <a:sysClr val="windowText" lastClr="000000"/>
+                          </a:solidFill>
+                        </a:rPr>
+                        <a:t>이동 불가</a:t>
+                      </a:r>
+                      <a:endParaRPr lang="ko-KR" altLang="en-US" sz="1200" b="0" dirty="0">
+                        <a:solidFill>
+                          <a:sysClr val="windowText" lastClr="000000"/>
+                        </a:solidFill>
+                      </a:endParaRPr>
+                    </a:p>
+                  </a:txBody>
+                  <a:tcPr>
+                    <a:lnL w="12700" cap="flat" cmpd="sng" algn="ctr">
+                      <a:solidFill>
+                        <a:schemeClr val="tx1"/>
+                      </a:solidFill>
+                      <a:prstDash val="solid"/>
+                      <a:round/>
+                      <a:headEnd type="none" w="med" len="med"/>
+                      <a:tailEnd type="none" w="med" len="med"/>
+                    </a:lnL>
+                    <a:lnR w="12700" cap="flat" cmpd="sng" algn="ctr">
+                      <a:solidFill>
+                        <a:schemeClr val="tx1"/>
+                      </a:solidFill>
+                      <a:prstDash val="solid"/>
+                      <a:round/>
+                      <a:headEnd type="none" w="med" len="med"/>
+                      <a:tailEnd type="none" w="med" len="med"/>
+                    </a:lnR>
+                    <a:lnT w="12700" cap="flat" cmpd="sng" algn="ctr">
+                      <a:solidFill>
+                        <a:schemeClr val="tx1"/>
+                      </a:solidFill>
+                      <a:prstDash val="solid"/>
+                      <a:round/>
+                      <a:headEnd type="none" w="med" len="med"/>
+                      <a:tailEnd type="none" w="med" len="med"/>
+                    </a:lnT>
+                    <a:lnB w="12700" cap="flat" cmpd="sng" algn="ctr">
+                      <a:solidFill>
+                        <a:schemeClr val="tx1"/>
+                      </a:solidFill>
+                      <a:prstDash val="solid"/>
+                      <a:round/>
+                      <a:headEnd type="none" w="med" len="med"/>
+                      <a:tailEnd type="none" w="med" len="med"/>
+                    </a:lnB>
+                    <a:noFill/>
+                  </a:tcPr>
+                </a:tc>
+                <a:tc>
+                  <a:txBody>
+                    <a:bodyPr/>
+                    <a:lstStyle/>
+                    <a:p>
+                      <a:pPr algn="ctr" latinLnBrk="1"/>
+                      <a:r>
+                        <a:rPr lang="ko-KR" altLang="en-US" sz="1200" b="0" dirty="0" err="1" smtClean="0">
+                          <a:solidFill>
+                            <a:sysClr val="windowText" lastClr="000000"/>
+                          </a:solidFill>
+                        </a:rPr>
+                        <a:t>너프</a:t>
+                      </a:r>
+                      <a:endParaRPr lang="ko-KR" altLang="en-US" sz="1200" b="0" dirty="0">
+                        <a:solidFill>
+                          <a:sysClr val="windowText" lastClr="000000"/>
+                        </a:solidFill>
+                      </a:endParaRPr>
+                    </a:p>
+                  </a:txBody>
+                  <a:tcPr>
+                    <a:lnL w="12700" cap="flat" cmpd="sng" algn="ctr">
+                      <a:solidFill>
+                        <a:schemeClr val="tx1"/>
+                      </a:solidFill>
+                      <a:prstDash val="solid"/>
+                      <a:round/>
+                      <a:headEnd type="none" w="med" len="med"/>
+                      <a:tailEnd type="none" w="med" len="med"/>
+                    </a:lnL>
+                    <a:lnR w="12700" cap="flat" cmpd="sng" algn="ctr">
+                      <a:solidFill>
+                        <a:schemeClr val="tx1"/>
+                      </a:solidFill>
+                      <a:prstDash val="solid"/>
+                      <a:round/>
+                      <a:headEnd type="none" w="med" len="med"/>
+                      <a:tailEnd type="none" w="med" len="med"/>
+                    </a:lnR>
+                    <a:lnT w="12700" cap="flat" cmpd="sng" algn="ctr">
+                      <a:solidFill>
+                        <a:schemeClr val="tx1"/>
+                      </a:solidFill>
+                      <a:prstDash val="solid"/>
+                      <a:round/>
+                      <a:headEnd type="none" w="med" len="med"/>
+                      <a:tailEnd type="none" w="med" len="med"/>
+                    </a:lnT>
+                    <a:lnB w="12700" cap="flat" cmpd="sng" algn="ctr">
+                      <a:solidFill>
+                        <a:schemeClr val="tx1"/>
+                      </a:solidFill>
+                      <a:prstDash val="solid"/>
+                      <a:round/>
+                      <a:headEnd type="none" w="med" len="med"/>
+                      <a:tailEnd type="none" w="med" len="med"/>
+                    </a:lnB>
+                    <a:noFill/>
+                  </a:tcPr>
+                </a:tc>
+                <a:tc>
+                  <a:txBody>
+                    <a:bodyPr/>
+                    <a:lstStyle/>
+                    <a:p>
+                      <a:pPr algn="ctr" latinLnBrk="1"/>
+                      <a:r>
+                        <a:rPr lang="ko-KR" altLang="en-US" sz="1200" b="1" dirty="0" smtClean="0">
+                          <a:solidFill>
+                            <a:srgbClr val="FF0000"/>
+                          </a:solidFill>
+                        </a:rPr>
+                        <a:t>붉은색</a:t>
+                      </a:r>
+                      <a:endParaRPr lang="ko-KR" altLang="en-US" sz="1200" b="1" dirty="0">
+                        <a:solidFill>
+                          <a:srgbClr val="FF0000"/>
+                        </a:solidFill>
+                      </a:endParaRPr>
+                    </a:p>
+                  </a:txBody>
+                  <a:tcPr>
+                    <a:lnL w="12700" cap="flat" cmpd="sng" algn="ctr">
+                      <a:solidFill>
+                        <a:schemeClr val="tx1"/>
+                      </a:solidFill>
+                      <a:prstDash val="solid"/>
+                      <a:round/>
+                      <a:headEnd type="none" w="med" len="med"/>
+                      <a:tailEnd type="none" w="med" len="med"/>
+                    </a:lnL>
+                    <a:lnR w="12700" cap="flat" cmpd="sng" algn="ctr">
+                      <a:solidFill>
+                        <a:schemeClr val="tx1"/>
+                      </a:solidFill>
+                      <a:prstDash val="solid"/>
+                      <a:round/>
+                      <a:headEnd type="none" w="med" len="med"/>
+                      <a:tailEnd type="none" w="med" len="med"/>
+                    </a:lnR>
+                    <a:lnT w="12700" cap="flat" cmpd="sng" algn="ctr">
+                      <a:solidFill>
+                        <a:schemeClr val="tx1"/>
+                      </a:solidFill>
+                      <a:prstDash val="solid"/>
+                      <a:round/>
+                      <a:headEnd type="none" w="med" len="med"/>
+                      <a:tailEnd type="none" w="med" len="med"/>
+                    </a:lnT>
+                    <a:lnB w="12700" cap="flat" cmpd="sng" algn="ctr">
+                      <a:solidFill>
+                        <a:schemeClr val="tx1"/>
+                      </a:solidFill>
+                      <a:prstDash val="solid"/>
+                      <a:round/>
+                      <a:headEnd type="none" w="med" len="med"/>
+                      <a:tailEnd type="none" w="med" len="med"/>
+                    </a:lnB>
+                    <a:noFill/>
+                  </a:tcPr>
+                </a:tc>
+                <a:extLst>
+                  <a:ext uri="{0D108BD9-81ED-4DB2-BD59-A6C34878D82A}">
+                    <a16:rowId xmlns:a16="http://schemas.microsoft.com/office/drawing/2014/main" val="2672121493"/>
+                  </a:ext>
+                </a:extLst>
+              </a:tr>
+              <a:tr h="266036">
+                <a:tc>
+                  <a:txBody>
+                    <a:bodyPr/>
+                    <a:lstStyle/>
+                    <a:p>
+                      <a:pPr algn="ctr" latinLnBrk="1"/>
+                      <a:r>
+                        <a:rPr lang="ko-KR" altLang="en-US" sz="1200" b="0" dirty="0" smtClean="0">
+                          <a:solidFill>
+                            <a:sysClr val="windowText" lastClr="000000"/>
+                          </a:solidFill>
+                        </a:rPr>
+                        <a:t>재료 빼앗김</a:t>
+                      </a:r>
+                      <a:endParaRPr lang="ko-KR" altLang="en-US" sz="1200" b="0" dirty="0">
+                        <a:solidFill>
+                          <a:sysClr val="windowText" lastClr="000000"/>
+                        </a:solidFill>
+                      </a:endParaRPr>
+                    </a:p>
+                  </a:txBody>
+                  <a:tcPr>
+                    <a:lnL w="12700" cap="flat" cmpd="sng" algn="ctr">
+                      <a:solidFill>
+                        <a:schemeClr val="tx1"/>
+                      </a:solidFill>
+                      <a:prstDash val="solid"/>
+                      <a:round/>
+                      <a:headEnd type="none" w="med" len="med"/>
+                      <a:tailEnd type="none" w="med" len="med"/>
+                    </a:lnL>
+                    <a:lnR w="12700" cap="flat" cmpd="sng" algn="ctr">
+                      <a:solidFill>
+                        <a:schemeClr val="tx1"/>
+                      </a:solidFill>
+                      <a:prstDash val="solid"/>
+                      <a:round/>
+                      <a:headEnd type="none" w="med" len="med"/>
+                      <a:tailEnd type="none" w="med" len="med"/>
+                    </a:lnR>
+                    <a:lnT w="12700" cap="flat" cmpd="sng" algn="ctr">
+                      <a:solidFill>
+                        <a:schemeClr val="tx1"/>
+                      </a:solidFill>
+                      <a:prstDash val="solid"/>
+                      <a:round/>
+                      <a:headEnd type="none" w="med" len="med"/>
+                      <a:tailEnd type="none" w="med" len="med"/>
+                    </a:lnT>
+                    <a:lnB w="12700" cap="flat" cmpd="sng" algn="ctr">
+                      <a:solidFill>
+                        <a:schemeClr val="tx1"/>
+                      </a:solidFill>
+                      <a:prstDash val="solid"/>
+                      <a:round/>
+                      <a:headEnd type="none" w="med" len="med"/>
+                      <a:tailEnd type="none" w="med" len="med"/>
+                    </a:lnB>
+                    <a:noFill/>
+                  </a:tcPr>
+                </a:tc>
+                <a:tc>
+                  <a:txBody>
+                    <a:bodyPr/>
+                    <a:lstStyle/>
+                    <a:p>
+                      <a:pPr algn="ctr" latinLnBrk="1"/>
+                      <a:r>
+                        <a:rPr lang="ko-KR" altLang="en-US" sz="1200" b="0" dirty="0" err="1" smtClean="0">
+                          <a:solidFill>
+                            <a:sysClr val="windowText" lastClr="000000"/>
+                          </a:solidFill>
+                        </a:rPr>
+                        <a:t>너프</a:t>
+                      </a:r>
+                      <a:endParaRPr lang="ko-KR" altLang="en-US" sz="1200" b="0" dirty="0">
+                        <a:solidFill>
+                          <a:sysClr val="windowText" lastClr="000000"/>
+                        </a:solidFill>
+                      </a:endParaRPr>
+                    </a:p>
+                  </a:txBody>
+                  <a:tcPr>
+                    <a:lnL w="12700" cap="flat" cmpd="sng" algn="ctr">
+                      <a:solidFill>
+                        <a:schemeClr val="tx1"/>
+                      </a:solidFill>
+                      <a:prstDash val="solid"/>
+                      <a:round/>
+                      <a:headEnd type="none" w="med" len="med"/>
+                      <a:tailEnd type="none" w="med" len="med"/>
+                    </a:lnL>
+                    <a:lnR w="12700" cap="flat" cmpd="sng" algn="ctr">
+                      <a:solidFill>
+                        <a:schemeClr val="tx1"/>
+                      </a:solidFill>
+                      <a:prstDash val="solid"/>
+                      <a:round/>
+                      <a:headEnd type="none" w="med" len="med"/>
+                      <a:tailEnd type="none" w="med" len="med"/>
+                    </a:lnR>
+                    <a:lnT w="12700" cap="flat" cmpd="sng" algn="ctr">
+                      <a:solidFill>
+                        <a:schemeClr val="tx1"/>
+                      </a:solidFill>
+                      <a:prstDash val="solid"/>
+                      <a:round/>
+                      <a:headEnd type="none" w="med" len="med"/>
+                      <a:tailEnd type="none" w="med" len="med"/>
+                    </a:lnT>
+                    <a:lnB w="12700" cap="flat" cmpd="sng" algn="ctr">
+                      <a:solidFill>
+                        <a:schemeClr val="tx1"/>
+                      </a:solidFill>
+                      <a:prstDash val="solid"/>
+                      <a:round/>
+                      <a:headEnd type="none" w="med" len="med"/>
+                      <a:tailEnd type="none" w="med" len="med"/>
+                    </a:lnB>
+                    <a:noFill/>
+                  </a:tcPr>
+                </a:tc>
+                <a:tc>
+                  <a:txBody>
+                    <a:bodyPr/>
+                    <a:lstStyle/>
+                    <a:p>
+                      <a:pPr algn="ctr" latinLnBrk="1"/>
+                      <a:r>
+                        <a:rPr lang="ko-KR" altLang="en-US" sz="1200" b="1" dirty="0" smtClean="0">
+                          <a:solidFill>
+                            <a:srgbClr val="FF0000"/>
+                          </a:solidFill>
+                        </a:rPr>
+                        <a:t>붉은색</a:t>
+                      </a:r>
+                      <a:endParaRPr lang="ko-KR" altLang="en-US" sz="1200" b="1" dirty="0">
+                        <a:solidFill>
+                          <a:srgbClr val="FF0000"/>
+                        </a:solidFill>
+                      </a:endParaRPr>
+                    </a:p>
+                  </a:txBody>
+                  <a:tcPr>
+                    <a:lnL w="12700" cap="flat" cmpd="sng" algn="ctr">
+                      <a:solidFill>
+                        <a:schemeClr val="tx1"/>
+                      </a:solidFill>
+                      <a:prstDash val="solid"/>
+                      <a:round/>
+                      <a:headEnd type="none" w="med" len="med"/>
+                      <a:tailEnd type="none" w="med" len="med"/>
+                    </a:lnL>
+                    <a:lnR w="12700" cap="flat" cmpd="sng" algn="ctr">
+                      <a:solidFill>
+                        <a:schemeClr val="tx1"/>
+                      </a:solidFill>
+                      <a:prstDash val="solid"/>
+                      <a:round/>
+                      <a:headEnd type="none" w="med" len="med"/>
+                      <a:tailEnd type="none" w="med" len="med"/>
+                    </a:lnR>
+                    <a:lnT w="12700" cap="flat" cmpd="sng" algn="ctr">
+                      <a:solidFill>
+                        <a:schemeClr val="tx1"/>
+                      </a:solidFill>
+                      <a:prstDash val="solid"/>
+                      <a:round/>
+                      <a:headEnd type="none" w="med" len="med"/>
+                      <a:tailEnd type="none" w="med" len="med"/>
+                    </a:lnT>
+                    <a:lnB w="12700" cap="flat" cmpd="sng" algn="ctr">
+                      <a:solidFill>
+                        <a:schemeClr val="tx1"/>
+                      </a:solidFill>
+                      <a:prstDash val="solid"/>
+                      <a:round/>
+                      <a:headEnd type="none" w="med" len="med"/>
+                      <a:tailEnd type="none" w="med" len="med"/>
+                    </a:lnB>
+                    <a:noFill/>
+                  </a:tcPr>
+                </a:tc>
+                <a:extLst>
+                  <a:ext uri="{0D108BD9-81ED-4DB2-BD59-A6C34878D82A}">
+                    <a16:rowId xmlns:a16="http://schemas.microsoft.com/office/drawing/2014/main" val="89042318"/>
+                  </a:ext>
+                </a:extLst>
+              </a:tr>
+              <a:tr h="266036">
+                <a:tc>
+                  <a:txBody>
+                    <a:bodyPr/>
+                    <a:lstStyle/>
+                    <a:p>
+                      <a:pPr algn="ctr" latinLnBrk="1"/>
+                      <a:r>
+                        <a:rPr lang="ko-KR" altLang="en-US" sz="1200" b="0" dirty="0" err="1" smtClean="0">
+                          <a:solidFill>
+                            <a:sysClr val="windowText" lastClr="000000"/>
+                          </a:solidFill>
+                        </a:rPr>
+                        <a:t>느려짐</a:t>
+                      </a:r>
+                      <a:endParaRPr lang="ko-KR" altLang="en-US" sz="1200" b="0" dirty="0">
+                        <a:solidFill>
+                          <a:sysClr val="windowText" lastClr="000000"/>
+                        </a:solidFill>
+                      </a:endParaRPr>
+                    </a:p>
+                  </a:txBody>
+                  <a:tcPr>
+                    <a:lnL w="12700" cap="flat" cmpd="sng" algn="ctr">
+                      <a:solidFill>
+                        <a:schemeClr val="tx1"/>
+                      </a:solidFill>
+                      <a:prstDash val="solid"/>
+                      <a:round/>
+                      <a:headEnd type="none" w="med" len="med"/>
+                      <a:tailEnd type="none" w="med" len="med"/>
+                    </a:lnL>
+                    <a:lnR w="12700" cap="flat" cmpd="sng" algn="ctr">
+                      <a:solidFill>
+                        <a:schemeClr val="tx1"/>
+                      </a:solidFill>
+                      <a:prstDash val="solid"/>
+                      <a:round/>
+                      <a:headEnd type="none" w="med" len="med"/>
+                      <a:tailEnd type="none" w="med" len="med"/>
+                    </a:lnR>
+                    <a:lnT w="12700" cap="flat" cmpd="sng" algn="ctr">
+                      <a:solidFill>
+                        <a:schemeClr val="tx1"/>
+                      </a:solidFill>
+                      <a:prstDash val="solid"/>
+                      <a:round/>
+                      <a:headEnd type="none" w="med" len="med"/>
+                      <a:tailEnd type="none" w="med" len="med"/>
+                    </a:lnT>
+                    <a:lnB w="12700" cap="flat" cmpd="sng" algn="ctr">
+                      <a:solidFill>
+                        <a:schemeClr val="tx1"/>
+                      </a:solidFill>
+                      <a:prstDash val="solid"/>
+                      <a:round/>
+                      <a:headEnd type="none" w="med" len="med"/>
+                      <a:tailEnd type="none" w="med" len="med"/>
+                    </a:lnB>
+                    <a:noFill/>
+                  </a:tcPr>
+                </a:tc>
+                <a:tc>
+                  <a:txBody>
+                    <a:bodyPr/>
+                    <a:lstStyle/>
+                    <a:p>
+                      <a:pPr algn="ctr" latinLnBrk="1"/>
+                      <a:r>
+                        <a:rPr lang="ko-KR" altLang="en-US" sz="1200" b="0" dirty="0" err="1" smtClean="0">
+                          <a:solidFill>
+                            <a:sysClr val="windowText" lastClr="000000"/>
+                          </a:solidFill>
+                        </a:rPr>
+                        <a:t>너프</a:t>
+                      </a:r>
+                      <a:endParaRPr lang="ko-KR" altLang="en-US" sz="1200" b="0" dirty="0">
+                        <a:solidFill>
+                          <a:sysClr val="windowText" lastClr="000000"/>
+                        </a:solidFill>
+                      </a:endParaRPr>
+                    </a:p>
+                  </a:txBody>
+                  <a:tcPr>
+                    <a:lnL w="12700" cap="flat" cmpd="sng" algn="ctr">
+                      <a:solidFill>
+                        <a:schemeClr val="tx1"/>
+                      </a:solidFill>
+                      <a:prstDash val="solid"/>
+                      <a:round/>
+                      <a:headEnd type="none" w="med" len="med"/>
+                      <a:tailEnd type="none" w="med" len="med"/>
+                    </a:lnL>
+                    <a:lnR w="12700" cap="flat" cmpd="sng" algn="ctr">
+                      <a:solidFill>
+                        <a:schemeClr val="tx1"/>
+                      </a:solidFill>
+                      <a:prstDash val="solid"/>
+                      <a:round/>
+                      <a:headEnd type="none" w="med" len="med"/>
+                      <a:tailEnd type="none" w="med" len="med"/>
+                    </a:lnR>
+                    <a:lnT w="12700" cap="flat" cmpd="sng" algn="ctr">
+                      <a:solidFill>
+                        <a:schemeClr val="tx1"/>
+                      </a:solidFill>
+                      <a:prstDash val="solid"/>
+                      <a:round/>
+                      <a:headEnd type="none" w="med" len="med"/>
+                      <a:tailEnd type="none" w="med" len="med"/>
+                    </a:lnT>
+                    <a:lnB w="12700" cap="flat" cmpd="sng" algn="ctr">
+                      <a:solidFill>
+                        <a:schemeClr val="tx1"/>
+                      </a:solidFill>
+                      <a:prstDash val="solid"/>
+                      <a:round/>
+                      <a:headEnd type="none" w="med" len="med"/>
+                      <a:tailEnd type="none" w="med" len="med"/>
+                    </a:lnB>
+                    <a:noFill/>
+                  </a:tcPr>
+                </a:tc>
+                <a:tc>
+                  <a:txBody>
+                    <a:bodyPr/>
+                    <a:lstStyle/>
+                    <a:p>
+                      <a:pPr algn="ctr" latinLnBrk="1"/>
+                      <a:r>
+                        <a:rPr lang="ko-KR" altLang="en-US" sz="1200" b="1" dirty="0" smtClean="0">
+                          <a:solidFill>
+                            <a:srgbClr val="FF0000"/>
+                          </a:solidFill>
+                        </a:rPr>
+                        <a:t>붉은색</a:t>
+                      </a:r>
+                      <a:endParaRPr lang="ko-KR" altLang="en-US" sz="1200" b="1" dirty="0">
+                        <a:solidFill>
+                          <a:srgbClr val="FF0000"/>
+                        </a:solidFill>
+                      </a:endParaRPr>
+                    </a:p>
+                  </a:txBody>
+                  <a:tcPr>
+                    <a:lnL w="12700" cap="flat" cmpd="sng" algn="ctr">
+                      <a:solidFill>
+                        <a:schemeClr val="tx1"/>
+                      </a:solidFill>
+                      <a:prstDash val="solid"/>
+                      <a:round/>
+                      <a:headEnd type="none" w="med" len="med"/>
+                      <a:tailEnd type="none" w="med" len="med"/>
+                    </a:lnL>
+                    <a:lnR w="12700" cap="flat" cmpd="sng" algn="ctr">
+                      <a:solidFill>
+                        <a:schemeClr val="tx1"/>
+                      </a:solidFill>
+                      <a:prstDash val="solid"/>
+                      <a:round/>
+                      <a:headEnd type="none" w="med" len="med"/>
+                      <a:tailEnd type="none" w="med" len="med"/>
+                    </a:lnR>
+                    <a:lnT w="12700" cap="flat" cmpd="sng" algn="ctr">
+                      <a:solidFill>
+                        <a:schemeClr val="tx1"/>
+                      </a:solidFill>
+                      <a:prstDash val="solid"/>
+                      <a:round/>
+                      <a:headEnd type="none" w="med" len="med"/>
+                      <a:tailEnd type="none" w="med" len="med"/>
+                    </a:lnT>
+                    <a:lnB w="12700" cap="flat" cmpd="sng" algn="ctr">
+                      <a:solidFill>
+                        <a:schemeClr val="tx1"/>
+                      </a:solidFill>
+                      <a:prstDash val="solid"/>
+                      <a:round/>
+                      <a:headEnd type="none" w="med" len="med"/>
+                      <a:tailEnd type="none" w="med" len="med"/>
+                    </a:lnB>
+                    <a:noFill/>
+                  </a:tcPr>
+                </a:tc>
+                <a:extLst>
+                  <a:ext uri="{0D108BD9-81ED-4DB2-BD59-A6C34878D82A}">
+                    <a16:rowId xmlns:a16="http://schemas.microsoft.com/office/drawing/2014/main" val="1703268267"/>
+                  </a:ext>
+                </a:extLst>
+              </a:tr>
+            </a:tbl>
+          </a:graphicData>
+        </a:graphic>
+      </p:graphicFrame>
       <p:sp>
         <p:nvSpPr>
-          <p:cNvPr id="3" name="순서도: 처리 2"/>
-          <p:cNvSpPr/>
-          <p:nvPr/>
-        </p:nvSpPr>
-        <p:spPr>
-          <a:xfrm>
-            <a:off x="5043274" y="2533679"/>
-            <a:ext cx="1635370" cy="288668"/>
-          </a:xfrm>
-          <a:prstGeom prst="flowChartProcess">
-            <a:avLst/>
-          </a:prstGeom>
-          <a:solidFill>
-            <a:srgbClr val="FFFF00"/>
-          </a:solidFill>
-          <a:ln>
-            <a:solidFill>
-              <a:schemeClr val="tx1"/>
-            </a:solidFill>
-          </a:ln>
-        </p:spPr>
-        <p:style>
-          <a:lnRef idx="2">
-            <a:schemeClr val="accent1">
-              <a:shade val="50000"/>
-            </a:schemeClr>
-          </a:lnRef>
-          <a:fillRef idx="1">
-            <a:schemeClr val="accent1"/>
-          </a:fillRef>
-          <a:effectRef idx="0">
-            <a:schemeClr val="accent1"/>
-          </a:effectRef>
-          <a:fontRef idx="minor">
-            <a:schemeClr val="lt1"/>
-          </a:fontRef>
-        </p:style>
-        <p:txBody>
-          <a:bodyPr rtlCol="0" anchor="ctr"/>
-          <a:lstStyle/>
-          <a:p>
-            <a:pPr algn="ctr"/>
-            <a:r>
-              <a:rPr lang="ko-KR" altLang="en-US" sz="1100" dirty="0">
-                <a:solidFill>
-                  <a:schemeClr val="tx1"/>
-                </a:solidFill>
-              </a:rPr>
-              <a:t>방 찾기 </a:t>
-            </a:r>
-            <a:r>
-              <a:rPr lang="en-US" altLang="ko-KR" sz="1100" dirty="0">
-                <a:solidFill>
-                  <a:schemeClr val="tx1"/>
-                </a:solidFill>
-              </a:rPr>
-              <a:t>&amp; </a:t>
-            </a:r>
-            <a:r>
-              <a:rPr lang="ko-KR" altLang="en-US" sz="1100" dirty="0">
-                <a:solidFill>
-                  <a:schemeClr val="tx1"/>
-                </a:solidFill>
-              </a:rPr>
-              <a:t>방 만들기</a:t>
-            </a:r>
-          </a:p>
-        </p:txBody>
-      </p:sp>
-      <p:grpSp>
-        <p:nvGrpSpPr>
-          <p:cNvPr id="11" name="그룹 10"/>
-          <p:cNvGrpSpPr/>
-          <p:nvPr/>
-        </p:nvGrpSpPr>
-        <p:grpSpPr>
-          <a:xfrm>
-            <a:off x="5201535" y="2989043"/>
-            <a:ext cx="1318847" cy="657256"/>
-            <a:chOff x="4558809" y="2796775"/>
-            <a:chExt cx="1318847" cy="657256"/>
-          </a:xfrm>
-        </p:grpSpPr>
-        <p:sp>
-          <p:nvSpPr>
-            <p:cNvPr id="8" name="순서도: 판단 7"/>
-            <p:cNvSpPr/>
-            <p:nvPr/>
-          </p:nvSpPr>
-          <p:spPr>
-            <a:xfrm>
-              <a:off x="4558809" y="2796775"/>
-              <a:ext cx="1318847" cy="657256"/>
-            </a:xfrm>
-            <a:prstGeom prst="flowChartDecision">
-              <a:avLst/>
-            </a:prstGeom>
-            <a:solidFill>
-              <a:schemeClr val="bg1">
-                <a:lumMod val="65000"/>
-              </a:schemeClr>
-            </a:solidFill>
-            <a:ln>
-              <a:solidFill>
-                <a:schemeClr val="tx1"/>
-              </a:solidFill>
-            </a:ln>
-          </p:spPr>
-          <p:style>
-            <a:lnRef idx="2">
-              <a:schemeClr val="accent1">
-                <a:shade val="50000"/>
-              </a:schemeClr>
-            </a:lnRef>
-            <a:fillRef idx="1">
-              <a:schemeClr val="accent1"/>
-            </a:fillRef>
-            <a:effectRef idx="0">
-              <a:schemeClr val="accent1"/>
-            </a:effectRef>
-            <a:fontRef idx="minor">
-              <a:schemeClr val="lt1"/>
-            </a:fontRef>
-          </p:style>
-          <p:txBody>
-            <a:bodyPr rtlCol="0" anchor="ctr"/>
-            <a:lstStyle/>
-            <a:p>
-              <a:pPr algn="ctr"/>
-              <a:endParaRPr lang="ko-KR" altLang="en-US" sz="1200" dirty="0">
-                <a:solidFill>
-                  <a:schemeClr val="tx1"/>
-                </a:solidFill>
-              </a:endParaRPr>
-            </a:p>
-          </p:txBody>
-        </p:sp>
-        <p:sp>
-          <p:nvSpPr>
-            <p:cNvPr id="9" name="TextBox 8"/>
-            <p:cNvSpPr txBox="1"/>
-            <p:nvPr/>
-          </p:nvSpPr>
-          <p:spPr>
-            <a:xfrm>
-              <a:off x="4628166" y="2909959"/>
-              <a:ext cx="1180131" cy="430887"/>
-            </a:xfrm>
-            <a:prstGeom prst="rect">
-              <a:avLst/>
-            </a:prstGeom>
-            <a:noFill/>
-            <a:ln>
-              <a:noFill/>
-            </a:ln>
-          </p:spPr>
-          <p:txBody>
-            <a:bodyPr wrap="none" rtlCol="0">
-              <a:spAutoFit/>
-            </a:bodyPr>
-            <a:lstStyle/>
-            <a:p>
-              <a:pPr algn="ctr"/>
-              <a:r>
-                <a:rPr lang="ko-KR" altLang="en-US" sz="1100" dirty="0"/>
-                <a:t>방을 새로 만들 </a:t>
-              </a:r>
-              <a:endParaRPr lang="en-US" altLang="ko-KR" sz="1100" dirty="0"/>
-            </a:p>
-            <a:p>
-              <a:pPr algn="ctr"/>
-              <a:r>
-                <a:rPr lang="ko-KR" altLang="en-US" sz="1100" dirty="0"/>
-                <a:t>것인가</a:t>
-              </a:r>
-              <a:r>
-                <a:rPr lang="en-US" altLang="ko-KR" sz="1100" dirty="0"/>
-                <a:t>?</a:t>
-              </a:r>
-              <a:endParaRPr lang="ko-KR" altLang="en-US" sz="1100" dirty="0"/>
-            </a:p>
-          </p:txBody>
-        </p:sp>
-      </p:grpSp>
-      <p:sp>
-        <p:nvSpPr>
-          <p:cNvPr id="16" name="순서도: 처리 15"/>
-          <p:cNvSpPr/>
-          <p:nvPr/>
-        </p:nvSpPr>
-        <p:spPr>
-          <a:xfrm>
-            <a:off x="3016648" y="3904048"/>
-            <a:ext cx="1266093" cy="313392"/>
-          </a:xfrm>
-          <a:prstGeom prst="flowChartProcess">
-            <a:avLst/>
-          </a:prstGeom>
-          <a:solidFill>
-            <a:srgbClr val="FFFF00"/>
-          </a:solidFill>
-          <a:ln>
-            <a:solidFill>
-              <a:schemeClr val="tx1"/>
-            </a:solidFill>
-          </a:ln>
-        </p:spPr>
-        <p:style>
-          <a:lnRef idx="2">
-            <a:schemeClr val="accent1">
-              <a:shade val="50000"/>
-            </a:schemeClr>
-          </a:lnRef>
-          <a:fillRef idx="1">
-            <a:schemeClr val="accent1"/>
-          </a:fillRef>
-          <a:effectRef idx="0">
-            <a:schemeClr val="accent1"/>
-          </a:effectRef>
-          <a:fontRef idx="minor">
-            <a:schemeClr val="lt1"/>
-          </a:fontRef>
-        </p:style>
-        <p:txBody>
-          <a:bodyPr rtlCol="0" anchor="ctr"/>
-          <a:lstStyle/>
-          <a:p>
-            <a:pPr algn="ctr"/>
-            <a:r>
-              <a:rPr lang="ko-KR" altLang="en-US" sz="1200" dirty="0">
-                <a:solidFill>
-                  <a:schemeClr val="tx1"/>
-                </a:solidFill>
-              </a:rPr>
-              <a:t>방 만들기</a:t>
-            </a:r>
-          </a:p>
-        </p:txBody>
-      </p:sp>
-      <p:sp>
-        <p:nvSpPr>
-          <p:cNvPr id="18" name="TextBox 17"/>
+          <p:cNvPr id="65" name="TextBox 64"/>
           <p:cNvSpPr txBox="1"/>
           <p:nvPr/>
         </p:nvSpPr>
         <p:spPr>
           <a:xfrm>
-            <a:off x="4585838" y="3498174"/>
-            <a:ext cx="408253" cy="276999"/>
+            <a:off x="6323164" y="5406045"/>
+            <a:ext cx="4730782" cy="276999"/>
           </a:xfrm>
           <a:prstGeom prst="rect">
             <a:avLst/>
@@ -28723,89 +32044,35 @@
           <a:lstStyle/>
           <a:p>
             <a:r>
-              <a:rPr lang="en-US" altLang="ko-KR" sz="1200" dirty="0"/>
-              <a:t>yes</a:t>
+              <a:rPr lang="ko-KR" altLang="en-US" sz="1200" b="1" dirty="0" smtClean="0"/>
+              <a:t>상태 변경 시 위와 같은 색으로 텍스트를 띄워 상태 표시를 합니다</a:t>
             </a:r>
-            <a:endParaRPr lang="ko-KR" altLang="en-US" sz="1200" dirty="0"/>
-          </a:p>
-        </p:txBody>
-      </p:sp>
-      <p:sp>
-        <p:nvSpPr>
-          <p:cNvPr id="21" name="순서도: 처리 20"/>
-          <p:cNvSpPr/>
-          <p:nvPr/>
-        </p:nvSpPr>
-        <p:spPr>
-          <a:xfrm>
-            <a:off x="7016573" y="4302326"/>
-            <a:ext cx="1336431" cy="284391"/>
-          </a:xfrm>
-          <a:prstGeom prst="flowChartProcess">
-            <a:avLst/>
-          </a:prstGeom>
-          <a:solidFill>
-            <a:srgbClr val="FFFF00"/>
-          </a:solidFill>
-          <a:ln>
-            <a:solidFill>
-              <a:schemeClr val="tx1"/>
-            </a:solidFill>
-          </a:ln>
-        </p:spPr>
-        <p:style>
-          <a:lnRef idx="2">
-            <a:schemeClr val="accent1">
-              <a:shade val="50000"/>
-            </a:schemeClr>
-          </a:lnRef>
-          <a:fillRef idx="1">
-            <a:schemeClr val="accent1"/>
-          </a:fillRef>
-          <a:effectRef idx="0">
-            <a:schemeClr val="accent1"/>
-          </a:effectRef>
-          <a:fontRef idx="minor">
-            <a:schemeClr val="lt1"/>
-          </a:fontRef>
-        </p:style>
-        <p:txBody>
-          <a:bodyPr rtlCol="0" anchor="ctr"/>
-          <a:lstStyle/>
-          <a:p>
-            <a:pPr algn="ctr"/>
             <a:r>
-              <a:rPr lang="ko-KR" altLang="en-US" sz="1200" dirty="0">
-                <a:solidFill>
-                  <a:schemeClr val="tx1"/>
-                </a:solidFill>
-              </a:rPr>
-              <a:t>인 게임</a:t>
+              <a:rPr lang="en-US" altLang="ko-KR" sz="1200" b="1" dirty="0" smtClean="0"/>
+              <a:t>.</a:t>
             </a:r>
+            <a:endParaRPr lang="ko-KR" altLang="en-US" sz="1200" b="1" dirty="0"/>
           </a:p>
         </p:txBody>
       </p:sp>
       <p:cxnSp>
         <p:nvCxnSpPr>
-          <p:cNvPr id="28" name="직선 화살표 연결선 27"/>
-          <p:cNvCxnSpPr>
-            <a:stCxn id="107" idx="2"/>
-          </p:cNvCxnSpPr>
+          <p:cNvPr id="14" name="직선 연결선 13"/>
+          <p:cNvCxnSpPr/>
           <p:nvPr/>
         </p:nvCxnSpPr>
         <p:spPr>
-          <a:xfrm flipH="1">
-            <a:off x="5860956" y="1824025"/>
-            <a:ext cx="1" cy="148124"/>
+          <a:xfrm>
+            <a:off x="5077838" y="2110902"/>
+            <a:ext cx="9728" cy="4221804"/>
           </a:xfrm>
-          <a:prstGeom prst="straightConnector1">
+          <a:prstGeom prst="line">
             <a:avLst/>
           </a:prstGeom>
-          <a:ln>
+          <a:ln w="28575">
             <a:solidFill>
               <a:schemeClr val="tx1"/>
             </a:solidFill>
-            <a:tailEnd type="triangle"/>
           </a:ln>
         </p:spPr>
         <p:style>
@@ -28823,1085 +32090,10 @@
           </a:fontRef>
         </p:style>
       </p:cxnSp>
-      <p:cxnSp>
-        <p:nvCxnSpPr>
-          <p:cNvPr id="30" name="직선 화살표 연결선 29"/>
-          <p:cNvCxnSpPr>
-            <a:stCxn id="3" idx="2"/>
-            <a:endCxn id="8" idx="0"/>
-          </p:cNvCxnSpPr>
-          <p:nvPr/>
-        </p:nvCxnSpPr>
-        <p:spPr>
-          <a:xfrm>
-            <a:off x="5860959" y="2822347"/>
-            <a:ext cx="0" cy="166696"/>
-          </a:xfrm>
-          <a:prstGeom prst="straightConnector1">
-            <a:avLst/>
-          </a:prstGeom>
-          <a:ln>
-            <a:solidFill>
-              <a:schemeClr val="tx1"/>
-            </a:solidFill>
-            <a:tailEnd type="triangle"/>
-          </a:ln>
-        </p:spPr>
-        <p:style>
-          <a:lnRef idx="1">
-            <a:schemeClr val="accent1"/>
-          </a:lnRef>
-          <a:fillRef idx="0">
-            <a:schemeClr val="accent1"/>
-          </a:fillRef>
-          <a:effectRef idx="0">
-            <a:schemeClr val="accent1"/>
-          </a:effectRef>
-          <a:fontRef idx="minor">
-            <a:schemeClr val="tx1"/>
-          </a:fontRef>
-        </p:style>
-      </p:cxnSp>
-      <p:cxnSp>
-        <p:nvCxnSpPr>
-          <p:cNvPr id="32" name="꺾인 연결선 31"/>
-          <p:cNvCxnSpPr>
-            <a:stCxn id="8" idx="2"/>
-            <a:endCxn id="16" idx="0"/>
-          </p:cNvCxnSpPr>
-          <p:nvPr/>
-        </p:nvCxnSpPr>
-        <p:spPr>
-          <a:xfrm rot="5400000">
-            <a:off x="4626453" y="2669541"/>
-            <a:ext cx="257749" cy="2211264"/>
-          </a:xfrm>
-          <a:prstGeom prst="bentConnector3">
-            <a:avLst/>
-          </a:prstGeom>
-          <a:ln>
-            <a:solidFill>
-              <a:schemeClr val="tx1"/>
-            </a:solidFill>
-            <a:tailEnd type="triangle"/>
-          </a:ln>
-        </p:spPr>
-        <p:style>
-          <a:lnRef idx="1">
-            <a:schemeClr val="accent1"/>
-          </a:lnRef>
-          <a:fillRef idx="0">
-            <a:schemeClr val="accent1"/>
-          </a:fillRef>
-          <a:effectRef idx="0">
-            <a:schemeClr val="accent1"/>
-          </a:effectRef>
-          <a:fontRef idx="minor">
-            <a:schemeClr val="tx1"/>
-          </a:fontRef>
-        </p:style>
-      </p:cxnSp>
-      <p:cxnSp>
-        <p:nvCxnSpPr>
-          <p:cNvPr id="34" name="꺾인 연결선 33"/>
-          <p:cNvCxnSpPr>
-            <a:stCxn id="8" idx="2"/>
-            <a:endCxn id="21" idx="0"/>
-          </p:cNvCxnSpPr>
-          <p:nvPr/>
-        </p:nvCxnSpPr>
-        <p:spPr>
-          <a:xfrm rot="16200000" flipH="1">
-            <a:off x="6444861" y="3062397"/>
-            <a:ext cx="656027" cy="1823830"/>
-          </a:xfrm>
-          <a:prstGeom prst="bentConnector3">
-            <a:avLst/>
-          </a:prstGeom>
-          <a:ln>
-            <a:solidFill>
-              <a:schemeClr val="tx1"/>
-            </a:solidFill>
-            <a:tailEnd type="triangle"/>
-          </a:ln>
-        </p:spPr>
-        <p:style>
-          <a:lnRef idx="1">
-            <a:schemeClr val="accent1"/>
-          </a:lnRef>
-          <a:fillRef idx="0">
-            <a:schemeClr val="accent1"/>
-          </a:fillRef>
-          <a:effectRef idx="0">
-            <a:schemeClr val="accent1"/>
-          </a:effectRef>
-          <a:fontRef idx="minor">
-            <a:schemeClr val="tx1"/>
-          </a:fontRef>
-        </p:style>
-      </p:cxnSp>
-      <p:cxnSp>
-        <p:nvCxnSpPr>
-          <p:cNvPr id="36" name="꺾인 연결선 35"/>
-          <p:cNvCxnSpPr>
-            <a:stCxn id="16" idx="2"/>
-            <a:endCxn id="21" idx="1"/>
-          </p:cNvCxnSpPr>
-          <p:nvPr/>
-        </p:nvCxnSpPr>
-        <p:spPr>
-          <a:xfrm rot="16200000" flipH="1">
-            <a:off x="5219593" y="2647542"/>
-            <a:ext cx="227082" cy="3366878"/>
-          </a:xfrm>
-          <a:prstGeom prst="bentConnector2">
-            <a:avLst/>
-          </a:prstGeom>
-          <a:ln>
-            <a:solidFill>
-              <a:schemeClr val="tx1"/>
-            </a:solidFill>
-            <a:tailEnd type="triangle"/>
-          </a:ln>
-        </p:spPr>
-        <p:style>
-          <a:lnRef idx="1">
-            <a:schemeClr val="accent1"/>
-          </a:lnRef>
-          <a:fillRef idx="0">
-            <a:schemeClr val="accent1"/>
-          </a:fillRef>
-          <a:effectRef idx="0">
-            <a:schemeClr val="accent1"/>
-          </a:effectRef>
-          <a:fontRef idx="minor">
-            <a:schemeClr val="tx1"/>
-          </a:fontRef>
-        </p:style>
-      </p:cxnSp>
-      <p:sp>
-        <p:nvSpPr>
-          <p:cNvPr id="47" name="TextBox 46"/>
-          <p:cNvSpPr txBox="1"/>
-          <p:nvPr/>
-        </p:nvSpPr>
-        <p:spPr>
-          <a:xfrm>
-            <a:off x="6569674" y="3709695"/>
-            <a:ext cx="367408" cy="276999"/>
-          </a:xfrm>
-          <a:prstGeom prst="rect">
-            <a:avLst/>
-          </a:prstGeom>
-          <a:noFill/>
-        </p:spPr>
-        <p:txBody>
-          <a:bodyPr wrap="none" rtlCol="0">
-            <a:spAutoFit/>
-          </a:bodyPr>
-          <a:lstStyle/>
-          <a:p>
-            <a:r>
-              <a:rPr lang="en-US" altLang="ko-KR" sz="1200" dirty="0"/>
-              <a:t>no</a:t>
-            </a:r>
-            <a:endParaRPr lang="ko-KR" altLang="en-US" sz="1200" dirty="0"/>
-          </a:p>
-        </p:txBody>
-      </p:sp>
-      <p:grpSp>
-        <p:nvGrpSpPr>
-          <p:cNvPr id="66" name="그룹 65"/>
-          <p:cNvGrpSpPr/>
-          <p:nvPr/>
-        </p:nvGrpSpPr>
-        <p:grpSpPr>
-          <a:xfrm>
-            <a:off x="6355906" y="4780426"/>
-            <a:ext cx="1162352" cy="491814"/>
-            <a:chOff x="6894245" y="4632365"/>
-            <a:chExt cx="1162352" cy="491814"/>
-          </a:xfrm>
-        </p:grpSpPr>
-        <p:sp>
-          <p:nvSpPr>
-            <p:cNvPr id="41" name="순서도: 판단 40"/>
-            <p:cNvSpPr/>
-            <p:nvPr/>
-          </p:nvSpPr>
-          <p:spPr>
-            <a:xfrm>
-              <a:off x="6894245" y="4632365"/>
-              <a:ext cx="1153373" cy="491814"/>
-            </a:xfrm>
-            <a:prstGeom prst="flowChartDecision">
-              <a:avLst/>
-            </a:prstGeom>
-            <a:solidFill>
-              <a:schemeClr val="bg1">
-                <a:lumMod val="65000"/>
-              </a:schemeClr>
-            </a:solidFill>
-            <a:ln>
-              <a:solidFill>
-                <a:schemeClr val="tx1"/>
-              </a:solidFill>
-            </a:ln>
-          </p:spPr>
-          <p:style>
-            <a:lnRef idx="2">
-              <a:schemeClr val="accent1">
-                <a:shade val="50000"/>
-              </a:schemeClr>
-            </a:lnRef>
-            <a:fillRef idx="1">
-              <a:schemeClr val="accent1"/>
-            </a:fillRef>
-            <a:effectRef idx="0">
-              <a:schemeClr val="accent1"/>
-            </a:effectRef>
-            <a:fontRef idx="minor">
-              <a:schemeClr val="lt1"/>
-            </a:fontRef>
-          </p:style>
-          <p:txBody>
-            <a:bodyPr rtlCol="0" anchor="ctr"/>
-            <a:lstStyle/>
-            <a:p>
-              <a:pPr algn="ctr"/>
-              <a:endParaRPr lang="ko-KR" altLang="en-US" sz="1200" dirty="0">
-                <a:solidFill>
-                  <a:schemeClr val="tx1"/>
-                </a:solidFill>
-              </a:endParaRPr>
-            </a:p>
-          </p:txBody>
-        </p:sp>
-        <p:sp>
-          <p:nvSpPr>
-            <p:cNvPr id="42" name="TextBox 41"/>
-            <p:cNvSpPr txBox="1"/>
-            <p:nvPr/>
-          </p:nvSpPr>
-          <p:spPr>
-            <a:xfrm>
-              <a:off x="6911733" y="4644902"/>
-              <a:ext cx="1144864" cy="430887"/>
-            </a:xfrm>
-            <a:prstGeom prst="rect">
-              <a:avLst/>
-            </a:prstGeom>
-            <a:noFill/>
-            <a:ln>
-              <a:noFill/>
-            </a:ln>
-          </p:spPr>
-          <p:txBody>
-            <a:bodyPr wrap="none" rtlCol="0">
-              <a:spAutoFit/>
-            </a:bodyPr>
-            <a:lstStyle/>
-            <a:p>
-              <a:pPr algn="ctr"/>
-              <a:r>
-                <a:rPr lang="ko-KR" altLang="en-US" sz="1100" dirty="0"/>
-                <a:t>바꾸고 싶은 </a:t>
-              </a:r>
-              <a:endParaRPr lang="en-US" altLang="ko-KR" sz="1100" dirty="0"/>
-            </a:p>
-            <a:p>
-              <a:pPr algn="ctr"/>
-              <a:r>
-                <a:rPr lang="ko-KR" altLang="en-US" sz="1100" dirty="0"/>
-                <a:t>설정이 있는가</a:t>
-              </a:r>
-              <a:r>
-                <a:rPr lang="en-US" altLang="ko-KR" sz="1100" dirty="0"/>
-                <a:t>?</a:t>
-              </a:r>
-              <a:endParaRPr lang="ko-KR" altLang="en-US" sz="1100" dirty="0"/>
-            </a:p>
-          </p:txBody>
-        </p:sp>
-      </p:grpSp>
-      <p:sp>
-        <p:nvSpPr>
-          <p:cNvPr id="48" name="순서도: 처리 47"/>
-          <p:cNvSpPr/>
-          <p:nvPr/>
-        </p:nvSpPr>
-        <p:spPr>
-          <a:xfrm>
-            <a:off x="7227588" y="5730057"/>
-            <a:ext cx="914400" cy="334107"/>
-          </a:xfrm>
-          <a:prstGeom prst="flowChartProcess">
-            <a:avLst/>
-          </a:prstGeom>
-          <a:solidFill>
-            <a:srgbClr val="FFFF00"/>
-          </a:solidFill>
-          <a:ln>
-            <a:solidFill>
-              <a:schemeClr val="tx1"/>
-            </a:solidFill>
-          </a:ln>
-        </p:spPr>
-        <p:style>
-          <a:lnRef idx="2">
-            <a:schemeClr val="accent1">
-              <a:shade val="50000"/>
-            </a:schemeClr>
-          </a:lnRef>
-          <a:fillRef idx="1">
-            <a:schemeClr val="accent1"/>
-          </a:fillRef>
-          <a:effectRef idx="0">
-            <a:schemeClr val="accent1"/>
-          </a:effectRef>
-          <a:fontRef idx="minor">
-            <a:schemeClr val="lt1"/>
-          </a:fontRef>
-        </p:style>
-        <p:txBody>
-          <a:bodyPr rtlCol="0" anchor="ctr"/>
-          <a:lstStyle/>
-          <a:p>
-            <a:pPr algn="ctr"/>
-            <a:r>
-              <a:rPr lang="ko-KR" altLang="en-US" sz="1100">
-                <a:solidFill>
-                  <a:schemeClr val="tx1"/>
-                </a:solidFill>
-              </a:rPr>
-              <a:t>설정창</a:t>
-            </a:r>
-            <a:endParaRPr lang="ko-KR" altLang="en-US" sz="1100" dirty="0">
-              <a:solidFill>
-                <a:schemeClr val="tx1"/>
-              </a:solidFill>
-            </a:endParaRPr>
-          </a:p>
-        </p:txBody>
-      </p:sp>
-      <p:cxnSp>
-        <p:nvCxnSpPr>
-          <p:cNvPr id="75" name="꺾인 연결선 74"/>
-          <p:cNvCxnSpPr>
-            <a:stCxn id="21" idx="2"/>
-            <a:endCxn id="42" idx="0"/>
-          </p:cNvCxnSpPr>
-          <p:nvPr/>
-        </p:nvCxnSpPr>
-        <p:spPr>
-          <a:xfrm rot="5400000">
-            <a:off x="7212185" y="4320359"/>
-            <a:ext cx="206246" cy="738963"/>
-          </a:xfrm>
-          <a:prstGeom prst="bentConnector3">
-            <a:avLst/>
-          </a:prstGeom>
-          <a:ln>
-            <a:solidFill>
-              <a:schemeClr val="tx1"/>
-            </a:solidFill>
-            <a:tailEnd type="triangle"/>
-          </a:ln>
-        </p:spPr>
-        <p:style>
-          <a:lnRef idx="1">
-            <a:schemeClr val="accent1"/>
-          </a:lnRef>
-          <a:fillRef idx="0">
-            <a:schemeClr val="accent1"/>
-          </a:fillRef>
-          <a:effectRef idx="0">
-            <a:schemeClr val="accent1"/>
-          </a:effectRef>
-          <a:fontRef idx="minor">
-            <a:schemeClr val="tx1"/>
-          </a:fontRef>
-        </p:style>
-      </p:cxnSp>
-      <p:cxnSp>
-        <p:nvCxnSpPr>
-          <p:cNvPr id="77" name="꺾인 연결선 76"/>
-          <p:cNvCxnSpPr>
-            <a:stCxn id="21" idx="2"/>
-            <a:endCxn id="61" idx="0"/>
-          </p:cNvCxnSpPr>
-          <p:nvPr/>
-        </p:nvCxnSpPr>
-        <p:spPr>
-          <a:xfrm rot="16200000" flipH="1">
-            <a:off x="7954919" y="4316586"/>
-            <a:ext cx="193709" cy="733969"/>
-          </a:xfrm>
-          <a:prstGeom prst="bentConnector3">
-            <a:avLst/>
-          </a:prstGeom>
-          <a:ln>
-            <a:solidFill>
-              <a:schemeClr val="tx1"/>
-            </a:solidFill>
-            <a:tailEnd type="triangle"/>
-          </a:ln>
-        </p:spPr>
-        <p:style>
-          <a:lnRef idx="1">
-            <a:schemeClr val="accent1"/>
-          </a:lnRef>
-          <a:fillRef idx="0">
-            <a:schemeClr val="accent1"/>
-          </a:fillRef>
-          <a:effectRef idx="0">
-            <a:schemeClr val="accent1"/>
-          </a:effectRef>
-          <a:fontRef idx="minor">
-            <a:schemeClr val="tx1"/>
-          </a:fontRef>
-        </p:style>
-      </p:cxnSp>
-      <p:cxnSp>
-        <p:nvCxnSpPr>
-          <p:cNvPr id="79" name="꺾인 연결선 78"/>
-          <p:cNvCxnSpPr>
-            <a:stCxn id="61" idx="2"/>
-            <a:endCxn id="48" idx="0"/>
-          </p:cNvCxnSpPr>
-          <p:nvPr/>
-        </p:nvCxnSpPr>
-        <p:spPr>
-          <a:xfrm rot="5400000">
-            <a:off x="7819615" y="5130913"/>
-            <a:ext cx="464317" cy="733970"/>
-          </a:xfrm>
-          <a:prstGeom prst="bentConnector3">
-            <a:avLst/>
-          </a:prstGeom>
-          <a:ln>
-            <a:solidFill>
-              <a:schemeClr val="tx1"/>
-            </a:solidFill>
-            <a:tailEnd type="triangle"/>
-          </a:ln>
-        </p:spPr>
-        <p:style>
-          <a:lnRef idx="1">
-            <a:schemeClr val="accent1"/>
-          </a:lnRef>
-          <a:fillRef idx="0">
-            <a:schemeClr val="accent1"/>
-          </a:fillRef>
-          <a:effectRef idx="0">
-            <a:schemeClr val="accent1"/>
-          </a:effectRef>
-          <a:fontRef idx="minor">
-            <a:schemeClr val="tx1"/>
-          </a:fontRef>
-        </p:style>
-      </p:cxnSp>
-      <p:cxnSp>
-        <p:nvCxnSpPr>
-          <p:cNvPr id="81" name="꺾인 연결선 80"/>
-          <p:cNvCxnSpPr>
-            <a:stCxn id="41" idx="2"/>
-            <a:endCxn id="48" idx="0"/>
-          </p:cNvCxnSpPr>
-          <p:nvPr/>
-        </p:nvCxnSpPr>
-        <p:spPr>
-          <a:xfrm rot="16200000" flipH="1">
-            <a:off x="7079782" y="5125050"/>
-            <a:ext cx="457817" cy="752195"/>
-          </a:xfrm>
-          <a:prstGeom prst="bentConnector3">
-            <a:avLst/>
-          </a:prstGeom>
-          <a:ln>
-            <a:solidFill>
-              <a:schemeClr val="tx1"/>
-            </a:solidFill>
-            <a:tailEnd type="triangle"/>
-          </a:ln>
-        </p:spPr>
-        <p:style>
-          <a:lnRef idx="1">
-            <a:schemeClr val="accent1"/>
-          </a:lnRef>
-          <a:fillRef idx="0">
-            <a:schemeClr val="accent1"/>
-          </a:fillRef>
-          <a:effectRef idx="0">
-            <a:schemeClr val="accent1"/>
-          </a:effectRef>
-          <a:fontRef idx="minor">
-            <a:schemeClr val="tx1"/>
-          </a:fontRef>
-        </p:style>
-      </p:cxnSp>
-      <p:grpSp>
-        <p:nvGrpSpPr>
-          <p:cNvPr id="83" name="그룹 82"/>
-          <p:cNvGrpSpPr/>
-          <p:nvPr/>
-        </p:nvGrpSpPr>
-        <p:grpSpPr>
-          <a:xfrm>
-            <a:off x="7842071" y="4780425"/>
-            <a:ext cx="1153373" cy="485315"/>
-            <a:chOff x="7587096" y="3930439"/>
-            <a:chExt cx="1153373" cy="485315"/>
-          </a:xfrm>
-        </p:grpSpPr>
-        <p:sp>
-          <p:nvSpPr>
-            <p:cNvPr id="61" name="순서도: 판단 60"/>
-            <p:cNvSpPr/>
-            <p:nvPr/>
-          </p:nvSpPr>
-          <p:spPr>
-            <a:xfrm>
-              <a:off x="7587096" y="3930440"/>
-              <a:ext cx="1153373" cy="485314"/>
-            </a:xfrm>
-            <a:prstGeom prst="flowChartDecision">
-              <a:avLst/>
-            </a:prstGeom>
-            <a:solidFill>
-              <a:schemeClr val="bg1">
-                <a:lumMod val="65000"/>
-              </a:schemeClr>
-            </a:solidFill>
-            <a:ln>
-              <a:solidFill>
-                <a:schemeClr val="tx1"/>
-              </a:solidFill>
-            </a:ln>
-          </p:spPr>
-          <p:style>
-            <a:lnRef idx="2">
-              <a:schemeClr val="accent1">
-                <a:shade val="50000"/>
-              </a:schemeClr>
-            </a:lnRef>
-            <a:fillRef idx="1">
-              <a:schemeClr val="accent1"/>
-            </a:fillRef>
-            <a:effectRef idx="0">
-              <a:schemeClr val="accent1"/>
-            </a:effectRef>
-            <a:fontRef idx="minor">
-              <a:schemeClr val="lt1"/>
-            </a:fontRef>
-          </p:style>
-          <p:txBody>
-            <a:bodyPr rtlCol="0" anchor="ctr"/>
-            <a:lstStyle/>
-            <a:p>
-              <a:pPr algn="ctr"/>
-              <a:endParaRPr lang="ko-KR" altLang="en-US" sz="1200" dirty="0">
-                <a:solidFill>
-                  <a:schemeClr val="tx1"/>
-                </a:solidFill>
-              </a:endParaRPr>
-            </a:p>
-          </p:txBody>
-        </p:sp>
-        <p:sp>
-          <p:nvSpPr>
-            <p:cNvPr id="82" name="TextBox 81"/>
-            <p:cNvSpPr txBox="1"/>
-            <p:nvPr/>
-          </p:nvSpPr>
-          <p:spPr>
-            <a:xfrm>
-              <a:off x="7661883" y="3930439"/>
-              <a:ext cx="1003801" cy="430887"/>
-            </a:xfrm>
-            <a:prstGeom prst="rect">
-              <a:avLst/>
-            </a:prstGeom>
-            <a:noFill/>
-            <a:ln>
-              <a:noFill/>
-            </a:ln>
-          </p:spPr>
-          <p:txBody>
-            <a:bodyPr wrap="none" rtlCol="0">
-              <a:spAutoFit/>
-            </a:bodyPr>
-            <a:lstStyle/>
-            <a:p>
-              <a:pPr algn="ctr"/>
-              <a:r>
-                <a:rPr lang="ko-KR" altLang="en-US" sz="1100" dirty="0"/>
-                <a:t>게임에서 </a:t>
-              </a:r>
-              <a:endParaRPr lang="en-US" altLang="ko-KR" sz="1100" dirty="0"/>
-            </a:p>
-            <a:p>
-              <a:pPr algn="ctr"/>
-              <a:r>
-                <a:rPr lang="ko-KR" altLang="en-US" sz="1100" dirty="0"/>
-                <a:t>나갈 것인가</a:t>
-              </a:r>
-              <a:r>
-                <a:rPr lang="en-US" altLang="ko-KR" sz="1100" dirty="0"/>
-                <a:t>?</a:t>
-              </a:r>
-              <a:endParaRPr lang="ko-KR" altLang="en-US" sz="1100" dirty="0"/>
-            </a:p>
-          </p:txBody>
-        </p:sp>
-      </p:grpSp>
-      <p:grpSp>
-        <p:nvGrpSpPr>
-          <p:cNvPr id="93" name="그룹 92"/>
-          <p:cNvGrpSpPr/>
-          <p:nvPr/>
-        </p:nvGrpSpPr>
-        <p:grpSpPr>
-          <a:xfrm>
-            <a:off x="7073883" y="6285824"/>
-            <a:ext cx="1221808" cy="485314"/>
-            <a:chOff x="7552878" y="3930440"/>
-            <a:chExt cx="1221808" cy="485314"/>
-          </a:xfrm>
-        </p:grpSpPr>
-        <p:sp>
-          <p:nvSpPr>
-            <p:cNvPr id="94" name="순서도: 판단 93"/>
-            <p:cNvSpPr/>
-            <p:nvPr/>
-          </p:nvSpPr>
-          <p:spPr>
-            <a:xfrm>
-              <a:off x="7587096" y="3930440"/>
-              <a:ext cx="1153373" cy="485314"/>
-            </a:xfrm>
-            <a:prstGeom prst="flowChartDecision">
-              <a:avLst/>
-            </a:prstGeom>
-            <a:solidFill>
-              <a:schemeClr val="bg1">
-                <a:lumMod val="65000"/>
-              </a:schemeClr>
-            </a:solidFill>
-            <a:ln>
-              <a:solidFill>
-                <a:schemeClr val="tx1"/>
-              </a:solidFill>
-            </a:ln>
-          </p:spPr>
-          <p:style>
-            <a:lnRef idx="2">
-              <a:schemeClr val="accent1">
-                <a:shade val="50000"/>
-              </a:schemeClr>
-            </a:lnRef>
-            <a:fillRef idx="1">
-              <a:schemeClr val="accent1"/>
-            </a:fillRef>
-            <a:effectRef idx="0">
-              <a:schemeClr val="accent1"/>
-            </a:effectRef>
-            <a:fontRef idx="minor">
-              <a:schemeClr val="lt1"/>
-            </a:fontRef>
-          </p:style>
-          <p:txBody>
-            <a:bodyPr rtlCol="0" anchor="ctr"/>
-            <a:lstStyle/>
-            <a:p>
-              <a:pPr algn="ctr"/>
-              <a:endParaRPr lang="ko-KR" altLang="en-US" sz="1200" dirty="0">
-                <a:solidFill>
-                  <a:schemeClr val="tx1"/>
-                </a:solidFill>
-              </a:endParaRPr>
-            </a:p>
-          </p:txBody>
-        </p:sp>
-        <p:sp>
-          <p:nvSpPr>
-            <p:cNvPr id="95" name="TextBox 94"/>
-            <p:cNvSpPr txBox="1"/>
-            <p:nvPr/>
-          </p:nvSpPr>
-          <p:spPr>
-            <a:xfrm>
-              <a:off x="7552878" y="3957653"/>
-              <a:ext cx="1221808" cy="430887"/>
-            </a:xfrm>
-            <a:prstGeom prst="rect">
-              <a:avLst/>
-            </a:prstGeom>
-            <a:noFill/>
-            <a:ln>
-              <a:noFill/>
-            </a:ln>
-          </p:spPr>
-          <p:txBody>
-            <a:bodyPr wrap="none" rtlCol="0">
-              <a:spAutoFit/>
-            </a:bodyPr>
-            <a:lstStyle/>
-            <a:p>
-              <a:pPr algn="ctr"/>
-              <a:r>
-                <a:rPr lang="ko-KR" altLang="en-US" sz="1100" dirty="0"/>
-                <a:t>게임에서 진짜로</a:t>
-              </a:r>
-              <a:endParaRPr lang="en-US" altLang="ko-KR" sz="1100" dirty="0"/>
-            </a:p>
-            <a:p>
-              <a:pPr algn="ctr"/>
-              <a:r>
-                <a:rPr lang="ko-KR" altLang="en-US" sz="1100" dirty="0"/>
-                <a:t> 나갈 것인가</a:t>
-              </a:r>
-              <a:r>
-                <a:rPr lang="en-US" altLang="ko-KR" sz="1100" dirty="0"/>
-                <a:t>?</a:t>
-              </a:r>
-              <a:endParaRPr lang="ko-KR" altLang="en-US" sz="1100" dirty="0"/>
-            </a:p>
-          </p:txBody>
-        </p:sp>
-      </p:grpSp>
-      <p:cxnSp>
-        <p:nvCxnSpPr>
-          <p:cNvPr id="86" name="직선 화살표 연결선 85"/>
-          <p:cNvCxnSpPr>
-            <a:stCxn id="48" idx="2"/>
-            <a:endCxn id="94" idx="0"/>
-          </p:cNvCxnSpPr>
-          <p:nvPr/>
-        </p:nvCxnSpPr>
-        <p:spPr>
-          <a:xfrm>
-            <a:off x="7684788" y="6064164"/>
-            <a:ext cx="0" cy="221660"/>
-          </a:xfrm>
-          <a:prstGeom prst="straightConnector1">
-            <a:avLst/>
-          </a:prstGeom>
-          <a:ln>
-            <a:solidFill>
-              <a:schemeClr val="tx1"/>
-            </a:solidFill>
-            <a:tailEnd type="triangle"/>
-          </a:ln>
-        </p:spPr>
-        <p:style>
-          <a:lnRef idx="1">
-            <a:schemeClr val="accent1"/>
-          </a:lnRef>
-          <a:fillRef idx="0">
-            <a:schemeClr val="accent1"/>
-          </a:fillRef>
-          <a:effectRef idx="0">
-            <a:schemeClr val="accent1"/>
-          </a:effectRef>
-          <a:fontRef idx="minor">
-            <a:schemeClr val="tx1"/>
-          </a:fontRef>
-        </p:style>
-      </p:cxnSp>
-      <p:cxnSp>
-        <p:nvCxnSpPr>
-          <p:cNvPr id="88" name="꺾인 연결선 87"/>
-          <p:cNvCxnSpPr>
-            <a:stCxn id="95" idx="3"/>
-            <a:endCxn id="21" idx="3"/>
-          </p:cNvCxnSpPr>
-          <p:nvPr/>
-        </p:nvCxnSpPr>
-        <p:spPr>
-          <a:xfrm flipV="1">
-            <a:off x="8295691" y="4444522"/>
-            <a:ext cx="57313" cy="2083959"/>
-          </a:xfrm>
-          <a:prstGeom prst="bentConnector3">
-            <a:avLst>
-              <a:gd name="adj1" fmla="val 1710792"/>
-            </a:avLst>
-          </a:prstGeom>
-          <a:ln>
-            <a:solidFill>
-              <a:schemeClr val="tx1"/>
-            </a:solidFill>
-            <a:tailEnd type="triangle"/>
-          </a:ln>
-        </p:spPr>
-        <p:style>
-          <a:lnRef idx="1">
-            <a:schemeClr val="accent1"/>
-          </a:lnRef>
-          <a:fillRef idx="0">
-            <a:schemeClr val="accent1"/>
-          </a:fillRef>
-          <a:effectRef idx="0">
-            <a:schemeClr val="accent1"/>
-          </a:effectRef>
-          <a:fontRef idx="minor">
-            <a:schemeClr val="tx1"/>
-          </a:fontRef>
-        </p:style>
-      </p:cxnSp>
-      <p:sp>
-        <p:nvSpPr>
-          <p:cNvPr id="107" name="모서리가 둥근 직사각형 106"/>
-          <p:cNvSpPr/>
-          <p:nvPr/>
-        </p:nvSpPr>
-        <p:spPr>
-          <a:xfrm>
-            <a:off x="5249891" y="1399473"/>
-            <a:ext cx="1222131" cy="424552"/>
-          </a:xfrm>
-          <a:prstGeom prst="roundRect">
-            <a:avLst/>
-          </a:prstGeom>
-          <a:ln>
-            <a:solidFill>
-              <a:schemeClr val="tx1"/>
-            </a:solidFill>
-          </a:ln>
-        </p:spPr>
-        <p:style>
-          <a:lnRef idx="2">
-            <a:schemeClr val="accent1">
-              <a:shade val="50000"/>
-            </a:schemeClr>
-          </a:lnRef>
-          <a:fillRef idx="1">
-            <a:schemeClr val="accent1"/>
-          </a:fillRef>
-          <a:effectRef idx="0">
-            <a:schemeClr val="accent1"/>
-          </a:effectRef>
-          <a:fontRef idx="minor">
-            <a:schemeClr val="lt1"/>
-          </a:fontRef>
-        </p:style>
-        <p:txBody>
-          <a:bodyPr rtlCol="0" anchor="ctr"/>
-          <a:lstStyle/>
-          <a:p>
-            <a:pPr algn="ctr"/>
-            <a:r>
-              <a:rPr lang="ko-KR" altLang="en-US" sz="1100" dirty="0"/>
-              <a:t>게임 앱 </a:t>
-            </a:r>
-            <a:r>
-              <a:rPr lang="en-US" altLang="ko-KR" sz="1100" dirty="0"/>
-              <a:t>ON</a:t>
-            </a:r>
-            <a:endParaRPr lang="ko-KR" altLang="en-US" sz="1100" dirty="0"/>
-          </a:p>
-        </p:txBody>
-      </p:sp>
-      <p:sp>
-        <p:nvSpPr>
-          <p:cNvPr id="114" name="순서도: 처리 113"/>
-          <p:cNvSpPr/>
-          <p:nvPr/>
-        </p:nvSpPr>
-        <p:spPr>
-          <a:xfrm>
-            <a:off x="5043271" y="1973689"/>
-            <a:ext cx="1635370" cy="288668"/>
-          </a:xfrm>
-          <a:prstGeom prst="flowChartProcess">
-            <a:avLst/>
-          </a:prstGeom>
-          <a:solidFill>
-            <a:srgbClr val="FFFF00"/>
-          </a:solidFill>
-          <a:ln>
-            <a:solidFill>
-              <a:schemeClr val="tx1"/>
-            </a:solidFill>
-          </a:ln>
-        </p:spPr>
-        <p:style>
-          <a:lnRef idx="2">
-            <a:schemeClr val="accent1">
-              <a:shade val="50000"/>
-            </a:schemeClr>
-          </a:lnRef>
-          <a:fillRef idx="1">
-            <a:schemeClr val="accent1"/>
-          </a:fillRef>
-          <a:effectRef idx="0">
-            <a:schemeClr val="accent1"/>
-          </a:effectRef>
-          <a:fontRef idx="minor">
-            <a:schemeClr val="lt1"/>
-          </a:fontRef>
-        </p:style>
-        <p:txBody>
-          <a:bodyPr rtlCol="0" anchor="ctr"/>
-          <a:lstStyle/>
-          <a:p>
-            <a:pPr algn="ctr"/>
-            <a:r>
-              <a:rPr lang="ko-KR" altLang="en-US" sz="1100" dirty="0">
-                <a:solidFill>
-                  <a:schemeClr val="tx1"/>
-                </a:solidFill>
-              </a:rPr>
-              <a:t>로비</a:t>
-            </a:r>
-          </a:p>
-        </p:txBody>
-      </p:sp>
-      <p:cxnSp>
-        <p:nvCxnSpPr>
-          <p:cNvPr id="115" name="직선 화살표 연결선 114"/>
-          <p:cNvCxnSpPr>
-            <a:stCxn id="114" idx="2"/>
-            <a:endCxn id="3" idx="0"/>
-          </p:cNvCxnSpPr>
-          <p:nvPr/>
-        </p:nvCxnSpPr>
-        <p:spPr>
-          <a:xfrm>
-            <a:off x="5860956" y="2262357"/>
-            <a:ext cx="3" cy="271322"/>
-          </a:xfrm>
-          <a:prstGeom prst="straightConnector1">
-            <a:avLst/>
-          </a:prstGeom>
-          <a:ln>
-            <a:solidFill>
-              <a:schemeClr val="tx1"/>
-            </a:solidFill>
-            <a:tailEnd type="triangle"/>
-          </a:ln>
-        </p:spPr>
-        <p:style>
-          <a:lnRef idx="1">
-            <a:schemeClr val="accent1"/>
-          </a:lnRef>
-          <a:fillRef idx="0">
-            <a:schemeClr val="accent1"/>
-          </a:fillRef>
-          <a:effectRef idx="0">
-            <a:schemeClr val="accent1"/>
-          </a:effectRef>
-          <a:fontRef idx="minor">
-            <a:schemeClr val="tx1"/>
-          </a:fontRef>
-        </p:style>
-      </p:cxnSp>
-      <p:cxnSp>
-        <p:nvCxnSpPr>
-          <p:cNvPr id="119" name="꺾인 연결선 118"/>
-          <p:cNvCxnSpPr>
-            <a:stCxn id="95" idx="1"/>
-            <a:endCxn id="114" idx="1"/>
-          </p:cNvCxnSpPr>
-          <p:nvPr/>
-        </p:nvCxnSpPr>
-        <p:spPr>
-          <a:xfrm rot="10800000">
-            <a:off x="5043271" y="2118023"/>
-            <a:ext cx="2030612" cy="4410458"/>
-          </a:xfrm>
-          <a:prstGeom prst="bentConnector3">
-            <a:avLst>
-              <a:gd name="adj1" fmla="val 255443"/>
-            </a:avLst>
-          </a:prstGeom>
-          <a:ln>
-            <a:solidFill>
-              <a:schemeClr val="tx1"/>
-            </a:solidFill>
-            <a:tailEnd type="triangle"/>
-          </a:ln>
-        </p:spPr>
-        <p:style>
-          <a:lnRef idx="1">
-            <a:schemeClr val="accent1"/>
-          </a:lnRef>
-          <a:fillRef idx="0">
-            <a:schemeClr val="accent1"/>
-          </a:fillRef>
-          <a:effectRef idx="0">
-            <a:schemeClr val="accent1"/>
-          </a:effectRef>
-          <a:fontRef idx="minor">
-            <a:schemeClr val="tx1"/>
-          </a:fontRef>
-        </p:style>
-      </p:cxnSp>
-      <p:sp>
-        <p:nvSpPr>
-          <p:cNvPr id="123" name="TextBox 122"/>
-          <p:cNvSpPr txBox="1"/>
-          <p:nvPr/>
-        </p:nvSpPr>
-        <p:spPr>
-          <a:xfrm>
-            <a:off x="9273159" y="5265739"/>
-            <a:ext cx="367408" cy="276999"/>
-          </a:xfrm>
-          <a:prstGeom prst="rect">
-            <a:avLst/>
-          </a:prstGeom>
-          <a:noFill/>
-        </p:spPr>
-        <p:txBody>
-          <a:bodyPr wrap="none" rtlCol="0">
-            <a:spAutoFit/>
-          </a:bodyPr>
-          <a:lstStyle/>
-          <a:p>
-            <a:r>
-              <a:rPr lang="en-US" altLang="ko-KR" sz="1200" dirty="0"/>
-              <a:t>no</a:t>
-            </a:r>
-            <a:endParaRPr lang="ko-KR" altLang="en-US" sz="1200" dirty="0"/>
-          </a:p>
-        </p:txBody>
-      </p:sp>
-      <p:sp>
-        <p:nvSpPr>
-          <p:cNvPr id="124" name="TextBox 123"/>
-          <p:cNvSpPr txBox="1"/>
-          <p:nvPr/>
-        </p:nvSpPr>
-        <p:spPr>
-          <a:xfrm>
-            <a:off x="1533400" y="3951525"/>
-            <a:ext cx="408253" cy="276999"/>
-          </a:xfrm>
-          <a:prstGeom prst="rect">
-            <a:avLst/>
-          </a:prstGeom>
-          <a:noFill/>
-        </p:spPr>
-        <p:txBody>
-          <a:bodyPr wrap="none" rtlCol="0">
-            <a:spAutoFit/>
-          </a:bodyPr>
-          <a:lstStyle/>
-          <a:p>
-            <a:r>
-              <a:rPr lang="en-US" altLang="ko-KR" sz="1200" dirty="0"/>
-              <a:t>yes</a:t>
-            </a:r>
-            <a:endParaRPr lang="ko-KR" altLang="en-US" sz="1200" dirty="0"/>
-          </a:p>
-        </p:txBody>
-      </p:sp>
     </p:spTree>
     <p:extLst>
       <p:ext uri="{BB962C8B-B14F-4D97-AF65-F5344CB8AC3E}">
-        <p14:creationId xmlns:p14="http://schemas.microsoft.com/office/powerpoint/2010/main" val="475194819"/>
+        <p14:creationId xmlns:p14="http://schemas.microsoft.com/office/powerpoint/2010/main" val="2536561752"/>
       </p:ext>
     </p:extLst>
   </p:cSld>
